--- a/Phase1.pptx
+++ b/Phase1.pptx
@@ -7,6 +7,7 @@
   <p:sldIdLst>
     <p:sldId id="256" r:id="rId2"/>
     <p:sldId id="257" r:id="rId3"/>
+    <p:sldId id="258" r:id="rId4"/>
   </p:sldIdLst>
   <p:sldSz cx="12192000" cy="6858000"/>
   <p:notesSz cx="6858000" cy="9144000"/>
@@ -105,6 +106,11 @@
       </a:defRPr>
     </a:lvl9pPr>
   </p:defaultTextStyle>
+  <p:extLst>
+    <p:ext uri="{EFAFB233-063F-42B5-8137-9DF3F51BA10A}">
+      <p15:sldGuideLst xmlns:p15="http://schemas.microsoft.com/office/powerpoint/2012/main"/>
+    </p:ext>
+  </p:extLst>
 </p:presentation>
 </file>
 
@@ -255,7 +261,7 @@
           <a:p>
             <a:fld id="{A2844810-C7DE-4943-ACE8-1A6314E74F3D}" type="datetimeFigureOut">
               <a:rPr lang="en-US" smtClean="0"/>
-              <a:t>2/22/2023</a:t>
+              <a:t>2/23/2023</a:t>
             </a:fld>
             <a:endParaRPr lang="en-US"/>
           </a:p>
@@ -453,7 +459,7 @@
           <a:p>
             <a:fld id="{A2844810-C7DE-4943-ACE8-1A6314E74F3D}" type="datetimeFigureOut">
               <a:rPr lang="en-US" smtClean="0"/>
-              <a:t>2/22/2023</a:t>
+              <a:t>2/23/2023</a:t>
             </a:fld>
             <a:endParaRPr lang="en-US"/>
           </a:p>
@@ -661,7 +667,7 @@
           <a:p>
             <a:fld id="{A2844810-C7DE-4943-ACE8-1A6314E74F3D}" type="datetimeFigureOut">
               <a:rPr lang="en-US" smtClean="0"/>
-              <a:t>2/22/2023</a:t>
+              <a:t>2/23/2023</a:t>
             </a:fld>
             <a:endParaRPr lang="en-US"/>
           </a:p>
@@ -859,7 +865,7 @@
           <a:p>
             <a:fld id="{A2844810-C7DE-4943-ACE8-1A6314E74F3D}" type="datetimeFigureOut">
               <a:rPr lang="en-US" smtClean="0"/>
-              <a:t>2/22/2023</a:t>
+              <a:t>2/23/2023</a:t>
             </a:fld>
             <a:endParaRPr lang="en-US"/>
           </a:p>
@@ -1134,7 +1140,7 @@
           <a:p>
             <a:fld id="{A2844810-C7DE-4943-ACE8-1A6314E74F3D}" type="datetimeFigureOut">
               <a:rPr lang="en-US" smtClean="0"/>
-              <a:t>2/22/2023</a:t>
+              <a:t>2/23/2023</a:t>
             </a:fld>
             <a:endParaRPr lang="en-US"/>
           </a:p>
@@ -1399,7 +1405,7 @@
           <a:p>
             <a:fld id="{A2844810-C7DE-4943-ACE8-1A6314E74F3D}" type="datetimeFigureOut">
               <a:rPr lang="en-US" smtClean="0"/>
-              <a:t>2/22/2023</a:t>
+              <a:t>2/23/2023</a:t>
             </a:fld>
             <a:endParaRPr lang="en-US"/>
           </a:p>
@@ -1811,7 +1817,7 @@
           <a:p>
             <a:fld id="{A2844810-C7DE-4943-ACE8-1A6314E74F3D}" type="datetimeFigureOut">
               <a:rPr lang="en-US" smtClean="0"/>
-              <a:t>2/22/2023</a:t>
+              <a:t>2/23/2023</a:t>
             </a:fld>
             <a:endParaRPr lang="en-US"/>
           </a:p>
@@ -1952,7 +1958,7 @@
           <a:p>
             <a:fld id="{A2844810-C7DE-4943-ACE8-1A6314E74F3D}" type="datetimeFigureOut">
               <a:rPr lang="en-US" smtClean="0"/>
-              <a:t>2/22/2023</a:t>
+              <a:t>2/23/2023</a:t>
             </a:fld>
             <a:endParaRPr lang="en-US"/>
           </a:p>
@@ -2065,7 +2071,7 @@
           <a:p>
             <a:fld id="{A2844810-C7DE-4943-ACE8-1A6314E74F3D}" type="datetimeFigureOut">
               <a:rPr lang="en-US" smtClean="0"/>
-              <a:t>2/22/2023</a:t>
+              <a:t>2/23/2023</a:t>
             </a:fld>
             <a:endParaRPr lang="en-US"/>
           </a:p>
@@ -2376,7 +2382,7 @@
           <a:p>
             <a:fld id="{A2844810-C7DE-4943-ACE8-1A6314E74F3D}" type="datetimeFigureOut">
               <a:rPr lang="en-US" smtClean="0"/>
-              <a:t>2/22/2023</a:t>
+              <a:t>2/23/2023</a:t>
             </a:fld>
             <a:endParaRPr lang="en-US"/>
           </a:p>
@@ -2664,7 +2670,7 @@
           <a:p>
             <a:fld id="{A2844810-C7DE-4943-ACE8-1A6314E74F3D}" type="datetimeFigureOut">
               <a:rPr lang="en-US" smtClean="0"/>
-              <a:t>2/22/2023</a:t>
+              <a:t>2/23/2023</a:t>
             </a:fld>
             <a:endParaRPr lang="en-US"/>
           </a:p>
@@ -2905,7 +2911,7 @@
           <a:p>
             <a:fld id="{A2844810-C7DE-4943-ACE8-1A6314E74F3D}" type="datetimeFigureOut">
               <a:rPr lang="en-US" smtClean="0"/>
-              <a:t>2/22/2023</a:t>
+              <a:t>2/23/2023</a:t>
             </a:fld>
             <a:endParaRPr lang="en-US"/>
           </a:p>
@@ -3420,10 +3426,27 @@
         </p:nvSpPr>
         <p:spPr/>
         <p:txBody>
-          <a:bodyPr/>
-          <a:lstStyle/>
-          <a:p>
-            <a:endParaRPr lang="en-US"/>
+          <a:bodyPr>
+            <a:normAutofit fontScale="90000"/>
+          </a:bodyPr>
+          <a:lstStyle/>
+          <a:p>
+            <a:r>
+              <a:rPr lang="en-US" sz="6000" b="1" dirty="0"/>
+              <a:t>Research Paper – I</a:t>
+            </a:r>
+            <a:br>
+              <a:rPr lang="en-US" dirty="0"/>
+            </a:br>
+            <a:r>
+              <a:rPr lang="en-US" sz="3100" i="1" dirty="0" err="1"/>
+              <a:t>Youtube</a:t>
+            </a:r>
+            <a:r>
+              <a:rPr lang="en-US" sz="3100" i="1" dirty="0"/>
+              <a:t> Trending Video analysis by Dublin School</a:t>
+            </a:r>
+            <a:endParaRPr lang="en-US" i="1" dirty="0"/>
           </a:p>
         </p:txBody>
       </p:sp>
@@ -3448,7 +3471,69 @@
           <a:bodyPr/>
           <a:lstStyle/>
           <a:p>
-            <a:endParaRPr lang="en-US"/>
+            <a:pPr marL="0" indent="0">
+              <a:buNone/>
+            </a:pPr>
+            <a:r>
+              <a:rPr lang="en-US" dirty="0"/>
+              <a:t>What did they do?</a:t>
+            </a:r>
+          </a:p>
+          <a:p>
+            <a:pPr>
+              <a:buFontTx/>
+              <a:buChar char="-"/>
+            </a:pPr>
+            <a:r>
+              <a:rPr lang="en-US" dirty="0"/>
+              <a:t>Predicting the number of days video will take to get on trending list</a:t>
+            </a:r>
+          </a:p>
+          <a:p>
+            <a:pPr>
+              <a:buFontTx/>
+              <a:buChar char="-"/>
+            </a:pPr>
+            <a:r>
+              <a:rPr lang="en-US" dirty="0"/>
+              <a:t>Predicting the number of days video will trend on trending list</a:t>
+            </a:r>
+          </a:p>
+          <a:p>
+            <a:pPr>
+              <a:buFontTx/>
+              <a:buChar char="-"/>
+            </a:pPr>
+            <a:endParaRPr lang="en-US" dirty="0"/>
+          </a:p>
+          <a:p>
+            <a:pPr marL="0" indent="0">
+              <a:buNone/>
+            </a:pPr>
+            <a:r>
+              <a:rPr lang="en-US" dirty="0"/>
+              <a:t>What didn’t they do?</a:t>
+            </a:r>
+          </a:p>
+          <a:p>
+            <a:pPr>
+              <a:buFontTx/>
+              <a:buChar char="-"/>
+            </a:pPr>
+            <a:r>
+              <a:rPr lang="en-US" dirty="0"/>
+              <a:t>Making use of Video picture in the model prediction</a:t>
+            </a:r>
+          </a:p>
+          <a:p>
+            <a:pPr>
+              <a:buFontTx/>
+              <a:buChar char="-"/>
+            </a:pPr>
+            <a:r>
+              <a:rPr lang="en-US" dirty="0"/>
+              <a:t>Making use of comments</a:t>
+            </a:r>
           </a:p>
         </p:txBody>
       </p:sp>
@@ -3456,6 +3541,86 @@
     <p:extLst>
       <p:ext uri="{BB962C8B-B14F-4D97-AF65-F5344CB8AC3E}">
         <p14:creationId xmlns:p14="http://schemas.microsoft.com/office/powerpoint/2010/main" val="4140099595"/>
+      </p:ext>
+    </p:extLst>
+  </p:cSld>
+  <p:clrMapOvr>
+    <a:masterClrMapping/>
+  </p:clrMapOvr>
+</p:sld>
+</file>
+
+<file path=ppt/slides/slide3.xml><?xml version="1.0" encoding="utf-8"?>
+<p:sld xmlns:a="http://schemas.openxmlformats.org/drawingml/2006/main" xmlns:r="http://schemas.openxmlformats.org/officeDocument/2006/relationships" xmlns:p="http://schemas.openxmlformats.org/presentationml/2006/main">
+  <p:cSld>
+    <p:spTree>
+      <p:nvGrpSpPr>
+        <p:cNvPr id="1" name=""/>
+        <p:cNvGrpSpPr/>
+        <p:nvPr/>
+      </p:nvGrpSpPr>
+      <p:grpSpPr>
+        <a:xfrm>
+          <a:off x="0" y="0"/>
+          <a:ext cx="0" cy="0"/>
+          <a:chOff x="0" y="0"/>
+          <a:chExt cx="0" cy="0"/>
+        </a:xfrm>
+      </p:grpSpPr>
+      <p:sp>
+        <p:nvSpPr>
+          <p:cNvPr id="2" name="Title 1">
+            <a:extLst>
+              <a:ext uri="{FF2B5EF4-FFF2-40B4-BE49-F238E27FC236}">
+                <a16:creationId xmlns:a16="http://schemas.microsoft.com/office/drawing/2014/main" id="{F9584C52-0E39-D57E-72D8-30C8482C0709}"/>
+              </a:ext>
+            </a:extLst>
+          </p:cNvPr>
+          <p:cNvSpPr>
+            <a:spLocks noGrp="1"/>
+          </p:cNvSpPr>
+          <p:nvPr>
+            <p:ph type="title"/>
+          </p:nvPr>
+        </p:nvSpPr>
+        <p:spPr/>
+        <p:txBody>
+          <a:bodyPr/>
+          <a:lstStyle/>
+          <a:p>
+            <a:endParaRPr lang="en-US" dirty="0"/>
+          </a:p>
+        </p:txBody>
+      </p:sp>
+      <p:sp>
+        <p:nvSpPr>
+          <p:cNvPr id="3" name="Content Placeholder 2">
+            <a:extLst>
+              <a:ext uri="{FF2B5EF4-FFF2-40B4-BE49-F238E27FC236}">
+                <a16:creationId xmlns:a16="http://schemas.microsoft.com/office/drawing/2014/main" id="{6E75CA7C-3067-536D-3D0D-0E688EFC3334}"/>
+              </a:ext>
+            </a:extLst>
+          </p:cNvPr>
+          <p:cNvSpPr>
+            <a:spLocks noGrp="1"/>
+          </p:cNvSpPr>
+          <p:nvPr>
+            <p:ph idx="1"/>
+          </p:nvPr>
+        </p:nvSpPr>
+        <p:spPr/>
+        <p:txBody>
+          <a:bodyPr/>
+          <a:lstStyle/>
+          <a:p>
+            <a:endParaRPr lang="en-US"/>
+          </a:p>
+        </p:txBody>
+      </p:sp>
+    </p:spTree>
+    <p:extLst>
+      <p:ext uri="{BB962C8B-B14F-4D97-AF65-F5344CB8AC3E}">
+        <p14:creationId xmlns:p14="http://schemas.microsoft.com/office/powerpoint/2010/main" val="3907566515"/>
       </p:ext>
     </p:extLst>
   </p:cSld>

--- a/Phase1.pptx
+++ b/Phase1.pptx
@@ -112,6 +112,43 @@
     </p:ext>
   </p:extLst>
 </p:presentation>
+</file>
+
+<file path=ppt/changesInfos/changesInfo1.xml><?xml version="1.0" encoding="utf-8"?>
+<pc:chgInfo xmlns:a="http://schemas.openxmlformats.org/drawingml/2006/main" xmlns:r="http://schemas.openxmlformats.org/officeDocument/2006/relationships" xmlns:ac="http://schemas.microsoft.com/office/drawing/2013/main/command" xmlns:pc="http://schemas.microsoft.com/office/powerpoint/2013/main/command">
+  <pc:docChgLst>
+    <pc:chgData name="Pooja Laveti" userId="a348b4b3ee6c70d5" providerId="LiveId" clId="{E137CBB1-5380-4A9B-9BEE-9C6B1151E3C5}"/>
+    <pc:docChg chg="undo redo custSel modSld">
+      <pc:chgData name="Pooja Laveti" userId="a348b4b3ee6c70d5" providerId="LiveId" clId="{E137CBB1-5380-4A9B-9BEE-9C6B1151E3C5}" dt="2023-02-24T00:52:29.946" v="186" actId="20577"/>
+      <pc:docMkLst>
+        <pc:docMk/>
+      </pc:docMkLst>
+      <pc:sldChg chg="modSp mod">
+        <pc:chgData name="Pooja Laveti" userId="a348b4b3ee6c70d5" providerId="LiveId" clId="{E137CBB1-5380-4A9B-9BEE-9C6B1151E3C5}" dt="2023-02-24T00:52:29.946" v="186" actId="20577"/>
+        <pc:sldMkLst>
+          <pc:docMk/>
+          <pc:sldMk cId="3907566515" sldId="258"/>
+        </pc:sldMkLst>
+        <pc:spChg chg="mod">
+          <ac:chgData name="Pooja Laveti" userId="a348b4b3ee6c70d5" providerId="LiveId" clId="{E137CBB1-5380-4A9B-9BEE-9C6B1151E3C5}" dt="2023-02-24T00:45:45.548" v="107" actId="20577"/>
+          <ac:spMkLst>
+            <pc:docMk/>
+            <pc:sldMk cId="3907566515" sldId="258"/>
+            <ac:spMk id="2" creationId="{F9584C52-0E39-D57E-72D8-30C8482C0709}"/>
+          </ac:spMkLst>
+        </pc:spChg>
+        <pc:spChg chg="mod">
+          <ac:chgData name="Pooja Laveti" userId="a348b4b3ee6c70d5" providerId="LiveId" clId="{E137CBB1-5380-4A9B-9BEE-9C6B1151E3C5}" dt="2023-02-24T00:52:29.946" v="186" actId="20577"/>
+          <ac:spMkLst>
+            <pc:docMk/>
+            <pc:sldMk cId="3907566515" sldId="258"/>
+            <ac:spMk id="3" creationId="{6E75CA7C-3067-536D-3D0D-0E688EFC3334}"/>
+          </ac:spMkLst>
+        </pc:spChg>
+      </pc:sldChg>
+    </pc:docChg>
+  </pc:docChgLst>
+</pc:chgInfo>
 </file>
 
 <file path=ppt/slideLayouts/slideLayout1.xml><?xml version="1.0" encoding="utf-8"?>
@@ -3583,37 +3620,137 @@
             <p:ph type="title"/>
           </p:nvPr>
         </p:nvSpPr>
-        <p:spPr/>
-        <p:txBody>
-          <a:bodyPr/>
-          <a:lstStyle/>
-          <a:p>
+        <p:spPr>
+          <a:xfrm>
+            <a:off x="838200" y="585044"/>
+            <a:ext cx="10515600" cy="1325563"/>
+          </a:xfrm>
+        </p:spPr>
+        <p:txBody>
+          <a:bodyPr>
+            <a:normAutofit fontScale="90000"/>
+          </a:bodyPr>
+          <a:lstStyle/>
+          <a:p>
+            <a:r>
+              <a:rPr lang="en-US" b="1" dirty="0"/>
+              <a:t>Research Paper - 2</a:t>
+            </a:r>
+            <a:br>
+              <a:rPr lang="en-US" dirty="0"/>
+            </a:br>
+            <a:r>
+              <a:rPr lang="en-US" sz="3100" i="1" dirty="0"/>
+              <a:t>Identifying Latent Toxic Features on YouTube Using Non-negative Matrix Factorization</a:t>
+            </a:r>
+          </a:p>
+        </p:txBody>
+      </p:sp>
+      <p:sp>
+        <p:nvSpPr>
+          <p:cNvPr id="3" name="Content Placeholder 2">
+            <a:extLst>
+              <a:ext uri="{FF2B5EF4-FFF2-40B4-BE49-F238E27FC236}">
+                <a16:creationId xmlns:a16="http://schemas.microsoft.com/office/drawing/2014/main" id="{6E75CA7C-3067-536D-3D0D-0E688EFC3334}"/>
+              </a:ext>
+            </a:extLst>
+          </p:cNvPr>
+          <p:cNvSpPr>
+            <a:spLocks noGrp="1"/>
+          </p:cNvSpPr>
+          <p:nvPr>
+            <p:ph idx="1"/>
+          </p:nvPr>
+        </p:nvSpPr>
+        <p:spPr>
+          <a:xfrm>
+            <a:off x="838200" y="2233913"/>
+            <a:ext cx="10515600" cy="3943049"/>
+          </a:xfrm>
+        </p:spPr>
+        <p:txBody>
+          <a:bodyPr/>
+          <a:lstStyle/>
+          <a:p>
+            <a:pPr marL="0" indent="0">
+              <a:buNone/>
+            </a:pPr>
+            <a:r>
+              <a:rPr lang="en-US" dirty="0"/>
+              <a:t>What did they do?</a:t>
+            </a:r>
+          </a:p>
+          <a:p>
+            <a:pPr>
+              <a:buFontTx/>
+              <a:buChar char="-"/>
+            </a:pPr>
+            <a:r>
+              <a:rPr lang="en-US" dirty="0"/>
+              <a:t>Used the Non-negative Matrix Factorization based</a:t>
+            </a:r>
+            <a:r>
+              <a:rPr lang="en-US" b="0" i="0" dirty="0">
+                <a:solidFill>
+                  <a:srgbClr val="07061D"/>
+                </a:solidFill>
+                <a:effectLst/>
+              </a:rPr>
+              <a:t> approach on the comments section to predict toxicity scores and assess toxicity on social media networks.</a:t>
+            </a:r>
+          </a:p>
+          <a:p>
+            <a:pPr marL="0" indent="0">
+              <a:buNone/>
+            </a:pPr>
+            <a:r>
+              <a:rPr lang="en-US" dirty="0"/>
+              <a:t>What didn’t they do?</a:t>
+            </a:r>
+          </a:p>
+          <a:p>
+            <a:pPr>
+              <a:buFontTx/>
+              <a:buChar char="-"/>
+            </a:pPr>
+            <a:r>
+              <a:rPr lang="en-US" dirty="0">
+                <a:solidFill>
+                  <a:srgbClr val="07061D"/>
+                </a:solidFill>
+              </a:rPr>
+              <a:t>Did not assess positive comments.</a:t>
+            </a:r>
+            <a:endParaRPr lang="en-US" b="0" i="0" dirty="0">
+              <a:solidFill>
+                <a:srgbClr val="07061D"/>
+              </a:solidFill>
+              <a:effectLst/>
+            </a:endParaRPr>
+          </a:p>
+          <a:p>
+            <a:pPr>
+              <a:buFontTx/>
+              <a:buChar char="-"/>
+            </a:pPr>
+            <a:endParaRPr lang="en-US" b="0" i="0" dirty="0">
+              <a:solidFill>
+                <a:srgbClr val="07061D"/>
+              </a:solidFill>
+              <a:effectLst/>
+            </a:endParaRPr>
+          </a:p>
+          <a:p>
+            <a:pPr marL="0" indent="0">
+              <a:buNone/>
+            </a:pPr>
             <a:endParaRPr lang="en-US" dirty="0"/>
           </a:p>
-        </p:txBody>
-      </p:sp>
-      <p:sp>
-        <p:nvSpPr>
-          <p:cNvPr id="3" name="Content Placeholder 2">
-            <a:extLst>
-              <a:ext uri="{FF2B5EF4-FFF2-40B4-BE49-F238E27FC236}">
-                <a16:creationId xmlns:a16="http://schemas.microsoft.com/office/drawing/2014/main" id="{6E75CA7C-3067-536D-3D0D-0E688EFC3334}"/>
-              </a:ext>
-            </a:extLst>
-          </p:cNvPr>
-          <p:cNvSpPr>
-            <a:spLocks noGrp="1"/>
-          </p:cNvSpPr>
-          <p:nvPr>
-            <p:ph idx="1"/>
-          </p:nvPr>
-        </p:nvSpPr>
-        <p:spPr/>
-        <p:txBody>
-          <a:bodyPr/>
-          <a:lstStyle/>
-          <a:p>
-            <a:endParaRPr lang="en-US"/>
+          <a:p>
+            <a:pPr marL="0" indent="0">
+              <a:buNone/>
+            </a:pPr>
+            <a:endParaRPr lang="en-US" dirty="0"/>
           </a:p>
         </p:txBody>
       </p:sp>

--- a/Phase1.pptx
+++ b/Phase1.pptx
@@ -2,12 +2,17 @@
 <file path=ppt/presentation.xml><?xml version="1.0" encoding="utf-8"?>
 <p:presentation xmlns:a="http://schemas.openxmlformats.org/drawingml/2006/main" xmlns:r="http://schemas.openxmlformats.org/officeDocument/2006/relationships" xmlns:p="http://schemas.openxmlformats.org/presentationml/2006/main" saveSubsetFonts="1">
   <p:sldMasterIdLst>
-    <p:sldMasterId id="2147483648" r:id="rId1"/>
+    <p:sldMasterId id="2147483660" r:id="rId1"/>
   </p:sldMasterIdLst>
   <p:sldIdLst>
-    <p:sldId id="256" r:id="rId2"/>
-    <p:sldId id="257" r:id="rId3"/>
-    <p:sldId id="258" r:id="rId4"/>
+    <p:sldId id="264" r:id="rId2"/>
+    <p:sldId id="265" r:id="rId3"/>
+    <p:sldId id="272" r:id="rId4"/>
+    <p:sldId id="273" r:id="rId5"/>
+    <p:sldId id="274" r:id="rId6"/>
+    <p:sldId id="266" r:id="rId7"/>
+    <p:sldId id="267" r:id="rId8"/>
+    <p:sldId id="268" r:id="rId9"/>
   </p:sldIdLst>
   <p:sldSz cx="12192000" cy="6858000"/>
   <p:notesSz cx="6858000" cy="9144000"/>
@@ -118,19 +123,81 @@
 <pc:chgInfo xmlns:a="http://schemas.openxmlformats.org/drawingml/2006/main" xmlns:r="http://schemas.openxmlformats.org/officeDocument/2006/relationships" xmlns:ac="http://schemas.microsoft.com/office/drawing/2013/main/command" xmlns:pc="http://schemas.microsoft.com/office/powerpoint/2013/main/command">
   <pc:docChgLst>
     <pc:chgData name="Pooja Laveti" userId="a348b4b3ee6c70d5" providerId="LiveId" clId="{E137CBB1-5380-4A9B-9BEE-9C6B1151E3C5}"/>
-    <pc:docChg chg="undo redo custSel modSld">
-      <pc:chgData name="Pooja Laveti" userId="a348b4b3ee6c70d5" providerId="LiveId" clId="{E137CBB1-5380-4A9B-9BEE-9C6B1151E3C5}" dt="2023-02-24T00:52:29.946" v="186" actId="20577"/>
+    <pc:docChg chg="undo redo custSel addSld delSld modSld sldOrd delMainMaster">
+      <pc:chgData name="Pooja Laveti" userId="a348b4b3ee6c70d5" providerId="LiveId" clId="{E137CBB1-5380-4A9B-9BEE-9C6B1151E3C5}" dt="2023-02-27T15:57:49.333" v="1512" actId="47"/>
       <pc:docMkLst>
         <pc:docMk/>
       </pc:docMkLst>
-      <pc:sldChg chg="modSp mod">
-        <pc:chgData name="Pooja Laveti" userId="a348b4b3ee6c70d5" providerId="LiveId" clId="{E137CBB1-5380-4A9B-9BEE-9C6B1151E3C5}" dt="2023-02-24T00:52:29.946" v="186" actId="20577"/>
+      <pc:sldChg chg="modSp del mod">
+        <pc:chgData name="Pooja Laveti" userId="a348b4b3ee6c70d5" providerId="LiveId" clId="{E137CBB1-5380-4A9B-9BEE-9C6B1151E3C5}" dt="2023-02-27T15:57:31.545" v="1503" actId="47"/>
+        <pc:sldMkLst>
+          <pc:docMk/>
+          <pc:sldMk cId="1824199810" sldId="256"/>
+        </pc:sldMkLst>
+        <pc:spChg chg="mod">
+          <ac:chgData name="Pooja Laveti" userId="a348b4b3ee6c70d5" providerId="LiveId" clId="{E137CBB1-5380-4A9B-9BEE-9C6B1151E3C5}" dt="2023-02-27T15:42:45.375" v="1280" actId="20577"/>
+          <ac:spMkLst>
+            <pc:docMk/>
+            <pc:sldMk cId="1824199810" sldId="256"/>
+            <ac:spMk id="2" creationId="{1C8E0869-38E2-DF68-4D8A-CBEBB434C47D}"/>
+          </ac:spMkLst>
+        </pc:spChg>
+        <pc:spChg chg="mod">
+          <ac:chgData name="Pooja Laveti" userId="a348b4b3ee6c70d5" providerId="LiveId" clId="{E137CBB1-5380-4A9B-9BEE-9C6B1151E3C5}" dt="2023-02-27T15:45:22.772" v="1375" actId="1076"/>
+          <ac:spMkLst>
+            <pc:docMk/>
+            <pc:sldMk cId="1824199810" sldId="256"/>
+            <ac:spMk id="3" creationId="{CD16C0A7-7D09-EA4C-9A32-58E20141E662}"/>
+          </ac:spMkLst>
+        </pc:spChg>
+      </pc:sldChg>
+      <pc:sldChg chg="addSp delSp modSp del mod">
+        <pc:chgData name="Pooja Laveti" userId="a348b4b3ee6c70d5" providerId="LiveId" clId="{E137CBB1-5380-4A9B-9BEE-9C6B1151E3C5}" dt="2023-02-27T15:57:44.541" v="1509" actId="47"/>
+        <pc:sldMkLst>
+          <pc:docMk/>
+          <pc:sldMk cId="4140099595" sldId="257"/>
+        </pc:sldMkLst>
+        <pc:spChg chg="mod">
+          <ac:chgData name="Pooja Laveti" userId="a348b4b3ee6c70d5" providerId="LiveId" clId="{E137CBB1-5380-4A9B-9BEE-9C6B1151E3C5}" dt="2023-02-27T15:31:35.628" v="976" actId="14100"/>
+          <ac:spMkLst>
+            <pc:docMk/>
+            <pc:sldMk cId="4140099595" sldId="257"/>
+            <ac:spMk id="2" creationId="{054EFDD6-BC5B-975E-53EC-68728D968841}"/>
+          </ac:spMkLst>
+        </pc:spChg>
+        <pc:spChg chg="mod">
+          <ac:chgData name="Pooja Laveti" userId="a348b4b3ee6c70d5" providerId="LiveId" clId="{E137CBB1-5380-4A9B-9BEE-9C6B1151E3C5}" dt="2023-02-27T15:31:56.486" v="1001" actId="20577"/>
+          <ac:spMkLst>
+            <pc:docMk/>
+            <pc:sldMk cId="4140099595" sldId="257"/>
+            <ac:spMk id="3" creationId="{9A95337E-F2A0-5F13-E31C-E8A83390A0B6}"/>
+          </ac:spMkLst>
+        </pc:spChg>
+        <pc:spChg chg="add del">
+          <ac:chgData name="Pooja Laveti" userId="a348b4b3ee6c70d5" providerId="LiveId" clId="{E137CBB1-5380-4A9B-9BEE-9C6B1151E3C5}" dt="2023-02-27T15:30:02.748" v="932" actId="22"/>
+          <ac:spMkLst>
+            <pc:docMk/>
+            <pc:sldMk cId="4140099595" sldId="257"/>
+            <ac:spMk id="5" creationId="{0F49C3CA-A974-7CD7-4FED-F38564E2F712}"/>
+          </ac:spMkLst>
+        </pc:spChg>
+        <pc:spChg chg="add mod">
+          <ac:chgData name="Pooja Laveti" userId="a348b4b3ee6c70d5" providerId="LiveId" clId="{E137CBB1-5380-4A9B-9BEE-9C6B1151E3C5}" dt="2023-02-27T15:31:19.448" v="972" actId="1076"/>
+          <ac:spMkLst>
+            <pc:docMk/>
+            <pc:sldMk cId="4140099595" sldId="257"/>
+            <ac:spMk id="7" creationId="{A10010FC-848E-5A0D-8416-14FFE7B9E9BA}"/>
+          </ac:spMkLst>
+        </pc:spChg>
+      </pc:sldChg>
+      <pc:sldChg chg="modSp del mod">
+        <pc:chgData name="Pooja Laveti" userId="a348b4b3ee6c70d5" providerId="LiveId" clId="{E137CBB1-5380-4A9B-9BEE-9C6B1151E3C5}" dt="2023-02-27T15:57:46.849" v="1510" actId="47"/>
         <pc:sldMkLst>
           <pc:docMk/>
           <pc:sldMk cId="3907566515" sldId="258"/>
         </pc:sldMkLst>
         <pc:spChg chg="mod">
-          <ac:chgData name="Pooja Laveti" userId="a348b4b3ee6c70d5" providerId="LiveId" clId="{E137CBB1-5380-4A9B-9BEE-9C6B1151E3C5}" dt="2023-02-24T00:45:45.548" v="107" actId="20577"/>
+          <ac:chgData name="Pooja Laveti" userId="a348b4b3ee6c70d5" providerId="LiveId" clId="{E137CBB1-5380-4A9B-9BEE-9C6B1151E3C5}" dt="2023-02-27T15:32:08.966" v="1002" actId="113"/>
           <ac:spMkLst>
             <pc:docMk/>
             <pc:sldMk cId="3907566515" sldId="258"/>
@@ -146,6 +213,517 @@
           </ac:spMkLst>
         </pc:spChg>
       </pc:sldChg>
+      <pc:sldChg chg="modSp new del mod">
+        <pc:chgData name="Pooja Laveti" userId="a348b4b3ee6c70d5" providerId="LiveId" clId="{E137CBB1-5380-4A9B-9BEE-9C6B1151E3C5}" dt="2023-02-27T15:57:42.019" v="1507" actId="47"/>
+        <pc:sldMkLst>
+          <pc:docMk/>
+          <pc:sldMk cId="1777403450" sldId="259"/>
+        </pc:sldMkLst>
+        <pc:spChg chg="mod">
+          <ac:chgData name="Pooja Laveti" userId="a348b4b3ee6c70d5" providerId="LiveId" clId="{E137CBB1-5380-4A9B-9BEE-9C6B1151E3C5}" dt="2023-02-27T14:46:49.903" v="199" actId="20577"/>
+          <ac:spMkLst>
+            <pc:docMk/>
+            <pc:sldMk cId="1777403450" sldId="259"/>
+            <ac:spMk id="2" creationId="{AA25DF4C-A8D9-E809-7986-F26E3EF09F11}"/>
+          </ac:spMkLst>
+        </pc:spChg>
+        <pc:spChg chg="mod">
+          <ac:chgData name="Pooja Laveti" userId="a348b4b3ee6c70d5" providerId="LiveId" clId="{E137CBB1-5380-4A9B-9BEE-9C6B1151E3C5}" dt="2023-02-27T15:05:00.077" v="420" actId="20577"/>
+          <ac:spMkLst>
+            <pc:docMk/>
+            <pc:sldMk cId="1777403450" sldId="259"/>
+            <ac:spMk id="3" creationId="{3A495285-9F38-941B-D56A-3176FDD27448}"/>
+          </ac:spMkLst>
+        </pc:spChg>
+      </pc:sldChg>
+      <pc:sldChg chg="modSp new del mod">
+        <pc:chgData name="Pooja Laveti" userId="a348b4b3ee6c70d5" providerId="LiveId" clId="{E137CBB1-5380-4A9B-9BEE-9C6B1151E3C5}" dt="2023-02-27T15:57:42.801" v="1508" actId="47"/>
+        <pc:sldMkLst>
+          <pc:docMk/>
+          <pc:sldMk cId="262883035" sldId="260"/>
+        </pc:sldMkLst>
+        <pc:spChg chg="mod">
+          <ac:chgData name="Pooja Laveti" userId="a348b4b3ee6c70d5" providerId="LiveId" clId="{E137CBB1-5380-4A9B-9BEE-9C6B1151E3C5}" dt="2023-02-27T15:05:18.524" v="441" actId="20577"/>
+          <ac:spMkLst>
+            <pc:docMk/>
+            <pc:sldMk cId="262883035" sldId="260"/>
+            <ac:spMk id="2" creationId="{E39D1231-18A6-C444-429F-68832F0DDEBB}"/>
+          </ac:spMkLst>
+        </pc:spChg>
+        <pc:spChg chg="mod">
+          <ac:chgData name="Pooja Laveti" userId="a348b4b3ee6c70d5" providerId="LiveId" clId="{E137CBB1-5380-4A9B-9BEE-9C6B1151E3C5}" dt="2023-02-27T15:28:05.424" v="879" actId="20577"/>
+          <ac:spMkLst>
+            <pc:docMk/>
+            <pc:sldMk cId="262883035" sldId="260"/>
+            <ac:spMk id="3" creationId="{AC61533B-1259-6BAD-488E-2125266193CD}"/>
+          </ac:spMkLst>
+        </pc:spChg>
+      </pc:sldChg>
+      <pc:sldChg chg="modSp new del mod">
+        <pc:chgData name="Pooja Laveti" userId="a348b4b3ee6c70d5" providerId="LiveId" clId="{E137CBB1-5380-4A9B-9BEE-9C6B1151E3C5}" dt="2023-02-27T15:57:47.377" v="1511" actId="47"/>
+        <pc:sldMkLst>
+          <pc:docMk/>
+          <pc:sldMk cId="2136994677" sldId="261"/>
+        </pc:sldMkLst>
+        <pc:spChg chg="mod">
+          <ac:chgData name="Pooja Laveti" userId="a348b4b3ee6c70d5" providerId="LiveId" clId="{E137CBB1-5380-4A9B-9BEE-9C6B1151E3C5}" dt="2023-02-27T15:33:32.783" v="1024" actId="255"/>
+          <ac:spMkLst>
+            <pc:docMk/>
+            <pc:sldMk cId="2136994677" sldId="261"/>
+            <ac:spMk id="2" creationId="{FDD8A5C9-C1E3-6EEA-E8EA-D1DD3714904A}"/>
+          </ac:spMkLst>
+        </pc:spChg>
+      </pc:sldChg>
+      <pc:sldChg chg="modSp new del mod">
+        <pc:chgData name="Pooja Laveti" userId="a348b4b3ee6c70d5" providerId="LiveId" clId="{E137CBB1-5380-4A9B-9BEE-9C6B1151E3C5}" dt="2023-02-27T15:57:49.333" v="1512" actId="47"/>
+        <pc:sldMkLst>
+          <pc:docMk/>
+          <pc:sldMk cId="4265520607" sldId="262"/>
+        </pc:sldMkLst>
+        <pc:spChg chg="mod">
+          <ac:chgData name="Pooja Laveti" userId="a348b4b3ee6c70d5" providerId="LiveId" clId="{E137CBB1-5380-4A9B-9BEE-9C6B1151E3C5}" dt="2023-02-27T15:34:16.198" v="1058" actId="20577"/>
+          <ac:spMkLst>
+            <pc:docMk/>
+            <pc:sldMk cId="4265520607" sldId="262"/>
+            <ac:spMk id="2" creationId="{CB9ABD35-8AF3-F938-DE56-7C85C4CF369D}"/>
+          </ac:spMkLst>
+        </pc:spChg>
+        <pc:spChg chg="mod">
+          <ac:chgData name="Pooja Laveti" userId="a348b4b3ee6c70d5" providerId="LiveId" clId="{E137CBB1-5380-4A9B-9BEE-9C6B1151E3C5}" dt="2023-02-27T15:41:56.686" v="1256" actId="20577"/>
+          <ac:spMkLst>
+            <pc:docMk/>
+            <pc:sldMk cId="4265520607" sldId="262"/>
+            <ac:spMk id="3" creationId="{7FA913B1-4AA7-878F-E653-4AF86D49E925}"/>
+          </ac:spMkLst>
+        </pc:spChg>
+      </pc:sldChg>
+      <pc:sldChg chg="addSp delSp modSp new del">
+        <pc:chgData name="Pooja Laveti" userId="a348b4b3ee6c70d5" providerId="LiveId" clId="{E137CBB1-5380-4A9B-9BEE-9C6B1151E3C5}" dt="2023-02-27T15:49:10.545" v="1404" actId="47"/>
+        <pc:sldMkLst>
+          <pc:docMk/>
+          <pc:sldMk cId="273526413" sldId="263"/>
+        </pc:sldMkLst>
+        <pc:spChg chg="add del mod">
+          <ac:chgData name="Pooja Laveti" userId="a348b4b3ee6c70d5" providerId="LiveId" clId="{E137CBB1-5380-4A9B-9BEE-9C6B1151E3C5}" dt="2023-02-27T15:46:49.737" v="1378"/>
+          <ac:spMkLst>
+            <pc:docMk/>
+            <pc:sldMk cId="273526413" sldId="263"/>
+            <ac:spMk id="4" creationId="{B8E94DD0-3C57-2AFC-E516-DD8FFF2C43E9}"/>
+          </ac:spMkLst>
+        </pc:spChg>
+      </pc:sldChg>
+      <pc:sldChg chg="addSp delSp modSp add del mod ord">
+        <pc:chgData name="Pooja Laveti" userId="a348b4b3ee6c70d5" providerId="LiveId" clId="{E137CBB1-5380-4A9B-9BEE-9C6B1151E3C5}" dt="2023-02-27T15:57:25.483" v="1502" actId="1076"/>
+        <pc:sldMkLst>
+          <pc:docMk/>
+          <pc:sldMk cId="2889347168" sldId="264"/>
+        </pc:sldMkLst>
+        <pc:spChg chg="del mod">
+          <ac:chgData name="Pooja Laveti" userId="a348b4b3ee6c70d5" providerId="LiveId" clId="{E137CBB1-5380-4A9B-9BEE-9C6B1151E3C5}" dt="2023-02-27T15:48:20.230" v="1392" actId="478"/>
+          <ac:spMkLst>
+            <pc:docMk/>
+            <pc:sldMk cId="2889347168" sldId="264"/>
+            <ac:spMk id="2" creationId="{6488AD8A-4DCB-D6A8-D003-4B5EF02DEF75}"/>
+          </ac:spMkLst>
+        </pc:spChg>
+        <pc:spChg chg="add del mod">
+          <ac:chgData name="Pooja Laveti" userId="a348b4b3ee6c70d5" providerId="LiveId" clId="{E137CBB1-5380-4A9B-9BEE-9C6B1151E3C5}" dt="2023-02-27T15:57:10.340" v="1491" actId="478"/>
+          <ac:spMkLst>
+            <pc:docMk/>
+            <pc:sldMk cId="2889347168" sldId="264"/>
+            <ac:spMk id="3" creationId="{F1AC879C-D544-8335-0C1A-AA6224414305}"/>
+          </ac:spMkLst>
+        </pc:spChg>
+        <pc:spChg chg="add del mod">
+          <ac:chgData name="Pooja Laveti" userId="a348b4b3ee6c70d5" providerId="LiveId" clId="{E137CBB1-5380-4A9B-9BEE-9C6B1151E3C5}" dt="2023-02-27T15:57:10.340" v="1491" actId="478"/>
+          <ac:spMkLst>
+            <pc:docMk/>
+            <pc:sldMk cId="2889347168" sldId="264"/>
+            <ac:spMk id="4" creationId="{2577DA30-16F7-C7B2-88A2-A66C578F5699}"/>
+          </ac:spMkLst>
+        </pc:spChg>
+        <pc:spChg chg="add del mod">
+          <ac:chgData name="Pooja Laveti" userId="a348b4b3ee6c70d5" providerId="LiveId" clId="{E137CBB1-5380-4A9B-9BEE-9C6B1151E3C5}" dt="2023-02-27T15:57:15.214" v="1492" actId="478"/>
+          <ac:spMkLst>
+            <pc:docMk/>
+            <pc:sldMk cId="2889347168" sldId="264"/>
+            <ac:spMk id="6" creationId="{3C566FA0-E50F-DBC6-8A18-54B2B7E246B6}"/>
+          </ac:spMkLst>
+        </pc:spChg>
+        <pc:spChg chg="add del mod">
+          <ac:chgData name="Pooja Laveti" userId="a348b4b3ee6c70d5" providerId="LiveId" clId="{E137CBB1-5380-4A9B-9BEE-9C6B1151E3C5}" dt="2023-02-27T15:57:21.463" v="1500"/>
+          <ac:spMkLst>
+            <pc:docMk/>
+            <pc:sldMk cId="2889347168" sldId="264"/>
+            <ac:spMk id="7" creationId="{35627448-E4F1-7806-0D7D-B01B9E9995E7}"/>
+          </ac:spMkLst>
+        </pc:spChg>
+        <pc:spChg chg="add del mod">
+          <ac:chgData name="Pooja Laveti" userId="a348b4b3ee6c70d5" providerId="LiveId" clId="{E137CBB1-5380-4A9B-9BEE-9C6B1151E3C5}" dt="2023-02-27T15:57:21.463" v="1500"/>
+          <ac:spMkLst>
+            <pc:docMk/>
+            <pc:sldMk cId="2889347168" sldId="264"/>
+            <ac:spMk id="8" creationId="{BDB8AF84-EDD9-A7AB-705A-A07A5372B6E0}"/>
+          </ac:spMkLst>
+        </pc:spChg>
+        <pc:spChg chg="add mod">
+          <ac:chgData name="Pooja Laveti" userId="a348b4b3ee6c70d5" providerId="LiveId" clId="{E137CBB1-5380-4A9B-9BEE-9C6B1151E3C5}" dt="2023-02-27T15:57:25.483" v="1502" actId="1076"/>
+          <ac:spMkLst>
+            <pc:docMk/>
+            <pc:sldMk cId="2889347168" sldId="264"/>
+            <ac:spMk id="9" creationId="{DE3603A7-C126-B2A7-15C1-958DFE64DF31}"/>
+          </ac:spMkLst>
+        </pc:spChg>
+        <pc:spChg chg="add mod">
+          <ac:chgData name="Pooja Laveti" userId="a348b4b3ee6c70d5" providerId="LiveId" clId="{E137CBB1-5380-4A9B-9BEE-9C6B1151E3C5}" dt="2023-02-27T15:57:25.483" v="1502" actId="1076"/>
+          <ac:spMkLst>
+            <pc:docMk/>
+            <pc:sldMk cId="2889347168" sldId="264"/>
+            <ac:spMk id="10" creationId="{A2C057CA-0EDB-08FC-D8B5-BA931BFD6685}"/>
+          </ac:spMkLst>
+        </pc:spChg>
+      </pc:sldChg>
+      <pc:sldChg chg="addSp delSp modSp add mod">
+        <pc:chgData name="Pooja Laveti" userId="a348b4b3ee6c70d5" providerId="LiveId" clId="{E137CBB1-5380-4A9B-9BEE-9C6B1151E3C5}" dt="2023-02-27T15:50:06.847" v="1414" actId="1076"/>
+        <pc:sldMkLst>
+          <pc:docMk/>
+          <pc:sldMk cId="1152749600" sldId="265"/>
+        </pc:sldMkLst>
+        <pc:spChg chg="del">
+          <ac:chgData name="Pooja Laveti" userId="a348b4b3ee6c70d5" providerId="LiveId" clId="{E137CBB1-5380-4A9B-9BEE-9C6B1151E3C5}" dt="2023-02-27T15:48:48.500" v="1397" actId="478"/>
+          <ac:spMkLst>
+            <pc:docMk/>
+            <pc:sldMk cId="1152749600" sldId="265"/>
+            <ac:spMk id="2" creationId="{6488AD8A-4DCB-D6A8-D003-4B5EF02DEF75}"/>
+          </ac:spMkLst>
+        </pc:spChg>
+        <pc:spChg chg="add del mod">
+          <ac:chgData name="Pooja Laveti" userId="a348b4b3ee6c70d5" providerId="LiveId" clId="{E137CBB1-5380-4A9B-9BEE-9C6B1151E3C5}" dt="2023-02-27T15:49:43.768" v="1408"/>
+          <ac:spMkLst>
+            <pc:docMk/>
+            <pc:sldMk cId="1152749600" sldId="265"/>
+            <ac:spMk id="3" creationId="{B69C7E6A-DE93-3D58-101A-5D938504C0EF}"/>
+          </ac:spMkLst>
+        </pc:spChg>
+        <pc:spChg chg="add del mod">
+          <ac:chgData name="Pooja Laveti" userId="a348b4b3ee6c70d5" providerId="LiveId" clId="{E137CBB1-5380-4A9B-9BEE-9C6B1151E3C5}" dt="2023-02-27T15:49:43.768" v="1408"/>
+          <ac:spMkLst>
+            <pc:docMk/>
+            <pc:sldMk cId="1152749600" sldId="265"/>
+            <ac:spMk id="4" creationId="{08997A4C-933F-C1E7-A212-309AABBE54BC}"/>
+          </ac:spMkLst>
+        </pc:spChg>
+        <pc:spChg chg="add mod">
+          <ac:chgData name="Pooja Laveti" userId="a348b4b3ee6c70d5" providerId="LiveId" clId="{E137CBB1-5380-4A9B-9BEE-9C6B1151E3C5}" dt="2023-02-27T15:50:06.847" v="1414" actId="1076"/>
+          <ac:spMkLst>
+            <pc:docMk/>
+            <pc:sldMk cId="1152749600" sldId="265"/>
+            <ac:spMk id="5" creationId="{F84D136A-FB70-7A2F-2EF3-A013B2C993BA}"/>
+          </ac:spMkLst>
+        </pc:spChg>
+        <pc:spChg chg="add mod">
+          <ac:chgData name="Pooja Laveti" userId="a348b4b3ee6c70d5" providerId="LiveId" clId="{E137CBB1-5380-4A9B-9BEE-9C6B1151E3C5}" dt="2023-02-27T15:49:58.385" v="1413" actId="27636"/>
+          <ac:spMkLst>
+            <pc:docMk/>
+            <pc:sldMk cId="1152749600" sldId="265"/>
+            <ac:spMk id="6" creationId="{5D1B6930-36BC-4873-B574-CC89603B3E50}"/>
+          </ac:spMkLst>
+        </pc:spChg>
+      </pc:sldChg>
+      <pc:sldChg chg="addSp delSp modSp add mod ord">
+        <pc:chgData name="Pooja Laveti" userId="a348b4b3ee6c70d5" providerId="LiveId" clId="{E137CBB1-5380-4A9B-9BEE-9C6B1151E3C5}" dt="2023-02-27T15:54:21.245" v="1449" actId="27636"/>
+        <pc:sldMkLst>
+          <pc:docMk/>
+          <pc:sldMk cId="2354503677" sldId="266"/>
+        </pc:sldMkLst>
+        <pc:spChg chg="del">
+          <ac:chgData name="Pooja Laveti" userId="a348b4b3ee6c70d5" providerId="LiveId" clId="{E137CBB1-5380-4A9B-9BEE-9C6B1151E3C5}" dt="2023-02-27T15:48:53.063" v="1398" actId="478"/>
+          <ac:spMkLst>
+            <pc:docMk/>
+            <pc:sldMk cId="2354503677" sldId="266"/>
+            <ac:spMk id="2" creationId="{6488AD8A-4DCB-D6A8-D003-4B5EF02DEF75}"/>
+          </ac:spMkLst>
+        </pc:spChg>
+        <pc:spChg chg="add mod">
+          <ac:chgData name="Pooja Laveti" userId="a348b4b3ee6c70d5" providerId="LiveId" clId="{E137CBB1-5380-4A9B-9BEE-9C6B1151E3C5}" dt="2023-02-27T15:54:21.245" v="1449" actId="27636"/>
+          <ac:spMkLst>
+            <pc:docMk/>
+            <pc:sldMk cId="2354503677" sldId="266"/>
+            <ac:spMk id="3" creationId="{FB405840-3FAE-7EC3-BFB3-57752D3B4817}"/>
+          </ac:spMkLst>
+        </pc:spChg>
+      </pc:sldChg>
+      <pc:sldChg chg="addSp delSp modSp add mod">
+        <pc:chgData name="Pooja Laveti" userId="a348b4b3ee6c70d5" providerId="LiveId" clId="{E137CBB1-5380-4A9B-9BEE-9C6B1151E3C5}" dt="2023-02-27T15:55:49.358" v="1466" actId="113"/>
+        <pc:sldMkLst>
+          <pc:docMk/>
+          <pc:sldMk cId="1904084981" sldId="267"/>
+        </pc:sldMkLst>
+        <pc:spChg chg="del">
+          <ac:chgData name="Pooja Laveti" userId="a348b4b3ee6c70d5" providerId="LiveId" clId="{E137CBB1-5380-4A9B-9BEE-9C6B1151E3C5}" dt="2023-02-27T15:48:56.949" v="1399" actId="478"/>
+          <ac:spMkLst>
+            <pc:docMk/>
+            <pc:sldMk cId="1904084981" sldId="267"/>
+            <ac:spMk id="2" creationId="{6488AD8A-4DCB-D6A8-D003-4B5EF02DEF75}"/>
+          </ac:spMkLst>
+        </pc:spChg>
+        <pc:spChg chg="add del mod">
+          <ac:chgData name="Pooja Laveti" userId="a348b4b3ee6c70d5" providerId="LiveId" clId="{E137CBB1-5380-4A9B-9BEE-9C6B1151E3C5}" dt="2023-02-27T15:54:49.901" v="1455"/>
+          <ac:spMkLst>
+            <pc:docMk/>
+            <pc:sldMk cId="1904084981" sldId="267"/>
+            <ac:spMk id="3" creationId="{2483A97E-9307-AA02-63C0-6EFD8FFD1700}"/>
+          </ac:spMkLst>
+        </pc:spChg>
+        <pc:spChg chg="add del mod">
+          <ac:chgData name="Pooja Laveti" userId="a348b4b3ee6c70d5" providerId="LiveId" clId="{E137CBB1-5380-4A9B-9BEE-9C6B1151E3C5}" dt="2023-02-27T15:54:49.901" v="1455"/>
+          <ac:spMkLst>
+            <pc:docMk/>
+            <pc:sldMk cId="1904084981" sldId="267"/>
+            <ac:spMk id="4" creationId="{C8FCC93D-F8BC-1A8B-8454-A91C9018CAFF}"/>
+          </ac:spMkLst>
+        </pc:spChg>
+        <pc:spChg chg="add del mod">
+          <ac:chgData name="Pooja Laveti" userId="a348b4b3ee6c70d5" providerId="LiveId" clId="{E137CBB1-5380-4A9B-9BEE-9C6B1151E3C5}" dt="2023-02-27T15:54:48.862" v="1453"/>
+          <ac:spMkLst>
+            <pc:docMk/>
+            <pc:sldMk cId="1904084981" sldId="267"/>
+            <ac:spMk id="5" creationId="{7F8BD8CB-95C0-8FB8-BAB7-9FB56DE4055F}"/>
+          </ac:spMkLst>
+        </pc:spChg>
+        <pc:spChg chg="add del mod">
+          <ac:chgData name="Pooja Laveti" userId="a348b4b3ee6c70d5" providerId="LiveId" clId="{E137CBB1-5380-4A9B-9BEE-9C6B1151E3C5}" dt="2023-02-27T15:54:48.862" v="1453"/>
+          <ac:spMkLst>
+            <pc:docMk/>
+            <pc:sldMk cId="1904084981" sldId="267"/>
+            <ac:spMk id="6" creationId="{BFB4ED35-A66B-478B-FDEA-96D651AEDA91}"/>
+          </ac:spMkLst>
+        </pc:spChg>
+        <pc:spChg chg="add mod">
+          <ac:chgData name="Pooja Laveti" userId="a348b4b3ee6c70d5" providerId="LiveId" clId="{E137CBB1-5380-4A9B-9BEE-9C6B1151E3C5}" dt="2023-02-27T15:55:49.358" v="1466" actId="113"/>
+          <ac:spMkLst>
+            <pc:docMk/>
+            <pc:sldMk cId="1904084981" sldId="267"/>
+            <ac:spMk id="7" creationId="{1C5126DD-4BED-35A3-40D3-6F48DE61282E}"/>
+          </ac:spMkLst>
+        </pc:spChg>
+        <pc:spChg chg="add mod">
+          <ac:chgData name="Pooja Laveti" userId="a348b4b3ee6c70d5" providerId="LiveId" clId="{E137CBB1-5380-4A9B-9BEE-9C6B1151E3C5}" dt="2023-02-27T15:55:12.089" v="1464" actId="14100"/>
+          <ac:spMkLst>
+            <pc:docMk/>
+            <pc:sldMk cId="1904084981" sldId="267"/>
+            <ac:spMk id="8" creationId="{1E53BFF1-DF09-FDDF-C40D-F0C260DDD32B}"/>
+          </ac:spMkLst>
+        </pc:spChg>
+      </pc:sldChg>
+      <pc:sldChg chg="addSp modSp add mod">
+        <pc:chgData name="Pooja Laveti" userId="a348b4b3ee6c70d5" providerId="LiveId" clId="{E137CBB1-5380-4A9B-9BEE-9C6B1151E3C5}" dt="2023-02-27T15:56:36.738" v="1490" actId="14100"/>
+        <pc:sldMkLst>
+          <pc:docMk/>
+          <pc:sldMk cId="2829910102" sldId="268"/>
+        </pc:sldMkLst>
+        <pc:spChg chg="add mod">
+          <ac:chgData name="Pooja Laveti" userId="a348b4b3ee6c70d5" providerId="LiveId" clId="{E137CBB1-5380-4A9B-9BEE-9C6B1151E3C5}" dt="2023-02-27T15:56:36.738" v="1490" actId="14100"/>
+          <ac:spMkLst>
+            <pc:docMk/>
+            <pc:sldMk cId="2829910102" sldId="268"/>
+            <ac:spMk id="2" creationId="{7F653EBA-6762-153F-9C91-0437ABCA139D}"/>
+          </ac:spMkLst>
+        </pc:spChg>
+      </pc:sldChg>
+      <pc:sldChg chg="add del">
+        <pc:chgData name="Pooja Laveti" userId="a348b4b3ee6c70d5" providerId="LiveId" clId="{E137CBB1-5380-4A9B-9BEE-9C6B1151E3C5}" dt="2023-02-27T15:57:38.993" v="1504" actId="47"/>
+        <pc:sldMkLst>
+          <pc:docMk/>
+          <pc:sldMk cId="3768843154" sldId="269"/>
+        </pc:sldMkLst>
+      </pc:sldChg>
+      <pc:sldChg chg="add del">
+        <pc:chgData name="Pooja Laveti" userId="a348b4b3ee6c70d5" providerId="LiveId" clId="{E137CBB1-5380-4A9B-9BEE-9C6B1151E3C5}" dt="2023-02-27T15:57:39.283" v="1505" actId="47"/>
+        <pc:sldMkLst>
+          <pc:docMk/>
+          <pc:sldMk cId="4002636986" sldId="270"/>
+        </pc:sldMkLst>
+      </pc:sldChg>
+      <pc:sldChg chg="add del">
+        <pc:chgData name="Pooja Laveti" userId="a348b4b3ee6c70d5" providerId="LiveId" clId="{E137CBB1-5380-4A9B-9BEE-9C6B1151E3C5}" dt="2023-02-27T15:57:40.213" v="1506" actId="47"/>
+        <pc:sldMkLst>
+          <pc:docMk/>
+          <pc:sldMk cId="44952480" sldId="271"/>
+        </pc:sldMkLst>
+      </pc:sldChg>
+      <pc:sldChg chg="modSp add mod ord">
+        <pc:chgData name="Pooja Laveti" userId="a348b4b3ee6c70d5" providerId="LiveId" clId="{E137CBB1-5380-4A9B-9BEE-9C6B1151E3C5}" dt="2023-02-27T15:50:48.522" v="1419"/>
+        <pc:sldMkLst>
+          <pc:docMk/>
+          <pc:sldMk cId="2536477889" sldId="272"/>
+        </pc:sldMkLst>
+        <pc:spChg chg="mod">
+          <ac:chgData name="Pooja Laveti" userId="a348b4b3ee6c70d5" providerId="LiveId" clId="{E137CBB1-5380-4A9B-9BEE-9C6B1151E3C5}" dt="2023-02-27T15:50:27.286" v="1416" actId="27636"/>
+          <ac:spMkLst>
+            <pc:docMk/>
+            <pc:sldMk cId="2536477889" sldId="272"/>
+            <ac:spMk id="2" creationId="{E39D1231-18A6-C444-429F-68832F0DDEBB}"/>
+          </ac:spMkLst>
+        </pc:spChg>
+        <pc:spChg chg="mod">
+          <ac:chgData name="Pooja Laveti" userId="a348b4b3ee6c70d5" providerId="LiveId" clId="{E137CBB1-5380-4A9B-9BEE-9C6B1151E3C5}" dt="2023-02-27T15:50:27.291" v="1417" actId="27636"/>
+          <ac:spMkLst>
+            <pc:docMk/>
+            <pc:sldMk cId="2536477889" sldId="272"/>
+            <ac:spMk id="3" creationId="{AC61533B-1259-6BAD-488E-2125266193CD}"/>
+          </ac:spMkLst>
+        </pc:spChg>
+      </pc:sldChg>
+      <pc:sldChg chg="modSp add mod">
+        <pc:chgData name="Pooja Laveti" userId="a348b4b3ee6c70d5" providerId="LiveId" clId="{E137CBB1-5380-4A9B-9BEE-9C6B1151E3C5}" dt="2023-02-27T15:52:47.297" v="1430" actId="20577"/>
+        <pc:sldMkLst>
+          <pc:docMk/>
+          <pc:sldMk cId="3975530770" sldId="273"/>
+        </pc:sldMkLst>
+        <pc:spChg chg="mod">
+          <ac:chgData name="Pooja Laveti" userId="a348b4b3ee6c70d5" providerId="LiveId" clId="{E137CBB1-5380-4A9B-9BEE-9C6B1151E3C5}" dt="2023-02-27T15:52:31.588" v="1429" actId="255"/>
+          <ac:spMkLst>
+            <pc:docMk/>
+            <pc:sldMk cId="3975530770" sldId="273"/>
+            <ac:spMk id="2" creationId="{054EFDD6-BC5B-975E-53EC-68728D968841}"/>
+          </ac:spMkLst>
+        </pc:spChg>
+        <pc:spChg chg="mod">
+          <ac:chgData name="Pooja Laveti" userId="a348b4b3ee6c70d5" providerId="LiveId" clId="{E137CBB1-5380-4A9B-9BEE-9C6B1151E3C5}" dt="2023-02-27T15:51:02.364" v="1423" actId="27636"/>
+          <ac:spMkLst>
+            <pc:docMk/>
+            <pc:sldMk cId="3975530770" sldId="273"/>
+            <ac:spMk id="3" creationId="{9A95337E-F2A0-5F13-E31C-E8A83390A0B6}"/>
+          </ac:spMkLst>
+        </pc:spChg>
+        <pc:spChg chg="mod">
+          <ac:chgData name="Pooja Laveti" userId="a348b4b3ee6c70d5" providerId="LiveId" clId="{E137CBB1-5380-4A9B-9BEE-9C6B1151E3C5}" dt="2023-02-27T15:52:47.297" v="1430" actId="20577"/>
+          <ac:spMkLst>
+            <pc:docMk/>
+            <pc:sldMk cId="3975530770" sldId="273"/>
+            <ac:spMk id="7" creationId="{A10010FC-848E-5A0D-8416-14FFE7B9E9BA}"/>
+          </ac:spMkLst>
+        </pc:spChg>
+      </pc:sldChg>
+      <pc:sldChg chg="modSp add mod">
+        <pc:chgData name="Pooja Laveti" userId="a348b4b3ee6c70d5" providerId="LiveId" clId="{E137CBB1-5380-4A9B-9BEE-9C6B1151E3C5}" dt="2023-02-27T15:53:44.302" v="1441" actId="20577"/>
+        <pc:sldMkLst>
+          <pc:docMk/>
+          <pc:sldMk cId="941931040" sldId="274"/>
+        </pc:sldMkLst>
+        <pc:spChg chg="mod">
+          <ac:chgData name="Pooja Laveti" userId="a348b4b3ee6c70d5" providerId="LiveId" clId="{E137CBB1-5380-4A9B-9BEE-9C6B1151E3C5}" dt="2023-02-27T15:53:30.825" v="1439" actId="255"/>
+          <ac:spMkLst>
+            <pc:docMk/>
+            <pc:sldMk cId="941931040" sldId="274"/>
+            <ac:spMk id="2" creationId="{F9584C52-0E39-D57E-72D8-30C8482C0709}"/>
+          </ac:spMkLst>
+        </pc:spChg>
+        <pc:spChg chg="mod">
+          <ac:chgData name="Pooja Laveti" userId="a348b4b3ee6c70d5" providerId="LiveId" clId="{E137CBB1-5380-4A9B-9BEE-9C6B1151E3C5}" dt="2023-02-27T15:53:44.302" v="1441" actId="20577"/>
+          <ac:spMkLst>
+            <pc:docMk/>
+            <pc:sldMk cId="941931040" sldId="274"/>
+            <ac:spMk id="3" creationId="{6E75CA7C-3067-536D-3D0D-0E688EFC3334}"/>
+          </ac:spMkLst>
+        </pc:spChg>
+      </pc:sldChg>
+      <pc:sldMasterChg chg="del delSldLayout">
+        <pc:chgData name="Pooja Laveti" userId="a348b4b3ee6c70d5" providerId="LiveId" clId="{E137CBB1-5380-4A9B-9BEE-9C6B1151E3C5}" dt="2023-02-27T15:57:49.333" v="1512" actId="47"/>
+        <pc:sldMasterMkLst>
+          <pc:docMk/>
+          <pc:sldMasterMk cId="3247706471" sldId="2147483648"/>
+        </pc:sldMasterMkLst>
+        <pc:sldLayoutChg chg="del">
+          <pc:chgData name="Pooja Laveti" userId="a348b4b3ee6c70d5" providerId="LiveId" clId="{E137CBB1-5380-4A9B-9BEE-9C6B1151E3C5}" dt="2023-02-27T15:57:49.333" v="1512" actId="47"/>
+          <pc:sldLayoutMkLst>
+            <pc:docMk/>
+            <pc:sldMasterMk cId="3247706471" sldId="2147483648"/>
+            <pc:sldLayoutMk cId="2745140432" sldId="2147483649"/>
+          </pc:sldLayoutMkLst>
+        </pc:sldLayoutChg>
+        <pc:sldLayoutChg chg="del">
+          <pc:chgData name="Pooja Laveti" userId="a348b4b3ee6c70d5" providerId="LiveId" clId="{E137CBB1-5380-4A9B-9BEE-9C6B1151E3C5}" dt="2023-02-27T15:57:49.333" v="1512" actId="47"/>
+          <pc:sldLayoutMkLst>
+            <pc:docMk/>
+            <pc:sldMasterMk cId="3247706471" sldId="2147483648"/>
+            <pc:sldLayoutMk cId="1260679513" sldId="2147483650"/>
+          </pc:sldLayoutMkLst>
+        </pc:sldLayoutChg>
+        <pc:sldLayoutChg chg="del">
+          <pc:chgData name="Pooja Laveti" userId="a348b4b3ee6c70d5" providerId="LiveId" clId="{E137CBB1-5380-4A9B-9BEE-9C6B1151E3C5}" dt="2023-02-27T15:57:49.333" v="1512" actId="47"/>
+          <pc:sldLayoutMkLst>
+            <pc:docMk/>
+            <pc:sldMasterMk cId="3247706471" sldId="2147483648"/>
+            <pc:sldLayoutMk cId="2340082017" sldId="2147483651"/>
+          </pc:sldLayoutMkLst>
+        </pc:sldLayoutChg>
+        <pc:sldLayoutChg chg="del">
+          <pc:chgData name="Pooja Laveti" userId="a348b4b3ee6c70d5" providerId="LiveId" clId="{E137CBB1-5380-4A9B-9BEE-9C6B1151E3C5}" dt="2023-02-27T15:57:49.333" v="1512" actId="47"/>
+          <pc:sldLayoutMkLst>
+            <pc:docMk/>
+            <pc:sldMasterMk cId="3247706471" sldId="2147483648"/>
+            <pc:sldLayoutMk cId="3609412586" sldId="2147483652"/>
+          </pc:sldLayoutMkLst>
+        </pc:sldLayoutChg>
+        <pc:sldLayoutChg chg="del">
+          <pc:chgData name="Pooja Laveti" userId="a348b4b3ee6c70d5" providerId="LiveId" clId="{E137CBB1-5380-4A9B-9BEE-9C6B1151E3C5}" dt="2023-02-27T15:57:49.333" v="1512" actId="47"/>
+          <pc:sldLayoutMkLst>
+            <pc:docMk/>
+            <pc:sldMasterMk cId="3247706471" sldId="2147483648"/>
+            <pc:sldLayoutMk cId="1878590743" sldId="2147483653"/>
+          </pc:sldLayoutMkLst>
+        </pc:sldLayoutChg>
+        <pc:sldLayoutChg chg="del">
+          <pc:chgData name="Pooja Laveti" userId="a348b4b3ee6c70d5" providerId="LiveId" clId="{E137CBB1-5380-4A9B-9BEE-9C6B1151E3C5}" dt="2023-02-27T15:57:49.333" v="1512" actId="47"/>
+          <pc:sldLayoutMkLst>
+            <pc:docMk/>
+            <pc:sldMasterMk cId="3247706471" sldId="2147483648"/>
+            <pc:sldLayoutMk cId="360685511" sldId="2147483654"/>
+          </pc:sldLayoutMkLst>
+        </pc:sldLayoutChg>
+        <pc:sldLayoutChg chg="del">
+          <pc:chgData name="Pooja Laveti" userId="a348b4b3ee6c70d5" providerId="LiveId" clId="{E137CBB1-5380-4A9B-9BEE-9C6B1151E3C5}" dt="2023-02-27T15:57:49.333" v="1512" actId="47"/>
+          <pc:sldLayoutMkLst>
+            <pc:docMk/>
+            <pc:sldMasterMk cId="3247706471" sldId="2147483648"/>
+            <pc:sldLayoutMk cId="2510812874" sldId="2147483655"/>
+          </pc:sldLayoutMkLst>
+        </pc:sldLayoutChg>
+        <pc:sldLayoutChg chg="del">
+          <pc:chgData name="Pooja Laveti" userId="a348b4b3ee6c70d5" providerId="LiveId" clId="{E137CBB1-5380-4A9B-9BEE-9C6B1151E3C5}" dt="2023-02-27T15:57:49.333" v="1512" actId="47"/>
+          <pc:sldLayoutMkLst>
+            <pc:docMk/>
+            <pc:sldMasterMk cId="3247706471" sldId="2147483648"/>
+            <pc:sldLayoutMk cId="3706964076" sldId="2147483656"/>
+          </pc:sldLayoutMkLst>
+        </pc:sldLayoutChg>
+        <pc:sldLayoutChg chg="del">
+          <pc:chgData name="Pooja Laveti" userId="a348b4b3ee6c70d5" providerId="LiveId" clId="{E137CBB1-5380-4A9B-9BEE-9C6B1151E3C5}" dt="2023-02-27T15:57:49.333" v="1512" actId="47"/>
+          <pc:sldLayoutMkLst>
+            <pc:docMk/>
+            <pc:sldMasterMk cId="3247706471" sldId="2147483648"/>
+            <pc:sldLayoutMk cId="4284327815" sldId="2147483657"/>
+          </pc:sldLayoutMkLst>
+        </pc:sldLayoutChg>
+        <pc:sldLayoutChg chg="del">
+          <pc:chgData name="Pooja Laveti" userId="a348b4b3ee6c70d5" providerId="LiveId" clId="{E137CBB1-5380-4A9B-9BEE-9C6B1151E3C5}" dt="2023-02-27T15:57:49.333" v="1512" actId="47"/>
+          <pc:sldLayoutMkLst>
+            <pc:docMk/>
+            <pc:sldMasterMk cId="3247706471" sldId="2147483648"/>
+            <pc:sldLayoutMk cId="4128861704" sldId="2147483658"/>
+          </pc:sldLayoutMkLst>
+        </pc:sldLayoutChg>
+        <pc:sldLayoutChg chg="del">
+          <pc:chgData name="Pooja Laveti" userId="a348b4b3ee6c70d5" providerId="LiveId" clId="{E137CBB1-5380-4A9B-9BEE-9C6B1151E3C5}" dt="2023-02-27T15:57:49.333" v="1512" actId="47"/>
+          <pc:sldLayoutMkLst>
+            <pc:docMk/>
+            <pc:sldMasterMk cId="3247706471" sldId="2147483648"/>
+            <pc:sldLayoutMk cId="1281877557" sldId="2147483659"/>
+          </pc:sldLayoutMkLst>
+        </pc:sldLayoutChg>
+      </pc:sldMasterChg>
     </pc:docChg>
   </pc:docChgLst>
 </pc:chgInfo>
@@ -170,13 +748,7 @@
       </p:grpSpPr>
       <p:sp>
         <p:nvSpPr>
-          <p:cNvPr id="2" name="Title 1">
-            <a:extLst>
-              <a:ext uri="{FF2B5EF4-FFF2-40B4-BE49-F238E27FC236}">
-                <a16:creationId xmlns:a16="http://schemas.microsoft.com/office/drawing/2014/main" id="{7645C1E9-533C-CBBB-AB85-175ACCC9FA65}"/>
-              </a:ext>
-            </a:extLst>
-          </p:cNvPr>
+          <p:cNvPr id="2" name="Title 1"/>
           <p:cNvSpPr>
             <a:spLocks noGrp="1"/>
           </p:cNvSpPr>
@@ -186,17 +758,13 @@
         </p:nvSpPr>
         <p:spPr>
           <a:xfrm>
-            <a:off x="1524000" y="1122363"/>
-            <a:ext cx="9144000" cy="2387600"/>
+            <a:off x="914400" y="2130426"/>
+            <a:ext cx="10363200" cy="1470025"/>
           </a:xfrm>
         </p:spPr>
         <p:txBody>
-          <a:bodyPr anchor="b"/>
-          <a:lstStyle>
-            <a:lvl1pPr algn="ctr">
-              <a:defRPr sz="6000"/>
-            </a:lvl1pPr>
-          </a:lstStyle>
+          <a:bodyPr/>
+          <a:lstStyle/>
           <a:p>
             <a:r>
               <a:rPr lang="en-US"/>
@@ -207,13 +775,7 @@
       </p:sp>
       <p:sp>
         <p:nvSpPr>
-          <p:cNvPr id="3" name="Subtitle 2">
-            <a:extLst>
-              <a:ext uri="{FF2B5EF4-FFF2-40B4-BE49-F238E27FC236}">
-                <a16:creationId xmlns:a16="http://schemas.microsoft.com/office/drawing/2014/main" id="{B929D388-D500-B7E7-0C5B-03E2AFC30AC6}"/>
-              </a:ext>
-            </a:extLst>
-          </p:cNvPr>
+          <p:cNvPr id="3" name="Subtitle 2"/>
           <p:cNvSpPr>
             <a:spLocks noGrp="1"/>
           </p:cNvSpPr>
@@ -223,8 +785,8 @@
         </p:nvSpPr>
         <p:spPr>
           <a:xfrm>
-            <a:off x="1524000" y="3602038"/>
-            <a:ext cx="9144000" cy="1655762"/>
+            <a:off x="1828800" y="3886200"/>
+            <a:ext cx="8534400" cy="1752600"/>
           </a:xfrm>
         </p:spPr>
         <p:txBody>
@@ -232,39 +794,93 @@
           <a:lstStyle>
             <a:lvl1pPr marL="0" indent="0" algn="ctr">
               <a:buNone/>
-              <a:defRPr sz="2400"/>
+              <a:defRPr>
+                <a:solidFill>
+                  <a:schemeClr val="tx1">
+                    <a:tint val="75000"/>
+                  </a:schemeClr>
+                </a:solidFill>
+              </a:defRPr>
             </a:lvl1pPr>
-            <a:lvl2pPr marL="457200" indent="0" algn="ctr">
-              <a:buNone/>
-              <a:defRPr sz="2000"/>
+            <a:lvl2pPr marL="609585" indent="0" algn="ctr">
+              <a:buNone/>
+              <a:defRPr>
+                <a:solidFill>
+                  <a:schemeClr val="tx1">
+                    <a:tint val="75000"/>
+                  </a:schemeClr>
+                </a:solidFill>
+              </a:defRPr>
             </a:lvl2pPr>
-            <a:lvl3pPr marL="914400" indent="0" algn="ctr">
-              <a:buNone/>
-              <a:defRPr sz="1800"/>
+            <a:lvl3pPr marL="1219170" indent="0" algn="ctr">
+              <a:buNone/>
+              <a:defRPr>
+                <a:solidFill>
+                  <a:schemeClr val="tx1">
+                    <a:tint val="75000"/>
+                  </a:schemeClr>
+                </a:solidFill>
+              </a:defRPr>
             </a:lvl3pPr>
-            <a:lvl4pPr marL="1371600" indent="0" algn="ctr">
-              <a:buNone/>
-              <a:defRPr sz="1600"/>
+            <a:lvl4pPr marL="1828754" indent="0" algn="ctr">
+              <a:buNone/>
+              <a:defRPr>
+                <a:solidFill>
+                  <a:schemeClr val="tx1">
+                    <a:tint val="75000"/>
+                  </a:schemeClr>
+                </a:solidFill>
+              </a:defRPr>
             </a:lvl4pPr>
-            <a:lvl5pPr marL="1828800" indent="0" algn="ctr">
-              <a:buNone/>
-              <a:defRPr sz="1600"/>
+            <a:lvl5pPr marL="2438339" indent="0" algn="ctr">
+              <a:buNone/>
+              <a:defRPr>
+                <a:solidFill>
+                  <a:schemeClr val="tx1">
+                    <a:tint val="75000"/>
+                  </a:schemeClr>
+                </a:solidFill>
+              </a:defRPr>
             </a:lvl5pPr>
-            <a:lvl6pPr marL="2286000" indent="0" algn="ctr">
-              <a:buNone/>
-              <a:defRPr sz="1600"/>
+            <a:lvl6pPr marL="3047924" indent="0" algn="ctr">
+              <a:buNone/>
+              <a:defRPr>
+                <a:solidFill>
+                  <a:schemeClr val="tx1">
+                    <a:tint val="75000"/>
+                  </a:schemeClr>
+                </a:solidFill>
+              </a:defRPr>
             </a:lvl6pPr>
-            <a:lvl7pPr marL="2743200" indent="0" algn="ctr">
-              <a:buNone/>
-              <a:defRPr sz="1600"/>
+            <a:lvl7pPr marL="3657509" indent="0" algn="ctr">
+              <a:buNone/>
+              <a:defRPr>
+                <a:solidFill>
+                  <a:schemeClr val="tx1">
+                    <a:tint val="75000"/>
+                  </a:schemeClr>
+                </a:solidFill>
+              </a:defRPr>
             </a:lvl7pPr>
-            <a:lvl8pPr marL="3200400" indent="0" algn="ctr">
-              <a:buNone/>
-              <a:defRPr sz="1600"/>
+            <a:lvl8pPr marL="4267093" indent="0" algn="ctr">
+              <a:buNone/>
+              <a:defRPr>
+                <a:solidFill>
+                  <a:schemeClr val="tx1">
+                    <a:tint val="75000"/>
+                  </a:schemeClr>
+                </a:solidFill>
+              </a:defRPr>
             </a:lvl8pPr>
-            <a:lvl9pPr marL="3657600" indent="0" algn="ctr">
-              <a:buNone/>
-              <a:defRPr sz="1600"/>
+            <a:lvl9pPr marL="4876678" indent="0" algn="ctr">
+              <a:buNone/>
+              <a:defRPr>
+                <a:solidFill>
+                  <a:schemeClr val="tx1">
+                    <a:tint val="75000"/>
+                  </a:schemeClr>
+                </a:solidFill>
+              </a:defRPr>
             </a:lvl9pPr>
           </a:lstStyle>
           <a:p>
@@ -277,13 +893,7 @@
       </p:sp>
       <p:sp>
         <p:nvSpPr>
-          <p:cNvPr id="4" name="Date Placeholder 3">
-            <a:extLst>
-              <a:ext uri="{FF2B5EF4-FFF2-40B4-BE49-F238E27FC236}">
-                <a16:creationId xmlns:a16="http://schemas.microsoft.com/office/drawing/2014/main" id="{8EC356D7-9199-C8FF-F882-C03F2FB6F9DF}"/>
-              </a:ext>
-            </a:extLst>
-          </p:cNvPr>
+          <p:cNvPr id="4" name="Date Placeholder 3"/>
           <p:cNvSpPr>
             <a:spLocks noGrp="1"/>
           </p:cNvSpPr>
@@ -296,9 +906,9 @@
           <a:bodyPr/>
           <a:lstStyle/>
           <a:p>
-            <a:fld id="{A2844810-C7DE-4943-ACE8-1A6314E74F3D}" type="datetimeFigureOut">
+            <a:fld id="{7463C41C-A487-0C45-A261-16903102544D}" type="datetimeFigureOut">
               <a:rPr lang="en-US" smtClean="0"/>
-              <a:t>2/23/2023</a:t>
+              <a:t>2/27/2023</a:t>
             </a:fld>
             <a:endParaRPr lang="en-US"/>
           </a:p>
@@ -306,13 +916,7 @@
       </p:sp>
       <p:sp>
         <p:nvSpPr>
-          <p:cNvPr id="5" name="Footer Placeholder 4">
-            <a:extLst>
-              <a:ext uri="{FF2B5EF4-FFF2-40B4-BE49-F238E27FC236}">
-                <a16:creationId xmlns:a16="http://schemas.microsoft.com/office/drawing/2014/main" id="{E7A7C4BC-EA12-8ADD-3052-2B1749553530}"/>
-              </a:ext>
-            </a:extLst>
-          </p:cNvPr>
+          <p:cNvPr id="5" name="Footer Placeholder 4"/>
           <p:cNvSpPr>
             <a:spLocks noGrp="1"/>
           </p:cNvSpPr>
@@ -325,449 +929,17 @@
           <a:bodyPr/>
           <a:lstStyle/>
           <a:p>
-            <a:endParaRPr lang="en-US"/>
-          </a:p>
-        </p:txBody>
-      </p:sp>
-      <p:sp>
-        <p:nvSpPr>
-          <p:cNvPr id="6" name="Slide Number Placeholder 5">
-            <a:extLst>
-              <a:ext uri="{FF2B5EF4-FFF2-40B4-BE49-F238E27FC236}">
-                <a16:creationId xmlns:a16="http://schemas.microsoft.com/office/drawing/2014/main" id="{2AE24D43-FE37-B685-E470-F7CF6E667A2F}"/>
-              </a:ext>
-            </a:extLst>
-          </p:cNvPr>
-          <p:cNvSpPr>
-            <a:spLocks noGrp="1"/>
-          </p:cNvSpPr>
-          <p:nvPr>
-            <p:ph type="sldNum" sz="quarter" idx="12"/>
-          </p:nvPr>
-        </p:nvSpPr>
-        <p:spPr/>
-        <p:txBody>
-          <a:bodyPr/>
-          <a:lstStyle/>
-          <a:p>
-            <a:fld id="{DF7A923B-C40F-482A-A20E-3BBBD676C39E}" type="slidenum">
-              <a:rPr lang="en-US" smtClean="0"/>
-              <a:t>‹#›</a:t>
-            </a:fld>
-            <a:endParaRPr lang="en-US"/>
+            <a:r>
+              <a:rPr lang="en-US" dirty="0"/>
+              <a:t>URL</a:t>
+            </a:r>
           </a:p>
         </p:txBody>
       </p:sp>
     </p:spTree>
     <p:extLst>
       <p:ext uri="{BB962C8B-B14F-4D97-AF65-F5344CB8AC3E}">
-        <p14:creationId xmlns:p14="http://schemas.microsoft.com/office/powerpoint/2010/main" val="2745140432"/>
-      </p:ext>
-    </p:extLst>
-  </p:cSld>
-  <p:clrMapOvr>
-    <a:masterClrMapping/>
-  </p:clrMapOvr>
-</p:sldLayout>
-</file>
-
-<file path=ppt/slideLayouts/slideLayout10.xml><?xml version="1.0" encoding="utf-8"?>
-<p:sldLayout xmlns:a="http://schemas.openxmlformats.org/drawingml/2006/main" xmlns:r="http://schemas.openxmlformats.org/officeDocument/2006/relationships" xmlns:p="http://schemas.openxmlformats.org/presentationml/2006/main" type="vertTx" preserve="1">
-  <p:cSld name="Title and Vertical Text">
-    <p:spTree>
-      <p:nvGrpSpPr>
-        <p:cNvPr id="1" name=""/>
-        <p:cNvGrpSpPr/>
-        <p:nvPr/>
-      </p:nvGrpSpPr>
-      <p:grpSpPr>
-        <a:xfrm>
-          <a:off x="0" y="0"/>
-          <a:ext cx="0" cy="0"/>
-          <a:chOff x="0" y="0"/>
-          <a:chExt cx="0" cy="0"/>
-        </a:xfrm>
-      </p:grpSpPr>
-      <p:sp>
-        <p:nvSpPr>
-          <p:cNvPr id="2" name="Title 1">
-            <a:extLst>
-              <a:ext uri="{FF2B5EF4-FFF2-40B4-BE49-F238E27FC236}">
-                <a16:creationId xmlns:a16="http://schemas.microsoft.com/office/drawing/2014/main" id="{29E0FBAC-C7CD-FD57-0D2E-78EE0CA2FB70}"/>
-              </a:ext>
-            </a:extLst>
-          </p:cNvPr>
-          <p:cNvSpPr>
-            <a:spLocks noGrp="1"/>
-          </p:cNvSpPr>
-          <p:nvPr>
-            <p:ph type="title"/>
-          </p:nvPr>
-        </p:nvSpPr>
-        <p:spPr/>
-        <p:txBody>
-          <a:bodyPr/>
-          <a:lstStyle/>
-          <a:p>
-            <a:r>
-              <a:rPr lang="en-US"/>
-              <a:t>Click to edit Master title style</a:t>
-            </a:r>
-          </a:p>
-        </p:txBody>
-      </p:sp>
-      <p:sp>
-        <p:nvSpPr>
-          <p:cNvPr id="3" name="Vertical Text Placeholder 2">
-            <a:extLst>
-              <a:ext uri="{FF2B5EF4-FFF2-40B4-BE49-F238E27FC236}">
-                <a16:creationId xmlns:a16="http://schemas.microsoft.com/office/drawing/2014/main" id="{71D6F644-8925-DBEB-C79D-39C568A06E38}"/>
-              </a:ext>
-            </a:extLst>
-          </p:cNvPr>
-          <p:cNvSpPr>
-            <a:spLocks noGrp="1"/>
-          </p:cNvSpPr>
-          <p:nvPr>
-            <p:ph type="body" orient="vert" idx="1"/>
-          </p:nvPr>
-        </p:nvSpPr>
-        <p:spPr/>
-        <p:txBody>
-          <a:bodyPr vert="eaVert"/>
-          <a:lstStyle/>
-          <a:p>
-            <a:pPr lvl="0"/>
-            <a:r>
-              <a:rPr lang="en-US"/>
-              <a:t>Click to edit Master text styles</a:t>
-            </a:r>
-          </a:p>
-          <a:p>
-            <a:pPr lvl="1"/>
-            <a:r>
-              <a:rPr lang="en-US"/>
-              <a:t>Second level</a:t>
-            </a:r>
-          </a:p>
-          <a:p>
-            <a:pPr lvl="2"/>
-            <a:r>
-              <a:rPr lang="en-US"/>
-              <a:t>Third level</a:t>
-            </a:r>
-          </a:p>
-          <a:p>
-            <a:pPr lvl="3"/>
-            <a:r>
-              <a:rPr lang="en-US"/>
-              <a:t>Fourth level</a:t>
-            </a:r>
-          </a:p>
-          <a:p>
-            <a:pPr lvl="4"/>
-            <a:r>
-              <a:rPr lang="en-US"/>
-              <a:t>Fifth level</a:t>
-            </a:r>
-          </a:p>
-        </p:txBody>
-      </p:sp>
-      <p:sp>
-        <p:nvSpPr>
-          <p:cNvPr id="4" name="Date Placeholder 3">
-            <a:extLst>
-              <a:ext uri="{FF2B5EF4-FFF2-40B4-BE49-F238E27FC236}">
-                <a16:creationId xmlns:a16="http://schemas.microsoft.com/office/drawing/2014/main" id="{7CED0F41-D6F7-9B4E-EFD8-63C50586AEA5}"/>
-              </a:ext>
-            </a:extLst>
-          </p:cNvPr>
-          <p:cNvSpPr>
-            <a:spLocks noGrp="1"/>
-          </p:cNvSpPr>
-          <p:nvPr>
-            <p:ph type="dt" sz="half" idx="10"/>
-          </p:nvPr>
-        </p:nvSpPr>
-        <p:spPr/>
-        <p:txBody>
-          <a:bodyPr/>
-          <a:lstStyle/>
-          <a:p>
-            <a:fld id="{A2844810-C7DE-4943-ACE8-1A6314E74F3D}" type="datetimeFigureOut">
-              <a:rPr lang="en-US" smtClean="0"/>
-              <a:t>2/23/2023</a:t>
-            </a:fld>
-            <a:endParaRPr lang="en-US"/>
-          </a:p>
-        </p:txBody>
-      </p:sp>
-      <p:sp>
-        <p:nvSpPr>
-          <p:cNvPr id="5" name="Footer Placeholder 4">
-            <a:extLst>
-              <a:ext uri="{FF2B5EF4-FFF2-40B4-BE49-F238E27FC236}">
-                <a16:creationId xmlns:a16="http://schemas.microsoft.com/office/drawing/2014/main" id="{520C8B78-6173-6001-F7F9-F6DC0D9BDB2A}"/>
-              </a:ext>
-            </a:extLst>
-          </p:cNvPr>
-          <p:cNvSpPr>
-            <a:spLocks noGrp="1"/>
-          </p:cNvSpPr>
-          <p:nvPr>
-            <p:ph type="ftr" sz="quarter" idx="11"/>
-          </p:nvPr>
-        </p:nvSpPr>
-        <p:spPr/>
-        <p:txBody>
-          <a:bodyPr/>
-          <a:lstStyle/>
-          <a:p>
-            <a:endParaRPr lang="en-US"/>
-          </a:p>
-        </p:txBody>
-      </p:sp>
-      <p:sp>
-        <p:nvSpPr>
-          <p:cNvPr id="6" name="Slide Number Placeholder 5">
-            <a:extLst>
-              <a:ext uri="{FF2B5EF4-FFF2-40B4-BE49-F238E27FC236}">
-                <a16:creationId xmlns:a16="http://schemas.microsoft.com/office/drawing/2014/main" id="{3583B253-032A-951E-B38A-634BDB993BED}"/>
-              </a:ext>
-            </a:extLst>
-          </p:cNvPr>
-          <p:cNvSpPr>
-            <a:spLocks noGrp="1"/>
-          </p:cNvSpPr>
-          <p:nvPr>
-            <p:ph type="sldNum" sz="quarter" idx="12"/>
-          </p:nvPr>
-        </p:nvSpPr>
-        <p:spPr/>
-        <p:txBody>
-          <a:bodyPr/>
-          <a:lstStyle/>
-          <a:p>
-            <a:fld id="{DF7A923B-C40F-482A-A20E-3BBBD676C39E}" type="slidenum">
-              <a:rPr lang="en-US" smtClean="0"/>
-              <a:t>‹#›</a:t>
-            </a:fld>
-            <a:endParaRPr lang="en-US"/>
-          </a:p>
-        </p:txBody>
-      </p:sp>
-    </p:spTree>
-    <p:extLst>
-      <p:ext uri="{BB962C8B-B14F-4D97-AF65-F5344CB8AC3E}">
-        <p14:creationId xmlns:p14="http://schemas.microsoft.com/office/powerpoint/2010/main" val="4128861704"/>
-      </p:ext>
-    </p:extLst>
-  </p:cSld>
-  <p:clrMapOvr>
-    <a:masterClrMapping/>
-  </p:clrMapOvr>
-</p:sldLayout>
-</file>
-
-<file path=ppt/slideLayouts/slideLayout11.xml><?xml version="1.0" encoding="utf-8"?>
-<p:sldLayout xmlns:a="http://schemas.openxmlformats.org/drawingml/2006/main" xmlns:r="http://schemas.openxmlformats.org/officeDocument/2006/relationships" xmlns:p="http://schemas.openxmlformats.org/presentationml/2006/main" type="vertTitleAndTx" preserve="1">
-  <p:cSld name="Vertical Title and Text">
-    <p:spTree>
-      <p:nvGrpSpPr>
-        <p:cNvPr id="1" name=""/>
-        <p:cNvGrpSpPr/>
-        <p:nvPr/>
-      </p:nvGrpSpPr>
-      <p:grpSpPr>
-        <a:xfrm>
-          <a:off x="0" y="0"/>
-          <a:ext cx="0" cy="0"/>
-          <a:chOff x="0" y="0"/>
-          <a:chExt cx="0" cy="0"/>
-        </a:xfrm>
-      </p:grpSpPr>
-      <p:sp>
-        <p:nvSpPr>
-          <p:cNvPr id="2" name="Vertical Title 1">
-            <a:extLst>
-              <a:ext uri="{FF2B5EF4-FFF2-40B4-BE49-F238E27FC236}">
-                <a16:creationId xmlns:a16="http://schemas.microsoft.com/office/drawing/2014/main" id="{39C89380-B2FD-93C3-BEFC-7BEE632C0D10}"/>
-              </a:ext>
-            </a:extLst>
-          </p:cNvPr>
-          <p:cNvSpPr>
-            <a:spLocks noGrp="1"/>
-          </p:cNvSpPr>
-          <p:nvPr>
-            <p:ph type="title" orient="vert"/>
-          </p:nvPr>
-        </p:nvSpPr>
-        <p:spPr>
-          <a:xfrm>
-            <a:off x="8724900" y="365125"/>
-            <a:ext cx="2628900" cy="5811838"/>
-          </a:xfrm>
-        </p:spPr>
-        <p:txBody>
-          <a:bodyPr vert="eaVert"/>
-          <a:lstStyle/>
-          <a:p>
-            <a:r>
-              <a:rPr lang="en-US"/>
-              <a:t>Click to edit Master title style</a:t>
-            </a:r>
-          </a:p>
-        </p:txBody>
-      </p:sp>
-      <p:sp>
-        <p:nvSpPr>
-          <p:cNvPr id="3" name="Vertical Text Placeholder 2">
-            <a:extLst>
-              <a:ext uri="{FF2B5EF4-FFF2-40B4-BE49-F238E27FC236}">
-                <a16:creationId xmlns:a16="http://schemas.microsoft.com/office/drawing/2014/main" id="{EFF3384D-00B8-9439-3C41-B873753A6E33}"/>
-              </a:ext>
-            </a:extLst>
-          </p:cNvPr>
-          <p:cNvSpPr>
-            <a:spLocks noGrp="1"/>
-          </p:cNvSpPr>
-          <p:nvPr>
-            <p:ph type="body" orient="vert" idx="1"/>
-          </p:nvPr>
-        </p:nvSpPr>
-        <p:spPr>
-          <a:xfrm>
-            <a:off x="838200" y="365125"/>
-            <a:ext cx="7734300" cy="5811838"/>
-          </a:xfrm>
-        </p:spPr>
-        <p:txBody>
-          <a:bodyPr vert="eaVert"/>
-          <a:lstStyle/>
-          <a:p>
-            <a:pPr lvl="0"/>
-            <a:r>
-              <a:rPr lang="en-US"/>
-              <a:t>Click to edit Master text styles</a:t>
-            </a:r>
-          </a:p>
-          <a:p>
-            <a:pPr lvl="1"/>
-            <a:r>
-              <a:rPr lang="en-US"/>
-              <a:t>Second level</a:t>
-            </a:r>
-          </a:p>
-          <a:p>
-            <a:pPr lvl="2"/>
-            <a:r>
-              <a:rPr lang="en-US"/>
-              <a:t>Third level</a:t>
-            </a:r>
-          </a:p>
-          <a:p>
-            <a:pPr lvl="3"/>
-            <a:r>
-              <a:rPr lang="en-US"/>
-              <a:t>Fourth level</a:t>
-            </a:r>
-          </a:p>
-          <a:p>
-            <a:pPr lvl="4"/>
-            <a:r>
-              <a:rPr lang="en-US"/>
-              <a:t>Fifth level</a:t>
-            </a:r>
-          </a:p>
-        </p:txBody>
-      </p:sp>
-      <p:sp>
-        <p:nvSpPr>
-          <p:cNvPr id="4" name="Date Placeholder 3">
-            <a:extLst>
-              <a:ext uri="{FF2B5EF4-FFF2-40B4-BE49-F238E27FC236}">
-                <a16:creationId xmlns:a16="http://schemas.microsoft.com/office/drawing/2014/main" id="{C5EBC0C1-05C6-3389-76A9-129687D66041}"/>
-              </a:ext>
-            </a:extLst>
-          </p:cNvPr>
-          <p:cNvSpPr>
-            <a:spLocks noGrp="1"/>
-          </p:cNvSpPr>
-          <p:nvPr>
-            <p:ph type="dt" sz="half" idx="10"/>
-          </p:nvPr>
-        </p:nvSpPr>
-        <p:spPr/>
-        <p:txBody>
-          <a:bodyPr/>
-          <a:lstStyle/>
-          <a:p>
-            <a:fld id="{A2844810-C7DE-4943-ACE8-1A6314E74F3D}" type="datetimeFigureOut">
-              <a:rPr lang="en-US" smtClean="0"/>
-              <a:t>2/23/2023</a:t>
-            </a:fld>
-            <a:endParaRPr lang="en-US"/>
-          </a:p>
-        </p:txBody>
-      </p:sp>
-      <p:sp>
-        <p:nvSpPr>
-          <p:cNvPr id="5" name="Footer Placeholder 4">
-            <a:extLst>
-              <a:ext uri="{FF2B5EF4-FFF2-40B4-BE49-F238E27FC236}">
-                <a16:creationId xmlns:a16="http://schemas.microsoft.com/office/drawing/2014/main" id="{F9187410-4638-05A2-76A6-CFBFA9F8D7EF}"/>
-              </a:ext>
-            </a:extLst>
-          </p:cNvPr>
-          <p:cNvSpPr>
-            <a:spLocks noGrp="1"/>
-          </p:cNvSpPr>
-          <p:nvPr>
-            <p:ph type="ftr" sz="quarter" idx="11"/>
-          </p:nvPr>
-        </p:nvSpPr>
-        <p:spPr/>
-        <p:txBody>
-          <a:bodyPr/>
-          <a:lstStyle/>
-          <a:p>
-            <a:endParaRPr lang="en-US"/>
-          </a:p>
-        </p:txBody>
-      </p:sp>
-      <p:sp>
-        <p:nvSpPr>
-          <p:cNvPr id="6" name="Slide Number Placeholder 5">
-            <a:extLst>
-              <a:ext uri="{FF2B5EF4-FFF2-40B4-BE49-F238E27FC236}">
-                <a16:creationId xmlns:a16="http://schemas.microsoft.com/office/drawing/2014/main" id="{47500E67-2E7A-7F92-27FE-94ABDDB8736B}"/>
-              </a:ext>
-            </a:extLst>
-          </p:cNvPr>
-          <p:cNvSpPr>
-            <a:spLocks noGrp="1"/>
-          </p:cNvSpPr>
-          <p:nvPr>
-            <p:ph type="sldNum" sz="quarter" idx="12"/>
-          </p:nvPr>
-        </p:nvSpPr>
-        <p:spPr/>
-        <p:txBody>
-          <a:bodyPr/>
-          <a:lstStyle/>
-          <a:p>
-            <a:fld id="{DF7A923B-C40F-482A-A20E-3BBBD676C39E}" type="slidenum">
-              <a:rPr lang="en-US" smtClean="0"/>
-              <a:t>‹#›</a:t>
-            </a:fld>
-            <a:endParaRPr lang="en-US"/>
-          </a:p>
-        </p:txBody>
-      </p:sp>
-    </p:spTree>
-    <p:extLst>
-      <p:ext uri="{BB962C8B-B14F-4D97-AF65-F5344CB8AC3E}">
-        <p14:creationId xmlns:p14="http://schemas.microsoft.com/office/powerpoint/2010/main" val="1281877557"/>
+        <p14:creationId xmlns:p14="http://schemas.microsoft.com/office/powerpoint/2010/main" val="1717560132"/>
       </p:ext>
     </p:extLst>
   </p:cSld>
@@ -796,13 +968,7 @@
       </p:grpSpPr>
       <p:sp>
         <p:nvSpPr>
-          <p:cNvPr id="2" name="Title 1">
-            <a:extLst>
-              <a:ext uri="{FF2B5EF4-FFF2-40B4-BE49-F238E27FC236}">
-                <a16:creationId xmlns:a16="http://schemas.microsoft.com/office/drawing/2014/main" id="{36FC0BB1-6EE2-912F-0931-2536A38714E2}"/>
-              </a:ext>
-            </a:extLst>
-          </p:cNvPr>
+          <p:cNvPr id="2" name="Title 1"/>
           <p:cNvSpPr>
             <a:spLocks noGrp="1"/>
           </p:cNvSpPr>
@@ -824,13 +990,7 @@
       </p:sp>
       <p:sp>
         <p:nvSpPr>
-          <p:cNvPr id="3" name="Content Placeholder 2">
-            <a:extLst>
-              <a:ext uri="{FF2B5EF4-FFF2-40B4-BE49-F238E27FC236}">
-                <a16:creationId xmlns:a16="http://schemas.microsoft.com/office/drawing/2014/main" id="{4170F031-0128-E690-02C7-FE371CE91573}"/>
-              </a:ext>
-            </a:extLst>
-          </p:cNvPr>
+          <p:cNvPr id="3" name="Content Placeholder 2"/>
           <p:cNvSpPr>
             <a:spLocks noGrp="1"/>
           </p:cNvSpPr>
@@ -846,7 +1006,7 @@
             <a:pPr lvl="0"/>
             <a:r>
               <a:rPr lang="en-US"/>
-              <a:t>Click to edit Master text styles</a:t>
+              <a:t>Edit Master text styles</a:t>
             </a:r>
           </a:p>
           <a:p>
@@ -881,13 +1041,7 @@
       </p:sp>
       <p:sp>
         <p:nvSpPr>
-          <p:cNvPr id="4" name="Date Placeholder 3">
-            <a:extLst>
-              <a:ext uri="{FF2B5EF4-FFF2-40B4-BE49-F238E27FC236}">
-                <a16:creationId xmlns:a16="http://schemas.microsoft.com/office/drawing/2014/main" id="{D89C5758-E2F6-AADE-CCA5-019C2CDCC373}"/>
-              </a:ext>
-            </a:extLst>
-          </p:cNvPr>
+          <p:cNvPr id="4" name="Date Placeholder 3"/>
           <p:cNvSpPr>
             <a:spLocks noGrp="1"/>
           </p:cNvSpPr>
@@ -900,9 +1054,9 @@
           <a:bodyPr/>
           <a:lstStyle/>
           <a:p>
-            <a:fld id="{A2844810-C7DE-4943-ACE8-1A6314E74F3D}" type="datetimeFigureOut">
+            <a:fld id="{7463C41C-A487-0C45-A261-16903102544D}" type="datetimeFigureOut">
               <a:rPr lang="en-US" smtClean="0"/>
-              <a:t>2/23/2023</a:t>
+              <a:t>2/27/2023</a:t>
             </a:fld>
             <a:endParaRPr lang="en-US"/>
           </a:p>
@@ -910,13 +1064,7 @@
       </p:sp>
       <p:sp>
         <p:nvSpPr>
-          <p:cNvPr id="5" name="Footer Placeholder 4">
-            <a:extLst>
-              <a:ext uri="{FF2B5EF4-FFF2-40B4-BE49-F238E27FC236}">
-                <a16:creationId xmlns:a16="http://schemas.microsoft.com/office/drawing/2014/main" id="{2410E59E-5D5B-1D7A-23D2-2884DAD3C9E4}"/>
-              </a:ext>
-            </a:extLst>
-          </p:cNvPr>
+          <p:cNvPr id="5" name="Footer Placeholder 4"/>
           <p:cNvSpPr>
             <a:spLocks noGrp="1"/>
           </p:cNvSpPr>
@@ -929,43 +1077,17 @@
           <a:bodyPr/>
           <a:lstStyle/>
           <a:p>
-            <a:endParaRPr lang="en-US"/>
-          </a:p>
-        </p:txBody>
-      </p:sp>
-      <p:sp>
-        <p:nvSpPr>
-          <p:cNvPr id="6" name="Slide Number Placeholder 5">
-            <a:extLst>
-              <a:ext uri="{FF2B5EF4-FFF2-40B4-BE49-F238E27FC236}">
-                <a16:creationId xmlns:a16="http://schemas.microsoft.com/office/drawing/2014/main" id="{99E30C3C-69C7-7C4D-B7DF-3491B2E34777}"/>
-              </a:ext>
-            </a:extLst>
-          </p:cNvPr>
-          <p:cNvSpPr>
-            <a:spLocks noGrp="1"/>
-          </p:cNvSpPr>
-          <p:nvPr>
-            <p:ph type="sldNum" sz="quarter" idx="12"/>
-          </p:nvPr>
-        </p:nvSpPr>
-        <p:spPr/>
-        <p:txBody>
-          <a:bodyPr/>
-          <a:lstStyle/>
-          <a:p>
-            <a:fld id="{DF7A923B-C40F-482A-A20E-3BBBD676C39E}" type="slidenum">
-              <a:rPr lang="en-US" smtClean="0"/>
-              <a:t>‹#›</a:t>
-            </a:fld>
-            <a:endParaRPr lang="en-US"/>
+            <a:r>
+              <a:rPr lang="en-US" dirty="0"/>
+              <a:t>URL</a:t>
+            </a:r>
           </a:p>
         </p:txBody>
       </p:sp>
     </p:spTree>
     <p:extLst>
       <p:ext uri="{BB962C8B-B14F-4D97-AF65-F5344CB8AC3E}">
-        <p14:creationId xmlns:p14="http://schemas.microsoft.com/office/powerpoint/2010/main" val="1260679513"/>
+        <p14:creationId xmlns:p14="http://schemas.microsoft.com/office/powerpoint/2010/main" val="3575707624"/>
       </p:ext>
     </p:extLst>
   </p:cSld>
@@ -994,13 +1116,7 @@
       </p:grpSpPr>
       <p:sp>
         <p:nvSpPr>
-          <p:cNvPr id="2" name="Title 1">
-            <a:extLst>
-              <a:ext uri="{FF2B5EF4-FFF2-40B4-BE49-F238E27FC236}">
-                <a16:creationId xmlns:a16="http://schemas.microsoft.com/office/drawing/2014/main" id="{1852C1C3-0B3D-3B3D-1A2A-04AEF0A642FA}"/>
-              </a:ext>
-            </a:extLst>
-          </p:cNvPr>
+          <p:cNvPr id="2" name="Title 1"/>
           <p:cNvSpPr>
             <a:spLocks noGrp="1"/>
           </p:cNvSpPr>
@@ -1010,15 +1126,15 @@
         </p:nvSpPr>
         <p:spPr>
           <a:xfrm>
-            <a:off x="831850" y="1709738"/>
-            <a:ext cx="10515600" cy="2852737"/>
+            <a:off x="963084" y="4406901"/>
+            <a:ext cx="10363200" cy="1362075"/>
           </a:xfrm>
         </p:spPr>
         <p:txBody>
-          <a:bodyPr anchor="b"/>
+          <a:bodyPr anchor="t"/>
           <a:lstStyle>
-            <a:lvl1pPr>
-              <a:defRPr sz="6000"/>
+            <a:lvl1pPr algn="l">
+              <a:defRPr sz="5333" b="1" cap="all"/>
             </a:lvl1pPr>
           </a:lstStyle>
           <a:p>
@@ -1031,13 +1147,7 @@
       </p:sp>
       <p:sp>
         <p:nvSpPr>
-          <p:cNvPr id="3" name="Text Placeholder 2">
-            <a:extLst>
-              <a:ext uri="{FF2B5EF4-FFF2-40B4-BE49-F238E27FC236}">
-                <a16:creationId xmlns:a16="http://schemas.microsoft.com/office/drawing/2014/main" id="{8225C878-334B-D324-6606-3D4CC589BC82}"/>
-              </a:ext>
-            </a:extLst>
-          </p:cNvPr>
+          <p:cNvPr id="3" name="Text Placeholder 2"/>
           <p:cNvSpPr>
             <a:spLocks noGrp="1"/>
           </p:cNvSpPr>
@@ -1047,16 +1157,16 @@
         </p:nvSpPr>
         <p:spPr>
           <a:xfrm>
-            <a:off x="831850" y="4589463"/>
-            <a:ext cx="10515600" cy="1500187"/>
+            <a:off x="963084" y="2906713"/>
+            <a:ext cx="10363200" cy="1500187"/>
           </a:xfrm>
         </p:spPr>
         <p:txBody>
-          <a:bodyPr/>
+          <a:bodyPr anchor="b"/>
           <a:lstStyle>
             <a:lvl1pPr marL="0" indent="0">
               <a:buNone/>
-              <a:defRPr sz="2400">
+              <a:defRPr sz="2667">
                 <a:solidFill>
                   <a:schemeClr val="tx1">
                     <a:tint val="75000"/>
@@ -1064,9 +1174,9 @@
                 </a:solidFill>
               </a:defRPr>
             </a:lvl1pPr>
-            <a:lvl2pPr marL="457200" indent="0">
-              <a:buNone/>
-              <a:defRPr sz="2000">
+            <a:lvl2pPr marL="609585" indent="0">
+              <a:buNone/>
+              <a:defRPr sz="2400">
                 <a:solidFill>
                   <a:schemeClr val="tx1">
                     <a:tint val="75000"/>
@@ -1074,9 +1184,9 @@
                 </a:solidFill>
               </a:defRPr>
             </a:lvl2pPr>
-            <a:lvl3pPr marL="914400" indent="0">
-              <a:buNone/>
-              <a:defRPr sz="1800">
+            <a:lvl3pPr marL="1219170" indent="0">
+              <a:buNone/>
+              <a:defRPr sz="2133">
                 <a:solidFill>
                   <a:schemeClr val="tx1">
                     <a:tint val="75000"/>
@@ -1084,9 +1194,9 @@
                 </a:solidFill>
               </a:defRPr>
             </a:lvl3pPr>
-            <a:lvl4pPr marL="1371600" indent="0">
-              <a:buNone/>
-              <a:defRPr sz="1600">
+            <a:lvl4pPr marL="1828754" indent="0">
+              <a:buNone/>
+              <a:defRPr sz="1867">
                 <a:solidFill>
                   <a:schemeClr val="tx1">
                     <a:tint val="75000"/>
@@ -1094,9 +1204,9 @@
                 </a:solidFill>
               </a:defRPr>
             </a:lvl4pPr>
-            <a:lvl5pPr marL="1828800" indent="0">
-              <a:buNone/>
-              <a:defRPr sz="1600">
+            <a:lvl5pPr marL="2438339" indent="0">
+              <a:buNone/>
+              <a:defRPr sz="1867">
                 <a:solidFill>
                   <a:schemeClr val="tx1">
                     <a:tint val="75000"/>
@@ -1104,9 +1214,9 @@
                 </a:solidFill>
               </a:defRPr>
             </a:lvl5pPr>
-            <a:lvl6pPr marL="2286000" indent="0">
-              <a:buNone/>
-              <a:defRPr sz="1600">
+            <a:lvl6pPr marL="3047924" indent="0">
+              <a:buNone/>
+              <a:defRPr sz="1867">
                 <a:solidFill>
                   <a:schemeClr val="tx1">
                     <a:tint val="75000"/>
@@ -1114,9 +1224,9 @@
                 </a:solidFill>
               </a:defRPr>
             </a:lvl6pPr>
-            <a:lvl7pPr marL="2743200" indent="0">
-              <a:buNone/>
-              <a:defRPr sz="1600">
+            <a:lvl7pPr marL="3657509" indent="0">
+              <a:buNone/>
+              <a:defRPr sz="1867">
                 <a:solidFill>
                   <a:schemeClr val="tx1">
                     <a:tint val="75000"/>
@@ -1124,9 +1234,9 @@
                 </a:solidFill>
               </a:defRPr>
             </a:lvl7pPr>
-            <a:lvl8pPr marL="3200400" indent="0">
-              <a:buNone/>
-              <a:defRPr sz="1600">
+            <a:lvl8pPr marL="4267093" indent="0">
+              <a:buNone/>
+              <a:defRPr sz="1867">
                 <a:solidFill>
                   <a:schemeClr val="tx1">
                     <a:tint val="75000"/>
@@ -1134,9 +1244,9 @@
                 </a:solidFill>
               </a:defRPr>
             </a:lvl8pPr>
-            <a:lvl9pPr marL="3657600" indent="0">
-              <a:buNone/>
-              <a:defRPr sz="1600">
+            <a:lvl9pPr marL="4876678" indent="0">
+              <a:buNone/>
+              <a:defRPr sz="1867">
                 <a:solidFill>
                   <a:schemeClr val="tx1">
                     <a:tint val="75000"/>
@@ -1149,20 +1259,14 @@
             <a:pPr lvl="0"/>
             <a:r>
               <a:rPr lang="en-US"/>
-              <a:t>Click to edit Master text styles</a:t>
+              <a:t>Edit Master text styles</a:t>
             </a:r>
           </a:p>
         </p:txBody>
       </p:sp>
       <p:sp>
         <p:nvSpPr>
-          <p:cNvPr id="4" name="Date Placeholder 3">
-            <a:extLst>
-              <a:ext uri="{FF2B5EF4-FFF2-40B4-BE49-F238E27FC236}">
-                <a16:creationId xmlns:a16="http://schemas.microsoft.com/office/drawing/2014/main" id="{FF4659A0-633B-FA0F-F035-509FB1B208CA}"/>
-              </a:ext>
-            </a:extLst>
-          </p:cNvPr>
+          <p:cNvPr id="4" name="Date Placeholder 3"/>
           <p:cNvSpPr>
             <a:spLocks noGrp="1"/>
           </p:cNvSpPr>
@@ -1175,9 +1279,9 @@
           <a:bodyPr/>
           <a:lstStyle/>
           <a:p>
-            <a:fld id="{A2844810-C7DE-4943-ACE8-1A6314E74F3D}" type="datetimeFigureOut">
+            <a:fld id="{7463C41C-A487-0C45-A261-16903102544D}" type="datetimeFigureOut">
               <a:rPr lang="en-US" smtClean="0"/>
-              <a:t>2/23/2023</a:t>
+              <a:t>2/27/2023</a:t>
             </a:fld>
             <a:endParaRPr lang="en-US"/>
           </a:p>
@@ -1185,13 +1289,7 @@
       </p:sp>
       <p:sp>
         <p:nvSpPr>
-          <p:cNvPr id="5" name="Footer Placeholder 4">
-            <a:extLst>
-              <a:ext uri="{FF2B5EF4-FFF2-40B4-BE49-F238E27FC236}">
-                <a16:creationId xmlns:a16="http://schemas.microsoft.com/office/drawing/2014/main" id="{29FF5E4D-B1F8-2131-BB5C-BE5C82C78F3D}"/>
-              </a:ext>
-            </a:extLst>
-          </p:cNvPr>
+          <p:cNvPr id="5" name="Footer Placeholder 4"/>
           <p:cNvSpPr>
             <a:spLocks noGrp="1"/>
           </p:cNvSpPr>
@@ -1204,43 +1302,17 @@
           <a:bodyPr/>
           <a:lstStyle/>
           <a:p>
-            <a:endParaRPr lang="en-US"/>
-          </a:p>
-        </p:txBody>
-      </p:sp>
-      <p:sp>
-        <p:nvSpPr>
-          <p:cNvPr id="6" name="Slide Number Placeholder 5">
-            <a:extLst>
-              <a:ext uri="{FF2B5EF4-FFF2-40B4-BE49-F238E27FC236}">
-                <a16:creationId xmlns:a16="http://schemas.microsoft.com/office/drawing/2014/main" id="{39B58F5D-7E15-A278-BAA7-FDB86BA6ACB9}"/>
-              </a:ext>
-            </a:extLst>
-          </p:cNvPr>
-          <p:cNvSpPr>
-            <a:spLocks noGrp="1"/>
-          </p:cNvSpPr>
-          <p:nvPr>
-            <p:ph type="sldNum" sz="quarter" idx="12"/>
-          </p:nvPr>
-        </p:nvSpPr>
-        <p:spPr/>
-        <p:txBody>
-          <a:bodyPr/>
-          <a:lstStyle/>
-          <a:p>
-            <a:fld id="{DF7A923B-C40F-482A-A20E-3BBBD676C39E}" type="slidenum">
-              <a:rPr lang="en-US" smtClean="0"/>
-              <a:t>‹#›</a:t>
-            </a:fld>
-            <a:endParaRPr lang="en-US"/>
+            <a:r>
+              <a:rPr lang="en-US" dirty="0"/>
+              <a:t>URL</a:t>
+            </a:r>
           </a:p>
         </p:txBody>
       </p:sp>
     </p:spTree>
     <p:extLst>
       <p:ext uri="{BB962C8B-B14F-4D97-AF65-F5344CB8AC3E}">
-        <p14:creationId xmlns:p14="http://schemas.microsoft.com/office/powerpoint/2010/main" val="2340082017"/>
+        <p14:creationId xmlns:p14="http://schemas.microsoft.com/office/powerpoint/2010/main" val="790971472"/>
       </p:ext>
     </p:extLst>
   </p:cSld>
@@ -1269,13 +1341,7 @@
       </p:grpSpPr>
       <p:sp>
         <p:nvSpPr>
-          <p:cNvPr id="2" name="Title 1">
-            <a:extLst>
-              <a:ext uri="{FF2B5EF4-FFF2-40B4-BE49-F238E27FC236}">
-                <a16:creationId xmlns:a16="http://schemas.microsoft.com/office/drawing/2014/main" id="{1CF871D5-9A1C-020C-1284-F418C37CA939}"/>
-              </a:ext>
-            </a:extLst>
-          </p:cNvPr>
+          <p:cNvPr id="2" name="Title 1"/>
           <p:cNvSpPr>
             <a:spLocks noGrp="1"/>
           </p:cNvSpPr>
@@ -1297,13 +1363,7 @@
       </p:sp>
       <p:sp>
         <p:nvSpPr>
-          <p:cNvPr id="3" name="Content Placeholder 2">
-            <a:extLst>
-              <a:ext uri="{FF2B5EF4-FFF2-40B4-BE49-F238E27FC236}">
-                <a16:creationId xmlns:a16="http://schemas.microsoft.com/office/drawing/2014/main" id="{3D2B21A9-873B-8E77-5D40-556BC86F6E09}"/>
-              </a:ext>
-            </a:extLst>
-          </p:cNvPr>
+          <p:cNvPr id="3" name="Content Placeholder 2"/>
           <p:cNvSpPr>
             <a:spLocks noGrp="1"/>
           </p:cNvSpPr>
@@ -1313,18 +1373,46 @@
         </p:nvSpPr>
         <p:spPr>
           <a:xfrm>
-            <a:off x="838200" y="1825625"/>
-            <a:ext cx="5181600" cy="4351338"/>
+            <a:off x="609600" y="1935236"/>
+            <a:ext cx="5384800" cy="4231193"/>
           </a:xfrm>
         </p:spPr>
         <p:txBody>
           <a:bodyPr/>
-          <a:lstStyle/>
+          <a:lstStyle>
+            <a:lvl1pPr>
+              <a:defRPr sz="3733"/>
+            </a:lvl1pPr>
+            <a:lvl2pPr>
+              <a:defRPr sz="3200"/>
+            </a:lvl2pPr>
+            <a:lvl3pPr>
+              <a:defRPr sz="2667"/>
+            </a:lvl3pPr>
+            <a:lvl4pPr>
+              <a:defRPr sz="2400"/>
+            </a:lvl4pPr>
+            <a:lvl5pPr>
+              <a:defRPr sz="2400"/>
+            </a:lvl5pPr>
+            <a:lvl6pPr>
+              <a:defRPr sz="2400"/>
+            </a:lvl6pPr>
+            <a:lvl7pPr>
+              <a:defRPr sz="2400"/>
+            </a:lvl7pPr>
+            <a:lvl8pPr>
+              <a:defRPr sz="2400"/>
+            </a:lvl8pPr>
+            <a:lvl9pPr>
+              <a:defRPr sz="2400"/>
+            </a:lvl9pPr>
+          </a:lstStyle>
           <a:p>
             <a:pPr lvl="0"/>
             <a:r>
               <a:rPr lang="en-US"/>
-              <a:t>Click to edit Master text styles</a:t>
+              <a:t>Edit Master text styles</a:t>
             </a:r>
           </a:p>
           <a:p>
@@ -1359,13 +1447,7 @@
       </p:sp>
       <p:sp>
         <p:nvSpPr>
-          <p:cNvPr id="4" name="Content Placeholder 3">
-            <a:extLst>
-              <a:ext uri="{FF2B5EF4-FFF2-40B4-BE49-F238E27FC236}">
-                <a16:creationId xmlns:a16="http://schemas.microsoft.com/office/drawing/2014/main" id="{9F06DE2C-11AF-52BC-F004-4D760D6AF905}"/>
-              </a:ext>
-            </a:extLst>
-          </p:cNvPr>
+          <p:cNvPr id="4" name="Content Placeholder 3"/>
           <p:cNvSpPr>
             <a:spLocks noGrp="1"/>
           </p:cNvSpPr>
@@ -1375,18 +1457,46 @@
         </p:nvSpPr>
         <p:spPr>
           <a:xfrm>
-            <a:off x="6172200" y="1825625"/>
-            <a:ext cx="5181600" cy="4351338"/>
+            <a:off x="6197600" y="1935236"/>
+            <a:ext cx="5384800" cy="4231193"/>
           </a:xfrm>
         </p:spPr>
         <p:txBody>
           <a:bodyPr/>
-          <a:lstStyle/>
+          <a:lstStyle>
+            <a:lvl1pPr>
+              <a:defRPr sz="3733"/>
+            </a:lvl1pPr>
+            <a:lvl2pPr>
+              <a:defRPr sz="3200"/>
+            </a:lvl2pPr>
+            <a:lvl3pPr>
+              <a:defRPr sz="2667"/>
+            </a:lvl3pPr>
+            <a:lvl4pPr>
+              <a:defRPr sz="2400"/>
+            </a:lvl4pPr>
+            <a:lvl5pPr>
+              <a:defRPr sz="2400"/>
+            </a:lvl5pPr>
+            <a:lvl6pPr>
+              <a:defRPr sz="2400"/>
+            </a:lvl6pPr>
+            <a:lvl7pPr>
+              <a:defRPr sz="2400"/>
+            </a:lvl7pPr>
+            <a:lvl8pPr>
+              <a:defRPr sz="2400"/>
+            </a:lvl8pPr>
+            <a:lvl9pPr>
+              <a:defRPr sz="2400"/>
+            </a:lvl9pPr>
+          </a:lstStyle>
           <a:p>
             <a:pPr lvl="0"/>
             <a:r>
               <a:rPr lang="en-US"/>
-              <a:t>Click to edit Master text styles</a:t>
+              <a:t>Edit Master text styles</a:t>
             </a:r>
           </a:p>
           <a:p>
@@ -1421,13 +1531,7 @@
       </p:sp>
       <p:sp>
         <p:nvSpPr>
-          <p:cNvPr id="5" name="Date Placeholder 4">
-            <a:extLst>
-              <a:ext uri="{FF2B5EF4-FFF2-40B4-BE49-F238E27FC236}">
-                <a16:creationId xmlns:a16="http://schemas.microsoft.com/office/drawing/2014/main" id="{30A9E4C1-B031-20DD-8CB5-C372C84DBB65}"/>
-              </a:ext>
-            </a:extLst>
-          </p:cNvPr>
+          <p:cNvPr id="5" name="Date Placeholder 4"/>
           <p:cNvSpPr>
             <a:spLocks noGrp="1"/>
           </p:cNvSpPr>
@@ -1440,9 +1544,9 @@
           <a:bodyPr/>
           <a:lstStyle/>
           <a:p>
-            <a:fld id="{A2844810-C7DE-4943-ACE8-1A6314E74F3D}" type="datetimeFigureOut">
+            <a:fld id="{7463C41C-A487-0C45-A261-16903102544D}" type="datetimeFigureOut">
               <a:rPr lang="en-US" smtClean="0"/>
-              <a:t>2/23/2023</a:t>
+              <a:t>2/27/2023</a:t>
             </a:fld>
             <a:endParaRPr lang="en-US"/>
           </a:p>
@@ -1450,13 +1554,7 @@
       </p:sp>
       <p:sp>
         <p:nvSpPr>
-          <p:cNvPr id="6" name="Footer Placeholder 5">
-            <a:extLst>
-              <a:ext uri="{FF2B5EF4-FFF2-40B4-BE49-F238E27FC236}">
-                <a16:creationId xmlns:a16="http://schemas.microsoft.com/office/drawing/2014/main" id="{5D5EF5D3-4108-087F-F6E3-53406BF4DB8C}"/>
-              </a:ext>
-            </a:extLst>
-          </p:cNvPr>
+          <p:cNvPr id="6" name="Footer Placeholder 5"/>
           <p:cNvSpPr>
             <a:spLocks noGrp="1"/>
           </p:cNvSpPr>
@@ -1469,43 +1567,17 @@
           <a:bodyPr/>
           <a:lstStyle/>
           <a:p>
-            <a:endParaRPr lang="en-US"/>
-          </a:p>
-        </p:txBody>
-      </p:sp>
-      <p:sp>
-        <p:nvSpPr>
-          <p:cNvPr id="7" name="Slide Number Placeholder 6">
-            <a:extLst>
-              <a:ext uri="{FF2B5EF4-FFF2-40B4-BE49-F238E27FC236}">
-                <a16:creationId xmlns:a16="http://schemas.microsoft.com/office/drawing/2014/main" id="{BB71776B-13FC-07F1-F7CE-D4F14CEFEDB2}"/>
-              </a:ext>
-            </a:extLst>
-          </p:cNvPr>
-          <p:cNvSpPr>
-            <a:spLocks noGrp="1"/>
-          </p:cNvSpPr>
-          <p:nvPr>
-            <p:ph type="sldNum" sz="quarter" idx="12"/>
-          </p:nvPr>
-        </p:nvSpPr>
-        <p:spPr/>
-        <p:txBody>
-          <a:bodyPr/>
-          <a:lstStyle/>
-          <a:p>
-            <a:fld id="{DF7A923B-C40F-482A-A20E-3BBBD676C39E}" type="slidenum">
-              <a:rPr lang="en-US" smtClean="0"/>
-              <a:t>‹#›</a:t>
-            </a:fld>
-            <a:endParaRPr lang="en-US"/>
+            <a:r>
+              <a:rPr lang="en-US" dirty="0"/>
+              <a:t>URL</a:t>
+            </a:r>
           </a:p>
         </p:txBody>
       </p:sp>
     </p:spTree>
     <p:extLst>
       <p:ext uri="{BB962C8B-B14F-4D97-AF65-F5344CB8AC3E}">
-        <p14:creationId xmlns:p14="http://schemas.microsoft.com/office/powerpoint/2010/main" val="3609412586"/>
+        <p14:creationId xmlns:p14="http://schemas.microsoft.com/office/powerpoint/2010/main" val="168254543"/>
       </p:ext>
     </p:extLst>
   </p:cSld>
@@ -1534,13 +1606,7 @@
       </p:grpSpPr>
       <p:sp>
         <p:nvSpPr>
-          <p:cNvPr id="2" name="Title 1">
-            <a:extLst>
-              <a:ext uri="{FF2B5EF4-FFF2-40B4-BE49-F238E27FC236}">
-                <a16:creationId xmlns:a16="http://schemas.microsoft.com/office/drawing/2014/main" id="{07A0F1BC-F3F9-E038-A668-366CA4C7EC1A}"/>
-              </a:ext>
-            </a:extLst>
-          </p:cNvPr>
+          <p:cNvPr id="2" name="Title 1"/>
           <p:cNvSpPr>
             <a:spLocks noGrp="1"/>
           </p:cNvSpPr>
@@ -1548,15 +1614,14 @@
             <p:ph type="title"/>
           </p:nvPr>
         </p:nvSpPr>
-        <p:spPr>
-          <a:xfrm>
-            <a:off x="839788" y="365125"/>
-            <a:ext cx="10515600" cy="1325563"/>
-          </a:xfrm>
-        </p:spPr>
+        <p:spPr/>
         <p:txBody>
           <a:bodyPr/>
-          <a:lstStyle/>
+          <a:lstStyle>
+            <a:lvl1pPr>
+              <a:defRPr/>
+            </a:lvl1pPr>
+          </a:lstStyle>
           <a:p>
             <a:r>
               <a:rPr lang="en-US"/>
@@ -1567,13 +1632,7 @@
       </p:sp>
       <p:sp>
         <p:nvSpPr>
-          <p:cNvPr id="3" name="Text Placeholder 2">
-            <a:extLst>
-              <a:ext uri="{FF2B5EF4-FFF2-40B4-BE49-F238E27FC236}">
-                <a16:creationId xmlns:a16="http://schemas.microsoft.com/office/drawing/2014/main" id="{7E2CA99F-FD7D-5BFE-103D-AEBFDCD8E49B}"/>
-              </a:ext>
-            </a:extLst>
-          </p:cNvPr>
+          <p:cNvPr id="3" name="Text Placeholder 2"/>
           <p:cNvSpPr>
             <a:spLocks noGrp="1"/>
           </p:cNvSpPr>
@@ -1583,8 +1642,8 @@
         </p:nvSpPr>
         <p:spPr>
           <a:xfrm>
-            <a:off x="839788" y="1681163"/>
-            <a:ext cx="5157787" cy="823912"/>
+            <a:off x="609599" y="1863007"/>
+            <a:ext cx="5386917" cy="581603"/>
           </a:xfrm>
         </p:spPr>
         <p:txBody>
@@ -1592,59 +1651,53 @@
           <a:lstStyle>
             <a:lvl1pPr marL="0" indent="0">
               <a:buNone/>
+              <a:defRPr sz="3200" b="1"/>
+            </a:lvl1pPr>
+            <a:lvl2pPr marL="609585" indent="0">
+              <a:buNone/>
+              <a:defRPr sz="2667" b="1"/>
+            </a:lvl2pPr>
+            <a:lvl3pPr marL="1219170" indent="0">
+              <a:buNone/>
               <a:defRPr sz="2400" b="1"/>
-            </a:lvl1pPr>
-            <a:lvl2pPr marL="457200" indent="0">
-              <a:buNone/>
-              <a:defRPr sz="2000" b="1"/>
-            </a:lvl2pPr>
-            <a:lvl3pPr marL="914400" indent="0">
-              <a:buNone/>
-              <a:defRPr sz="1800" b="1"/>
             </a:lvl3pPr>
-            <a:lvl4pPr marL="1371600" indent="0">
-              <a:buNone/>
-              <a:defRPr sz="1600" b="1"/>
+            <a:lvl4pPr marL="1828754" indent="0">
+              <a:buNone/>
+              <a:defRPr sz="2133" b="1"/>
             </a:lvl4pPr>
-            <a:lvl5pPr marL="1828800" indent="0">
-              <a:buNone/>
-              <a:defRPr sz="1600" b="1"/>
+            <a:lvl5pPr marL="2438339" indent="0">
+              <a:buNone/>
+              <a:defRPr sz="2133" b="1"/>
             </a:lvl5pPr>
-            <a:lvl6pPr marL="2286000" indent="0">
-              <a:buNone/>
-              <a:defRPr sz="1600" b="1"/>
+            <a:lvl6pPr marL="3047924" indent="0">
+              <a:buNone/>
+              <a:defRPr sz="2133" b="1"/>
             </a:lvl6pPr>
-            <a:lvl7pPr marL="2743200" indent="0">
-              <a:buNone/>
-              <a:defRPr sz="1600" b="1"/>
+            <a:lvl7pPr marL="3657509" indent="0">
+              <a:buNone/>
+              <a:defRPr sz="2133" b="1"/>
             </a:lvl7pPr>
-            <a:lvl8pPr marL="3200400" indent="0">
-              <a:buNone/>
-              <a:defRPr sz="1600" b="1"/>
+            <a:lvl8pPr marL="4267093" indent="0">
+              <a:buNone/>
+              <a:defRPr sz="2133" b="1"/>
             </a:lvl8pPr>
-            <a:lvl9pPr marL="3657600" indent="0">
-              <a:buNone/>
-              <a:defRPr sz="1600" b="1"/>
+            <a:lvl9pPr marL="4876678" indent="0">
+              <a:buNone/>
+              <a:defRPr sz="2133" b="1"/>
             </a:lvl9pPr>
           </a:lstStyle>
           <a:p>
             <a:pPr lvl="0"/>
             <a:r>
               <a:rPr lang="en-US"/>
-              <a:t>Click to edit Master text styles</a:t>
+              <a:t>Edit Master text styles</a:t>
             </a:r>
           </a:p>
         </p:txBody>
       </p:sp>
       <p:sp>
         <p:nvSpPr>
-          <p:cNvPr id="4" name="Content Placeholder 3">
-            <a:extLst>
-              <a:ext uri="{FF2B5EF4-FFF2-40B4-BE49-F238E27FC236}">
-                <a16:creationId xmlns:a16="http://schemas.microsoft.com/office/drawing/2014/main" id="{38608457-DF44-5959-25D1-D113AB0D685F}"/>
-              </a:ext>
-            </a:extLst>
-          </p:cNvPr>
+          <p:cNvPr id="4" name="Content Placeholder 3"/>
           <p:cNvSpPr>
             <a:spLocks noGrp="1"/>
           </p:cNvSpPr>
@@ -1654,18 +1707,46 @@
         </p:nvSpPr>
         <p:spPr>
           <a:xfrm>
-            <a:off x="839788" y="2505075"/>
-            <a:ext cx="5157787" cy="3684588"/>
+            <a:off x="609599" y="2653292"/>
+            <a:ext cx="5386917" cy="3592080"/>
           </a:xfrm>
         </p:spPr>
         <p:txBody>
           <a:bodyPr/>
-          <a:lstStyle/>
+          <a:lstStyle>
+            <a:lvl1pPr>
+              <a:defRPr sz="3200"/>
+            </a:lvl1pPr>
+            <a:lvl2pPr>
+              <a:defRPr sz="2667"/>
+            </a:lvl2pPr>
+            <a:lvl3pPr>
+              <a:defRPr sz="2400"/>
+            </a:lvl3pPr>
+            <a:lvl4pPr>
+              <a:defRPr sz="2133"/>
+            </a:lvl4pPr>
+            <a:lvl5pPr>
+              <a:defRPr sz="2133"/>
+            </a:lvl5pPr>
+            <a:lvl6pPr>
+              <a:defRPr sz="2133"/>
+            </a:lvl6pPr>
+            <a:lvl7pPr>
+              <a:defRPr sz="2133"/>
+            </a:lvl7pPr>
+            <a:lvl8pPr>
+              <a:defRPr sz="2133"/>
+            </a:lvl8pPr>
+            <a:lvl9pPr>
+              <a:defRPr sz="2133"/>
+            </a:lvl9pPr>
+          </a:lstStyle>
           <a:p>
             <a:pPr lvl="0"/>
             <a:r>
               <a:rPr lang="en-US"/>
-              <a:t>Click to edit Master text styles</a:t>
+              <a:t>Edit Master text styles</a:t>
             </a:r>
           </a:p>
           <a:p>
@@ -1700,13 +1781,7 @@
       </p:sp>
       <p:sp>
         <p:nvSpPr>
-          <p:cNvPr id="5" name="Text Placeholder 4">
-            <a:extLst>
-              <a:ext uri="{FF2B5EF4-FFF2-40B4-BE49-F238E27FC236}">
-                <a16:creationId xmlns:a16="http://schemas.microsoft.com/office/drawing/2014/main" id="{1DB3DE72-C0D4-E517-4394-B5240BC02BFB}"/>
-              </a:ext>
-            </a:extLst>
-          </p:cNvPr>
+          <p:cNvPr id="5" name="Text Placeholder 4"/>
           <p:cNvSpPr>
             <a:spLocks noGrp="1"/>
           </p:cNvSpPr>
@@ -1716,8 +1791,8 @@
         </p:nvSpPr>
         <p:spPr>
           <a:xfrm>
-            <a:off x="6172200" y="1681163"/>
-            <a:ext cx="5183188" cy="823912"/>
+            <a:off x="6193368" y="1863007"/>
+            <a:ext cx="5389033" cy="581603"/>
           </a:xfrm>
         </p:spPr>
         <p:txBody>
@@ -1725,59 +1800,53 @@
           <a:lstStyle>
             <a:lvl1pPr marL="0" indent="0">
               <a:buNone/>
+              <a:defRPr sz="3200" b="1"/>
+            </a:lvl1pPr>
+            <a:lvl2pPr marL="609585" indent="0">
+              <a:buNone/>
+              <a:defRPr sz="2667" b="1"/>
+            </a:lvl2pPr>
+            <a:lvl3pPr marL="1219170" indent="0">
+              <a:buNone/>
               <a:defRPr sz="2400" b="1"/>
-            </a:lvl1pPr>
-            <a:lvl2pPr marL="457200" indent="0">
-              <a:buNone/>
-              <a:defRPr sz="2000" b="1"/>
-            </a:lvl2pPr>
-            <a:lvl3pPr marL="914400" indent="0">
-              <a:buNone/>
-              <a:defRPr sz="1800" b="1"/>
             </a:lvl3pPr>
-            <a:lvl4pPr marL="1371600" indent="0">
-              <a:buNone/>
-              <a:defRPr sz="1600" b="1"/>
+            <a:lvl4pPr marL="1828754" indent="0">
+              <a:buNone/>
+              <a:defRPr sz="2133" b="1"/>
             </a:lvl4pPr>
-            <a:lvl5pPr marL="1828800" indent="0">
-              <a:buNone/>
-              <a:defRPr sz="1600" b="1"/>
+            <a:lvl5pPr marL="2438339" indent="0">
+              <a:buNone/>
+              <a:defRPr sz="2133" b="1"/>
             </a:lvl5pPr>
-            <a:lvl6pPr marL="2286000" indent="0">
-              <a:buNone/>
-              <a:defRPr sz="1600" b="1"/>
+            <a:lvl6pPr marL="3047924" indent="0">
+              <a:buNone/>
+              <a:defRPr sz="2133" b="1"/>
             </a:lvl6pPr>
-            <a:lvl7pPr marL="2743200" indent="0">
-              <a:buNone/>
-              <a:defRPr sz="1600" b="1"/>
+            <a:lvl7pPr marL="3657509" indent="0">
+              <a:buNone/>
+              <a:defRPr sz="2133" b="1"/>
             </a:lvl7pPr>
-            <a:lvl8pPr marL="3200400" indent="0">
-              <a:buNone/>
-              <a:defRPr sz="1600" b="1"/>
+            <a:lvl8pPr marL="4267093" indent="0">
+              <a:buNone/>
+              <a:defRPr sz="2133" b="1"/>
             </a:lvl8pPr>
-            <a:lvl9pPr marL="3657600" indent="0">
-              <a:buNone/>
-              <a:defRPr sz="1600" b="1"/>
+            <a:lvl9pPr marL="4876678" indent="0">
+              <a:buNone/>
+              <a:defRPr sz="2133" b="1"/>
             </a:lvl9pPr>
           </a:lstStyle>
           <a:p>
             <a:pPr lvl="0"/>
             <a:r>
               <a:rPr lang="en-US"/>
-              <a:t>Click to edit Master text styles</a:t>
+              <a:t>Edit Master text styles</a:t>
             </a:r>
           </a:p>
         </p:txBody>
       </p:sp>
       <p:sp>
         <p:nvSpPr>
-          <p:cNvPr id="6" name="Content Placeholder 5">
-            <a:extLst>
-              <a:ext uri="{FF2B5EF4-FFF2-40B4-BE49-F238E27FC236}">
-                <a16:creationId xmlns:a16="http://schemas.microsoft.com/office/drawing/2014/main" id="{641D24F8-2513-A434-7D44-1CE4F21EEF73}"/>
-              </a:ext>
-            </a:extLst>
-          </p:cNvPr>
+          <p:cNvPr id="6" name="Content Placeholder 5"/>
           <p:cNvSpPr>
             <a:spLocks noGrp="1"/>
           </p:cNvSpPr>
@@ -1787,18 +1856,46 @@
         </p:nvSpPr>
         <p:spPr>
           <a:xfrm>
-            <a:off x="6172200" y="2505075"/>
-            <a:ext cx="5183188" cy="3684588"/>
+            <a:off x="6193368" y="2653292"/>
+            <a:ext cx="5389033" cy="3592080"/>
           </a:xfrm>
         </p:spPr>
         <p:txBody>
           <a:bodyPr/>
-          <a:lstStyle/>
+          <a:lstStyle>
+            <a:lvl1pPr>
+              <a:defRPr sz="3200"/>
+            </a:lvl1pPr>
+            <a:lvl2pPr>
+              <a:defRPr sz="2667"/>
+            </a:lvl2pPr>
+            <a:lvl3pPr>
+              <a:defRPr sz="2400"/>
+            </a:lvl3pPr>
+            <a:lvl4pPr>
+              <a:defRPr sz="2133"/>
+            </a:lvl4pPr>
+            <a:lvl5pPr>
+              <a:defRPr sz="2133"/>
+            </a:lvl5pPr>
+            <a:lvl6pPr>
+              <a:defRPr sz="2133"/>
+            </a:lvl6pPr>
+            <a:lvl7pPr>
+              <a:defRPr sz="2133"/>
+            </a:lvl7pPr>
+            <a:lvl8pPr>
+              <a:defRPr sz="2133"/>
+            </a:lvl8pPr>
+            <a:lvl9pPr>
+              <a:defRPr sz="2133"/>
+            </a:lvl9pPr>
+          </a:lstStyle>
           <a:p>
             <a:pPr lvl="0"/>
             <a:r>
               <a:rPr lang="en-US"/>
-              <a:t>Click to edit Master text styles</a:t>
+              <a:t>Edit Master text styles</a:t>
             </a:r>
           </a:p>
           <a:p>
@@ -1833,13 +1930,7 @@
       </p:sp>
       <p:sp>
         <p:nvSpPr>
-          <p:cNvPr id="7" name="Date Placeholder 6">
-            <a:extLst>
-              <a:ext uri="{FF2B5EF4-FFF2-40B4-BE49-F238E27FC236}">
-                <a16:creationId xmlns:a16="http://schemas.microsoft.com/office/drawing/2014/main" id="{EAD50A76-7872-9F4D-B2D7-6925E1031ED6}"/>
-              </a:ext>
-            </a:extLst>
-          </p:cNvPr>
+          <p:cNvPr id="7" name="Date Placeholder 6"/>
           <p:cNvSpPr>
             <a:spLocks noGrp="1"/>
           </p:cNvSpPr>
@@ -1852,9 +1943,9 @@
           <a:bodyPr/>
           <a:lstStyle/>
           <a:p>
-            <a:fld id="{A2844810-C7DE-4943-ACE8-1A6314E74F3D}" type="datetimeFigureOut">
+            <a:fld id="{7463C41C-A487-0C45-A261-16903102544D}" type="datetimeFigureOut">
               <a:rPr lang="en-US" smtClean="0"/>
-              <a:t>2/23/2023</a:t>
+              <a:t>2/27/2023</a:t>
             </a:fld>
             <a:endParaRPr lang="en-US"/>
           </a:p>
@@ -1862,13 +1953,7 @@
       </p:sp>
       <p:sp>
         <p:nvSpPr>
-          <p:cNvPr id="8" name="Footer Placeholder 7">
-            <a:extLst>
-              <a:ext uri="{FF2B5EF4-FFF2-40B4-BE49-F238E27FC236}">
-                <a16:creationId xmlns:a16="http://schemas.microsoft.com/office/drawing/2014/main" id="{AA9D8A2D-F16E-D55F-EE5A-685771779E0A}"/>
-              </a:ext>
-            </a:extLst>
-          </p:cNvPr>
+          <p:cNvPr id="8" name="Footer Placeholder 7"/>
           <p:cNvSpPr>
             <a:spLocks noGrp="1"/>
           </p:cNvSpPr>
@@ -1881,43 +1966,17 @@
           <a:bodyPr/>
           <a:lstStyle/>
           <a:p>
-            <a:endParaRPr lang="en-US"/>
-          </a:p>
-        </p:txBody>
-      </p:sp>
-      <p:sp>
-        <p:nvSpPr>
-          <p:cNvPr id="9" name="Slide Number Placeholder 8">
-            <a:extLst>
-              <a:ext uri="{FF2B5EF4-FFF2-40B4-BE49-F238E27FC236}">
-                <a16:creationId xmlns:a16="http://schemas.microsoft.com/office/drawing/2014/main" id="{038604DD-2E7E-33B2-D47F-81367A968D77}"/>
-              </a:ext>
-            </a:extLst>
-          </p:cNvPr>
-          <p:cNvSpPr>
-            <a:spLocks noGrp="1"/>
-          </p:cNvSpPr>
-          <p:nvPr>
-            <p:ph type="sldNum" sz="quarter" idx="12"/>
-          </p:nvPr>
-        </p:nvSpPr>
-        <p:spPr/>
-        <p:txBody>
-          <a:bodyPr/>
-          <a:lstStyle/>
-          <a:p>
-            <a:fld id="{DF7A923B-C40F-482A-A20E-3BBBD676C39E}" type="slidenum">
-              <a:rPr lang="en-US" smtClean="0"/>
-              <a:t>‹#›</a:t>
-            </a:fld>
-            <a:endParaRPr lang="en-US"/>
+            <a:r>
+              <a:rPr lang="en-US" dirty="0"/>
+              <a:t>URL</a:t>
+            </a:r>
           </a:p>
         </p:txBody>
       </p:sp>
     </p:spTree>
     <p:extLst>
       <p:ext uri="{BB962C8B-B14F-4D97-AF65-F5344CB8AC3E}">
-        <p14:creationId xmlns:p14="http://schemas.microsoft.com/office/powerpoint/2010/main" val="1878590743"/>
+        <p14:creationId xmlns:p14="http://schemas.microsoft.com/office/powerpoint/2010/main" val="3480946615"/>
       </p:ext>
     </p:extLst>
   </p:cSld>
@@ -1946,13 +2005,7 @@
       </p:grpSpPr>
       <p:sp>
         <p:nvSpPr>
-          <p:cNvPr id="2" name="Title 1">
-            <a:extLst>
-              <a:ext uri="{FF2B5EF4-FFF2-40B4-BE49-F238E27FC236}">
-                <a16:creationId xmlns:a16="http://schemas.microsoft.com/office/drawing/2014/main" id="{019B241E-9E1D-C0FB-D13B-2EB73C09EB39}"/>
-              </a:ext>
-            </a:extLst>
-          </p:cNvPr>
+          <p:cNvPr id="2" name="Title 1"/>
           <p:cNvSpPr>
             <a:spLocks noGrp="1"/>
           </p:cNvSpPr>
@@ -1974,13 +2027,7 @@
       </p:sp>
       <p:sp>
         <p:nvSpPr>
-          <p:cNvPr id="3" name="Date Placeholder 2">
-            <a:extLst>
-              <a:ext uri="{FF2B5EF4-FFF2-40B4-BE49-F238E27FC236}">
-                <a16:creationId xmlns:a16="http://schemas.microsoft.com/office/drawing/2014/main" id="{34424A5F-9444-FA67-A572-7DA3B42287C4}"/>
-              </a:ext>
-            </a:extLst>
-          </p:cNvPr>
+          <p:cNvPr id="3" name="Date Placeholder 2"/>
           <p:cNvSpPr>
             <a:spLocks noGrp="1"/>
           </p:cNvSpPr>
@@ -1993,9 +2040,9 @@
           <a:bodyPr/>
           <a:lstStyle/>
           <a:p>
-            <a:fld id="{A2844810-C7DE-4943-ACE8-1A6314E74F3D}" type="datetimeFigureOut">
+            <a:fld id="{7463C41C-A487-0C45-A261-16903102544D}" type="datetimeFigureOut">
               <a:rPr lang="en-US" smtClean="0"/>
-              <a:t>2/23/2023</a:t>
+              <a:t>2/27/2023</a:t>
             </a:fld>
             <a:endParaRPr lang="en-US"/>
           </a:p>
@@ -2003,13 +2050,7 @@
       </p:sp>
       <p:sp>
         <p:nvSpPr>
-          <p:cNvPr id="4" name="Footer Placeholder 3">
-            <a:extLst>
-              <a:ext uri="{FF2B5EF4-FFF2-40B4-BE49-F238E27FC236}">
-                <a16:creationId xmlns:a16="http://schemas.microsoft.com/office/drawing/2014/main" id="{F5053CD3-376F-B204-B19C-736B28DB96F8}"/>
-              </a:ext>
-            </a:extLst>
-          </p:cNvPr>
+          <p:cNvPr id="4" name="Footer Placeholder 3"/>
           <p:cNvSpPr>
             <a:spLocks noGrp="1"/>
           </p:cNvSpPr>
@@ -2022,43 +2063,17 @@
           <a:bodyPr/>
           <a:lstStyle/>
           <a:p>
-            <a:endParaRPr lang="en-US"/>
-          </a:p>
-        </p:txBody>
-      </p:sp>
-      <p:sp>
-        <p:nvSpPr>
-          <p:cNvPr id="5" name="Slide Number Placeholder 4">
-            <a:extLst>
-              <a:ext uri="{FF2B5EF4-FFF2-40B4-BE49-F238E27FC236}">
-                <a16:creationId xmlns:a16="http://schemas.microsoft.com/office/drawing/2014/main" id="{DB32C612-6AA8-CBB4-D4F2-535119CE9DC8}"/>
-              </a:ext>
-            </a:extLst>
-          </p:cNvPr>
-          <p:cNvSpPr>
-            <a:spLocks noGrp="1"/>
-          </p:cNvSpPr>
-          <p:nvPr>
-            <p:ph type="sldNum" sz="quarter" idx="12"/>
-          </p:nvPr>
-        </p:nvSpPr>
-        <p:spPr/>
-        <p:txBody>
-          <a:bodyPr/>
-          <a:lstStyle/>
-          <a:p>
-            <a:fld id="{DF7A923B-C40F-482A-A20E-3BBBD676C39E}" type="slidenum">
-              <a:rPr lang="en-US" smtClean="0"/>
-              <a:t>‹#›</a:t>
-            </a:fld>
-            <a:endParaRPr lang="en-US"/>
+            <a:r>
+              <a:rPr lang="en-US" dirty="0"/>
+              <a:t>URL</a:t>
+            </a:r>
           </a:p>
         </p:txBody>
       </p:sp>
     </p:spTree>
     <p:extLst>
       <p:ext uri="{BB962C8B-B14F-4D97-AF65-F5344CB8AC3E}">
-        <p14:creationId xmlns:p14="http://schemas.microsoft.com/office/powerpoint/2010/main" val="360685511"/>
+        <p14:creationId xmlns:p14="http://schemas.microsoft.com/office/powerpoint/2010/main" val="1034932464"/>
       </p:ext>
     </p:extLst>
   </p:cSld>
@@ -2087,13 +2102,7 @@
       </p:grpSpPr>
       <p:sp>
         <p:nvSpPr>
-          <p:cNvPr id="2" name="Date Placeholder 1">
-            <a:extLst>
-              <a:ext uri="{FF2B5EF4-FFF2-40B4-BE49-F238E27FC236}">
-                <a16:creationId xmlns:a16="http://schemas.microsoft.com/office/drawing/2014/main" id="{296AE8C4-E136-452A-E018-4DD8AFA62FB2}"/>
-              </a:ext>
-            </a:extLst>
-          </p:cNvPr>
+          <p:cNvPr id="2" name="Date Placeholder 1"/>
           <p:cNvSpPr>
             <a:spLocks noGrp="1"/>
           </p:cNvSpPr>
@@ -2106,9 +2115,9 @@
           <a:bodyPr/>
           <a:lstStyle/>
           <a:p>
-            <a:fld id="{A2844810-C7DE-4943-ACE8-1A6314E74F3D}" type="datetimeFigureOut">
+            <a:fld id="{7463C41C-A487-0C45-A261-16903102544D}" type="datetimeFigureOut">
               <a:rPr lang="en-US" smtClean="0"/>
-              <a:t>2/23/2023</a:t>
+              <a:t>2/27/2023</a:t>
             </a:fld>
             <a:endParaRPr lang="en-US"/>
           </a:p>
@@ -2116,13 +2125,7 @@
       </p:sp>
       <p:sp>
         <p:nvSpPr>
-          <p:cNvPr id="3" name="Footer Placeholder 2">
-            <a:extLst>
-              <a:ext uri="{FF2B5EF4-FFF2-40B4-BE49-F238E27FC236}">
-                <a16:creationId xmlns:a16="http://schemas.microsoft.com/office/drawing/2014/main" id="{36CF12AC-1952-81B3-99C2-51B907E712EF}"/>
-              </a:ext>
-            </a:extLst>
-          </p:cNvPr>
+          <p:cNvPr id="3" name="Footer Placeholder 2"/>
           <p:cNvSpPr>
             <a:spLocks noGrp="1"/>
           </p:cNvSpPr>
@@ -2135,43 +2138,17 @@
           <a:bodyPr/>
           <a:lstStyle/>
           <a:p>
-            <a:endParaRPr lang="en-US"/>
-          </a:p>
-        </p:txBody>
-      </p:sp>
-      <p:sp>
-        <p:nvSpPr>
-          <p:cNvPr id="4" name="Slide Number Placeholder 3">
-            <a:extLst>
-              <a:ext uri="{FF2B5EF4-FFF2-40B4-BE49-F238E27FC236}">
-                <a16:creationId xmlns:a16="http://schemas.microsoft.com/office/drawing/2014/main" id="{5743C78C-2424-4675-6606-2E001D4607E0}"/>
-              </a:ext>
-            </a:extLst>
-          </p:cNvPr>
-          <p:cNvSpPr>
-            <a:spLocks noGrp="1"/>
-          </p:cNvSpPr>
-          <p:nvPr>
-            <p:ph type="sldNum" sz="quarter" idx="12"/>
-          </p:nvPr>
-        </p:nvSpPr>
-        <p:spPr/>
-        <p:txBody>
-          <a:bodyPr/>
-          <a:lstStyle/>
-          <a:p>
-            <a:fld id="{DF7A923B-C40F-482A-A20E-3BBBD676C39E}" type="slidenum">
-              <a:rPr lang="en-US" smtClean="0"/>
-              <a:t>‹#›</a:t>
-            </a:fld>
-            <a:endParaRPr lang="en-US"/>
+            <a:r>
+              <a:rPr lang="en-US" dirty="0"/>
+              <a:t>URL</a:t>
+            </a:r>
           </a:p>
         </p:txBody>
       </p:sp>
     </p:spTree>
     <p:extLst>
       <p:ext uri="{BB962C8B-B14F-4D97-AF65-F5344CB8AC3E}">
-        <p14:creationId xmlns:p14="http://schemas.microsoft.com/office/powerpoint/2010/main" val="2510812874"/>
+        <p14:creationId xmlns:p14="http://schemas.microsoft.com/office/powerpoint/2010/main" val="3845814613"/>
       </p:ext>
     </p:extLst>
   </p:cSld>
@@ -2200,13 +2177,7 @@
       </p:grpSpPr>
       <p:sp>
         <p:nvSpPr>
-          <p:cNvPr id="2" name="Title 1">
-            <a:extLst>
-              <a:ext uri="{FF2B5EF4-FFF2-40B4-BE49-F238E27FC236}">
-                <a16:creationId xmlns:a16="http://schemas.microsoft.com/office/drawing/2014/main" id="{153A1BE6-688A-8AFE-AD48-790DA73B66B2}"/>
-              </a:ext>
-            </a:extLst>
-          </p:cNvPr>
+          <p:cNvPr id="2" name="Title 1"/>
           <p:cNvSpPr>
             <a:spLocks noGrp="1"/>
           </p:cNvSpPr>
@@ -2216,15 +2187,15 @@
         </p:nvSpPr>
         <p:spPr>
           <a:xfrm>
-            <a:off x="839788" y="457200"/>
-            <a:ext cx="3932237" cy="1600200"/>
+            <a:off x="609601" y="905496"/>
+            <a:ext cx="4011084" cy="1036488"/>
           </a:xfrm>
         </p:spPr>
         <p:txBody>
           <a:bodyPr anchor="b"/>
           <a:lstStyle>
-            <a:lvl1pPr>
-              <a:defRPr sz="3200"/>
+            <a:lvl1pPr algn="l">
+              <a:defRPr sz="2667" b="1"/>
             </a:lvl1pPr>
           </a:lstStyle>
           <a:p>
@@ -2237,13 +2208,7 @@
       </p:sp>
       <p:sp>
         <p:nvSpPr>
-          <p:cNvPr id="3" name="Content Placeholder 2">
-            <a:extLst>
-              <a:ext uri="{FF2B5EF4-FFF2-40B4-BE49-F238E27FC236}">
-                <a16:creationId xmlns:a16="http://schemas.microsoft.com/office/drawing/2014/main" id="{75BF0626-35DD-5C82-903D-4265AA5021E7}"/>
-              </a:ext>
-            </a:extLst>
-          </p:cNvPr>
+          <p:cNvPr id="3" name="Content Placeholder 2"/>
           <p:cNvSpPr>
             <a:spLocks noGrp="1"/>
           </p:cNvSpPr>
@@ -2253,46 +2218,46 @@
         </p:nvSpPr>
         <p:spPr>
           <a:xfrm>
-            <a:off x="5183188" y="987425"/>
-            <a:ext cx="6172200" cy="4873625"/>
+            <a:off x="4766733" y="905497"/>
+            <a:ext cx="6815667" cy="5220668"/>
           </a:xfrm>
         </p:spPr>
         <p:txBody>
           <a:bodyPr/>
           <a:lstStyle>
             <a:lvl1pPr>
-              <a:defRPr sz="3200"/>
+              <a:defRPr sz="4267"/>
             </a:lvl1pPr>
             <a:lvl2pPr>
-              <a:defRPr sz="2800"/>
+              <a:defRPr sz="3733"/>
             </a:lvl2pPr>
             <a:lvl3pPr>
-              <a:defRPr sz="2400"/>
+              <a:defRPr sz="3200"/>
             </a:lvl3pPr>
             <a:lvl4pPr>
-              <a:defRPr sz="2000"/>
+              <a:defRPr sz="2667"/>
             </a:lvl4pPr>
             <a:lvl5pPr>
-              <a:defRPr sz="2000"/>
+              <a:defRPr sz="2667"/>
             </a:lvl5pPr>
             <a:lvl6pPr>
-              <a:defRPr sz="2000"/>
+              <a:defRPr sz="2667"/>
             </a:lvl6pPr>
             <a:lvl7pPr>
-              <a:defRPr sz="2000"/>
+              <a:defRPr sz="2667"/>
             </a:lvl7pPr>
             <a:lvl8pPr>
-              <a:defRPr sz="2000"/>
+              <a:defRPr sz="2667"/>
             </a:lvl8pPr>
             <a:lvl9pPr>
-              <a:defRPr sz="2000"/>
+              <a:defRPr sz="2667"/>
             </a:lvl9pPr>
           </a:lstStyle>
           <a:p>
             <a:pPr lvl="0"/>
             <a:r>
               <a:rPr lang="en-US"/>
-              <a:t>Click to edit Master text styles</a:t>
+              <a:t>Edit Master text styles</a:t>
             </a:r>
           </a:p>
           <a:p>
@@ -2327,13 +2292,7 @@
       </p:sp>
       <p:sp>
         <p:nvSpPr>
-          <p:cNvPr id="4" name="Text Placeholder 3">
-            <a:extLst>
-              <a:ext uri="{FF2B5EF4-FFF2-40B4-BE49-F238E27FC236}">
-                <a16:creationId xmlns:a16="http://schemas.microsoft.com/office/drawing/2014/main" id="{7B8230AA-16B5-4ED4-53DF-5C13607AF9CB}"/>
-              </a:ext>
-            </a:extLst>
-          </p:cNvPr>
+          <p:cNvPr id="4" name="Text Placeholder 3"/>
           <p:cNvSpPr>
             <a:spLocks noGrp="1"/>
           </p:cNvSpPr>
@@ -2343,8 +2302,8 @@
         </p:nvSpPr>
         <p:spPr>
           <a:xfrm>
-            <a:off x="839788" y="2057400"/>
-            <a:ext cx="3932237" cy="3811588"/>
+            <a:off x="609602" y="2146025"/>
+            <a:ext cx="4011084" cy="3980139"/>
           </a:xfrm>
         </p:spPr>
         <p:txBody>
@@ -2352,59 +2311,53 @@
           <a:lstStyle>
             <a:lvl1pPr marL="0" indent="0">
               <a:buNone/>
+              <a:defRPr sz="1867"/>
+            </a:lvl1pPr>
+            <a:lvl2pPr marL="609585" indent="0">
+              <a:buNone/>
               <a:defRPr sz="1600"/>
-            </a:lvl1pPr>
-            <a:lvl2pPr marL="457200" indent="0">
-              <a:buNone/>
-              <a:defRPr sz="1400"/>
             </a:lvl2pPr>
-            <a:lvl3pPr marL="914400" indent="0">
+            <a:lvl3pPr marL="1219170" indent="0">
+              <a:buNone/>
+              <a:defRPr sz="1333"/>
+            </a:lvl3pPr>
+            <a:lvl4pPr marL="1828754" indent="0">
               <a:buNone/>
               <a:defRPr sz="1200"/>
-            </a:lvl3pPr>
-            <a:lvl4pPr marL="1371600" indent="0">
-              <a:buNone/>
-              <a:defRPr sz="1000"/>
             </a:lvl4pPr>
-            <a:lvl5pPr marL="1828800" indent="0">
-              <a:buNone/>
-              <a:defRPr sz="1000"/>
+            <a:lvl5pPr marL="2438339" indent="0">
+              <a:buNone/>
+              <a:defRPr sz="1200"/>
             </a:lvl5pPr>
-            <a:lvl6pPr marL="2286000" indent="0">
-              <a:buNone/>
-              <a:defRPr sz="1000"/>
+            <a:lvl6pPr marL="3047924" indent="0">
+              <a:buNone/>
+              <a:defRPr sz="1200"/>
             </a:lvl6pPr>
-            <a:lvl7pPr marL="2743200" indent="0">
-              <a:buNone/>
-              <a:defRPr sz="1000"/>
+            <a:lvl7pPr marL="3657509" indent="0">
+              <a:buNone/>
+              <a:defRPr sz="1200"/>
             </a:lvl7pPr>
-            <a:lvl8pPr marL="3200400" indent="0">
-              <a:buNone/>
-              <a:defRPr sz="1000"/>
+            <a:lvl8pPr marL="4267093" indent="0">
+              <a:buNone/>
+              <a:defRPr sz="1200"/>
             </a:lvl8pPr>
-            <a:lvl9pPr marL="3657600" indent="0">
-              <a:buNone/>
-              <a:defRPr sz="1000"/>
+            <a:lvl9pPr marL="4876678" indent="0">
+              <a:buNone/>
+              <a:defRPr sz="1200"/>
             </a:lvl9pPr>
           </a:lstStyle>
           <a:p>
             <a:pPr lvl="0"/>
             <a:r>
               <a:rPr lang="en-US"/>
-              <a:t>Click to edit Master text styles</a:t>
+              <a:t>Edit Master text styles</a:t>
             </a:r>
           </a:p>
         </p:txBody>
       </p:sp>
       <p:sp>
         <p:nvSpPr>
-          <p:cNvPr id="5" name="Date Placeholder 4">
-            <a:extLst>
-              <a:ext uri="{FF2B5EF4-FFF2-40B4-BE49-F238E27FC236}">
-                <a16:creationId xmlns:a16="http://schemas.microsoft.com/office/drawing/2014/main" id="{7BAA394E-29CA-0ACE-6AA7-C6CAE9BC7322}"/>
-              </a:ext>
-            </a:extLst>
-          </p:cNvPr>
+          <p:cNvPr id="5" name="Date Placeholder 4"/>
           <p:cNvSpPr>
             <a:spLocks noGrp="1"/>
           </p:cNvSpPr>
@@ -2417,9 +2370,9 @@
           <a:bodyPr/>
           <a:lstStyle/>
           <a:p>
-            <a:fld id="{A2844810-C7DE-4943-ACE8-1A6314E74F3D}" type="datetimeFigureOut">
+            <a:fld id="{7463C41C-A487-0C45-A261-16903102544D}" type="datetimeFigureOut">
               <a:rPr lang="en-US" smtClean="0"/>
-              <a:t>2/23/2023</a:t>
+              <a:t>2/27/2023</a:t>
             </a:fld>
             <a:endParaRPr lang="en-US"/>
           </a:p>
@@ -2427,13 +2380,7 @@
       </p:sp>
       <p:sp>
         <p:nvSpPr>
-          <p:cNvPr id="6" name="Footer Placeholder 5">
-            <a:extLst>
-              <a:ext uri="{FF2B5EF4-FFF2-40B4-BE49-F238E27FC236}">
-                <a16:creationId xmlns:a16="http://schemas.microsoft.com/office/drawing/2014/main" id="{EC8317D7-C5B6-FAAC-59B6-DAE76E13EC9F}"/>
-              </a:ext>
-            </a:extLst>
-          </p:cNvPr>
+          <p:cNvPr id="6" name="Footer Placeholder 5"/>
           <p:cNvSpPr>
             <a:spLocks noGrp="1"/>
           </p:cNvSpPr>
@@ -2446,43 +2393,17 @@
           <a:bodyPr/>
           <a:lstStyle/>
           <a:p>
-            <a:endParaRPr lang="en-US"/>
-          </a:p>
-        </p:txBody>
-      </p:sp>
-      <p:sp>
-        <p:nvSpPr>
-          <p:cNvPr id="7" name="Slide Number Placeholder 6">
-            <a:extLst>
-              <a:ext uri="{FF2B5EF4-FFF2-40B4-BE49-F238E27FC236}">
-                <a16:creationId xmlns:a16="http://schemas.microsoft.com/office/drawing/2014/main" id="{E07EA5C5-744C-8ED8-8969-B4F73EBE5BEF}"/>
-              </a:ext>
-            </a:extLst>
-          </p:cNvPr>
-          <p:cNvSpPr>
-            <a:spLocks noGrp="1"/>
-          </p:cNvSpPr>
-          <p:nvPr>
-            <p:ph type="sldNum" sz="quarter" idx="12"/>
-          </p:nvPr>
-        </p:nvSpPr>
-        <p:spPr/>
-        <p:txBody>
-          <a:bodyPr/>
-          <a:lstStyle/>
-          <a:p>
-            <a:fld id="{DF7A923B-C40F-482A-A20E-3BBBD676C39E}" type="slidenum">
-              <a:rPr lang="en-US" smtClean="0"/>
-              <a:t>‹#›</a:t>
-            </a:fld>
-            <a:endParaRPr lang="en-US"/>
+            <a:r>
+              <a:rPr lang="en-US" dirty="0"/>
+              <a:t>URL</a:t>
+            </a:r>
           </a:p>
         </p:txBody>
       </p:sp>
     </p:spTree>
     <p:extLst>
       <p:ext uri="{BB962C8B-B14F-4D97-AF65-F5344CB8AC3E}">
-        <p14:creationId xmlns:p14="http://schemas.microsoft.com/office/powerpoint/2010/main" val="3706964076"/>
+        <p14:creationId xmlns:p14="http://schemas.microsoft.com/office/powerpoint/2010/main" val="2413110495"/>
       </p:ext>
     </p:extLst>
   </p:cSld>
@@ -2511,13 +2432,7 @@
       </p:grpSpPr>
       <p:sp>
         <p:nvSpPr>
-          <p:cNvPr id="2" name="Title 1">
-            <a:extLst>
-              <a:ext uri="{FF2B5EF4-FFF2-40B4-BE49-F238E27FC236}">
-                <a16:creationId xmlns:a16="http://schemas.microsoft.com/office/drawing/2014/main" id="{21E338D9-98DA-980E-D88C-3F16EA20FD9B}"/>
-              </a:ext>
-            </a:extLst>
-          </p:cNvPr>
+          <p:cNvPr id="2" name="Title 1"/>
           <p:cNvSpPr>
             <a:spLocks noGrp="1"/>
           </p:cNvSpPr>
@@ -2527,15 +2442,15 @@
         </p:nvSpPr>
         <p:spPr>
           <a:xfrm>
-            <a:off x="839788" y="457200"/>
-            <a:ext cx="3932237" cy="1600200"/>
+            <a:off x="2389717" y="5144689"/>
+            <a:ext cx="7315200" cy="566739"/>
           </a:xfrm>
         </p:spPr>
         <p:txBody>
           <a:bodyPr anchor="b"/>
           <a:lstStyle>
-            <a:lvl1pPr>
-              <a:defRPr sz="3200"/>
+            <a:lvl1pPr algn="l">
+              <a:defRPr sz="2667" b="1"/>
             </a:lvl1pPr>
           </a:lstStyle>
           <a:p>
@@ -2548,13 +2463,7 @@
       </p:sp>
       <p:sp>
         <p:nvSpPr>
-          <p:cNvPr id="3" name="Picture Placeholder 2">
-            <a:extLst>
-              <a:ext uri="{FF2B5EF4-FFF2-40B4-BE49-F238E27FC236}">
-                <a16:creationId xmlns:a16="http://schemas.microsoft.com/office/drawing/2014/main" id="{496FB024-8CFD-F24B-8E88-EE7BE0530E2A}"/>
-              </a:ext>
-            </a:extLst>
-          </p:cNvPr>
+          <p:cNvPr id="3" name="Picture Placeholder 2"/>
           <p:cNvSpPr>
             <a:spLocks noGrp="1"/>
           </p:cNvSpPr>
@@ -2564,8 +2473,8 @@
         </p:nvSpPr>
         <p:spPr>
           <a:xfrm>
-            <a:off x="5183188" y="987425"/>
-            <a:ext cx="6172200" cy="4873625"/>
+            <a:off x="2389717" y="956864"/>
+            <a:ext cx="7315200" cy="4114800"/>
           </a:xfrm>
         </p:spPr>
         <p:txBody>
@@ -2573,55 +2482,52 @@
           <a:lstStyle>
             <a:lvl1pPr marL="0" indent="0">
               <a:buNone/>
+              <a:defRPr sz="4267"/>
+            </a:lvl1pPr>
+            <a:lvl2pPr marL="609585" indent="0">
+              <a:buNone/>
+              <a:defRPr sz="3733"/>
+            </a:lvl2pPr>
+            <a:lvl3pPr marL="1219170" indent="0">
+              <a:buNone/>
               <a:defRPr sz="3200"/>
-            </a:lvl1pPr>
-            <a:lvl2pPr marL="457200" indent="0">
-              <a:buNone/>
-              <a:defRPr sz="2800"/>
-            </a:lvl2pPr>
-            <a:lvl3pPr marL="914400" indent="0">
-              <a:buNone/>
-              <a:defRPr sz="2400"/>
             </a:lvl3pPr>
-            <a:lvl4pPr marL="1371600" indent="0">
-              <a:buNone/>
-              <a:defRPr sz="2000"/>
+            <a:lvl4pPr marL="1828754" indent="0">
+              <a:buNone/>
+              <a:defRPr sz="2667"/>
             </a:lvl4pPr>
-            <a:lvl5pPr marL="1828800" indent="0">
-              <a:buNone/>
-              <a:defRPr sz="2000"/>
+            <a:lvl5pPr marL="2438339" indent="0">
+              <a:buNone/>
+              <a:defRPr sz="2667"/>
             </a:lvl5pPr>
-            <a:lvl6pPr marL="2286000" indent="0">
-              <a:buNone/>
-              <a:defRPr sz="2000"/>
+            <a:lvl6pPr marL="3047924" indent="0">
+              <a:buNone/>
+              <a:defRPr sz="2667"/>
             </a:lvl6pPr>
-            <a:lvl7pPr marL="2743200" indent="0">
-              <a:buNone/>
-              <a:defRPr sz="2000"/>
+            <a:lvl7pPr marL="3657509" indent="0">
+              <a:buNone/>
+              <a:defRPr sz="2667"/>
             </a:lvl7pPr>
-            <a:lvl8pPr marL="3200400" indent="0">
-              <a:buNone/>
-              <a:defRPr sz="2000"/>
+            <a:lvl8pPr marL="4267093" indent="0">
+              <a:buNone/>
+              <a:defRPr sz="2667"/>
             </a:lvl8pPr>
-            <a:lvl9pPr marL="3657600" indent="0">
-              <a:buNone/>
-              <a:defRPr sz="2000"/>
+            <a:lvl9pPr marL="4876678" indent="0">
+              <a:buNone/>
+              <a:defRPr sz="2667"/>
             </a:lvl9pPr>
           </a:lstStyle>
           <a:p>
-            <a:endParaRPr lang="en-US"/>
+            <a:r>
+              <a:rPr lang="en-US"/>
+              <a:t>Click icon to add picture</a:t>
+            </a:r>
           </a:p>
         </p:txBody>
       </p:sp>
       <p:sp>
         <p:nvSpPr>
-          <p:cNvPr id="4" name="Text Placeholder 3">
-            <a:extLst>
-              <a:ext uri="{FF2B5EF4-FFF2-40B4-BE49-F238E27FC236}">
-                <a16:creationId xmlns:a16="http://schemas.microsoft.com/office/drawing/2014/main" id="{092C797C-CB8B-DD5A-042D-686D3C663010}"/>
-              </a:ext>
-            </a:extLst>
-          </p:cNvPr>
+          <p:cNvPr id="4" name="Text Placeholder 3"/>
           <p:cNvSpPr>
             <a:spLocks noGrp="1"/>
           </p:cNvSpPr>
@@ -2631,8 +2537,8 @@
         </p:nvSpPr>
         <p:spPr>
           <a:xfrm>
-            <a:off x="839788" y="2057400"/>
-            <a:ext cx="3932237" cy="3811588"/>
+            <a:off x="2389717" y="5711427"/>
+            <a:ext cx="7315200" cy="804863"/>
           </a:xfrm>
         </p:spPr>
         <p:txBody>
@@ -2640,137 +2546,54 @@
           <a:lstStyle>
             <a:lvl1pPr marL="0" indent="0">
               <a:buNone/>
+              <a:defRPr sz="1867"/>
+            </a:lvl1pPr>
+            <a:lvl2pPr marL="609585" indent="0">
+              <a:buNone/>
               <a:defRPr sz="1600"/>
-            </a:lvl1pPr>
-            <a:lvl2pPr marL="457200" indent="0">
-              <a:buNone/>
-              <a:defRPr sz="1400"/>
             </a:lvl2pPr>
-            <a:lvl3pPr marL="914400" indent="0">
+            <a:lvl3pPr marL="1219170" indent="0">
+              <a:buNone/>
+              <a:defRPr sz="1333"/>
+            </a:lvl3pPr>
+            <a:lvl4pPr marL="1828754" indent="0">
               <a:buNone/>
               <a:defRPr sz="1200"/>
-            </a:lvl3pPr>
-            <a:lvl4pPr marL="1371600" indent="0">
-              <a:buNone/>
-              <a:defRPr sz="1000"/>
             </a:lvl4pPr>
-            <a:lvl5pPr marL="1828800" indent="0">
-              <a:buNone/>
-              <a:defRPr sz="1000"/>
+            <a:lvl5pPr marL="2438339" indent="0">
+              <a:buNone/>
+              <a:defRPr sz="1200"/>
             </a:lvl5pPr>
-            <a:lvl6pPr marL="2286000" indent="0">
-              <a:buNone/>
-              <a:defRPr sz="1000"/>
+            <a:lvl6pPr marL="3047924" indent="0">
+              <a:buNone/>
+              <a:defRPr sz="1200"/>
             </a:lvl6pPr>
-            <a:lvl7pPr marL="2743200" indent="0">
-              <a:buNone/>
-              <a:defRPr sz="1000"/>
+            <a:lvl7pPr marL="3657509" indent="0">
+              <a:buNone/>
+              <a:defRPr sz="1200"/>
             </a:lvl7pPr>
-            <a:lvl8pPr marL="3200400" indent="0">
-              <a:buNone/>
-              <a:defRPr sz="1000"/>
+            <a:lvl8pPr marL="4267093" indent="0">
+              <a:buNone/>
+              <a:defRPr sz="1200"/>
             </a:lvl8pPr>
-            <a:lvl9pPr marL="3657600" indent="0">
-              <a:buNone/>
-              <a:defRPr sz="1000"/>
+            <a:lvl9pPr marL="4876678" indent="0">
+              <a:buNone/>
+              <a:defRPr sz="1200"/>
             </a:lvl9pPr>
           </a:lstStyle>
           <a:p>
             <a:pPr lvl="0"/>
             <a:r>
               <a:rPr lang="en-US"/>
-              <a:t>Click to edit Master text styles</a:t>
-            </a:r>
-          </a:p>
-        </p:txBody>
-      </p:sp>
-      <p:sp>
-        <p:nvSpPr>
-          <p:cNvPr id="5" name="Date Placeholder 4">
-            <a:extLst>
-              <a:ext uri="{FF2B5EF4-FFF2-40B4-BE49-F238E27FC236}">
-                <a16:creationId xmlns:a16="http://schemas.microsoft.com/office/drawing/2014/main" id="{B887511B-9093-C6E1-3DB1-943A6FF4195A}"/>
-              </a:ext>
-            </a:extLst>
-          </p:cNvPr>
-          <p:cNvSpPr>
-            <a:spLocks noGrp="1"/>
-          </p:cNvSpPr>
-          <p:nvPr>
-            <p:ph type="dt" sz="half" idx="10"/>
-          </p:nvPr>
-        </p:nvSpPr>
-        <p:spPr/>
-        <p:txBody>
-          <a:bodyPr/>
-          <a:lstStyle/>
-          <a:p>
-            <a:fld id="{A2844810-C7DE-4943-ACE8-1A6314E74F3D}" type="datetimeFigureOut">
-              <a:rPr lang="en-US" smtClean="0"/>
-              <a:t>2/23/2023</a:t>
-            </a:fld>
-            <a:endParaRPr lang="en-US"/>
-          </a:p>
-        </p:txBody>
-      </p:sp>
-      <p:sp>
-        <p:nvSpPr>
-          <p:cNvPr id="6" name="Footer Placeholder 5">
-            <a:extLst>
-              <a:ext uri="{FF2B5EF4-FFF2-40B4-BE49-F238E27FC236}">
-                <a16:creationId xmlns:a16="http://schemas.microsoft.com/office/drawing/2014/main" id="{295BA02F-E5AD-3411-0228-0EDADF451719}"/>
-              </a:ext>
-            </a:extLst>
-          </p:cNvPr>
-          <p:cNvSpPr>
-            <a:spLocks noGrp="1"/>
-          </p:cNvSpPr>
-          <p:nvPr>
-            <p:ph type="ftr" sz="quarter" idx="11"/>
-          </p:nvPr>
-        </p:nvSpPr>
-        <p:spPr/>
-        <p:txBody>
-          <a:bodyPr/>
-          <a:lstStyle/>
-          <a:p>
-            <a:endParaRPr lang="en-US"/>
-          </a:p>
-        </p:txBody>
-      </p:sp>
-      <p:sp>
-        <p:nvSpPr>
-          <p:cNvPr id="7" name="Slide Number Placeholder 6">
-            <a:extLst>
-              <a:ext uri="{FF2B5EF4-FFF2-40B4-BE49-F238E27FC236}">
-                <a16:creationId xmlns:a16="http://schemas.microsoft.com/office/drawing/2014/main" id="{39D6D471-10C1-C746-CAEB-F9D4B6755E65}"/>
-              </a:ext>
-            </a:extLst>
-          </p:cNvPr>
-          <p:cNvSpPr>
-            <a:spLocks noGrp="1"/>
-          </p:cNvSpPr>
-          <p:nvPr>
-            <p:ph type="sldNum" sz="quarter" idx="12"/>
-          </p:nvPr>
-        </p:nvSpPr>
-        <p:spPr/>
-        <p:txBody>
-          <a:bodyPr/>
-          <a:lstStyle/>
-          <a:p>
-            <a:fld id="{DF7A923B-C40F-482A-A20E-3BBBD676C39E}" type="slidenum">
-              <a:rPr lang="en-US" smtClean="0"/>
-              <a:t>‹#›</a:t>
-            </a:fld>
-            <a:endParaRPr lang="en-US"/>
+              <a:t>Edit Master text styles</a:t>
+            </a:r>
           </a:p>
         </p:txBody>
       </p:sp>
     </p:spTree>
     <p:extLst>
       <p:ext uri="{BB962C8B-B14F-4D97-AF65-F5344CB8AC3E}">
-        <p14:creationId xmlns:p14="http://schemas.microsoft.com/office/powerpoint/2010/main" val="4284327815"/>
+        <p14:creationId xmlns:p14="http://schemas.microsoft.com/office/powerpoint/2010/main" val="1142208515"/>
       </p:ext>
     </p:extLst>
   </p:cSld>
@@ -2804,13 +2627,7 @@
       </p:grpSpPr>
       <p:sp>
         <p:nvSpPr>
-          <p:cNvPr id="2" name="Title Placeholder 1">
-            <a:extLst>
-              <a:ext uri="{FF2B5EF4-FFF2-40B4-BE49-F238E27FC236}">
-                <a16:creationId xmlns:a16="http://schemas.microsoft.com/office/drawing/2014/main" id="{F0302B5B-8F28-9EE2-BCF4-980E5F618ECA}"/>
-              </a:ext>
-            </a:extLst>
-          </p:cNvPr>
+          <p:cNvPr id="2" name="Title Placeholder 1"/>
           <p:cNvSpPr>
             <a:spLocks noGrp="1"/>
           </p:cNvSpPr>
@@ -2820,8 +2637,8 @@
         </p:nvSpPr>
         <p:spPr>
           <a:xfrm>
-            <a:off x="838200" y="365125"/>
-            <a:ext cx="10515600" cy="1325563"/>
+            <a:off x="609600" y="936860"/>
+            <a:ext cx="10972800" cy="858753"/>
           </a:xfrm>
           <a:prstGeom prst="rect">
             <a:avLst/>
@@ -2842,13 +2659,7 @@
       </p:sp>
       <p:sp>
         <p:nvSpPr>
-          <p:cNvPr id="3" name="Text Placeholder 2">
-            <a:extLst>
-              <a:ext uri="{FF2B5EF4-FFF2-40B4-BE49-F238E27FC236}">
-                <a16:creationId xmlns:a16="http://schemas.microsoft.com/office/drawing/2014/main" id="{8AC2444A-1D7A-7912-A572-818636726DBC}"/>
-              </a:ext>
-            </a:extLst>
-          </p:cNvPr>
+          <p:cNvPr id="3" name="Text Placeholder 2"/>
           <p:cNvSpPr>
             <a:spLocks noGrp="1"/>
           </p:cNvSpPr>
@@ -2858,8 +2669,8 @@
         </p:nvSpPr>
         <p:spPr>
           <a:xfrm>
-            <a:off x="838200" y="1825625"/>
-            <a:ext cx="10515600" cy="4351338"/>
+            <a:off x="609600" y="2146905"/>
+            <a:ext cx="10972800" cy="3979259"/>
           </a:xfrm>
           <a:prstGeom prst="rect">
             <a:avLst/>
@@ -2874,7 +2685,7 @@
             <a:pPr lvl="0"/>
             <a:r>
               <a:rPr lang="en-US"/>
-              <a:t>Click to edit Master text styles</a:t>
+              <a:t>Edit Master text styles</a:t>
             </a:r>
           </a:p>
           <a:p>
@@ -2904,18 +2715,13 @@
               <a:rPr lang="en-US"/>
               <a:t>Fifth level</a:t>
             </a:r>
+            <a:endParaRPr lang="en-US" dirty="0"/>
           </a:p>
         </p:txBody>
       </p:sp>
       <p:sp>
         <p:nvSpPr>
-          <p:cNvPr id="4" name="Date Placeholder 3">
-            <a:extLst>
-              <a:ext uri="{FF2B5EF4-FFF2-40B4-BE49-F238E27FC236}">
-                <a16:creationId xmlns:a16="http://schemas.microsoft.com/office/drawing/2014/main" id="{38BC1B90-B3EA-E1A7-3453-EA0471BD834D}"/>
-              </a:ext>
-            </a:extLst>
-          </p:cNvPr>
+          <p:cNvPr id="4" name="Date Placeholder 3"/>
           <p:cNvSpPr>
             <a:spLocks noGrp="1"/>
           </p:cNvSpPr>
@@ -2925,8 +2731,8 @@
         </p:nvSpPr>
         <p:spPr>
           <a:xfrm>
-            <a:off x="838200" y="6356350"/>
-            <a:ext cx="2743200" cy="365125"/>
+            <a:off x="609600" y="6356351"/>
+            <a:ext cx="2844800" cy="365125"/>
           </a:xfrm>
           <a:prstGeom prst="rect">
             <a:avLst/>
@@ -2936,7 +2742,7 @@
           <a:bodyPr vert="horz" lIns="91440" tIns="45720" rIns="91440" bIns="45720" rtlCol="0" anchor="ctr"/>
           <a:lstStyle>
             <a:lvl1pPr algn="l">
-              <a:defRPr sz="1200">
+              <a:defRPr sz="1600">
                 <a:solidFill>
                   <a:schemeClr val="tx1">
                     <a:tint val="75000"/>
@@ -2946,9 +2752,9 @@
             </a:lvl1pPr>
           </a:lstStyle>
           <a:p>
-            <a:fld id="{A2844810-C7DE-4943-ACE8-1A6314E74F3D}" type="datetimeFigureOut">
+            <a:fld id="{7463C41C-A487-0C45-A261-16903102544D}" type="datetimeFigureOut">
               <a:rPr lang="en-US" smtClean="0"/>
-              <a:t>2/23/2023</a:t>
+              <a:t>2/27/2023</a:t>
             </a:fld>
             <a:endParaRPr lang="en-US"/>
           </a:p>
@@ -2956,13 +2762,7 @@
       </p:sp>
       <p:sp>
         <p:nvSpPr>
-          <p:cNvPr id="5" name="Footer Placeholder 4">
-            <a:extLst>
-              <a:ext uri="{FF2B5EF4-FFF2-40B4-BE49-F238E27FC236}">
-                <a16:creationId xmlns:a16="http://schemas.microsoft.com/office/drawing/2014/main" id="{2DFEB319-9CD4-CABE-B653-7719F8188A04}"/>
-              </a:ext>
-            </a:extLst>
-          </p:cNvPr>
+          <p:cNvPr id="5" name="Footer Placeholder 4"/>
           <p:cNvSpPr>
             <a:spLocks noGrp="1"/>
           </p:cNvSpPr>
@@ -2972,8 +2772,8 @@
         </p:nvSpPr>
         <p:spPr>
           <a:xfrm>
-            <a:off x="4038600" y="6356350"/>
-            <a:ext cx="4114800" cy="365125"/>
+            <a:off x="4165600" y="6356351"/>
+            <a:ext cx="3860800" cy="365125"/>
           </a:xfrm>
           <a:prstGeom prst="rect">
             <a:avLst/>
@@ -2983,7 +2783,7 @@
           <a:bodyPr vert="horz" lIns="91440" tIns="45720" rIns="91440" bIns="45720" rtlCol="0" anchor="ctr"/>
           <a:lstStyle>
             <a:lvl1pPr algn="ctr">
-              <a:defRPr sz="1200">
+              <a:defRPr sz="1600">
                 <a:solidFill>
                   <a:schemeClr val="tx1">
                     <a:tint val="75000"/>
@@ -2993,89 +2793,134 @@
             </a:lvl1pPr>
           </a:lstStyle>
           <a:p>
-            <a:endParaRPr lang="en-US"/>
+            <a:r>
+              <a:rPr lang="en-US" dirty="0"/>
+              <a:t>URL</a:t>
+            </a:r>
           </a:p>
         </p:txBody>
       </p:sp>
-      <p:sp>
-        <p:nvSpPr>
-          <p:cNvPr id="6" name="Slide Number Placeholder 5">
+      <p:pic>
+        <p:nvPicPr>
+          <p:cNvPr id="7" name="Picture 6" descr="MD-flag-background-ppt.png"/>
+          <p:cNvPicPr>
+            <a:picLocks noChangeAspect="1"/>
+          </p:cNvPicPr>
+          <p:nvPr/>
+        </p:nvPicPr>
+        <p:blipFill>
+          <a:blip r:embed="rId11">
             <a:extLst>
-              <a:ext uri="{FF2B5EF4-FFF2-40B4-BE49-F238E27FC236}">
-                <a16:creationId xmlns:a16="http://schemas.microsoft.com/office/drawing/2014/main" id="{D8F23E43-28A2-976B-DF18-A0CB8EB4D281}"/>
+              <a:ext uri="{28A0092B-C50C-407E-A947-70E740481C1C}">
+                <a14:useLocalDpi xmlns:a14="http://schemas.microsoft.com/office/drawing/2010/main" val="0"/>
               </a:ext>
             </a:extLst>
-          </p:cNvPr>
-          <p:cNvSpPr>
-            <a:spLocks noGrp="1"/>
-          </p:cNvSpPr>
-          <p:nvPr>
-            <p:ph type="sldNum" sz="quarter" idx="4"/>
-          </p:nvPr>
-        </p:nvSpPr>
+          </a:blip>
+          <a:stretch>
+            <a:fillRect/>
+          </a:stretch>
+        </p:blipFill>
         <p:spPr>
           <a:xfrm>
-            <a:off x="8610600" y="6356350"/>
-            <a:ext cx="2743200" cy="365125"/>
+            <a:off x="1" y="0"/>
+            <a:ext cx="12191999" cy="762000"/>
           </a:xfrm>
           <a:prstGeom prst="rect">
             <a:avLst/>
           </a:prstGeom>
         </p:spPr>
-        <p:txBody>
-          <a:bodyPr vert="horz" lIns="91440" tIns="45720" rIns="91440" bIns="45720" rtlCol="0" anchor="ctr"/>
-          <a:lstStyle>
-            <a:lvl1pPr algn="r">
-              <a:defRPr sz="1200">
-                <a:solidFill>
-                  <a:schemeClr val="tx1">
-                    <a:tint val="75000"/>
-                  </a:schemeClr>
-                </a:solidFill>
-              </a:defRPr>
-            </a:lvl1pPr>
-          </a:lstStyle>
-          <a:p>
-            <a:fld id="{DF7A923B-C40F-482A-A20E-3BBBD676C39E}" type="slidenum">
-              <a:rPr lang="en-US" smtClean="0"/>
-              <a:t>‹#›</a:t>
-            </a:fld>
-            <a:endParaRPr lang="en-US"/>
-          </a:p>
-        </p:txBody>
-      </p:sp>
+      </p:pic>
+      <p:pic>
+        <p:nvPicPr>
+          <p:cNvPr id="8" name="Picture 7" descr="UMBC-primary-logo-CMYK-on-black.png"/>
+          <p:cNvPicPr>
+            <a:picLocks noChangeAspect="1"/>
+          </p:cNvPicPr>
+          <p:nvPr/>
+        </p:nvPicPr>
+        <p:blipFill>
+          <a:blip r:embed="rId12">
+            <a:extLst>
+              <a:ext uri="{28A0092B-C50C-407E-A947-70E740481C1C}">
+                <a14:useLocalDpi xmlns:a14="http://schemas.microsoft.com/office/drawing/2010/main" val="0"/>
+              </a:ext>
+            </a:extLst>
+          </a:blip>
+          <a:stretch>
+            <a:fillRect/>
+          </a:stretch>
+        </p:blipFill>
+        <p:spPr>
+          <a:xfrm>
+            <a:off x="392383" y="114903"/>
+            <a:ext cx="2332336" cy="537319"/>
+          </a:xfrm>
+          <a:prstGeom prst="rect">
+            <a:avLst/>
+          </a:prstGeom>
+        </p:spPr>
+      </p:pic>
+      <p:pic>
+        <p:nvPicPr>
+          <p:cNvPr id="10" name="Picture 9" descr="corner-element.png"/>
+          <p:cNvPicPr>
+            <a:picLocks noChangeAspect="1"/>
+          </p:cNvPicPr>
+          <p:nvPr/>
+        </p:nvPicPr>
+        <p:blipFill>
+          <a:blip r:embed="rId13">
+            <a:extLst>
+              <a:ext uri="{28A0092B-C50C-407E-A947-70E740481C1C}">
+                <a14:useLocalDpi xmlns:a14="http://schemas.microsoft.com/office/drawing/2010/main" val="0"/>
+              </a:ext>
+            </a:extLst>
+          </a:blip>
+          <a:stretch>
+            <a:fillRect/>
+          </a:stretch>
+        </p:blipFill>
+        <p:spPr>
+          <a:xfrm>
+            <a:off x="10559891" y="5201411"/>
+            <a:ext cx="1632108" cy="1656589"/>
+          </a:xfrm>
+          <a:prstGeom prst="rect">
+            <a:avLst/>
+          </a:prstGeom>
+          <a:noFill/>
+          <a:ln>
+            <a:noFill/>
+          </a:ln>
+        </p:spPr>
+      </p:pic>
     </p:spTree>
     <p:extLst>
       <p:ext uri="{BB962C8B-B14F-4D97-AF65-F5344CB8AC3E}">
-        <p14:creationId xmlns:p14="http://schemas.microsoft.com/office/powerpoint/2010/main" val="3247706471"/>
+        <p14:creationId xmlns:p14="http://schemas.microsoft.com/office/powerpoint/2010/main" val="3740170657"/>
       </p:ext>
     </p:extLst>
   </p:cSld>
   <p:clrMap bg1="lt1" tx1="dk1" bg2="lt2" tx2="dk2" accent1="accent1" accent2="accent2" accent3="accent3" accent4="accent4" accent5="accent5" accent6="accent6" hlink="hlink" folHlink="folHlink"/>
   <p:sldLayoutIdLst>
-    <p:sldLayoutId id="2147483649" r:id="rId1"/>
-    <p:sldLayoutId id="2147483650" r:id="rId2"/>
-    <p:sldLayoutId id="2147483651" r:id="rId3"/>
-    <p:sldLayoutId id="2147483652" r:id="rId4"/>
-    <p:sldLayoutId id="2147483653" r:id="rId5"/>
-    <p:sldLayoutId id="2147483654" r:id="rId6"/>
-    <p:sldLayoutId id="2147483655" r:id="rId7"/>
-    <p:sldLayoutId id="2147483656" r:id="rId8"/>
-    <p:sldLayoutId id="2147483657" r:id="rId9"/>
-    <p:sldLayoutId id="2147483658" r:id="rId10"/>
-    <p:sldLayoutId id="2147483659" r:id="rId11"/>
+    <p:sldLayoutId id="2147483661" r:id="rId1"/>
+    <p:sldLayoutId id="2147483662" r:id="rId2"/>
+    <p:sldLayoutId id="2147483663" r:id="rId3"/>
+    <p:sldLayoutId id="2147483664" r:id="rId4"/>
+    <p:sldLayoutId id="2147483665" r:id="rId5"/>
+    <p:sldLayoutId id="2147483666" r:id="rId6"/>
+    <p:sldLayoutId id="2147483667" r:id="rId7"/>
+    <p:sldLayoutId id="2147483668" r:id="rId8"/>
+    <p:sldLayoutId id="2147483669" r:id="rId9"/>
   </p:sldLayoutIdLst>
   <p:txStyles>
     <p:titleStyle>
-      <a:lvl1pPr algn="l" defTabSz="914400" rtl="0" eaLnBrk="1" latinLnBrk="0" hangingPunct="1">
-        <a:lnSpc>
-          <a:spcPct val="90000"/>
-        </a:lnSpc>
+      <a:lvl1pPr algn="ctr" defTabSz="609585" rtl="0" eaLnBrk="1" latinLnBrk="0" hangingPunct="1">
         <a:spcBef>
           <a:spcPct val="0"/>
         </a:spcBef>
         <a:buNone/>
-        <a:defRPr sz="4400" kern="1200">
+        <a:defRPr sz="5867" kern="1200">
           <a:solidFill>
             <a:schemeClr val="tx1"/>
           </a:solidFill>
@@ -3086,16 +2931,13 @@
       </a:lvl1pPr>
     </p:titleStyle>
     <p:bodyStyle>
-      <a:lvl1pPr marL="228600" indent="-228600" algn="l" defTabSz="914400" rtl="0" eaLnBrk="1" latinLnBrk="0" hangingPunct="1">
-        <a:lnSpc>
-          <a:spcPct val="90000"/>
-        </a:lnSpc>
+      <a:lvl1pPr marL="457189" indent="-457189" algn="l" defTabSz="609585" rtl="0" eaLnBrk="1" latinLnBrk="0" hangingPunct="1">
         <a:spcBef>
-          <a:spcPts val="1000"/>
+          <a:spcPct val="20000"/>
         </a:spcBef>
-        <a:buFont typeface="Arial" panose="020B0604020202020204" pitchFamily="34" charset="0"/>
+        <a:buFont typeface="Arial"/>
         <a:buChar char="•"/>
-        <a:defRPr sz="2800" kern="1200">
+        <a:defRPr sz="4267" kern="1200">
           <a:solidFill>
             <a:schemeClr val="tx1"/>
           </a:solidFill>
@@ -3104,16 +2946,13 @@
           <a:cs typeface="+mn-cs"/>
         </a:defRPr>
       </a:lvl1pPr>
-      <a:lvl2pPr marL="685800" indent="-228600" algn="l" defTabSz="914400" rtl="0" eaLnBrk="1" latinLnBrk="0" hangingPunct="1">
-        <a:lnSpc>
-          <a:spcPct val="90000"/>
-        </a:lnSpc>
+      <a:lvl2pPr marL="990575" indent="-380990" algn="l" defTabSz="609585" rtl="0" eaLnBrk="1" latinLnBrk="0" hangingPunct="1">
         <a:spcBef>
-          <a:spcPts val="500"/>
+          <a:spcPct val="20000"/>
         </a:spcBef>
-        <a:buFont typeface="Arial" panose="020B0604020202020204" pitchFamily="34" charset="0"/>
-        <a:buChar char="•"/>
-        <a:defRPr sz="2400" kern="1200">
+        <a:buFont typeface="Arial"/>
+        <a:buChar char="–"/>
+        <a:defRPr sz="3733" kern="1200">
           <a:solidFill>
             <a:schemeClr val="tx1"/>
           </a:solidFill>
@@ -3122,16 +2961,13 @@
           <a:cs typeface="+mn-cs"/>
         </a:defRPr>
       </a:lvl2pPr>
-      <a:lvl3pPr marL="1143000" indent="-228600" algn="l" defTabSz="914400" rtl="0" eaLnBrk="1" latinLnBrk="0" hangingPunct="1">
-        <a:lnSpc>
-          <a:spcPct val="90000"/>
-        </a:lnSpc>
+      <a:lvl3pPr marL="1523962" indent="-304792" algn="l" defTabSz="609585" rtl="0" eaLnBrk="1" latinLnBrk="0" hangingPunct="1">
         <a:spcBef>
-          <a:spcPts val="500"/>
+          <a:spcPct val="20000"/>
         </a:spcBef>
-        <a:buFont typeface="Arial" panose="020B0604020202020204" pitchFamily="34" charset="0"/>
+        <a:buFont typeface="Arial"/>
         <a:buChar char="•"/>
-        <a:defRPr sz="2000" kern="1200">
+        <a:defRPr sz="3200" kern="1200">
           <a:solidFill>
             <a:schemeClr val="tx1"/>
           </a:solidFill>
@@ -3140,16 +2976,13 @@
           <a:cs typeface="+mn-cs"/>
         </a:defRPr>
       </a:lvl3pPr>
-      <a:lvl4pPr marL="1600200" indent="-228600" algn="l" defTabSz="914400" rtl="0" eaLnBrk="1" latinLnBrk="0" hangingPunct="1">
-        <a:lnSpc>
-          <a:spcPct val="90000"/>
-        </a:lnSpc>
+      <a:lvl4pPr marL="2133547" indent="-304792" algn="l" defTabSz="609585" rtl="0" eaLnBrk="1" latinLnBrk="0" hangingPunct="1">
         <a:spcBef>
-          <a:spcPts val="500"/>
+          <a:spcPct val="20000"/>
         </a:spcBef>
-        <a:buFont typeface="Arial" panose="020B0604020202020204" pitchFamily="34" charset="0"/>
-        <a:buChar char="•"/>
-        <a:defRPr sz="1800" kern="1200">
+        <a:buFont typeface="Arial"/>
+        <a:buChar char="–"/>
+        <a:defRPr sz="2667" kern="1200">
           <a:solidFill>
             <a:schemeClr val="tx1"/>
           </a:solidFill>
@@ -3158,16 +2991,13 @@
           <a:cs typeface="+mn-cs"/>
         </a:defRPr>
       </a:lvl4pPr>
-      <a:lvl5pPr marL="2057400" indent="-228600" algn="l" defTabSz="914400" rtl="0" eaLnBrk="1" latinLnBrk="0" hangingPunct="1">
-        <a:lnSpc>
-          <a:spcPct val="90000"/>
-        </a:lnSpc>
+      <a:lvl5pPr marL="2743131" indent="-304792" algn="l" defTabSz="609585" rtl="0" eaLnBrk="1" latinLnBrk="0" hangingPunct="1">
         <a:spcBef>
-          <a:spcPts val="500"/>
+          <a:spcPct val="20000"/>
         </a:spcBef>
-        <a:buFont typeface="Arial" panose="020B0604020202020204" pitchFamily="34" charset="0"/>
-        <a:buChar char="•"/>
-        <a:defRPr sz="1800" kern="1200">
+        <a:buFont typeface="Arial"/>
+        <a:buChar char="»"/>
+        <a:defRPr sz="2667" kern="1200">
           <a:solidFill>
             <a:schemeClr val="tx1"/>
           </a:solidFill>
@@ -3176,16 +3006,13 @@
           <a:cs typeface="+mn-cs"/>
         </a:defRPr>
       </a:lvl5pPr>
-      <a:lvl6pPr marL="2514600" indent="-228600" algn="l" defTabSz="914400" rtl="0" eaLnBrk="1" latinLnBrk="0" hangingPunct="1">
-        <a:lnSpc>
-          <a:spcPct val="90000"/>
-        </a:lnSpc>
+      <a:lvl6pPr marL="3352716" indent="-304792" algn="l" defTabSz="609585" rtl="0" eaLnBrk="1" latinLnBrk="0" hangingPunct="1">
         <a:spcBef>
-          <a:spcPts val="500"/>
+          <a:spcPct val="20000"/>
         </a:spcBef>
-        <a:buFont typeface="Arial" panose="020B0604020202020204" pitchFamily="34" charset="0"/>
+        <a:buFont typeface="Arial"/>
         <a:buChar char="•"/>
-        <a:defRPr sz="1800" kern="1200">
+        <a:defRPr sz="2667" kern="1200">
           <a:solidFill>
             <a:schemeClr val="tx1"/>
           </a:solidFill>
@@ -3194,16 +3021,13 @@
           <a:cs typeface="+mn-cs"/>
         </a:defRPr>
       </a:lvl6pPr>
-      <a:lvl7pPr marL="2971800" indent="-228600" algn="l" defTabSz="914400" rtl="0" eaLnBrk="1" latinLnBrk="0" hangingPunct="1">
-        <a:lnSpc>
-          <a:spcPct val="90000"/>
-        </a:lnSpc>
+      <a:lvl7pPr marL="3962301" indent="-304792" algn="l" defTabSz="609585" rtl="0" eaLnBrk="1" latinLnBrk="0" hangingPunct="1">
         <a:spcBef>
-          <a:spcPts val="500"/>
+          <a:spcPct val="20000"/>
         </a:spcBef>
-        <a:buFont typeface="Arial" panose="020B0604020202020204" pitchFamily="34" charset="0"/>
+        <a:buFont typeface="Arial"/>
         <a:buChar char="•"/>
-        <a:defRPr sz="1800" kern="1200">
+        <a:defRPr sz="2667" kern="1200">
           <a:solidFill>
             <a:schemeClr val="tx1"/>
           </a:solidFill>
@@ -3212,16 +3036,13 @@
           <a:cs typeface="+mn-cs"/>
         </a:defRPr>
       </a:lvl7pPr>
-      <a:lvl8pPr marL="3429000" indent="-228600" algn="l" defTabSz="914400" rtl="0" eaLnBrk="1" latinLnBrk="0" hangingPunct="1">
-        <a:lnSpc>
-          <a:spcPct val="90000"/>
-        </a:lnSpc>
+      <a:lvl8pPr marL="4571886" indent="-304792" algn="l" defTabSz="609585" rtl="0" eaLnBrk="1" latinLnBrk="0" hangingPunct="1">
         <a:spcBef>
-          <a:spcPts val="500"/>
+          <a:spcPct val="20000"/>
         </a:spcBef>
-        <a:buFont typeface="Arial" panose="020B0604020202020204" pitchFamily="34" charset="0"/>
+        <a:buFont typeface="Arial"/>
         <a:buChar char="•"/>
-        <a:defRPr sz="1800" kern="1200">
+        <a:defRPr sz="2667" kern="1200">
           <a:solidFill>
             <a:schemeClr val="tx1"/>
           </a:solidFill>
@@ -3230,16 +3051,13 @@
           <a:cs typeface="+mn-cs"/>
         </a:defRPr>
       </a:lvl8pPr>
-      <a:lvl9pPr marL="3886200" indent="-228600" algn="l" defTabSz="914400" rtl="0" eaLnBrk="1" latinLnBrk="0" hangingPunct="1">
-        <a:lnSpc>
-          <a:spcPct val="90000"/>
-        </a:lnSpc>
+      <a:lvl9pPr marL="5181470" indent="-304792" algn="l" defTabSz="609585" rtl="0" eaLnBrk="1" latinLnBrk="0" hangingPunct="1">
         <a:spcBef>
-          <a:spcPts val="500"/>
+          <a:spcPct val="20000"/>
         </a:spcBef>
-        <a:buFont typeface="Arial" panose="020B0604020202020204" pitchFamily="34" charset="0"/>
+        <a:buFont typeface="Arial"/>
         <a:buChar char="•"/>
-        <a:defRPr sz="1800" kern="1200">
+        <a:defRPr sz="2667" kern="1200">
           <a:solidFill>
             <a:schemeClr val="tx1"/>
           </a:solidFill>
@@ -3253,8 +3071,8 @@
       <a:defPPr>
         <a:defRPr lang="en-US"/>
       </a:defPPr>
-      <a:lvl1pPr marL="0" algn="l" defTabSz="914400" rtl="0" eaLnBrk="1" latinLnBrk="0" hangingPunct="1">
-        <a:defRPr sz="1800" kern="1200">
+      <a:lvl1pPr marL="0" algn="l" defTabSz="609585" rtl="0" eaLnBrk="1" latinLnBrk="0" hangingPunct="1">
+        <a:defRPr sz="2400" kern="1200">
           <a:solidFill>
             <a:schemeClr val="tx1"/>
           </a:solidFill>
@@ -3263,8 +3081,8 @@
           <a:cs typeface="+mn-cs"/>
         </a:defRPr>
       </a:lvl1pPr>
-      <a:lvl2pPr marL="457200" algn="l" defTabSz="914400" rtl="0" eaLnBrk="1" latinLnBrk="0" hangingPunct="1">
-        <a:defRPr sz="1800" kern="1200">
+      <a:lvl2pPr marL="609585" algn="l" defTabSz="609585" rtl="0" eaLnBrk="1" latinLnBrk="0" hangingPunct="1">
+        <a:defRPr sz="2400" kern="1200">
           <a:solidFill>
             <a:schemeClr val="tx1"/>
           </a:solidFill>
@@ -3273,8 +3091,8 @@
           <a:cs typeface="+mn-cs"/>
         </a:defRPr>
       </a:lvl2pPr>
-      <a:lvl3pPr marL="914400" algn="l" defTabSz="914400" rtl="0" eaLnBrk="1" latinLnBrk="0" hangingPunct="1">
-        <a:defRPr sz="1800" kern="1200">
+      <a:lvl3pPr marL="1219170" algn="l" defTabSz="609585" rtl="0" eaLnBrk="1" latinLnBrk="0" hangingPunct="1">
+        <a:defRPr sz="2400" kern="1200">
           <a:solidFill>
             <a:schemeClr val="tx1"/>
           </a:solidFill>
@@ -3283,8 +3101,8 @@
           <a:cs typeface="+mn-cs"/>
         </a:defRPr>
       </a:lvl3pPr>
-      <a:lvl4pPr marL="1371600" algn="l" defTabSz="914400" rtl="0" eaLnBrk="1" latinLnBrk="0" hangingPunct="1">
-        <a:defRPr sz="1800" kern="1200">
+      <a:lvl4pPr marL="1828754" algn="l" defTabSz="609585" rtl="0" eaLnBrk="1" latinLnBrk="0" hangingPunct="1">
+        <a:defRPr sz="2400" kern="1200">
           <a:solidFill>
             <a:schemeClr val="tx1"/>
           </a:solidFill>
@@ -3293,8 +3111,8 @@
           <a:cs typeface="+mn-cs"/>
         </a:defRPr>
       </a:lvl4pPr>
-      <a:lvl5pPr marL="1828800" algn="l" defTabSz="914400" rtl="0" eaLnBrk="1" latinLnBrk="0" hangingPunct="1">
-        <a:defRPr sz="1800" kern="1200">
+      <a:lvl5pPr marL="2438339" algn="l" defTabSz="609585" rtl="0" eaLnBrk="1" latinLnBrk="0" hangingPunct="1">
+        <a:defRPr sz="2400" kern="1200">
           <a:solidFill>
             <a:schemeClr val="tx1"/>
           </a:solidFill>
@@ -3303,8 +3121,8 @@
           <a:cs typeface="+mn-cs"/>
         </a:defRPr>
       </a:lvl5pPr>
-      <a:lvl6pPr marL="2286000" algn="l" defTabSz="914400" rtl="0" eaLnBrk="1" latinLnBrk="0" hangingPunct="1">
-        <a:defRPr sz="1800" kern="1200">
+      <a:lvl6pPr marL="3047924" algn="l" defTabSz="609585" rtl="0" eaLnBrk="1" latinLnBrk="0" hangingPunct="1">
+        <a:defRPr sz="2400" kern="1200">
           <a:solidFill>
             <a:schemeClr val="tx1"/>
           </a:solidFill>
@@ -3313,8 +3131,8 @@
           <a:cs typeface="+mn-cs"/>
         </a:defRPr>
       </a:lvl6pPr>
-      <a:lvl7pPr marL="2743200" algn="l" defTabSz="914400" rtl="0" eaLnBrk="1" latinLnBrk="0" hangingPunct="1">
-        <a:defRPr sz="1800" kern="1200">
+      <a:lvl7pPr marL="3657509" algn="l" defTabSz="609585" rtl="0" eaLnBrk="1" latinLnBrk="0" hangingPunct="1">
+        <a:defRPr sz="2400" kern="1200">
           <a:solidFill>
             <a:schemeClr val="tx1"/>
           </a:solidFill>
@@ -3323,8 +3141,8 @@
           <a:cs typeface="+mn-cs"/>
         </a:defRPr>
       </a:lvl7pPr>
-      <a:lvl8pPr marL="3200400" algn="l" defTabSz="914400" rtl="0" eaLnBrk="1" latinLnBrk="0" hangingPunct="1">
-        <a:defRPr sz="1800" kern="1200">
+      <a:lvl8pPr marL="4267093" algn="l" defTabSz="609585" rtl="0" eaLnBrk="1" latinLnBrk="0" hangingPunct="1">
+        <a:defRPr sz="2400" kern="1200">
           <a:solidFill>
             <a:schemeClr val="tx1"/>
           </a:solidFill>
@@ -3333,8 +3151,8 @@
           <a:cs typeface="+mn-cs"/>
         </a:defRPr>
       </a:lvl8pPr>
-      <a:lvl9pPr marL="3657600" algn="l" defTabSz="914400" rtl="0" eaLnBrk="1" latinLnBrk="0" hangingPunct="1">
-        <a:defRPr sz="1800" kern="1200">
+      <a:lvl9pPr marL="4876678" algn="l" defTabSz="609585" rtl="0" eaLnBrk="1" latinLnBrk="0" hangingPunct="1">
+        <a:defRPr sz="2400" kern="1200">
           <a:solidFill>
             <a:schemeClr val="tx1"/>
           </a:solidFill>
@@ -3367,58 +3185,474 @@
       </p:grpSpPr>
       <p:sp>
         <p:nvSpPr>
-          <p:cNvPr id="2" name="Title 1">
+          <p:cNvPr id="9" name="Title 1">
             <a:extLst>
               <a:ext uri="{FF2B5EF4-FFF2-40B4-BE49-F238E27FC236}">
-                <a16:creationId xmlns:a16="http://schemas.microsoft.com/office/drawing/2014/main" id="{1C8E0869-38E2-DF68-4D8A-CBEBB434C47D}"/>
+                <a16:creationId xmlns:a16="http://schemas.microsoft.com/office/drawing/2014/main" id="{DE3603A7-C126-B2A7-15C1-958DFE64DF31}"/>
               </a:ext>
             </a:extLst>
           </p:cNvPr>
-          <p:cNvSpPr>
-            <a:spLocks noGrp="1"/>
+          <p:cNvSpPr txBox="1">
+            <a:spLocks/>
           </p:cNvSpPr>
-          <p:nvPr>
-            <p:ph type="ctrTitle"/>
-          </p:nvPr>
+          <p:nvPr/>
         </p:nvSpPr>
-        <p:spPr/>
+        <p:spPr>
+          <a:xfrm>
+            <a:off x="1285461" y="1122363"/>
+            <a:ext cx="9144000" cy="2387600"/>
+          </a:xfrm>
+          <a:prstGeom prst="rect">
+            <a:avLst/>
+          </a:prstGeom>
+        </p:spPr>
         <p:txBody>
-          <a:bodyPr/>
-          <a:lstStyle/>
-          <a:p>
-            <a:endParaRPr lang="en-US"/>
+          <a:bodyPr vert="horz" lIns="91440" tIns="45720" rIns="91440" bIns="45720" rtlCol="0" anchor="b">
+            <a:normAutofit/>
+          </a:bodyPr>
+          <a:lstStyle>
+            <a:lvl1pPr algn="ctr" defTabSz="914400" rtl="0" eaLnBrk="1" latinLnBrk="0" hangingPunct="1">
+              <a:lnSpc>
+                <a:spcPct val="90000"/>
+              </a:lnSpc>
+              <a:spcBef>
+                <a:spcPct val="0"/>
+              </a:spcBef>
+              <a:buNone/>
+              <a:defRPr sz="6000" kern="1200">
+                <a:solidFill>
+                  <a:schemeClr val="tx1"/>
+                </a:solidFill>
+                <a:latin typeface="+mj-lt"/>
+                <a:ea typeface="+mj-ea"/>
+                <a:cs typeface="+mj-cs"/>
+              </a:defRPr>
+            </a:lvl1pPr>
+          </a:lstStyle>
+          <a:p>
+            <a:pPr marL="0" marR="0" lvl="0" indent="0" algn="ctr" defTabSz="914400" rtl="0" eaLnBrk="1" fontAlgn="auto" latinLnBrk="0" hangingPunct="1">
+              <a:lnSpc>
+                <a:spcPct val="90000"/>
+              </a:lnSpc>
+              <a:spcBef>
+                <a:spcPct val="0"/>
+              </a:spcBef>
+              <a:spcAft>
+                <a:spcPts val="0"/>
+              </a:spcAft>
+              <a:buClrTx/>
+              <a:buSzTx/>
+              <a:buFontTx/>
+              <a:buNone/>
+              <a:tabLst/>
+              <a:defRPr/>
+            </a:pPr>
+            <a:r>
+              <a:rPr kumimoji="0" lang="en-US" sz="6000" b="0" i="0" u="none" strike="noStrike" kern="1200" cap="none" spc="0" normalizeH="0" baseline="0" noProof="0">
+                <a:ln>
+                  <a:noFill/>
+                </a:ln>
+                <a:solidFill>
+                  <a:sysClr val="windowText" lastClr="000000"/>
+                </a:solidFill>
+                <a:effectLst/>
+                <a:uLnTx/>
+                <a:uFillTx/>
+                <a:latin typeface="Calibri Light" panose="020F0302020204030204"/>
+                <a:ea typeface="+mj-ea"/>
+                <a:cs typeface="+mj-cs"/>
+              </a:rPr>
+              <a:t>YouTube Video Analysis</a:t>
+            </a:r>
+            <a:endParaRPr kumimoji="0" lang="en-US" sz="6000" b="0" i="0" u="none" strike="noStrike" kern="1200" cap="none" spc="0" normalizeH="0" baseline="0" noProof="0" dirty="0">
+              <a:ln>
+                <a:noFill/>
+              </a:ln>
+              <a:solidFill>
+                <a:sysClr val="windowText" lastClr="000000"/>
+              </a:solidFill>
+              <a:effectLst/>
+              <a:uLnTx/>
+              <a:uFillTx/>
+              <a:latin typeface="Calibri Light" panose="020F0302020204030204"/>
+              <a:ea typeface="+mj-ea"/>
+              <a:cs typeface="+mj-cs"/>
+            </a:endParaRPr>
           </a:p>
         </p:txBody>
       </p:sp>
       <p:sp>
         <p:nvSpPr>
-          <p:cNvPr id="3" name="Subtitle 2">
+          <p:cNvPr id="10" name="Subtitle 2">
             <a:extLst>
               <a:ext uri="{FF2B5EF4-FFF2-40B4-BE49-F238E27FC236}">
-                <a16:creationId xmlns:a16="http://schemas.microsoft.com/office/drawing/2014/main" id="{CD16C0A7-7D09-EA4C-9A32-58E20141E662}"/>
+                <a16:creationId xmlns:a16="http://schemas.microsoft.com/office/drawing/2014/main" id="{A2C057CA-0EDB-08FC-D8B5-BA931BFD6685}"/>
               </a:ext>
             </a:extLst>
           </p:cNvPr>
-          <p:cNvSpPr>
-            <a:spLocks noGrp="1"/>
+          <p:cNvSpPr txBox="1">
+            <a:spLocks/>
           </p:cNvSpPr>
-          <p:nvPr>
-            <p:ph type="subTitle" idx="1"/>
-          </p:nvPr>
+          <p:nvPr/>
         </p:nvSpPr>
-        <p:spPr/>
+        <p:spPr>
+          <a:xfrm>
+            <a:off x="7676935" y="4723172"/>
+            <a:ext cx="3873660" cy="1655762"/>
+          </a:xfrm>
+          <a:prstGeom prst="rect">
+            <a:avLst/>
+          </a:prstGeom>
+        </p:spPr>
         <p:txBody>
-          <a:bodyPr/>
-          <a:lstStyle/>
-          <a:p>
-            <a:endParaRPr lang="en-US"/>
+          <a:bodyPr vert="horz" lIns="91440" tIns="45720" rIns="91440" bIns="45720" rtlCol="0">
+            <a:normAutofit lnSpcReduction="10000"/>
+          </a:bodyPr>
+          <a:lstStyle>
+            <a:lvl1pPr marL="0" indent="0" algn="ctr" defTabSz="914400" rtl="0" eaLnBrk="1" latinLnBrk="0" hangingPunct="1">
+              <a:lnSpc>
+                <a:spcPct val="90000"/>
+              </a:lnSpc>
+              <a:spcBef>
+                <a:spcPts val="1000"/>
+              </a:spcBef>
+              <a:buFont typeface="Arial" panose="020B0604020202020204" pitchFamily="34" charset="0"/>
+              <a:buNone/>
+              <a:defRPr sz="2400" kern="1200">
+                <a:solidFill>
+                  <a:schemeClr val="tx1"/>
+                </a:solidFill>
+                <a:latin typeface="+mn-lt"/>
+                <a:ea typeface="+mn-ea"/>
+                <a:cs typeface="+mn-cs"/>
+              </a:defRPr>
+            </a:lvl1pPr>
+            <a:lvl2pPr marL="457200" indent="0" algn="ctr" defTabSz="914400" rtl="0" eaLnBrk="1" latinLnBrk="0" hangingPunct="1">
+              <a:lnSpc>
+                <a:spcPct val="90000"/>
+              </a:lnSpc>
+              <a:spcBef>
+                <a:spcPts val="500"/>
+              </a:spcBef>
+              <a:buFont typeface="Arial" panose="020B0604020202020204" pitchFamily="34" charset="0"/>
+              <a:buNone/>
+              <a:defRPr sz="2000" kern="1200">
+                <a:solidFill>
+                  <a:schemeClr val="tx1"/>
+                </a:solidFill>
+                <a:latin typeface="+mn-lt"/>
+                <a:ea typeface="+mn-ea"/>
+                <a:cs typeface="+mn-cs"/>
+              </a:defRPr>
+            </a:lvl2pPr>
+            <a:lvl3pPr marL="914400" indent="0" algn="ctr" defTabSz="914400" rtl="0" eaLnBrk="1" latinLnBrk="0" hangingPunct="1">
+              <a:lnSpc>
+                <a:spcPct val="90000"/>
+              </a:lnSpc>
+              <a:spcBef>
+                <a:spcPts val="500"/>
+              </a:spcBef>
+              <a:buFont typeface="Arial" panose="020B0604020202020204" pitchFamily="34" charset="0"/>
+              <a:buNone/>
+              <a:defRPr sz="1800" kern="1200">
+                <a:solidFill>
+                  <a:schemeClr val="tx1"/>
+                </a:solidFill>
+                <a:latin typeface="+mn-lt"/>
+                <a:ea typeface="+mn-ea"/>
+                <a:cs typeface="+mn-cs"/>
+              </a:defRPr>
+            </a:lvl3pPr>
+            <a:lvl4pPr marL="1371600" indent="0" algn="ctr" defTabSz="914400" rtl="0" eaLnBrk="1" latinLnBrk="0" hangingPunct="1">
+              <a:lnSpc>
+                <a:spcPct val="90000"/>
+              </a:lnSpc>
+              <a:spcBef>
+                <a:spcPts val="500"/>
+              </a:spcBef>
+              <a:buFont typeface="Arial" panose="020B0604020202020204" pitchFamily="34" charset="0"/>
+              <a:buNone/>
+              <a:defRPr sz="1600" kern="1200">
+                <a:solidFill>
+                  <a:schemeClr val="tx1"/>
+                </a:solidFill>
+                <a:latin typeface="+mn-lt"/>
+                <a:ea typeface="+mn-ea"/>
+                <a:cs typeface="+mn-cs"/>
+              </a:defRPr>
+            </a:lvl4pPr>
+            <a:lvl5pPr marL="1828800" indent="0" algn="ctr" defTabSz="914400" rtl="0" eaLnBrk="1" latinLnBrk="0" hangingPunct="1">
+              <a:lnSpc>
+                <a:spcPct val="90000"/>
+              </a:lnSpc>
+              <a:spcBef>
+                <a:spcPts val="500"/>
+              </a:spcBef>
+              <a:buFont typeface="Arial" panose="020B0604020202020204" pitchFamily="34" charset="0"/>
+              <a:buNone/>
+              <a:defRPr sz="1600" kern="1200">
+                <a:solidFill>
+                  <a:schemeClr val="tx1"/>
+                </a:solidFill>
+                <a:latin typeface="+mn-lt"/>
+                <a:ea typeface="+mn-ea"/>
+                <a:cs typeface="+mn-cs"/>
+              </a:defRPr>
+            </a:lvl5pPr>
+            <a:lvl6pPr marL="2286000" indent="0" algn="ctr" defTabSz="914400" rtl="0" eaLnBrk="1" latinLnBrk="0" hangingPunct="1">
+              <a:lnSpc>
+                <a:spcPct val="90000"/>
+              </a:lnSpc>
+              <a:spcBef>
+                <a:spcPts val="500"/>
+              </a:spcBef>
+              <a:buFont typeface="Arial" panose="020B0604020202020204" pitchFamily="34" charset="0"/>
+              <a:buNone/>
+              <a:defRPr sz="1600" kern="1200">
+                <a:solidFill>
+                  <a:schemeClr val="tx1"/>
+                </a:solidFill>
+                <a:latin typeface="+mn-lt"/>
+                <a:ea typeface="+mn-ea"/>
+                <a:cs typeface="+mn-cs"/>
+              </a:defRPr>
+            </a:lvl6pPr>
+            <a:lvl7pPr marL="2743200" indent="0" algn="ctr" defTabSz="914400" rtl="0" eaLnBrk="1" latinLnBrk="0" hangingPunct="1">
+              <a:lnSpc>
+                <a:spcPct val="90000"/>
+              </a:lnSpc>
+              <a:spcBef>
+                <a:spcPts val="500"/>
+              </a:spcBef>
+              <a:buFont typeface="Arial" panose="020B0604020202020204" pitchFamily="34" charset="0"/>
+              <a:buNone/>
+              <a:defRPr sz="1600" kern="1200">
+                <a:solidFill>
+                  <a:schemeClr val="tx1"/>
+                </a:solidFill>
+                <a:latin typeface="+mn-lt"/>
+                <a:ea typeface="+mn-ea"/>
+                <a:cs typeface="+mn-cs"/>
+              </a:defRPr>
+            </a:lvl7pPr>
+            <a:lvl8pPr marL="3200400" indent="0" algn="ctr" defTabSz="914400" rtl="0" eaLnBrk="1" latinLnBrk="0" hangingPunct="1">
+              <a:lnSpc>
+                <a:spcPct val="90000"/>
+              </a:lnSpc>
+              <a:spcBef>
+                <a:spcPts val="500"/>
+              </a:spcBef>
+              <a:buFont typeface="Arial" panose="020B0604020202020204" pitchFamily="34" charset="0"/>
+              <a:buNone/>
+              <a:defRPr sz="1600" kern="1200">
+                <a:solidFill>
+                  <a:schemeClr val="tx1"/>
+                </a:solidFill>
+                <a:latin typeface="+mn-lt"/>
+                <a:ea typeface="+mn-ea"/>
+                <a:cs typeface="+mn-cs"/>
+              </a:defRPr>
+            </a:lvl8pPr>
+            <a:lvl9pPr marL="3657600" indent="0" algn="ctr" defTabSz="914400" rtl="0" eaLnBrk="1" latinLnBrk="0" hangingPunct="1">
+              <a:lnSpc>
+                <a:spcPct val="90000"/>
+              </a:lnSpc>
+              <a:spcBef>
+                <a:spcPts val="500"/>
+              </a:spcBef>
+              <a:buFont typeface="Arial" panose="020B0604020202020204" pitchFamily="34" charset="0"/>
+              <a:buNone/>
+              <a:defRPr sz="1600" kern="1200">
+                <a:solidFill>
+                  <a:schemeClr val="tx1"/>
+                </a:solidFill>
+                <a:latin typeface="+mn-lt"/>
+                <a:ea typeface="+mn-ea"/>
+                <a:cs typeface="+mn-cs"/>
+              </a:defRPr>
+            </a:lvl9pPr>
+          </a:lstStyle>
+          <a:p>
+            <a:pPr marL="0" marR="0" lvl="0" indent="0" algn="r" defTabSz="914400" rtl="0" eaLnBrk="1" fontAlgn="auto" latinLnBrk="0" hangingPunct="1">
+              <a:lnSpc>
+                <a:spcPct val="90000"/>
+              </a:lnSpc>
+              <a:spcBef>
+                <a:spcPts val="1000"/>
+              </a:spcBef>
+              <a:spcAft>
+                <a:spcPts val="0"/>
+              </a:spcAft>
+              <a:buClrTx/>
+              <a:buSzTx/>
+              <a:buFont typeface="Arial" panose="020B0604020202020204" pitchFamily="34" charset="0"/>
+              <a:buNone/>
+              <a:tabLst/>
+              <a:defRPr/>
+            </a:pPr>
+            <a:r>
+              <a:rPr kumimoji="0" lang="en-US" sz="2400" b="1" i="0" u="none" strike="noStrike" kern="1200" cap="none" spc="0" normalizeH="0" baseline="0" noProof="0">
+                <a:ln>
+                  <a:noFill/>
+                </a:ln>
+                <a:solidFill>
+                  <a:sysClr val="windowText" lastClr="000000"/>
+                </a:solidFill>
+                <a:effectLst/>
+                <a:uLnTx/>
+                <a:uFillTx/>
+                <a:latin typeface="Calibri" panose="020F0502020204030204"/>
+                <a:ea typeface="+mn-ea"/>
+                <a:cs typeface="+mn-cs"/>
+              </a:rPr>
+              <a:t>Team members</a:t>
+            </a:r>
+            <a:r>
+              <a:rPr kumimoji="0" lang="en-US" sz="2400" b="0" i="0" u="none" strike="noStrike" kern="1200" cap="none" spc="0" normalizeH="0" baseline="0" noProof="0">
+                <a:ln>
+                  <a:noFill/>
+                </a:ln>
+                <a:solidFill>
+                  <a:sysClr val="windowText" lastClr="000000"/>
+                </a:solidFill>
+                <a:effectLst/>
+                <a:uLnTx/>
+                <a:uFillTx/>
+                <a:latin typeface="Calibri" panose="020F0502020204030204"/>
+                <a:ea typeface="+mn-ea"/>
+                <a:cs typeface="+mn-cs"/>
+              </a:rPr>
+              <a:t>:</a:t>
+            </a:r>
+          </a:p>
+          <a:p>
+            <a:pPr marL="0" marR="0" lvl="0" indent="0" algn="r" defTabSz="914400" rtl="0" eaLnBrk="1" fontAlgn="auto" latinLnBrk="0" hangingPunct="1">
+              <a:lnSpc>
+                <a:spcPct val="90000"/>
+              </a:lnSpc>
+              <a:spcBef>
+                <a:spcPts val="1000"/>
+              </a:spcBef>
+              <a:spcAft>
+                <a:spcPts val="0"/>
+              </a:spcAft>
+              <a:buClrTx/>
+              <a:buSzTx/>
+              <a:buFont typeface="Arial" panose="020B0604020202020204" pitchFamily="34" charset="0"/>
+              <a:buNone/>
+              <a:tabLst/>
+              <a:defRPr/>
+            </a:pPr>
+            <a:r>
+              <a:rPr kumimoji="0" lang="en-US" sz="2400" b="0" i="0" u="none" strike="noStrike" kern="1200" cap="none" spc="0" normalizeH="0" baseline="0" noProof="0">
+                <a:ln>
+                  <a:noFill/>
+                </a:ln>
+                <a:solidFill>
+                  <a:sysClr val="windowText" lastClr="000000"/>
+                </a:solidFill>
+                <a:effectLst/>
+                <a:uLnTx/>
+                <a:uFillTx/>
+                <a:latin typeface="Calibri" panose="020F0502020204030204"/>
+                <a:ea typeface="+mn-ea"/>
+                <a:cs typeface="+mn-cs"/>
+              </a:rPr>
+              <a:t>Pooja Laveti</a:t>
+            </a:r>
+          </a:p>
+          <a:p>
+            <a:pPr marL="0" marR="0" lvl="0" indent="0" algn="r" defTabSz="914400" rtl="0" eaLnBrk="1" fontAlgn="auto" latinLnBrk="0" hangingPunct="1">
+              <a:lnSpc>
+                <a:spcPct val="90000"/>
+              </a:lnSpc>
+              <a:spcBef>
+                <a:spcPts val="1000"/>
+              </a:spcBef>
+              <a:spcAft>
+                <a:spcPts val="0"/>
+              </a:spcAft>
+              <a:buClrTx/>
+              <a:buSzTx/>
+              <a:buFont typeface="Arial" panose="020B0604020202020204" pitchFamily="34" charset="0"/>
+              <a:buNone/>
+              <a:tabLst/>
+              <a:defRPr/>
+            </a:pPr>
+            <a:r>
+              <a:rPr kumimoji="0" lang="en-US" sz="2400" b="0" i="0" u="none" strike="noStrike" kern="1200" cap="none" spc="0" normalizeH="0" baseline="0" noProof="0">
+                <a:ln>
+                  <a:noFill/>
+                </a:ln>
+                <a:solidFill>
+                  <a:sysClr val="windowText" lastClr="000000"/>
+                </a:solidFill>
+                <a:effectLst/>
+                <a:uLnTx/>
+                <a:uFillTx/>
+                <a:latin typeface="Calibri" panose="020F0502020204030204"/>
+                <a:ea typeface="+mn-ea"/>
+                <a:cs typeface="+mn-cs"/>
+              </a:rPr>
+              <a:t>Vamshi Krishna Timberiveni </a:t>
+            </a:r>
+          </a:p>
+          <a:p>
+            <a:pPr marL="0" marR="0" lvl="0" indent="0" algn="r" defTabSz="914400" rtl="0" eaLnBrk="1" fontAlgn="auto" latinLnBrk="0" hangingPunct="1">
+              <a:lnSpc>
+                <a:spcPct val="90000"/>
+              </a:lnSpc>
+              <a:spcBef>
+                <a:spcPts val="1000"/>
+              </a:spcBef>
+              <a:spcAft>
+                <a:spcPts val="0"/>
+              </a:spcAft>
+              <a:buClrTx/>
+              <a:buSzTx/>
+              <a:buFont typeface="Arial" panose="020B0604020202020204" pitchFamily="34" charset="0"/>
+              <a:buNone/>
+              <a:tabLst/>
+              <a:defRPr/>
+            </a:pPr>
+            <a:r>
+              <a:rPr kumimoji="0" lang="en-US" sz="2400" b="0" i="0" u="none" strike="noStrike" kern="1200" cap="none" spc="0" normalizeH="0" baseline="0" noProof="0">
+                <a:ln>
+                  <a:noFill/>
+                </a:ln>
+                <a:solidFill>
+                  <a:sysClr val="windowText" lastClr="000000"/>
+                </a:solidFill>
+                <a:effectLst/>
+                <a:uLnTx/>
+                <a:uFillTx/>
+                <a:latin typeface="Calibri" panose="020F0502020204030204"/>
+                <a:ea typeface="+mn-ea"/>
+                <a:cs typeface="+mn-cs"/>
+              </a:rPr>
+              <a:t>Jael Kruthi Battana</a:t>
+            </a:r>
+            <a:endParaRPr kumimoji="0" lang="en-US" sz="2400" b="0" i="0" u="none" strike="noStrike" kern="1200" cap="none" spc="0" normalizeH="0" baseline="0" noProof="0" dirty="0">
+              <a:ln>
+                <a:noFill/>
+              </a:ln>
+              <a:solidFill>
+                <a:sysClr val="windowText" lastClr="000000"/>
+              </a:solidFill>
+              <a:effectLst/>
+              <a:uLnTx/>
+              <a:uFillTx/>
+              <a:latin typeface="Calibri" panose="020F0502020204030204"/>
+              <a:ea typeface="+mn-ea"/>
+              <a:cs typeface="+mn-cs"/>
+            </a:endParaRPr>
           </a:p>
         </p:txBody>
       </p:sp>
     </p:spTree>
     <p:extLst>
       <p:ext uri="{BB962C8B-B14F-4D97-AF65-F5344CB8AC3E}">
-        <p14:creationId xmlns:p14="http://schemas.microsoft.com/office/powerpoint/2010/main" val="1824199810"/>
+        <p14:creationId xmlns:p14="http://schemas.microsoft.com/office/powerpoint/2010/main" val="2889347168"/>
       </p:ext>
     </p:extLst>
   </p:cSld>
@@ -3429,6 +3663,569 @@
 </file>
 
 <file path=ppt/slides/slide2.xml><?xml version="1.0" encoding="utf-8"?>
+<p:sld xmlns:a="http://schemas.openxmlformats.org/drawingml/2006/main" xmlns:r="http://schemas.openxmlformats.org/officeDocument/2006/relationships" xmlns:p="http://schemas.openxmlformats.org/presentationml/2006/main">
+  <p:cSld>
+    <p:spTree>
+      <p:nvGrpSpPr>
+        <p:cNvPr id="1" name=""/>
+        <p:cNvGrpSpPr/>
+        <p:nvPr/>
+      </p:nvGrpSpPr>
+      <p:grpSpPr>
+        <a:xfrm>
+          <a:off x="0" y="0"/>
+          <a:ext cx="0" cy="0"/>
+          <a:chOff x="0" y="0"/>
+          <a:chExt cx="0" cy="0"/>
+        </a:xfrm>
+      </p:grpSpPr>
+      <p:sp>
+        <p:nvSpPr>
+          <p:cNvPr id="5" name="Title 1">
+            <a:extLst>
+              <a:ext uri="{FF2B5EF4-FFF2-40B4-BE49-F238E27FC236}">
+                <a16:creationId xmlns:a16="http://schemas.microsoft.com/office/drawing/2014/main" id="{F84D136A-FB70-7A2F-2EF3-A013B2C993BA}"/>
+              </a:ext>
+            </a:extLst>
+          </p:cNvPr>
+          <p:cNvSpPr txBox="1">
+            <a:spLocks/>
+          </p:cNvSpPr>
+          <p:nvPr/>
+        </p:nvSpPr>
+        <p:spPr>
+          <a:xfrm>
+            <a:off x="838200" y="766265"/>
+            <a:ext cx="10515600" cy="1094340"/>
+          </a:xfrm>
+          <a:prstGeom prst="rect">
+            <a:avLst/>
+          </a:prstGeom>
+        </p:spPr>
+        <p:txBody>
+          <a:bodyPr vert="horz" lIns="91440" tIns="45720" rIns="91440" bIns="45720" rtlCol="0" anchor="ctr">
+            <a:normAutofit/>
+          </a:bodyPr>
+          <a:lstStyle>
+            <a:lvl1pPr algn="l" defTabSz="914400" rtl="0" eaLnBrk="1" latinLnBrk="0" hangingPunct="1">
+              <a:lnSpc>
+                <a:spcPct val="90000"/>
+              </a:lnSpc>
+              <a:spcBef>
+                <a:spcPct val="0"/>
+              </a:spcBef>
+              <a:buNone/>
+              <a:defRPr sz="4400" kern="1200">
+                <a:solidFill>
+                  <a:schemeClr val="tx1"/>
+                </a:solidFill>
+                <a:latin typeface="+mj-lt"/>
+                <a:ea typeface="+mj-ea"/>
+                <a:cs typeface="+mj-cs"/>
+              </a:defRPr>
+            </a:lvl1pPr>
+          </a:lstStyle>
+          <a:p>
+            <a:pPr marL="0" marR="0" lvl="0" indent="0" algn="l" defTabSz="914400" rtl="0" eaLnBrk="1" fontAlgn="auto" latinLnBrk="0" hangingPunct="1">
+              <a:lnSpc>
+                <a:spcPct val="90000"/>
+              </a:lnSpc>
+              <a:spcBef>
+                <a:spcPct val="0"/>
+              </a:spcBef>
+              <a:spcAft>
+                <a:spcPts val="0"/>
+              </a:spcAft>
+              <a:buClrTx/>
+              <a:buSzTx/>
+              <a:buFontTx/>
+              <a:buNone/>
+              <a:tabLst/>
+              <a:defRPr/>
+            </a:pPr>
+            <a:r>
+              <a:rPr kumimoji="0" lang="en-US" sz="4400" b="0" i="0" u="none" strike="noStrike" kern="1200" cap="none" spc="0" normalizeH="0" baseline="0" noProof="0" dirty="0">
+                <a:ln>
+                  <a:noFill/>
+                </a:ln>
+                <a:solidFill>
+                  <a:sysClr val="windowText" lastClr="000000"/>
+                </a:solidFill>
+                <a:effectLst/>
+                <a:uLnTx/>
+                <a:uFillTx/>
+                <a:latin typeface="Calibri Light" panose="020F0302020204030204"/>
+                <a:ea typeface="+mj-ea"/>
+                <a:cs typeface="+mj-cs"/>
+              </a:rPr>
+              <a:t>INTRODUCTION</a:t>
+            </a:r>
+          </a:p>
+        </p:txBody>
+      </p:sp>
+      <p:sp>
+        <p:nvSpPr>
+          <p:cNvPr id="6" name="Content Placeholder 2">
+            <a:extLst>
+              <a:ext uri="{FF2B5EF4-FFF2-40B4-BE49-F238E27FC236}">
+                <a16:creationId xmlns:a16="http://schemas.microsoft.com/office/drawing/2014/main" id="{5D1B6930-36BC-4873-B574-CC89603B3E50}"/>
+              </a:ext>
+            </a:extLst>
+          </p:cNvPr>
+          <p:cNvSpPr txBox="1">
+            <a:spLocks/>
+          </p:cNvSpPr>
+          <p:nvPr/>
+        </p:nvSpPr>
+        <p:spPr>
+          <a:xfrm>
+            <a:off x="838200" y="1860605"/>
+            <a:ext cx="10515600" cy="4316358"/>
+          </a:xfrm>
+          <a:prstGeom prst="rect">
+            <a:avLst/>
+          </a:prstGeom>
+        </p:spPr>
+        <p:txBody>
+          <a:bodyPr vert="horz" lIns="91440" tIns="45720" rIns="91440" bIns="45720" rtlCol="0">
+            <a:normAutofit/>
+          </a:bodyPr>
+          <a:lstStyle>
+            <a:lvl1pPr marL="228600" indent="-228600" algn="l" defTabSz="914400" rtl="0" eaLnBrk="1" latinLnBrk="0" hangingPunct="1">
+              <a:lnSpc>
+                <a:spcPct val="90000"/>
+              </a:lnSpc>
+              <a:spcBef>
+                <a:spcPts val="1000"/>
+              </a:spcBef>
+              <a:buFont typeface="Arial" panose="020B0604020202020204" pitchFamily="34" charset="0"/>
+              <a:buChar char="•"/>
+              <a:defRPr sz="2800" kern="1200">
+                <a:solidFill>
+                  <a:schemeClr val="tx1"/>
+                </a:solidFill>
+                <a:latin typeface="+mn-lt"/>
+                <a:ea typeface="+mn-ea"/>
+                <a:cs typeface="+mn-cs"/>
+              </a:defRPr>
+            </a:lvl1pPr>
+            <a:lvl2pPr marL="685800" indent="-228600" algn="l" defTabSz="914400" rtl="0" eaLnBrk="1" latinLnBrk="0" hangingPunct="1">
+              <a:lnSpc>
+                <a:spcPct val="90000"/>
+              </a:lnSpc>
+              <a:spcBef>
+                <a:spcPts val="500"/>
+              </a:spcBef>
+              <a:buFont typeface="Arial" panose="020B0604020202020204" pitchFamily="34" charset="0"/>
+              <a:buChar char="•"/>
+              <a:defRPr sz="2400" kern="1200">
+                <a:solidFill>
+                  <a:schemeClr val="tx1"/>
+                </a:solidFill>
+                <a:latin typeface="+mn-lt"/>
+                <a:ea typeface="+mn-ea"/>
+                <a:cs typeface="+mn-cs"/>
+              </a:defRPr>
+            </a:lvl2pPr>
+            <a:lvl3pPr marL="1143000" indent="-228600" algn="l" defTabSz="914400" rtl="0" eaLnBrk="1" latinLnBrk="0" hangingPunct="1">
+              <a:lnSpc>
+                <a:spcPct val="90000"/>
+              </a:lnSpc>
+              <a:spcBef>
+                <a:spcPts val="500"/>
+              </a:spcBef>
+              <a:buFont typeface="Arial" panose="020B0604020202020204" pitchFamily="34" charset="0"/>
+              <a:buChar char="•"/>
+              <a:defRPr sz="2000" kern="1200">
+                <a:solidFill>
+                  <a:schemeClr val="tx1"/>
+                </a:solidFill>
+                <a:latin typeface="+mn-lt"/>
+                <a:ea typeface="+mn-ea"/>
+                <a:cs typeface="+mn-cs"/>
+              </a:defRPr>
+            </a:lvl3pPr>
+            <a:lvl4pPr marL="1600200" indent="-228600" algn="l" defTabSz="914400" rtl="0" eaLnBrk="1" latinLnBrk="0" hangingPunct="1">
+              <a:lnSpc>
+                <a:spcPct val="90000"/>
+              </a:lnSpc>
+              <a:spcBef>
+                <a:spcPts val="500"/>
+              </a:spcBef>
+              <a:buFont typeface="Arial" panose="020B0604020202020204" pitchFamily="34" charset="0"/>
+              <a:buChar char="•"/>
+              <a:defRPr sz="1800" kern="1200">
+                <a:solidFill>
+                  <a:schemeClr val="tx1"/>
+                </a:solidFill>
+                <a:latin typeface="+mn-lt"/>
+                <a:ea typeface="+mn-ea"/>
+                <a:cs typeface="+mn-cs"/>
+              </a:defRPr>
+            </a:lvl4pPr>
+            <a:lvl5pPr marL="2057400" indent="-228600" algn="l" defTabSz="914400" rtl="0" eaLnBrk="1" latinLnBrk="0" hangingPunct="1">
+              <a:lnSpc>
+                <a:spcPct val="90000"/>
+              </a:lnSpc>
+              <a:spcBef>
+                <a:spcPts val="500"/>
+              </a:spcBef>
+              <a:buFont typeface="Arial" panose="020B0604020202020204" pitchFamily="34" charset="0"/>
+              <a:buChar char="•"/>
+              <a:defRPr sz="1800" kern="1200">
+                <a:solidFill>
+                  <a:schemeClr val="tx1"/>
+                </a:solidFill>
+                <a:latin typeface="+mn-lt"/>
+                <a:ea typeface="+mn-ea"/>
+                <a:cs typeface="+mn-cs"/>
+              </a:defRPr>
+            </a:lvl5pPr>
+            <a:lvl6pPr marL="2514600" indent="-228600" algn="l" defTabSz="914400" rtl="0" eaLnBrk="1" latinLnBrk="0" hangingPunct="1">
+              <a:lnSpc>
+                <a:spcPct val="90000"/>
+              </a:lnSpc>
+              <a:spcBef>
+                <a:spcPts val="500"/>
+              </a:spcBef>
+              <a:buFont typeface="Arial" panose="020B0604020202020204" pitchFamily="34" charset="0"/>
+              <a:buChar char="•"/>
+              <a:defRPr sz="1800" kern="1200">
+                <a:solidFill>
+                  <a:schemeClr val="tx1"/>
+                </a:solidFill>
+                <a:latin typeface="+mn-lt"/>
+                <a:ea typeface="+mn-ea"/>
+                <a:cs typeface="+mn-cs"/>
+              </a:defRPr>
+            </a:lvl6pPr>
+            <a:lvl7pPr marL="2971800" indent="-228600" algn="l" defTabSz="914400" rtl="0" eaLnBrk="1" latinLnBrk="0" hangingPunct="1">
+              <a:lnSpc>
+                <a:spcPct val="90000"/>
+              </a:lnSpc>
+              <a:spcBef>
+                <a:spcPts val="500"/>
+              </a:spcBef>
+              <a:buFont typeface="Arial" panose="020B0604020202020204" pitchFamily="34" charset="0"/>
+              <a:buChar char="•"/>
+              <a:defRPr sz="1800" kern="1200">
+                <a:solidFill>
+                  <a:schemeClr val="tx1"/>
+                </a:solidFill>
+                <a:latin typeface="+mn-lt"/>
+                <a:ea typeface="+mn-ea"/>
+                <a:cs typeface="+mn-cs"/>
+              </a:defRPr>
+            </a:lvl7pPr>
+            <a:lvl8pPr marL="3429000" indent="-228600" algn="l" defTabSz="914400" rtl="0" eaLnBrk="1" latinLnBrk="0" hangingPunct="1">
+              <a:lnSpc>
+                <a:spcPct val="90000"/>
+              </a:lnSpc>
+              <a:spcBef>
+                <a:spcPts val="500"/>
+              </a:spcBef>
+              <a:buFont typeface="Arial" panose="020B0604020202020204" pitchFamily="34" charset="0"/>
+              <a:buChar char="•"/>
+              <a:defRPr sz="1800" kern="1200">
+                <a:solidFill>
+                  <a:schemeClr val="tx1"/>
+                </a:solidFill>
+                <a:latin typeface="+mn-lt"/>
+                <a:ea typeface="+mn-ea"/>
+                <a:cs typeface="+mn-cs"/>
+              </a:defRPr>
+            </a:lvl8pPr>
+            <a:lvl9pPr marL="3886200" indent="-228600" algn="l" defTabSz="914400" rtl="0" eaLnBrk="1" latinLnBrk="0" hangingPunct="1">
+              <a:lnSpc>
+                <a:spcPct val="90000"/>
+              </a:lnSpc>
+              <a:spcBef>
+                <a:spcPts val="500"/>
+              </a:spcBef>
+              <a:buFont typeface="Arial" panose="020B0604020202020204" pitchFamily="34" charset="0"/>
+              <a:buChar char="•"/>
+              <a:defRPr sz="1800" kern="1200">
+                <a:solidFill>
+                  <a:schemeClr val="tx1"/>
+                </a:solidFill>
+                <a:latin typeface="+mn-lt"/>
+                <a:ea typeface="+mn-ea"/>
+                <a:cs typeface="+mn-cs"/>
+              </a:defRPr>
+            </a:lvl9pPr>
+          </a:lstStyle>
+          <a:p>
+            <a:pPr marL="228600" marR="0" lvl="0" indent="-228600" algn="l" defTabSz="914400" rtl="0" eaLnBrk="1" fontAlgn="auto" latinLnBrk="0" hangingPunct="1">
+              <a:lnSpc>
+                <a:spcPct val="90000"/>
+              </a:lnSpc>
+              <a:spcBef>
+                <a:spcPts val="1000"/>
+              </a:spcBef>
+              <a:spcAft>
+                <a:spcPts val="0"/>
+              </a:spcAft>
+              <a:buClrTx/>
+              <a:buSzTx/>
+              <a:buFont typeface="Arial" panose="020B0604020202020204" pitchFamily="34" charset="0"/>
+              <a:buChar char="•"/>
+              <a:tabLst/>
+              <a:defRPr/>
+            </a:pPr>
+            <a:r>
+              <a:rPr kumimoji="0" lang="en-US" sz="2800" b="0" i="0" u="none" strike="noStrike" kern="1200" cap="none" spc="0" normalizeH="0" baseline="0" noProof="0" dirty="0">
+                <a:ln>
+                  <a:noFill/>
+                </a:ln>
+                <a:solidFill>
+                  <a:sysClr val="windowText" lastClr="000000"/>
+                </a:solidFill>
+                <a:effectLst/>
+                <a:uLnTx/>
+                <a:uFillTx/>
+                <a:latin typeface="Calibri" panose="020F0502020204030204"/>
+                <a:ea typeface="+mn-ea"/>
+                <a:cs typeface="+mn-cs"/>
+              </a:rPr>
+              <a:t>YouTube is an online platform where users can watch, share, like, comment on, and subscribe to videos created by content creators. The number of views, likes, and the age of the video are used to determine which videos are included in YouTube's trending video category.</a:t>
+            </a:r>
+          </a:p>
+          <a:p>
+            <a:pPr marL="228600" marR="0" lvl="0" indent="-228600" algn="l" defTabSz="914400" rtl="0" eaLnBrk="1" fontAlgn="auto" latinLnBrk="0" hangingPunct="1">
+              <a:lnSpc>
+                <a:spcPct val="90000"/>
+              </a:lnSpc>
+              <a:spcBef>
+                <a:spcPts val="1000"/>
+              </a:spcBef>
+              <a:spcAft>
+                <a:spcPts val="0"/>
+              </a:spcAft>
+              <a:buClrTx/>
+              <a:buSzTx/>
+              <a:buFont typeface="Arial" panose="020B0604020202020204" pitchFamily="34" charset="0"/>
+              <a:buChar char="•"/>
+              <a:tabLst/>
+              <a:defRPr/>
+            </a:pPr>
+            <a:r>
+              <a:rPr kumimoji="0" lang="en-US" sz="2800" b="0" i="0" u="none" strike="noStrike" kern="1200" cap="none" spc="0" normalizeH="0" baseline="0" noProof="0" dirty="0">
+                <a:ln>
+                  <a:noFill/>
+                </a:ln>
+                <a:solidFill>
+                  <a:srgbClr val="07061D"/>
+                </a:solidFill>
+                <a:effectLst/>
+                <a:uLnTx/>
+                <a:uFillTx/>
+                <a:latin typeface="Source Serif Pro" panose="02040603050405020204" pitchFamily="18" charset="0"/>
+                <a:ea typeface="+mn-ea"/>
+                <a:cs typeface="+mn-cs"/>
+              </a:rPr>
+              <a:t>The main challenge for content creators, in this case, is analyzing the factors that influence popular YouTube videos.</a:t>
+            </a:r>
+          </a:p>
+          <a:p>
+            <a:pPr marL="228600" marR="0" lvl="0" indent="-228600" algn="l" defTabSz="914400" rtl="0" eaLnBrk="1" fontAlgn="auto" latinLnBrk="0" hangingPunct="1">
+              <a:lnSpc>
+                <a:spcPct val="90000"/>
+              </a:lnSpc>
+              <a:spcBef>
+                <a:spcPts val="1000"/>
+              </a:spcBef>
+              <a:spcAft>
+                <a:spcPts val="0"/>
+              </a:spcAft>
+              <a:buClrTx/>
+              <a:buSzTx/>
+              <a:buFont typeface="Arial" panose="020B0604020202020204" pitchFamily="34" charset="0"/>
+              <a:buChar char="•"/>
+              <a:tabLst/>
+              <a:defRPr/>
+            </a:pPr>
+            <a:r>
+              <a:rPr kumimoji="0" lang="en-US" sz="2800" b="0" i="0" u="none" strike="noStrike" kern="1200" cap="none" spc="0" normalizeH="0" baseline="0" noProof="0" dirty="0">
+                <a:ln>
+                  <a:noFill/>
+                </a:ln>
+                <a:solidFill>
+                  <a:srgbClr val="07061D"/>
+                </a:solidFill>
+                <a:effectLst/>
+                <a:uLnTx/>
+                <a:uFillTx/>
+                <a:latin typeface="Source Serif Pro" panose="02040603050405020204" pitchFamily="18" charset="0"/>
+                <a:ea typeface="+mn-ea"/>
+                <a:cs typeface="+mn-cs"/>
+              </a:rPr>
+              <a:t>So the project is chosen to assist content creators in maximizing their video creativity by following the necessary recommendations.</a:t>
+            </a:r>
+            <a:endParaRPr kumimoji="0" lang="en-US" sz="2800" b="0" i="0" u="none" strike="noStrike" kern="1200" cap="none" spc="0" normalizeH="0" baseline="0" noProof="0" dirty="0">
+              <a:ln>
+                <a:noFill/>
+              </a:ln>
+              <a:solidFill>
+                <a:sysClr val="windowText" lastClr="000000"/>
+              </a:solidFill>
+              <a:effectLst/>
+              <a:uLnTx/>
+              <a:uFillTx/>
+              <a:latin typeface="Calibri" panose="020F0502020204030204"/>
+              <a:ea typeface="+mn-ea"/>
+              <a:cs typeface="+mn-cs"/>
+            </a:endParaRPr>
+          </a:p>
+        </p:txBody>
+      </p:sp>
+    </p:spTree>
+    <p:extLst>
+      <p:ext uri="{BB962C8B-B14F-4D97-AF65-F5344CB8AC3E}">
+        <p14:creationId xmlns:p14="http://schemas.microsoft.com/office/powerpoint/2010/main" val="1152749600"/>
+      </p:ext>
+    </p:extLst>
+  </p:cSld>
+  <p:clrMapOvr>
+    <a:masterClrMapping/>
+  </p:clrMapOvr>
+</p:sld>
+</file>
+
+<file path=ppt/slides/slide3.xml><?xml version="1.0" encoding="utf-8"?>
+<p:sld xmlns:a="http://schemas.openxmlformats.org/drawingml/2006/main" xmlns:r="http://schemas.openxmlformats.org/officeDocument/2006/relationships" xmlns:p="http://schemas.openxmlformats.org/presentationml/2006/main">
+  <p:cSld>
+    <p:spTree>
+      <p:nvGrpSpPr>
+        <p:cNvPr id="1" name=""/>
+        <p:cNvGrpSpPr/>
+        <p:nvPr/>
+      </p:nvGrpSpPr>
+      <p:grpSpPr>
+        <a:xfrm>
+          <a:off x="0" y="0"/>
+          <a:ext cx="0" cy="0"/>
+          <a:chOff x="0" y="0"/>
+          <a:chExt cx="0" cy="0"/>
+        </a:xfrm>
+      </p:grpSpPr>
+      <p:sp>
+        <p:nvSpPr>
+          <p:cNvPr id="2" name="Title 1">
+            <a:extLst>
+              <a:ext uri="{FF2B5EF4-FFF2-40B4-BE49-F238E27FC236}">
+                <a16:creationId xmlns:a16="http://schemas.microsoft.com/office/drawing/2014/main" id="{E39D1231-18A6-C444-429F-68832F0DDEBB}"/>
+              </a:ext>
+            </a:extLst>
+          </p:cNvPr>
+          <p:cNvSpPr>
+            <a:spLocks noGrp="1"/>
+          </p:cNvSpPr>
+          <p:nvPr>
+            <p:ph type="title"/>
+          </p:nvPr>
+        </p:nvSpPr>
+        <p:spPr/>
+        <p:txBody>
+          <a:bodyPr>
+            <a:normAutofit fontScale="90000"/>
+          </a:bodyPr>
+          <a:lstStyle/>
+          <a:p>
+            <a:r>
+              <a:rPr lang="en-US" dirty="0"/>
+              <a:t>Research Questions</a:t>
+            </a:r>
+          </a:p>
+        </p:txBody>
+      </p:sp>
+      <p:sp>
+        <p:nvSpPr>
+          <p:cNvPr id="3" name="Content Placeholder 2">
+            <a:extLst>
+              <a:ext uri="{FF2B5EF4-FFF2-40B4-BE49-F238E27FC236}">
+                <a16:creationId xmlns:a16="http://schemas.microsoft.com/office/drawing/2014/main" id="{AC61533B-1259-6BAD-488E-2125266193CD}"/>
+              </a:ext>
+            </a:extLst>
+          </p:cNvPr>
+          <p:cNvSpPr>
+            <a:spLocks noGrp="1"/>
+          </p:cNvSpPr>
+          <p:nvPr>
+            <p:ph idx="1"/>
+          </p:nvPr>
+        </p:nvSpPr>
+        <p:spPr/>
+        <p:txBody>
+          <a:bodyPr>
+            <a:normAutofit fontScale="92500" lnSpcReduction="20000"/>
+          </a:bodyPr>
+          <a:lstStyle/>
+          <a:p>
+            <a:r>
+              <a:rPr lang="en-US" b="0" i="0" dirty="0">
+                <a:solidFill>
+                  <a:srgbClr val="07061D"/>
+                </a:solidFill>
+                <a:effectLst/>
+                <a:latin typeface="Source Serif Pro" panose="02040603050405020204" pitchFamily="18" charset="0"/>
+              </a:rPr>
+              <a:t>What makes a video trend for a longer time?</a:t>
+            </a:r>
+          </a:p>
+          <a:p>
+            <a:r>
+              <a:rPr lang="en-US" dirty="0">
+                <a:solidFill>
+                  <a:srgbClr val="07061D"/>
+                </a:solidFill>
+                <a:latin typeface="Source Serif Pro" panose="02040603050405020204" pitchFamily="18" charset="0"/>
+              </a:rPr>
+              <a:t>What is the average time it takes for a video to trend across different categories?</a:t>
+            </a:r>
+          </a:p>
+          <a:p>
+            <a:r>
+              <a:rPr lang="en-US" dirty="0">
+                <a:solidFill>
+                  <a:srgbClr val="07061D"/>
+                </a:solidFill>
+                <a:latin typeface="Source Serif Pro" panose="02040603050405020204" pitchFamily="18" charset="0"/>
+              </a:rPr>
+              <a:t>What are the most used</a:t>
+            </a:r>
+            <a:r>
+              <a:rPr lang="en-US" b="0" i="0" dirty="0">
+                <a:solidFill>
+                  <a:srgbClr val="07061D"/>
+                </a:solidFill>
+                <a:effectLst/>
+                <a:latin typeface="Source Serif Pro" panose="02040603050405020204" pitchFamily="18" charset="0"/>
+              </a:rPr>
+              <a:t> tags, optimal title length, and optimal day to post for the videos that trend?</a:t>
+            </a:r>
+          </a:p>
+          <a:p>
+            <a:r>
+              <a:rPr lang="en-US" dirty="0"/>
+              <a:t>Is toxicity on YouTube dominating positivity?</a:t>
+            </a:r>
+          </a:p>
+        </p:txBody>
+      </p:sp>
+    </p:spTree>
+    <p:extLst>
+      <p:ext uri="{BB962C8B-B14F-4D97-AF65-F5344CB8AC3E}">
+        <p14:creationId xmlns:p14="http://schemas.microsoft.com/office/powerpoint/2010/main" val="2536477889"/>
+      </p:ext>
+    </p:extLst>
+  </p:cSld>
+  <p:clrMapOvr>
+    <a:masterClrMapping/>
+  </p:clrMapOvr>
+</p:sld>
+</file>
+
+<file path=ppt/slides/slide4.xml><?xml version="1.0" encoding="utf-8"?>
 <p:sld xmlns:a="http://schemas.openxmlformats.org/drawingml/2006/main" xmlns:r="http://schemas.openxmlformats.org/officeDocument/2006/relationships" xmlns:p="http://schemas.openxmlformats.org/presentationml/2006/main">
   <p:cSld>
     <p:spTree>
@@ -3461,16 +4258,22 @@
             <p:ph type="title"/>
           </p:nvPr>
         </p:nvSpPr>
-        <p:spPr/>
+        <p:spPr>
+          <a:xfrm>
+            <a:off x="838200" y="1789043"/>
+            <a:ext cx="10452652" cy="734237"/>
+          </a:xfrm>
+        </p:spPr>
         <p:txBody>
           <a:bodyPr>
             <a:normAutofit fontScale="90000"/>
           </a:bodyPr>
           <a:lstStyle/>
           <a:p>
-            <a:r>
-              <a:rPr lang="en-US" sz="6000" b="1" dirty="0"/>
-              <a:t>Research Paper – I</a:t>
+            <a:pPr algn="l"/>
+            <a:r>
+              <a:rPr lang="en-US" sz="4400" dirty="0"/>
+              <a:t>Research Paper – 1</a:t>
             </a:r>
             <a:br>
               <a:rPr lang="en-US" dirty="0"/>
@@ -3503,9 +4306,16 @@
             <p:ph idx="1"/>
           </p:nvPr>
         </p:nvSpPr>
-        <p:spPr/>
+        <p:spPr>
+          <a:xfrm>
+            <a:off x="838200" y="2766349"/>
+            <a:ext cx="10515600" cy="3410614"/>
+          </a:xfrm>
+        </p:spPr>
         <p:txBody>
-          <a:bodyPr/>
+          <a:bodyPr>
+            <a:normAutofit fontScale="62500" lnSpcReduction="20000"/>
+          </a:bodyPr>
           <a:lstStyle/>
           <a:p>
             <a:pPr marL="0" indent="0">
@@ -3513,7 +4323,7 @@
             </a:pPr>
             <a:r>
               <a:rPr lang="en-US" dirty="0"/>
-              <a:t>What did they do?</a:t>
+              <a:t>What is the state of the research paper?</a:t>
             </a:r>
           </a:p>
           <a:p>
@@ -3523,7 +4333,7 @@
             </a:pPr>
             <a:r>
               <a:rPr lang="en-US" dirty="0"/>
-              <a:t>Predicting the number of days video will take to get on trending list</a:t>
+              <a:t>Predicting the number of days the video will take to get on the trending list</a:t>
             </a:r>
           </a:p>
           <a:p>
@@ -3533,7 +4343,7 @@
             </a:pPr>
             <a:r>
               <a:rPr lang="en-US" dirty="0"/>
-              <a:t>Predicting the number of days video will trend on trending list</a:t>
+              <a:t>Predicting the number of days the video will trend on the trending list</a:t>
             </a:r>
           </a:p>
           <a:p>
@@ -3549,7 +4359,7 @@
             </a:pPr>
             <a:r>
               <a:rPr lang="en-US" dirty="0"/>
-              <a:t>What didn’t they do?</a:t>
+              <a:t>What is missing?</a:t>
             </a:r>
           </a:p>
           <a:p>
@@ -3559,7 +4369,7 @@
             </a:pPr>
             <a:r>
               <a:rPr lang="en-US" dirty="0"/>
-              <a:t>Making use of Video picture in the model prediction</a:t>
+              <a:t>Making use of Video pictures in the model prediction</a:t>
             </a:r>
           </a:p>
           <a:p>
@@ -3570,6 +4380,41 @@
             <a:r>
               <a:rPr lang="en-US" dirty="0"/>
               <a:t>Making use of comments</a:t>
+            </a:r>
+          </a:p>
+        </p:txBody>
+      </p:sp>
+      <p:sp>
+        <p:nvSpPr>
+          <p:cNvPr id="7" name="TextBox 6">
+            <a:extLst>
+              <a:ext uri="{FF2B5EF4-FFF2-40B4-BE49-F238E27FC236}">
+                <a16:creationId xmlns:a16="http://schemas.microsoft.com/office/drawing/2014/main" id="{A10010FC-848E-5A0D-8416-14FFE7B9E9BA}"/>
+              </a:ext>
+            </a:extLst>
+          </p:cNvPr>
+          <p:cNvSpPr txBox="1"/>
+          <p:nvPr/>
+        </p:nvSpPr>
+        <p:spPr>
+          <a:xfrm>
+            <a:off x="838200" y="714977"/>
+            <a:ext cx="8699339" cy="830997"/>
+          </a:xfrm>
+          <a:prstGeom prst="rect">
+            <a:avLst/>
+          </a:prstGeom>
+          <a:noFill/>
+        </p:spPr>
+        <p:txBody>
+          <a:bodyPr wrap="square">
+            <a:spAutoFit/>
+          </a:bodyPr>
+          <a:lstStyle/>
+          <a:p>
+            <a:r>
+              <a:rPr lang="en-US" sz="4800" dirty="0"/>
+              <a:t>OVERVIEW</a:t>
             </a:r>
           </a:p>
         </p:txBody>
@@ -3577,7 +4422,7 @@
     </p:spTree>
     <p:extLst>
       <p:ext uri="{BB962C8B-B14F-4D97-AF65-F5344CB8AC3E}">
-        <p14:creationId xmlns:p14="http://schemas.microsoft.com/office/powerpoint/2010/main" val="4140099595"/>
+        <p14:creationId xmlns:p14="http://schemas.microsoft.com/office/powerpoint/2010/main" val="3975530770"/>
       </p:ext>
     </p:extLst>
   </p:cSld>
@@ -3587,7 +4432,7 @@
 </p:sld>
 </file>
 
-<file path=ppt/slides/slide3.xml><?xml version="1.0" encoding="utf-8"?>
+<file path=ppt/slides/slide5.xml><?xml version="1.0" encoding="utf-8"?>
 <p:sld xmlns:a="http://schemas.openxmlformats.org/drawingml/2006/main" xmlns:r="http://schemas.openxmlformats.org/officeDocument/2006/relationships" xmlns:p="http://schemas.openxmlformats.org/presentationml/2006/main">
   <p:cSld>
     <p:spTree>
@@ -3622,8 +4467,8 @@
         </p:nvSpPr>
         <p:spPr>
           <a:xfrm>
-            <a:off x="838200" y="585044"/>
-            <a:ext cx="10515600" cy="1325563"/>
+            <a:off x="838200" y="1025718"/>
+            <a:ext cx="10515600" cy="884889"/>
           </a:xfrm>
         </p:spPr>
         <p:txBody>
@@ -3632,8 +4477,9 @@
           </a:bodyPr>
           <a:lstStyle/>
           <a:p>
-            <a:r>
-              <a:rPr lang="en-US" b="1" dirty="0"/>
+            <a:pPr algn="l"/>
+            <a:r>
+              <a:rPr lang="en-US" sz="4400" dirty="0"/>
               <a:t>Research Paper - 2</a:t>
             </a:r>
             <a:br>
@@ -3669,7 +4515,9 @@
           </a:xfrm>
         </p:spPr>
         <p:txBody>
-          <a:bodyPr/>
+          <a:bodyPr>
+            <a:normAutofit fontScale="92500" lnSpcReduction="20000"/>
+          </a:bodyPr>
           <a:lstStyle/>
           <a:p>
             <a:pPr marL="0" indent="0">
@@ -3696,7 +4544,7 @@
                 </a:solidFill>
                 <a:effectLst/>
               </a:rPr>
-              <a:t> approach on the comments section to predict toxicity scores and assess toxicity on social media networks.</a:t>
+              <a:t> approach in the comments section to predict toxicity scores and assess toxicity on social media networks.</a:t>
             </a:r>
           </a:p>
           <a:p>
@@ -3757,7 +4605,692 @@
     </p:spTree>
     <p:extLst>
       <p:ext uri="{BB962C8B-B14F-4D97-AF65-F5344CB8AC3E}">
-        <p14:creationId xmlns:p14="http://schemas.microsoft.com/office/powerpoint/2010/main" val="3907566515"/>
+        <p14:creationId xmlns:p14="http://schemas.microsoft.com/office/powerpoint/2010/main" val="941931040"/>
+      </p:ext>
+    </p:extLst>
+  </p:cSld>
+  <p:clrMapOvr>
+    <a:masterClrMapping/>
+  </p:clrMapOvr>
+</p:sld>
+</file>
+
+<file path=ppt/slides/slide6.xml><?xml version="1.0" encoding="utf-8"?>
+<p:sld xmlns:a="http://schemas.openxmlformats.org/drawingml/2006/main" xmlns:r="http://schemas.openxmlformats.org/officeDocument/2006/relationships" xmlns:p="http://schemas.openxmlformats.org/presentationml/2006/main">
+  <p:cSld>
+    <p:spTree>
+      <p:nvGrpSpPr>
+        <p:cNvPr id="1" name=""/>
+        <p:cNvGrpSpPr/>
+        <p:nvPr/>
+      </p:nvGrpSpPr>
+      <p:grpSpPr>
+        <a:xfrm>
+          <a:off x="0" y="0"/>
+          <a:ext cx="0" cy="0"/>
+          <a:chOff x="0" y="0"/>
+          <a:chExt cx="0" cy="0"/>
+        </a:xfrm>
+      </p:grpSpPr>
+      <p:sp>
+        <p:nvSpPr>
+          <p:cNvPr id="3" name="Title 1">
+            <a:extLst>
+              <a:ext uri="{FF2B5EF4-FFF2-40B4-BE49-F238E27FC236}">
+                <a16:creationId xmlns:a16="http://schemas.microsoft.com/office/drawing/2014/main" id="{FB405840-3FAE-7EC3-BFB3-57752D3B4817}"/>
+              </a:ext>
+            </a:extLst>
+          </p:cNvPr>
+          <p:cNvSpPr txBox="1">
+            <a:spLocks/>
+          </p:cNvSpPr>
+          <p:nvPr/>
+        </p:nvSpPr>
+        <p:spPr>
+          <a:xfrm>
+            <a:off x="607612" y="961473"/>
+            <a:ext cx="10515600" cy="1325563"/>
+          </a:xfrm>
+          <a:prstGeom prst="rect">
+            <a:avLst/>
+          </a:prstGeom>
+        </p:spPr>
+        <p:txBody>
+          <a:bodyPr vert="horz" lIns="91440" tIns="45720" rIns="91440" bIns="45720" rtlCol="0" anchor="ctr">
+            <a:normAutofit/>
+          </a:bodyPr>
+          <a:lstStyle>
+            <a:lvl1pPr algn="ctr" defTabSz="609585" rtl="0" eaLnBrk="1" latinLnBrk="0" hangingPunct="1">
+              <a:spcBef>
+                <a:spcPct val="0"/>
+              </a:spcBef>
+              <a:buNone/>
+              <a:defRPr sz="5867" kern="1200">
+                <a:solidFill>
+                  <a:schemeClr val="tx1"/>
+                </a:solidFill>
+                <a:latin typeface="+mj-lt"/>
+                <a:ea typeface="+mj-ea"/>
+                <a:cs typeface="+mj-cs"/>
+              </a:defRPr>
+            </a:lvl1pPr>
+          </a:lstStyle>
+          <a:p>
+            <a:pPr algn="l"/>
+            <a:r>
+              <a:rPr lang="en-US" sz="4300" dirty="0"/>
+              <a:t>Research Paper -3 </a:t>
+            </a:r>
+            <a:br>
+              <a:rPr lang="en-US" dirty="0"/>
+            </a:br>
+            <a:r>
+              <a:rPr lang="en-US" sz="3200" dirty="0"/>
+              <a:t>Trending YouTube Video Analysis</a:t>
+            </a:r>
+          </a:p>
+        </p:txBody>
+      </p:sp>
+    </p:spTree>
+    <p:extLst>
+      <p:ext uri="{BB962C8B-B14F-4D97-AF65-F5344CB8AC3E}">
+        <p14:creationId xmlns:p14="http://schemas.microsoft.com/office/powerpoint/2010/main" val="2354503677"/>
+      </p:ext>
+    </p:extLst>
+  </p:cSld>
+  <p:clrMapOvr>
+    <a:masterClrMapping/>
+  </p:clrMapOvr>
+</p:sld>
+</file>
+
+<file path=ppt/slides/slide7.xml><?xml version="1.0" encoding="utf-8"?>
+<p:sld xmlns:a="http://schemas.openxmlformats.org/drawingml/2006/main" xmlns:r="http://schemas.openxmlformats.org/officeDocument/2006/relationships" xmlns:p="http://schemas.openxmlformats.org/presentationml/2006/main">
+  <p:cSld>
+    <p:spTree>
+      <p:nvGrpSpPr>
+        <p:cNvPr id="1" name=""/>
+        <p:cNvGrpSpPr/>
+        <p:nvPr/>
+      </p:nvGrpSpPr>
+      <p:grpSpPr>
+        <a:xfrm>
+          <a:off x="0" y="0"/>
+          <a:ext cx="0" cy="0"/>
+          <a:chOff x="0" y="0"/>
+          <a:chExt cx="0" cy="0"/>
+        </a:xfrm>
+      </p:grpSpPr>
+      <p:sp>
+        <p:nvSpPr>
+          <p:cNvPr id="7" name="Title 1">
+            <a:extLst>
+              <a:ext uri="{FF2B5EF4-FFF2-40B4-BE49-F238E27FC236}">
+                <a16:creationId xmlns:a16="http://schemas.microsoft.com/office/drawing/2014/main" id="{1C5126DD-4BED-35A3-40D3-6F48DE61282E}"/>
+              </a:ext>
+            </a:extLst>
+          </p:cNvPr>
+          <p:cNvSpPr txBox="1">
+            <a:spLocks/>
+          </p:cNvSpPr>
+          <p:nvPr/>
+        </p:nvSpPr>
+        <p:spPr>
+          <a:xfrm>
+            <a:off x="838200" y="754739"/>
+            <a:ext cx="10515600" cy="1325563"/>
+          </a:xfrm>
+          <a:prstGeom prst="rect">
+            <a:avLst/>
+          </a:prstGeom>
+        </p:spPr>
+        <p:txBody>
+          <a:bodyPr vert="horz" lIns="91440" tIns="45720" rIns="91440" bIns="45720" rtlCol="0" anchor="ctr">
+            <a:normAutofit/>
+          </a:bodyPr>
+          <a:lstStyle>
+            <a:lvl1pPr algn="l" defTabSz="914400" rtl="0" eaLnBrk="1" latinLnBrk="0" hangingPunct="1">
+              <a:lnSpc>
+                <a:spcPct val="90000"/>
+              </a:lnSpc>
+              <a:spcBef>
+                <a:spcPct val="0"/>
+              </a:spcBef>
+              <a:buNone/>
+              <a:defRPr sz="4400" kern="1200">
+                <a:solidFill>
+                  <a:schemeClr val="tx1"/>
+                </a:solidFill>
+                <a:latin typeface="+mj-lt"/>
+                <a:ea typeface="+mj-ea"/>
+                <a:cs typeface="+mj-cs"/>
+              </a:defRPr>
+            </a:lvl1pPr>
+          </a:lstStyle>
+          <a:p>
+            <a:pPr marL="0" marR="0" lvl="0" indent="0" algn="l" defTabSz="914400" rtl="0" eaLnBrk="1" fontAlgn="auto" latinLnBrk="0" hangingPunct="1">
+              <a:lnSpc>
+                <a:spcPct val="90000"/>
+              </a:lnSpc>
+              <a:spcBef>
+                <a:spcPct val="0"/>
+              </a:spcBef>
+              <a:spcAft>
+                <a:spcPts val="0"/>
+              </a:spcAft>
+              <a:buClrTx/>
+              <a:buSzTx/>
+              <a:buFontTx/>
+              <a:buNone/>
+              <a:tabLst/>
+              <a:defRPr/>
+            </a:pPr>
+            <a:r>
+              <a:rPr kumimoji="0" lang="en-US" sz="4400" b="1" i="0" u="none" strike="noStrike" kern="1200" cap="none" spc="0" normalizeH="0" baseline="0" noProof="0" dirty="0">
+                <a:ln>
+                  <a:noFill/>
+                </a:ln>
+                <a:solidFill>
+                  <a:sysClr val="windowText" lastClr="000000"/>
+                </a:solidFill>
+                <a:effectLst/>
+                <a:uLnTx/>
+                <a:uFillTx/>
+                <a:latin typeface="Calibri Light" panose="020F0302020204030204"/>
+                <a:ea typeface="+mj-ea"/>
+                <a:cs typeface="+mj-cs"/>
+              </a:rPr>
+              <a:t>DATASET</a:t>
+            </a:r>
+          </a:p>
+        </p:txBody>
+      </p:sp>
+      <p:sp>
+        <p:nvSpPr>
+          <p:cNvPr id="8" name="Content Placeholder 2">
+            <a:extLst>
+              <a:ext uri="{FF2B5EF4-FFF2-40B4-BE49-F238E27FC236}">
+                <a16:creationId xmlns:a16="http://schemas.microsoft.com/office/drawing/2014/main" id="{1E53BFF1-DF09-FDDF-C40D-F0C260DDD32B}"/>
+              </a:ext>
+            </a:extLst>
+          </p:cNvPr>
+          <p:cNvSpPr txBox="1">
+            <a:spLocks/>
+          </p:cNvSpPr>
+          <p:nvPr/>
+        </p:nvSpPr>
+        <p:spPr>
+          <a:xfrm>
+            <a:off x="838200" y="1825625"/>
+            <a:ext cx="10515600" cy="4351338"/>
+          </a:xfrm>
+          <a:prstGeom prst="rect">
+            <a:avLst/>
+          </a:prstGeom>
+        </p:spPr>
+        <p:txBody>
+          <a:bodyPr vert="horz" lIns="91440" tIns="45720" rIns="91440" bIns="45720" rtlCol="0">
+            <a:normAutofit lnSpcReduction="10000"/>
+          </a:bodyPr>
+          <a:lstStyle>
+            <a:lvl1pPr marL="228600" indent="-228600" algn="l" defTabSz="914400" rtl="0" eaLnBrk="1" latinLnBrk="0" hangingPunct="1">
+              <a:lnSpc>
+                <a:spcPct val="90000"/>
+              </a:lnSpc>
+              <a:spcBef>
+                <a:spcPts val="1000"/>
+              </a:spcBef>
+              <a:buFont typeface="Arial" panose="020B0604020202020204" pitchFamily="34" charset="0"/>
+              <a:buChar char="•"/>
+              <a:defRPr sz="2800" kern="1200">
+                <a:solidFill>
+                  <a:schemeClr val="tx1"/>
+                </a:solidFill>
+                <a:latin typeface="+mn-lt"/>
+                <a:ea typeface="+mn-ea"/>
+                <a:cs typeface="+mn-cs"/>
+              </a:defRPr>
+            </a:lvl1pPr>
+            <a:lvl2pPr marL="685800" indent="-228600" algn="l" defTabSz="914400" rtl="0" eaLnBrk="1" latinLnBrk="0" hangingPunct="1">
+              <a:lnSpc>
+                <a:spcPct val="90000"/>
+              </a:lnSpc>
+              <a:spcBef>
+                <a:spcPts val="500"/>
+              </a:spcBef>
+              <a:buFont typeface="Arial" panose="020B0604020202020204" pitchFamily="34" charset="0"/>
+              <a:buChar char="•"/>
+              <a:defRPr sz="2400" kern="1200">
+                <a:solidFill>
+                  <a:schemeClr val="tx1"/>
+                </a:solidFill>
+                <a:latin typeface="+mn-lt"/>
+                <a:ea typeface="+mn-ea"/>
+                <a:cs typeface="+mn-cs"/>
+              </a:defRPr>
+            </a:lvl2pPr>
+            <a:lvl3pPr marL="1143000" indent="-228600" algn="l" defTabSz="914400" rtl="0" eaLnBrk="1" latinLnBrk="0" hangingPunct="1">
+              <a:lnSpc>
+                <a:spcPct val="90000"/>
+              </a:lnSpc>
+              <a:spcBef>
+                <a:spcPts val="500"/>
+              </a:spcBef>
+              <a:buFont typeface="Arial" panose="020B0604020202020204" pitchFamily="34" charset="0"/>
+              <a:buChar char="•"/>
+              <a:defRPr sz="2000" kern="1200">
+                <a:solidFill>
+                  <a:schemeClr val="tx1"/>
+                </a:solidFill>
+                <a:latin typeface="+mn-lt"/>
+                <a:ea typeface="+mn-ea"/>
+                <a:cs typeface="+mn-cs"/>
+              </a:defRPr>
+            </a:lvl3pPr>
+            <a:lvl4pPr marL="1600200" indent="-228600" algn="l" defTabSz="914400" rtl="0" eaLnBrk="1" latinLnBrk="0" hangingPunct="1">
+              <a:lnSpc>
+                <a:spcPct val="90000"/>
+              </a:lnSpc>
+              <a:spcBef>
+                <a:spcPts val="500"/>
+              </a:spcBef>
+              <a:buFont typeface="Arial" panose="020B0604020202020204" pitchFamily="34" charset="0"/>
+              <a:buChar char="•"/>
+              <a:defRPr sz="1800" kern="1200">
+                <a:solidFill>
+                  <a:schemeClr val="tx1"/>
+                </a:solidFill>
+                <a:latin typeface="+mn-lt"/>
+                <a:ea typeface="+mn-ea"/>
+                <a:cs typeface="+mn-cs"/>
+              </a:defRPr>
+            </a:lvl4pPr>
+            <a:lvl5pPr marL="2057400" indent="-228600" algn="l" defTabSz="914400" rtl="0" eaLnBrk="1" latinLnBrk="0" hangingPunct="1">
+              <a:lnSpc>
+                <a:spcPct val="90000"/>
+              </a:lnSpc>
+              <a:spcBef>
+                <a:spcPts val="500"/>
+              </a:spcBef>
+              <a:buFont typeface="Arial" panose="020B0604020202020204" pitchFamily="34" charset="0"/>
+              <a:buChar char="•"/>
+              <a:defRPr sz="1800" kern="1200">
+                <a:solidFill>
+                  <a:schemeClr val="tx1"/>
+                </a:solidFill>
+                <a:latin typeface="+mn-lt"/>
+                <a:ea typeface="+mn-ea"/>
+                <a:cs typeface="+mn-cs"/>
+              </a:defRPr>
+            </a:lvl5pPr>
+            <a:lvl6pPr marL="2514600" indent="-228600" algn="l" defTabSz="914400" rtl="0" eaLnBrk="1" latinLnBrk="0" hangingPunct="1">
+              <a:lnSpc>
+                <a:spcPct val="90000"/>
+              </a:lnSpc>
+              <a:spcBef>
+                <a:spcPts val="500"/>
+              </a:spcBef>
+              <a:buFont typeface="Arial" panose="020B0604020202020204" pitchFamily="34" charset="0"/>
+              <a:buChar char="•"/>
+              <a:defRPr sz="1800" kern="1200">
+                <a:solidFill>
+                  <a:schemeClr val="tx1"/>
+                </a:solidFill>
+                <a:latin typeface="+mn-lt"/>
+                <a:ea typeface="+mn-ea"/>
+                <a:cs typeface="+mn-cs"/>
+              </a:defRPr>
+            </a:lvl6pPr>
+            <a:lvl7pPr marL="2971800" indent="-228600" algn="l" defTabSz="914400" rtl="0" eaLnBrk="1" latinLnBrk="0" hangingPunct="1">
+              <a:lnSpc>
+                <a:spcPct val="90000"/>
+              </a:lnSpc>
+              <a:spcBef>
+                <a:spcPts val="500"/>
+              </a:spcBef>
+              <a:buFont typeface="Arial" panose="020B0604020202020204" pitchFamily="34" charset="0"/>
+              <a:buChar char="•"/>
+              <a:defRPr sz="1800" kern="1200">
+                <a:solidFill>
+                  <a:schemeClr val="tx1"/>
+                </a:solidFill>
+                <a:latin typeface="+mn-lt"/>
+                <a:ea typeface="+mn-ea"/>
+                <a:cs typeface="+mn-cs"/>
+              </a:defRPr>
+            </a:lvl7pPr>
+            <a:lvl8pPr marL="3429000" indent="-228600" algn="l" defTabSz="914400" rtl="0" eaLnBrk="1" latinLnBrk="0" hangingPunct="1">
+              <a:lnSpc>
+                <a:spcPct val="90000"/>
+              </a:lnSpc>
+              <a:spcBef>
+                <a:spcPts val="500"/>
+              </a:spcBef>
+              <a:buFont typeface="Arial" panose="020B0604020202020204" pitchFamily="34" charset="0"/>
+              <a:buChar char="•"/>
+              <a:defRPr sz="1800" kern="1200">
+                <a:solidFill>
+                  <a:schemeClr val="tx1"/>
+                </a:solidFill>
+                <a:latin typeface="+mn-lt"/>
+                <a:ea typeface="+mn-ea"/>
+                <a:cs typeface="+mn-cs"/>
+              </a:defRPr>
+            </a:lvl8pPr>
+            <a:lvl9pPr marL="3886200" indent="-228600" algn="l" defTabSz="914400" rtl="0" eaLnBrk="1" latinLnBrk="0" hangingPunct="1">
+              <a:lnSpc>
+                <a:spcPct val="90000"/>
+              </a:lnSpc>
+              <a:spcBef>
+                <a:spcPts val="500"/>
+              </a:spcBef>
+              <a:buFont typeface="Arial" panose="020B0604020202020204" pitchFamily="34" charset="0"/>
+              <a:buChar char="•"/>
+              <a:defRPr sz="1800" kern="1200">
+                <a:solidFill>
+                  <a:schemeClr val="tx1"/>
+                </a:solidFill>
+                <a:latin typeface="+mn-lt"/>
+                <a:ea typeface="+mn-ea"/>
+                <a:cs typeface="+mn-cs"/>
+              </a:defRPr>
+            </a:lvl9pPr>
+          </a:lstStyle>
+          <a:p>
+            <a:pPr marL="228600" marR="0" lvl="0" indent="-228600" algn="l" defTabSz="914400" rtl="0" eaLnBrk="1" fontAlgn="auto" latinLnBrk="0" hangingPunct="1">
+              <a:lnSpc>
+                <a:spcPct val="90000"/>
+              </a:lnSpc>
+              <a:spcBef>
+                <a:spcPts val="1000"/>
+              </a:spcBef>
+              <a:spcAft>
+                <a:spcPts val="0"/>
+              </a:spcAft>
+              <a:buClrTx/>
+              <a:buSzTx/>
+              <a:buFont typeface="Arial" panose="020B0604020202020204" pitchFamily="34" charset="0"/>
+              <a:buChar char="•"/>
+              <a:tabLst/>
+              <a:defRPr/>
+            </a:pPr>
+            <a:r>
+              <a:rPr kumimoji="0" lang="en-US" sz="2800" b="0" i="0" u="none" strike="noStrike" kern="1200" cap="none" spc="0" normalizeH="0" baseline="0" noProof="0">
+                <a:ln>
+                  <a:noFill/>
+                </a:ln>
+                <a:solidFill>
+                  <a:sysClr val="windowText" lastClr="000000"/>
+                </a:solidFill>
+                <a:effectLst/>
+                <a:uLnTx/>
+                <a:uFillTx/>
+                <a:latin typeface="Calibri" panose="020F0502020204030204"/>
+                <a:ea typeface="+mn-ea"/>
+                <a:cs typeface="+mn-cs"/>
+              </a:rPr>
+              <a:t>Dataset source and link: Kaggle Website</a:t>
+            </a:r>
+            <a:endParaRPr kumimoji="0" lang="en-US" sz="2800" b="0" i="0" u="none" strike="noStrike" kern="1200" cap="none" spc="0" normalizeH="0" baseline="0" noProof="0">
+              <a:ln>
+                <a:noFill/>
+              </a:ln>
+              <a:solidFill>
+                <a:sysClr val="windowText" lastClr="000000"/>
+              </a:solidFill>
+              <a:effectLst/>
+              <a:uLnTx/>
+              <a:uFillTx/>
+              <a:latin typeface="Calibri" panose="020F0502020204030204"/>
+              <a:ea typeface="+mn-ea"/>
+              <a:cs typeface="+mn-cs"/>
+              <a:hlinkClick r:id="rId2"/>
+            </a:endParaRPr>
+          </a:p>
+          <a:p>
+            <a:pPr marL="228600" marR="0" lvl="0" indent="-228600" algn="l" defTabSz="914400" rtl="0" eaLnBrk="1" fontAlgn="auto" latinLnBrk="0" hangingPunct="1">
+              <a:lnSpc>
+                <a:spcPct val="90000"/>
+              </a:lnSpc>
+              <a:spcBef>
+                <a:spcPts val="1000"/>
+              </a:spcBef>
+              <a:spcAft>
+                <a:spcPts val="0"/>
+              </a:spcAft>
+              <a:buClrTx/>
+              <a:buSzTx/>
+              <a:buFont typeface="Arial" panose="020B0604020202020204" pitchFamily="34" charset="0"/>
+              <a:buChar char="•"/>
+              <a:tabLst/>
+              <a:defRPr/>
+            </a:pPr>
+            <a:r>
+              <a:rPr kumimoji="0" lang="en-US" sz="2800" b="0" i="0" u="none" strike="noStrike" kern="1200" cap="none" spc="0" normalizeH="0" baseline="0" noProof="0">
+                <a:ln>
+                  <a:noFill/>
+                </a:ln>
+                <a:solidFill>
+                  <a:sysClr val="windowText" lastClr="000000"/>
+                </a:solidFill>
+                <a:effectLst/>
+                <a:uLnTx/>
+                <a:uFillTx/>
+                <a:latin typeface="Calibri" panose="020F0502020204030204"/>
+                <a:ea typeface="+mn-ea"/>
+                <a:cs typeface="+mn-cs"/>
+                <a:hlinkClick r:id="rId2"/>
+              </a:rPr>
+              <a:t>https://www.kaggle.com/datasets/rsrishav/youtube-trending-video-dataset</a:t>
+            </a:r>
+            <a:endParaRPr kumimoji="0" lang="en-US" sz="2800" b="0" i="0" u="none" strike="noStrike" kern="1200" cap="none" spc="0" normalizeH="0" baseline="0" noProof="0">
+              <a:ln>
+                <a:noFill/>
+              </a:ln>
+              <a:solidFill>
+                <a:sysClr val="windowText" lastClr="000000"/>
+              </a:solidFill>
+              <a:effectLst/>
+              <a:uLnTx/>
+              <a:uFillTx/>
+              <a:latin typeface="Calibri" panose="020F0502020204030204"/>
+              <a:ea typeface="+mn-ea"/>
+              <a:cs typeface="+mn-cs"/>
+            </a:endParaRPr>
+          </a:p>
+          <a:p>
+            <a:pPr marL="228600" marR="0" lvl="0" indent="-228600" algn="l" defTabSz="914400" rtl="0" eaLnBrk="1" fontAlgn="auto" latinLnBrk="0" hangingPunct="1">
+              <a:lnSpc>
+                <a:spcPct val="90000"/>
+              </a:lnSpc>
+              <a:spcBef>
+                <a:spcPts val="1000"/>
+              </a:spcBef>
+              <a:spcAft>
+                <a:spcPts val="0"/>
+              </a:spcAft>
+              <a:buClrTx/>
+              <a:buSzTx/>
+              <a:buFont typeface="Arial" panose="020B0604020202020204" pitchFamily="34" charset="0"/>
+              <a:buChar char="•"/>
+              <a:tabLst/>
+              <a:defRPr/>
+            </a:pPr>
+            <a:r>
+              <a:rPr kumimoji="0" lang="en-US" sz="2800" b="0" i="0" u="none" strike="noStrike" kern="1200" cap="none" spc="0" normalizeH="0" baseline="0" noProof="0">
+                <a:ln>
+                  <a:noFill/>
+                </a:ln>
+                <a:solidFill>
+                  <a:sysClr val="windowText" lastClr="000000"/>
+                </a:solidFill>
+                <a:effectLst/>
+                <a:uLnTx/>
+                <a:uFillTx/>
+                <a:latin typeface="Calibri" panose="020F0502020204030204"/>
+                <a:ea typeface="+mn-ea"/>
+                <a:cs typeface="+mn-cs"/>
+              </a:rPr>
+              <a:t>Data includes the video title, channel title, publish time, tags, views, likes and dislikes, description, and comment count.</a:t>
+            </a:r>
+          </a:p>
+          <a:p>
+            <a:pPr marL="228600" marR="0" lvl="0" indent="-228600" algn="l" defTabSz="914400" rtl="0" eaLnBrk="1" fontAlgn="auto" latinLnBrk="0" hangingPunct="1">
+              <a:lnSpc>
+                <a:spcPct val="90000"/>
+              </a:lnSpc>
+              <a:spcBef>
+                <a:spcPts val="1000"/>
+              </a:spcBef>
+              <a:spcAft>
+                <a:spcPts val="0"/>
+              </a:spcAft>
+              <a:buClrTx/>
+              <a:buSzTx/>
+              <a:buFont typeface="Arial" panose="020B0604020202020204" pitchFamily="34" charset="0"/>
+              <a:buChar char="•"/>
+              <a:tabLst/>
+              <a:defRPr/>
+            </a:pPr>
+            <a:r>
+              <a:rPr kumimoji="0" lang="en-US" sz="2800" b="0" i="0" u="none" strike="noStrike" kern="1200" cap="none" spc="0" normalizeH="0" baseline="0" noProof="0">
+                <a:ln>
+                  <a:noFill/>
+                </a:ln>
+                <a:solidFill>
+                  <a:sysClr val="windowText" lastClr="000000"/>
+                </a:solidFill>
+                <a:effectLst/>
+                <a:uLnTx/>
+                <a:uFillTx/>
+                <a:latin typeface="Calibri" panose="020F0502020204030204"/>
+                <a:ea typeface="+mn-ea"/>
+                <a:cs typeface="+mn-cs"/>
+              </a:rPr>
+              <a:t>This dataset is updated in daily format and we will be using the updated dataset to analyze the most trending video for the day, week, month, or year.</a:t>
+            </a:r>
+          </a:p>
+          <a:p>
+            <a:pPr marL="228600" marR="0" lvl="0" indent="-228600" algn="l" defTabSz="914400" rtl="0" eaLnBrk="1" fontAlgn="auto" latinLnBrk="0" hangingPunct="1">
+              <a:lnSpc>
+                <a:spcPct val="90000"/>
+              </a:lnSpc>
+              <a:spcBef>
+                <a:spcPts val="1000"/>
+              </a:spcBef>
+              <a:spcAft>
+                <a:spcPts val="0"/>
+              </a:spcAft>
+              <a:buClrTx/>
+              <a:buSzTx/>
+              <a:buFont typeface="Arial" panose="020B0604020202020204" pitchFamily="34" charset="0"/>
+              <a:buChar char="•"/>
+              <a:tabLst/>
+              <a:defRPr/>
+            </a:pPr>
+            <a:r>
+              <a:rPr kumimoji="0" lang="en-US" sz="2800" b="0" i="0" u="none" strike="noStrike" kern="1200" cap="none" spc="0" normalizeH="0" baseline="0" noProof="0">
+                <a:ln>
+                  <a:noFill/>
+                </a:ln>
+                <a:solidFill>
+                  <a:sysClr val="windowText" lastClr="000000"/>
+                </a:solidFill>
+                <a:effectLst/>
+                <a:uLnTx/>
+                <a:uFillTx/>
+                <a:latin typeface="Calibri" panose="020F0502020204030204"/>
+                <a:ea typeface="+mn-ea"/>
+                <a:cs typeface="+mn-cs"/>
+              </a:rPr>
+              <a:t>As the dataset is updated daily, the exact number of rows we will use may vary, but we will use nearly 200,000 lakh rows.</a:t>
+            </a:r>
+            <a:endParaRPr kumimoji="0" lang="en-US" sz="2800" b="0" i="0" u="none" strike="noStrike" kern="1200" cap="none" spc="0" normalizeH="0" baseline="0" noProof="0" dirty="0">
+              <a:ln>
+                <a:noFill/>
+              </a:ln>
+              <a:solidFill>
+                <a:sysClr val="windowText" lastClr="000000"/>
+              </a:solidFill>
+              <a:effectLst/>
+              <a:uLnTx/>
+              <a:uFillTx/>
+              <a:latin typeface="Calibri" panose="020F0502020204030204"/>
+              <a:ea typeface="+mn-ea"/>
+              <a:cs typeface="+mn-cs"/>
+            </a:endParaRPr>
+          </a:p>
+        </p:txBody>
+      </p:sp>
+    </p:spTree>
+    <p:extLst>
+      <p:ext uri="{BB962C8B-B14F-4D97-AF65-F5344CB8AC3E}">
+        <p14:creationId xmlns:p14="http://schemas.microsoft.com/office/powerpoint/2010/main" val="1904084981"/>
+      </p:ext>
+    </p:extLst>
+  </p:cSld>
+  <p:clrMapOvr>
+    <a:masterClrMapping/>
+  </p:clrMapOvr>
+</p:sld>
+</file>
+
+<file path=ppt/slides/slide8.xml><?xml version="1.0" encoding="utf-8"?>
+<p:sld xmlns:a="http://schemas.openxmlformats.org/drawingml/2006/main" xmlns:r="http://schemas.openxmlformats.org/officeDocument/2006/relationships" xmlns:p="http://schemas.openxmlformats.org/presentationml/2006/main">
+  <p:cSld>
+    <p:spTree>
+      <p:nvGrpSpPr>
+        <p:cNvPr id="1" name=""/>
+        <p:cNvGrpSpPr/>
+        <p:nvPr/>
+      </p:nvGrpSpPr>
+      <p:grpSpPr>
+        <a:xfrm>
+          <a:off x="0" y="0"/>
+          <a:ext cx="0" cy="0"/>
+          <a:chOff x="0" y="0"/>
+          <a:chExt cx="0" cy="0"/>
+        </a:xfrm>
+      </p:grpSpPr>
+      <p:sp>
+        <p:nvSpPr>
+          <p:cNvPr id="2" name="TextBox 1">
+            <a:extLst>
+              <a:ext uri="{FF2B5EF4-FFF2-40B4-BE49-F238E27FC236}">
+                <a16:creationId xmlns:a16="http://schemas.microsoft.com/office/drawing/2014/main" id="{7F653EBA-6762-153F-9C91-0437ABCA139D}"/>
+              </a:ext>
+            </a:extLst>
+          </p:cNvPr>
+          <p:cNvSpPr txBox="1"/>
+          <p:nvPr/>
+        </p:nvSpPr>
+        <p:spPr>
+          <a:xfrm>
+            <a:off x="4333461" y="3260035"/>
+            <a:ext cx="3729162" cy="830997"/>
+          </a:xfrm>
+          <a:prstGeom prst="rect">
+            <a:avLst/>
+          </a:prstGeom>
+          <a:noFill/>
+        </p:spPr>
+        <p:txBody>
+          <a:bodyPr wrap="square" rtlCol="0">
+            <a:spAutoFit/>
+          </a:bodyPr>
+          <a:lstStyle/>
+          <a:p>
+            <a:r>
+              <a:rPr lang="en-US" sz="4800" b="1" dirty="0"/>
+              <a:t>Thank you!!</a:t>
+            </a:r>
+          </a:p>
+        </p:txBody>
+      </p:sp>
+    </p:spTree>
+    <p:extLst>
+      <p:ext uri="{BB962C8B-B14F-4D97-AF65-F5344CB8AC3E}">
+        <p14:creationId xmlns:p14="http://schemas.microsoft.com/office/powerpoint/2010/main" val="2829910102"/>
       </p:ext>
     </p:extLst>
   </p:cSld>
@@ -3768,7 +5301,7 @@
 </file>
 
 <file path=ppt/theme/theme1.xml><?xml version="1.0" encoding="utf-8"?>
-<a:theme xmlns:a="http://schemas.openxmlformats.org/drawingml/2006/main" name="Office Theme">
+<a:theme xmlns:a="http://schemas.openxmlformats.org/drawingml/2006/main" name="UMBC Template">
   <a:themeElements>
     <a:clrScheme name="Office">
       <a:dk1>
@@ -3778,44 +5311,44 @@
         <a:sysClr val="window" lastClr="FFFFFF"/>
       </a:lt1>
       <a:dk2>
-        <a:srgbClr val="44546A"/>
+        <a:srgbClr val="1F497D"/>
       </a:dk2>
       <a:lt2>
-        <a:srgbClr val="E7E6E6"/>
+        <a:srgbClr val="EEECE1"/>
       </a:lt2>
       <a:accent1>
-        <a:srgbClr val="4472C4"/>
+        <a:srgbClr val="4F81BD"/>
       </a:accent1>
       <a:accent2>
-        <a:srgbClr val="ED7D31"/>
+        <a:srgbClr val="C0504D"/>
       </a:accent2>
       <a:accent3>
-        <a:srgbClr val="A5A5A5"/>
+        <a:srgbClr val="9BBB59"/>
       </a:accent3>
       <a:accent4>
-        <a:srgbClr val="FFC000"/>
+        <a:srgbClr val="8064A2"/>
       </a:accent4>
       <a:accent5>
-        <a:srgbClr val="5B9BD5"/>
+        <a:srgbClr val="4BACC6"/>
       </a:accent5>
       <a:accent6>
-        <a:srgbClr val="70AD47"/>
+        <a:srgbClr val="F79646"/>
       </a:accent6>
       <a:hlink>
-        <a:srgbClr val="0563C1"/>
+        <a:srgbClr val="0000FF"/>
       </a:hlink>
       <a:folHlink>
-        <a:srgbClr val="954F72"/>
+        <a:srgbClr val="800080"/>
       </a:folHlink>
     </a:clrScheme>
     <a:fontScheme name="Office">
       <a:majorFont>
-        <a:latin typeface="Calibri Light" panose="020F0302020204030204"/>
+        <a:latin typeface="Calibri"/>
         <a:ea typeface=""/>
         <a:cs typeface=""/>
-        <a:font script="Jpan" typeface="游ゴシック Light"/>
+        <a:font script="Jpan" typeface="ＭＳ Ｐゴシック"/>
         <a:font script="Hang" typeface="맑은 고딕"/>
-        <a:font script="Hans" typeface="等线 Light"/>
+        <a:font script="Hans" typeface="宋体"/>
         <a:font script="Hant" typeface="新細明體"/>
         <a:font script="Arab" typeface="Times New Roman"/>
         <a:font script="Hebr" typeface="Times New Roman"/>
@@ -3843,31 +5376,14 @@
         <a:font script="Viet" typeface="Times New Roman"/>
         <a:font script="Uigh" typeface="Microsoft Uighur"/>
         <a:font script="Geor" typeface="Sylfaen"/>
-        <a:font script="Armn" typeface="Arial"/>
-        <a:font script="Bugi" typeface="Leelawadee UI"/>
-        <a:font script="Bopo" typeface="Microsoft JhengHei"/>
-        <a:font script="Java" typeface="Javanese Text"/>
-        <a:font script="Lisu" typeface="Segoe UI"/>
-        <a:font script="Mymr" typeface="Myanmar Text"/>
-        <a:font script="Nkoo" typeface="Ebrima"/>
-        <a:font script="Olck" typeface="Nirmala UI"/>
-        <a:font script="Osma" typeface="Ebrima"/>
-        <a:font script="Phag" typeface="Phagspa"/>
-        <a:font script="Syrn" typeface="Estrangelo Edessa"/>
-        <a:font script="Syrj" typeface="Estrangelo Edessa"/>
-        <a:font script="Syre" typeface="Estrangelo Edessa"/>
-        <a:font script="Sora" typeface="Nirmala UI"/>
-        <a:font script="Tale" typeface="Microsoft Tai Le"/>
-        <a:font script="Talu" typeface="Microsoft New Tai Lue"/>
-        <a:font script="Tfng" typeface="Ebrima"/>
       </a:majorFont>
       <a:minorFont>
-        <a:latin typeface="Calibri" panose="020F0502020204030204"/>
+        <a:latin typeface="Calibri"/>
         <a:ea typeface=""/>
         <a:cs typeface=""/>
-        <a:font script="Jpan" typeface="游ゴシック"/>
+        <a:font script="Jpan" typeface="ＭＳ Ｐゴシック"/>
         <a:font script="Hang" typeface="맑은 고딕"/>
-        <a:font script="Hans" typeface="等线"/>
+        <a:font script="Hans" typeface="宋体"/>
         <a:font script="Hant" typeface="新細明體"/>
         <a:font script="Arab" typeface="Arial"/>
         <a:font script="Hebr" typeface="Arial"/>
@@ -3895,23 +5411,6 @@
         <a:font script="Viet" typeface="Arial"/>
         <a:font script="Uigh" typeface="Microsoft Uighur"/>
         <a:font script="Geor" typeface="Sylfaen"/>
-        <a:font script="Armn" typeface="Arial"/>
-        <a:font script="Bugi" typeface="Leelawadee UI"/>
-        <a:font script="Bopo" typeface="Microsoft JhengHei"/>
-        <a:font script="Java" typeface="Javanese Text"/>
-        <a:font script="Lisu" typeface="Segoe UI"/>
-        <a:font script="Mymr" typeface="Myanmar Text"/>
-        <a:font script="Nkoo" typeface="Ebrima"/>
-        <a:font script="Olck" typeface="Nirmala UI"/>
-        <a:font script="Osma" typeface="Ebrima"/>
-        <a:font script="Phag" typeface="Phagspa"/>
-        <a:font script="Syrn" typeface="Estrangelo Edessa"/>
-        <a:font script="Syrj" typeface="Estrangelo Edessa"/>
-        <a:font script="Syre" typeface="Estrangelo Edessa"/>
-        <a:font script="Sora" typeface="Nirmala UI"/>
-        <a:font script="Tale" typeface="Microsoft Tai Le"/>
-        <a:font script="Talu" typeface="Microsoft New Tai Lue"/>
-        <a:font script="Tfng" typeface="Ebrima"/>
       </a:minorFont>
     </a:fontScheme>
     <a:fmtScheme name="Office">
@@ -3923,140 +5422,204 @@
           <a:gsLst>
             <a:gs pos="0">
               <a:schemeClr val="phClr">
-                <a:lumMod val="110000"/>
-                <a:satMod val="105000"/>
-                <a:tint val="67000"/>
+                <a:tint val="50000"/>
+                <a:satMod val="300000"/>
               </a:schemeClr>
             </a:gs>
-            <a:gs pos="50000">
+            <a:gs pos="35000">
               <a:schemeClr val="phClr">
-                <a:lumMod val="105000"/>
-                <a:satMod val="103000"/>
-                <a:tint val="73000"/>
+                <a:tint val="37000"/>
+                <a:satMod val="300000"/>
               </a:schemeClr>
             </a:gs>
             <a:gs pos="100000">
               <a:schemeClr val="phClr">
-                <a:lumMod val="105000"/>
-                <a:satMod val="109000"/>
-                <a:tint val="81000"/>
+                <a:tint val="15000"/>
+                <a:satMod val="350000"/>
               </a:schemeClr>
             </a:gs>
           </a:gsLst>
-          <a:lin ang="5400000" scaled="0"/>
+          <a:lin ang="16200000" scaled="1"/>
         </a:gradFill>
         <a:gradFill rotWithShape="1">
           <a:gsLst>
             <a:gs pos="0">
               <a:schemeClr val="phClr">
-                <a:satMod val="103000"/>
-                <a:lumMod val="102000"/>
-                <a:tint val="94000"/>
-              </a:schemeClr>
-            </a:gs>
-            <a:gs pos="50000">
-              <a:schemeClr val="phClr">
-                <a:satMod val="110000"/>
-                <a:lumMod val="100000"/>
+                <a:tint val="100000"/>
                 <a:shade val="100000"/>
+                <a:satMod val="130000"/>
               </a:schemeClr>
             </a:gs>
             <a:gs pos="100000">
               <a:schemeClr val="phClr">
-                <a:lumMod val="99000"/>
-                <a:satMod val="120000"/>
-                <a:shade val="78000"/>
+                <a:tint val="50000"/>
+                <a:shade val="100000"/>
+                <a:satMod val="350000"/>
               </a:schemeClr>
             </a:gs>
           </a:gsLst>
-          <a:lin ang="5400000" scaled="0"/>
+          <a:lin ang="16200000" scaled="0"/>
         </a:gradFill>
       </a:fillStyleLst>
       <a:lnStyleLst>
-        <a:ln w="6350" cap="flat" cmpd="sng" algn="ctr">
+        <a:ln w="9525" cap="flat" cmpd="sng" algn="ctr">
+          <a:solidFill>
+            <a:schemeClr val="phClr">
+              <a:shade val="95000"/>
+              <a:satMod val="105000"/>
+            </a:schemeClr>
+          </a:solidFill>
+          <a:prstDash val="solid"/>
+        </a:ln>
+        <a:ln w="25400" cap="flat" cmpd="sng" algn="ctr">
           <a:solidFill>
             <a:schemeClr val="phClr"/>
           </a:solidFill>
           <a:prstDash val="solid"/>
-          <a:miter lim="800000"/>
         </a:ln>
-        <a:ln w="12700" cap="flat" cmpd="sng" algn="ctr">
+        <a:ln w="38100" cap="flat" cmpd="sng" algn="ctr">
           <a:solidFill>
             <a:schemeClr val="phClr"/>
           </a:solidFill>
           <a:prstDash val="solid"/>
-          <a:miter lim="800000"/>
-        </a:ln>
-        <a:ln w="19050" cap="flat" cmpd="sng" algn="ctr">
-          <a:solidFill>
-            <a:schemeClr val="phClr"/>
-          </a:solidFill>
-          <a:prstDash val="solid"/>
-          <a:miter lim="800000"/>
         </a:ln>
       </a:lnStyleLst>
       <a:effectStyleLst>
         <a:effectStyle>
-          <a:effectLst/>
-        </a:effectStyle>
-        <a:effectStyle>
-          <a:effectLst/>
+          <a:effectLst>
+            <a:outerShdw blurRad="40000" dist="20000" dir="5400000" rotWithShape="0">
+              <a:srgbClr val="000000">
+                <a:alpha val="38000"/>
+              </a:srgbClr>
+            </a:outerShdw>
+          </a:effectLst>
         </a:effectStyle>
         <a:effectStyle>
           <a:effectLst>
-            <a:outerShdw blurRad="57150" dist="19050" dir="5400000" algn="ctr" rotWithShape="0">
+            <a:outerShdw blurRad="40000" dist="23000" dir="5400000" rotWithShape="0">
               <a:srgbClr val="000000">
-                <a:alpha val="63000"/>
+                <a:alpha val="35000"/>
               </a:srgbClr>
             </a:outerShdw>
           </a:effectLst>
+        </a:effectStyle>
+        <a:effectStyle>
+          <a:effectLst>
+            <a:outerShdw blurRad="40000" dist="23000" dir="5400000" rotWithShape="0">
+              <a:srgbClr val="000000">
+                <a:alpha val="35000"/>
+              </a:srgbClr>
+            </a:outerShdw>
+          </a:effectLst>
+          <a:scene3d>
+            <a:camera prst="orthographicFront">
+              <a:rot lat="0" lon="0" rev="0"/>
+            </a:camera>
+            <a:lightRig rig="threePt" dir="t">
+              <a:rot lat="0" lon="0" rev="1200000"/>
+            </a:lightRig>
+          </a:scene3d>
+          <a:sp3d>
+            <a:bevelT w="63500" h="25400"/>
+          </a:sp3d>
         </a:effectStyle>
       </a:effectStyleLst>
       <a:bgFillStyleLst>
         <a:solidFill>
           <a:schemeClr val="phClr"/>
         </a:solidFill>
-        <a:solidFill>
-          <a:schemeClr val="phClr">
-            <a:tint val="95000"/>
-            <a:satMod val="170000"/>
-          </a:schemeClr>
-        </a:solidFill>
         <a:gradFill rotWithShape="1">
           <a:gsLst>
             <a:gs pos="0">
               <a:schemeClr val="phClr">
-                <a:tint val="93000"/>
-                <a:satMod val="150000"/>
-                <a:shade val="98000"/>
-                <a:lumMod val="102000"/>
+                <a:tint val="40000"/>
+                <a:satMod val="350000"/>
               </a:schemeClr>
             </a:gs>
-            <a:gs pos="50000">
+            <a:gs pos="40000">
               <a:schemeClr val="phClr">
-                <a:tint val="98000"/>
-                <a:satMod val="130000"/>
-                <a:shade val="90000"/>
-                <a:lumMod val="103000"/>
+                <a:tint val="45000"/>
+                <a:shade val="99000"/>
+                <a:satMod val="350000"/>
               </a:schemeClr>
             </a:gs>
             <a:gs pos="100000">
               <a:schemeClr val="phClr">
-                <a:shade val="63000"/>
-                <a:satMod val="120000"/>
+                <a:shade val="20000"/>
+                <a:satMod val="255000"/>
               </a:schemeClr>
             </a:gs>
           </a:gsLst>
-          <a:lin ang="5400000" scaled="0"/>
+          <a:path path="circle">
+            <a:fillToRect l="50000" t="-80000" r="50000" b="180000"/>
+          </a:path>
+        </a:gradFill>
+        <a:gradFill rotWithShape="1">
+          <a:gsLst>
+            <a:gs pos="0">
+              <a:schemeClr val="phClr">
+                <a:tint val="80000"/>
+                <a:satMod val="300000"/>
+              </a:schemeClr>
+            </a:gs>
+            <a:gs pos="100000">
+              <a:schemeClr val="phClr">
+                <a:shade val="30000"/>
+                <a:satMod val="200000"/>
+              </a:schemeClr>
+            </a:gs>
+          </a:gsLst>
+          <a:path path="circle">
+            <a:fillToRect l="50000" t="50000" r="50000" b="50000"/>
+          </a:path>
         </a:gradFill>
       </a:bgFillStyleLst>
     </a:fmtScheme>
   </a:themeElements>
-  <a:objectDefaults/>
+  <a:objectDefaults>
+    <a:spDef>
+      <a:spPr/>
+      <a:bodyPr/>
+      <a:lstStyle/>
+      <a:style>
+        <a:lnRef idx="1">
+          <a:schemeClr val="accent1"/>
+        </a:lnRef>
+        <a:fillRef idx="3">
+          <a:schemeClr val="accent1"/>
+        </a:fillRef>
+        <a:effectRef idx="2">
+          <a:schemeClr val="accent1"/>
+        </a:effectRef>
+        <a:fontRef idx="minor">
+          <a:schemeClr val="lt1"/>
+        </a:fontRef>
+      </a:style>
+    </a:spDef>
+    <a:lnDef>
+      <a:spPr/>
+      <a:bodyPr/>
+      <a:lstStyle/>
+      <a:style>
+        <a:lnRef idx="2">
+          <a:schemeClr val="accent1"/>
+        </a:lnRef>
+        <a:fillRef idx="0">
+          <a:schemeClr val="accent1"/>
+        </a:fillRef>
+        <a:effectRef idx="1">
+          <a:schemeClr val="accent1"/>
+        </a:effectRef>
+        <a:fontRef idx="minor">
+          <a:schemeClr val="tx1"/>
+        </a:fontRef>
+      </a:style>
+    </a:lnDef>
+  </a:objectDefaults>
   <a:extraClrSchemeLst/>
   <a:extLst>
     <a:ext uri="{05A4C25C-085E-4340-85A3-A5531E510DB2}">
-      <thm15:themeFamily xmlns:thm15="http://schemas.microsoft.com/office/thememl/2012/main" name="Office Theme 2013 - 2022" id="{62F939B6-93AF-4DB8-9C6B-D6C7DFDC589F}" vid="{4A3C46E8-61CC-4603-A589-7422A47A8E4A}"/>
+      <thm15:themeFamily xmlns:thm15="http://schemas.microsoft.com/office/thememl/2012/main" name="UMBC Template" id="{82714F45-A2F7-497C-B598-0943D39707BE}" vid="{86B4017F-4270-49C3-A86C-CFD69E4110CE}"/>
     </a:ext>
   </a:extLst>
 </a:theme>

--- a/Phase1.pptx
+++ b/Phase1.pptx
@@ -119,616 +119,6 @@
 </p:presentation>
 </file>
 
-<file path=ppt/changesInfos/changesInfo1.xml><?xml version="1.0" encoding="utf-8"?>
-<pc:chgInfo xmlns:a="http://schemas.openxmlformats.org/drawingml/2006/main" xmlns:r="http://schemas.openxmlformats.org/officeDocument/2006/relationships" xmlns:ac="http://schemas.microsoft.com/office/drawing/2013/main/command" xmlns:pc="http://schemas.microsoft.com/office/powerpoint/2013/main/command">
-  <pc:docChgLst>
-    <pc:chgData name="Pooja Laveti" userId="a348b4b3ee6c70d5" providerId="LiveId" clId="{E137CBB1-5380-4A9B-9BEE-9C6B1151E3C5}"/>
-    <pc:docChg chg="undo redo custSel addSld delSld modSld sldOrd delMainMaster">
-      <pc:chgData name="Pooja Laveti" userId="a348b4b3ee6c70d5" providerId="LiveId" clId="{E137CBB1-5380-4A9B-9BEE-9C6B1151E3C5}" dt="2023-02-27T15:57:49.333" v="1512" actId="47"/>
-      <pc:docMkLst>
-        <pc:docMk/>
-      </pc:docMkLst>
-      <pc:sldChg chg="modSp del mod">
-        <pc:chgData name="Pooja Laveti" userId="a348b4b3ee6c70d5" providerId="LiveId" clId="{E137CBB1-5380-4A9B-9BEE-9C6B1151E3C5}" dt="2023-02-27T15:57:31.545" v="1503" actId="47"/>
-        <pc:sldMkLst>
-          <pc:docMk/>
-          <pc:sldMk cId="1824199810" sldId="256"/>
-        </pc:sldMkLst>
-        <pc:spChg chg="mod">
-          <ac:chgData name="Pooja Laveti" userId="a348b4b3ee6c70d5" providerId="LiveId" clId="{E137CBB1-5380-4A9B-9BEE-9C6B1151E3C5}" dt="2023-02-27T15:42:45.375" v="1280" actId="20577"/>
-          <ac:spMkLst>
-            <pc:docMk/>
-            <pc:sldMk cId="1824199810" sldId="256"/>
-            <ac:spMk id="2" creationId="{1C8E0869-38E2-DF68-4D8A-CBEBB434C47D}"/>
-          </ac:spMkLst>
-        </pc:spChg>
-        <pc:spChg chg="mod">
-          <ac:chgData name="Pooja Laveti" userId="a348b4b3ee6c70d5" providerId="LiveId" clId="{E137CBB1-5380-4A9B-9BEE-9C6B1151E3C5}" dt="2023-02-27T15:45:22.772" v="1375" actId="1076"/>
-          <ac:spMkLst>
-            <pc:docMk/>
-            <pc:sldMk cId="1824199810" sldId="256"/>
-            <ac:spMk id="3" creationId="{CD16C0A7-7D09-EA4C-9A32-58E20141E662}"/>
-          </ac:spMkLst>
-        </pc:spChg>
-      </pc:sldChg>
-      <pc:sldChg chg="addSp delSp modSp del mod">
-        <pc:chgData name="Pooja Laveti" userId="a348b4b3ee6c70d5" providerId="LiveId" clId="{E137CBB1-5380-4A9B-9BEE-9C6B1151E3C5}" dt="2023-02-27T15:57:44.541" v="1509" actId="47"/>
-        <pc:sldMkLst>
-          <pc:docMk/>
-          <pc:sldMk cId="4140099595" sldId="257"/>
-        </pc:sldMkLst>
-        <pc:spChg chg="mod">
-          <ac:chgData name="Pooja Laveti" userId="a348b4b3ee6c70d5" providerId="LiveId" clId="{E137CBB1-5380-4A9B-9BEE-9C6B1151E3C5}" dt="2023-02-27T15:31:35.628" v="976" actId="14100"/>
-          <ac:spMkLst>
-            <pc:docMk/>
-            <pc:sldMk cId="4140099595" sldId="257"/>
-            <ac:spMk id="2" creationId="{054EFDD6-BC5B-975E-53EC-68728D968841}"/>
-          </ac:spMkLst>
-        </pc:spChg>
-        <pc:spChg chg="mod">
-          <ac:chgData name="Pooja Laveti" userId="a348b4b3ee6c70d5" providerId="LiveId" clId="{E137CBB1-5380-4A9B-9BEE-9C6B1151E3C5}" dt="2023-02-27T15:31:56.486" v="1001" actId="20577"/>
-          <ac:spMkLst>
-            <pc:docMk/>
-            <pc:sldMk cId="4140099595" sldId="257"/>
-            <ac:spMk id="3" creationId="{9A95337E-F2A0-5F13-E31C-E8A83390A0B6}"/>
-          </ac:spMkLst>
-        </pc:spChg>
-        <pc:spChg chg="add del">
-          <ac:chgData name="Pooja Laveti" userId="a348b4b3ee6c70d5" providerId="LiveId" clId="{E137CBB1-5380-4A9B-9BEE-9C6B1151E3C5}" dt="2023-02-27T15:30:02.748" v="932" actId="22"/>
-          <ac:spMkLst>
-            <pc:docMk/>
-            <pc:sldMk cId="4140099595" sldId="257"/>
-            <ac:spMk id="5" creationId="{0F49C3CA-A974-7CD7-4FED-F38564E2F712}"/>
-          </ac:spMkLst>
-        </pc:spChg>
-        <pc:spChg chg="add mod">
-          <ac:chgData name="Pooja Laveti" userId="a348b4b3ee6c70d5" providerId="LiveId" clId="{E137CBB1-5380-4A9B-9BEE-9C6B1151E3C5}" dt="2023-02-27T15:31:19.448" v="972" actId="1076"/>
-          <ac:spMkLst>
-            <pc:docMk/>
-            <pc:sldMk cId="4140099595" sldId="257"/>
-            <ac:spMk id="7" creationId="{A10010FC-848E-5A0D-8416-14FFE7B9E9BA}"/>
-          </ac:spMkLst>
-        </pc:spChg>
-      </pc:sldChg>
-      <pc:sldChg chg="modSp del mod">
-        <pc:chgData name="Pooja Laveti" userId="a348b4b3ee6c70d5" providerId="LiveId" clId="{E137CBB1-5380-4A9B-9BEE-9C6B1151E3C5}" dt="2023-02-27T15:57:46.849" v="1510" actId="47"/>
-        <pc:sldMkLst>
-          <pc:docMk/>
-          <pc:sldMk cId="3907566515" sldId="258"/>
-        </pc:sldMkLst>
-        <pc:spChg chg="mod">
-          <ac:chgData name="Pooja Laveti" userId="a348b4b3ee6c70d5" providerId="LiveId" clId="{E137CBB1-5380-4A9B-9BEE-9C6B1151E3C5}" dt="2023-02-27T15:32:08.966" v="1002" actId="113"/>
-          <ac:spMkLst>
-            <pc:docMk/>
-            <pc:sldMk cId="3907566515" sldId="258"/>
-            <ac:spMk id="2" creationId="{F9584C52-0E39-D57E-72D8-30C8482C0709}"/>
-          </ac:spMkLst>
-        </pc:spChg>
-        <pc:spChg chg="mod">
-          <ac:chgData name="Pooja Laveti" userId="a348b4b3ee6c70d5" providerId="LiveId" clId="{E137CBB1-5380-4A9B-9BEE-9C6B1151E3C5}" dt="2023-02-24T00:52:29.946" v="186" actId="20577"/>
-          <ac:spMkLst>
-            <pc:docMk/>
-            <pc:sldMk cId="3907566515" sldId="258"/>
-            <ac:spMk id="3" creationId="{6E75CA7C-3067-536D-3D0D-0E688EFC3334}"/>
-          </ac:spMkLst>
-        </pc:spChg>
-      </pc:sldChg>
-      <pc:sldChg chg="modSp new del mod">
-        <pc:chgData name="Pooja Laveti" userId="a348b4b3ee6c70d5" providerId="LiveId" clId="{E137CBB1-5380-4A9B-9BEE-9C6B1151E3C5}" dt="2023-02-27T15:57:42.019" v="1507" actId="47"/>
-        <pc:sldMkLst>
-          <pc:docMk/>
-          <pc:sldMk cId="1777403450" sldId="259"/>
-        </pc:sldMkLst>
-        <pc:spChg chg="mod">
-          <ac:chgData name="Pooja Laveti" userId="a348b4b3ee6c70d5" providerId="LiveId" clId="{E137CBB1-5380-4A9B-9BEE-9C6B1151E3C5}" dt="2023-02-27T14:46:49.903" v="199" actId="20577"/>
-          <ac:spMkLst>
-            <pc:docMk/>
-            <pc:sldMk cId="1777403450" sldId="259"/>
-            <ac:spMk id="2" creationId="{AA25DF4C-A8D9-E809-7986-F26E3EF09F11}"/>
-          </ac:spMkLst>
-        </pc:spChg>
-        <pc:spChg chg="mod">
-          <ac:chgData name="Pooja Laveti" userId="a348b4b3ee6c70d5" providerId="LiveId" clId="{E137CBB1-5380-4A9B-9BEE-9C6B1151E3C5}" dt="2023-02-27T15:05:00.077" v="420" actId="20577"/>
-          <ac:spMkLst>
-            <pc:docMk/>
-            <pc:sldMk cId="1777403450" sldId="259"/>
-            <ac:spMk id="3" creationId="{3A495285-9F38-941B-D56A-3176FDD27448}"/>
-          </ac:spMkLst>
-        </pc:spChg>
-      </pc:sldChg>
-      <pc:sldChg chg="modSp new del mod">
-        <pc:chgData name="Pooja Laveti" userId="a348b4b3ee6c70d5" providerId="LiveId" clId="{E137CBB1-5380-4A9B-9BEE-9C6B1151E3C5}" dt="2023-02-27T15:57:42.801" v="1508" actId="47"/>
-        <pc:sldMkLst>
-          <pc:docMk/>
-          <pc:sldMk cId="262883035" sldId="260"/>
-        </pc:sldMkLst>
-        <pc:spChg chg="mod">
-          <ac:chgData name="Pooja Laveti" userId="a348b4b3ee6c70d5" providerId="LiveId" clId="{E137CBB1-5380-4A9B-9BEE-9C6B1151E3C5}" dt="2023-02-27T15:05:18.524" v="441" actId="20577"/>
-          <ac:spMkLst>
-            <pc:docMk/>
-            <pc:sldMk cId="262883035" sldId="260"/>
-            <ac:spMk id="2" creationId="{E39D1231-18A6-C444-429F-68832F0DDEBB}"/>
-          </ac:spMkLst>
-        </pc:spChg>
-        <pc:spChg chg="mod">
-          <ac:chgData name="Pooja Laveti" userId="a348b4b3ee6c70d5" providerId="LiveId" clId="{E137CBB1-5380-4A9B-9BEE-9C6B1151E3C5}" dt="2023-02-27T15:28:05.424" v="879" actId="20577"/>
-          <ac:spMkLst>
-            <pc:docMk/>
-            <pc:sldMk cId="262883035" sldId="260"/>
-            <ac:spMk id="3" creationId="{AC61533B-1259-6BAD-488E-2125266193CD}"/>
-          </ac:spMkLst>
-        </pc:spChg>
-      </pc:sldChg>
-      <pc:sldChg chg="modSp new del mod">
-        <pc:chgData name="Pooja Laveti" userId="a348b4b3ee6c70d5" providerId="LiveId" clId="{E137CBB1-5380-4A9B-9BEE-9C6B1151E3C5}" dt="2023-02-27T15:57:47.377" v="1511" actId="47"/>
-        <pc:sldMkLst>
-          <pc:docMk/>
-          <pc:sldMk cId="2136994677" sldId="261"/>
-        </pc:sldMkLst>
-        <pc:spChg chg="mod">
-          <ac:chgData name="Pooja Laveti" userId="a348b4b3ee6c70d5" providerId="LiveId" clId="{E137CBB1-5380-4A9B-9BEE-9C6B1151E3C5}" dt="2023-02-27T15:33:32.783" v="1024" actId="255"/>
-          <ac:spMkLst>
-            <pc:docMk/>
-            <pc:sldMk cId="2136994677" sldId="261"/>
-            <ac:spMk id="2" creationId="{FDD8A5C9-C1E3-6EEA-E8EA-D1DD3714904A}"/>
-          </ac:spMkLst>
-        </pc:spChg>
-      </pc:sldChg>
-      <pc:sldChg chg="modSp new del mod">
-        <pc:chgData name="Pooja Laveti" userId="a348b4b3ee6c70d5" providerId="LiveId" clId="{E137CBB1-5380-4A9B-9BEE-9C6B1151E3C5}" dt="2023-02-27T15:57:49.333" v="1512" actId="47"/>
-        <pc:sldMkLst>
-          <pc:docMk/>
-          <pc:sldMk cId="4265520607" sldId="262"/>
-        </pc:sldMkLst>
-        <pc:spChg chg="mod">
-          <ac:chgData name="Pooja Laveti" userId="a348b4b3ee6c70d5" providerId="LiveId" clId="{E137CBB1-5380-4A9B-9BEE-9C6B1151E3C5}" dt="2023-02-27T15:34:16.198" v="1058" actId="20577"/>
-          <ac:spMkLst>
-            <pc:docMk/>
-            <pc:sldMk cId="4265520607" sldId="262"/>
-            <ac:spMk id="2" creationId="{CB9ABD35-8AF3-F938-DE56-7C85C4CF369D}"/>
-          </ac:spMkLst>
-        </pc:spChg>
-        <pc:spChg chg="mod">
-          <ac:chgData name="Pooja Laveti" userId="a348b4b3ee6c70d5" providerId="LiveId" clId="{E137CBB1-5380-4A9B-9BEE-9C6B1151E3C5}" dt="2023-02-27T15:41:56.686" v="1256" actId="20577"/>
-          <ac:spMkLst>
-            <pc:docMk/>
-            <pc:sldMk cId="4265520607" sldId="262"/>
-            <ac:spMk id="3" creationId="{7FA913B1-4AA7-878F-E653-4AF86D49E925}"/>
-          </ac:spMkLst>
-        </pc:spChg>
-      </pc:sldChg>
-      <pc:sldChg chg="addSp delSp modSp new del">
-        <pc:chgData name="Pooja Laveti" userId="a348b4b3ee6c70d5" providerId="LiveId" clId="{E137CBB1-5380-4A9B-9BEE-9C6B1151E3C5}" dt="2023-02-27T15:49:10.545" v="1404" actId="47"/>
-        <pc:sldMkLst>
-          <pc:docMk/>
-          <pc:sldMk cId="273526413" sldId="263"/>
-        </pc:sldMkLst>
-        <pc:spChg chg="add del mod">
-          <ac:chgData name="Pooja Laveti" userId="a348b4b3ee6c70d5" providerId="LiveId" clId="{E137CBB1-5380-4A9B-9BEE-9C6B1151E3C5}" dt="2023-02-27T15:46:49.737" v="1378"/>
-          <ac:spMkLst>
-            <pc:docMk/>
-            <pc:sldMk cId="273526413" sldId="263"/>
-            <ac:spMk id="4" creationId="{B8E94DD0-3C57-2AFC-E516-DD8FFF2C43E9}"/>
-          </ac:spMkLst>
-        </pc:spChg>
-      </pc:sldChg>
-      <pc:sldChg chg="addSp delSp modSp add del mod ord">
-        <pc:chgData name="Pooja Laveti" userId="a348b4b3ee6c70d5" providerId="LiveId" clId="{E137CBB1-5380-4A9B-9BEE-9C6B1151E3C5}" dt="2023-02-27T15:57:25.483" v="1502" actId="1076"/>
-        <pc:sldMkLst>
-          <pc:docMk/>
-          <pc:sldMk cId="2889347168" sldId="264"/>
-        </pc:sldMkLst>
-        <pc:spChg chg="del mod">
-          <ac:chgData name="Pooja Laveti" userId="a348b4b3ee6c70d5" providerId="LiveId" clId="{E137CBB1-5380-4A9B-9BEE-9C6B1151E3C5}" dt="2023-02-27T15:48:20.230" v="1392" actId="478"/>
-          <ac:spMkLst>
-            <pc:docMk/>
-            <pc:sldMk cId="2889347168" sldId="264"/>
-            <ac:spMk id="2" creationId="{6488AD8A-4DCB-D6A8-D003-4B5EF02DEF75}"/>
-          </ac:spMkLst>
-        </pc:spChg>
-        <pc:spChg chg="add del mod">
-          <ac:chgData name="Pooja Laveti" userId="a348b4b3ee6c70d5" providerId="LiveId" clId="{E137CBB1-5380-4A9B-9BEE-9C6B1151E3C5}" dt="2023-02-27T15:57:10.340" v="1491" actId="478"/>
-          <ac:spMkLst>
-            <pc:docMk/>
-            <pc:sldMk cId="2889347168" sldId="264"/>
-            <ac:spMk id="3" creationId="{F1AC879C-D544-8335-0C1A-AA6224414305}"/>
-          </ac:spMkLst>
-        </pc:spChg>
-        <pc:spChg chg="add del mod">
-          <ac:chgData name="Pooja Laveti" userId="a348b4b3ee6c70d5" providerId="LiveId" clId="{E137CBB1-5380-4A9B-9BEE-9C6B1151E3C5}" dt="2023-02-27T15:57:10.340" v="1491" actId="478"/>
-          <ac:spMkLst>
-            <pc:docMk/>
-            <pc:sldMk cId="2889347168" sldId="264"/>
-            <ac:spMk id="4" creationId="{2577DA30-16F7-C7B2-88A2-A66C578F5699}"/>
-          </ac:spMkLst>
-        </pc:spChg>
-        <pc:spChg chg="add del mod">
-          <ac:chgData name="Pooja Laveti" userId="a348b4b3ee6c70d5" providerId="LiveId" clId="{E137CBB1-5380-4A9B-9BEE-9C6B1151E3C5}" dt="2023-02-27T15:57:15.214" v="1492" actId="478"/>
-          <ac:spMkLst>
-            <pc:docMk/>
-            <pc:sldMk cId="2889347168" sldId="264"/>
-            <ac:spMk id="6" creationId="{3C566FA0-E50F-DBC6-8A18-54B2B7E246B6}"/>
-          </ac:spMkLst>
-        </pc:spChg>
-        <pc:spChg chg="add del mod">
-          <ac:chgData name="Pooja Laveti" userId="a348b4b3ee6c70d5" providerId="LiveId" clId="{E137CBB1-5380-4A9B-9BEE-9C6B1151E3C5}" dt="2023-02-27T15:57:21.463" v="1500"/>
-          <ac:spMkLst>
-            <pc:docMk/>
-            <pc:sldMk cId="2889347168" sldId="264"/>
-            <ac:spMk id="7" creationId="{35627448-E4F1-7806-0D7D-B01B9E9995E7}"/>
-          </ac:spMkLst>
-        </pc:spChg>
-        <pc:spChg chg="add del mod">
-          <ac:chgData name="Pooja Laveti" userId="a348b4b3ee6c70d5" providerId="LiveId" clId="{E137CBB1-5380-4A9B-9BEE-9C6B1151E3C5}" dt="2023-02-27T15:57:21.463" v="1500"/>
-          <ac:spMkLst>
-            <pc:docMk/>
-            <pc:sldMk cId="2889347168" sldId="264"/>
-            <ac:spMk id="8" creationId="{BDB8AF84-EDD9-A7AB-705A-A07A5372B6E0}"/>
-          </ac:spMkLst>
-        </pc:spChg>
-        <pc:spChg chg="add mod">
-          <ac:chgData name="Pooja Laveti" userId="a348b4b3ee6c70d5" providerId="LiveId" clId="{E137CBB1-5380-4A9B-9BEE-9C6B1151E3C5}" dt="2023-02-27T15:57:25.483" v="1502" actId="1076"/>
-          <ac:spMkLst>
-            <pc:docMk/>
-            <pc:sldMk cId="2889347168" sldId="264"/>
-            <ac:spMk id="9" creationId="{DE3603A7-C126-B2A7-15C1-958DFE64DF31}"/>
-          </ac:spMkLst>
-        </pc:spChg>
-        <pc:spChg chg="add mod">
-          <ac:chgData name="Pooja Laveti" userId="a348b4b3ee6c70d5" providerId="LiveId" clId="{E137CBB1-5380-4A9B-9BEE-9C6B1151E3C5}" dt="2023-02-27T15:57:25.483" v="1502" actId="1076"/>
-          <ac:spMkLst>
-            <pc:docMk/>
-            <pc:sldMk cId="2889347168" sldId="264"/>
-            <ac:spMk id="10" creationId="{A2C057CA-0EDB-08FC-D8B5-BA931BFD6685}"/>
-          </ac:spMkLst>
-        </pc:spChg>
-      </pc:sldChg>
-      <pc:sldChg chg="addSp delSp modSp add mod">
-        <pc:chgData name="Pooja Laveti" userId="a348b4b3ee6c70d5" providerId="LiveId" clId="{E137CBB1-5380-4A9B-9BEE-9C6B1151E3C5}" dt="2023-02-27T15:50:06.847" v="1414" actId="1076"/>
-        <pc:sldMkLst>
-          <pc:docMk/>
-          <pc:sldMk cId="1152749600" sldId="265"/>
-        </pc:sldMkLst>
-        <pc:spChg chg="del">
-          <ac:chgData name="Pooja Laveti" userId="a348b4b3ee6c70d5" providerId="LiveId" clId="{E137CBB1-5380-4A9B-9BEE-9C6B1151E3C5}" dt="2023-02-27T15:48:48.500" v="1397" actId="478"/>
-          <ac:spMkLst>
-            <pc:docMk/>
-            <pc:sldMk cId="1152749600" sldId="265"/>
-            <ac:spMk id="2" creationId="{6488AD8A-4DCB-D6A8-D003-4B5EF02DEF75}"/>
-          </ac:spMkLst>
-        </pc:spChg>
-        <pc:spChg chg="add del mod">
-          <ac:chgData name="Pooja Laveti" userId="a348b4b3ee6c70d5" providerId="LiveId" clId="{E137CBB1-5380-4A9B-9BEE-9C6B1151E3C5}" dt="2023-02-27T15:49:43.768" v="1408"/>
-          <ac:spMkLst>
-            <pc:docMk/>
-            <pc:sldMk cId="1152749600" sldId="265"/>
-            <ac:spMk id="3" creationId="{B69C7E6A-DE93-3D58-101A-5D938504C0EF}"/>
-          </ac:spMkLst>
-        </pc:spChg>
-        <pc:spChg chg="add del mod">
-          <ac:chgData name="Pooja Laveti" userId="a348b4b3ee6c70d5" providerId="LiveId" clId="{E137CBB1-5380-4A9B-9BEE-9C6B1151E3C5}" dt="2023-02-27T15:49:43.768" v="1408"/>
-          <ac:spMkLst>
-            <pc:docMk/>
-            <pc:sldMk cId="1152749600" sldId="265"/>
-            <ac:spMk id="4" creationId="{08997A4C-933F-C1E7-A212-309AABBE54BC}"/>
-          </ac:spMkLst>
-        </pc:spChg>
-        <pc:spChg chg="add mod">
-          <ac:chgData name="Pooja Laveti" userId="a348b4b3ee6c70d5" providerId="LiveId" clId="{E137CBB1-5380-4A9B-9BEE-9C6B1151E3C5}" dt="2023-02-27T15:50:06.847" v="1414" actId="1076"/>
-          <ac:spMkLst>
-            <pc:docMk/>
-            <pc:sldMk cId="1152749600" sldId="265"/>
-            <ac:spMk id="5" creationId="{F84D136A-FB70-7A2F-2EF3-A013B2C993BA}"/>
-          </ac:spMkLst>
-        </pc:spChg>
-        <pc:spChg chg="add mod">
-          <ac:chgData name="Pooja Laveti" userId="a348b4b3ee6c70d5" providerId="LiveId" clId="{E137CBB1-5380-4A9B-9BEE-9C6B1151E3C5}" dt="2023-02-27T15:49:58.385" v="1413" actId="27636"/>
-          <ac:spMkLst>
-            <pc:docMk/>
-            <pc:sldMk cId="1152749600" sldId="265"/>
-            <ac:spMk id="6" creationId="{5D1B6930-36BC-4873-B574-CC89603B3E50}"/>
-          </ac:spMkLst>
-        </pc:spChg>
-      </pc:sldChg>
-      <pc:sldChg chg="addSp delSp modSp add mod ord">
-        <pc:chgData name="Pooja Laveti" userId="a348b4b3ee6c70d5" providerId="LiveId" clId="{E137CBB1-5380-4A9B-9BEE-9C6B1151E3C5}" dt="2023-02-27T15:54:21.245" v="1449" actId="27636"/>
-        <pc:sldMkLst>
-          <pc:docMk/>
-          <pc:sldMk cId="2354503677" sldId="266"/>
-        </pc:sldMkLst>
-        <pc:spChg chg="del">
-          <ac:chgData name="Pooja Laveti" userId="a348b4b3ee6c70d5" providerId="LiveId" clId="{E137CBB1-5380-4A9B-9BEE-9C6B1151E3C5}" dt="2023-02-27T15:48:53.063" v="1398" actId="478"/>
-          <ac:spMkLst>
-            <pc:docMk/>
-            <pc:sldMk cId="2354503677" sldId="266"/>
-            <ac:spMk id="2" creationId="{6488AD8A-4DCB-D6A8-D003-4B5EF02DEF75}"/>
-          </ac:spMkLst>
-        </pc:spChg>
-        <pc:spChg chg="add mod">
-          <ac:chgData name="Pooja Laveti" userId="a348b4b3ee6c70d5" providerId="LiveId" clId="{E137CBB1-5380-4A9B-9BEE-9C6B1151E3C5}" dt="2023-02-27T15:54:21.245" v="1449" actId="27636"/>
-          <ac:spMkLst>
-            <pc:docMk/>
-            <pc:sldMk cId="2354503677" sldId="266"/>
-            <ac:spMk id="3" creationId="{FB405840-3FAE-7EC3-BFB3-57752D3B4817}"/>
-          </ac:spMkLst>
-        </pc:spChg>
-      </pc:sldChg>
-      <pc:sldChg chg="addSp delSp modSp add mod">
-        <pc:chgData name="Pooja Laveti" userId="a348b4b3ee6c70d5" providerId="LiveId" clId="{E137CBB1-5380-4A9B-9BEE-9C6B1151E3C5}" dt="2023-02-27T15:55:49.358" v="1466" actId="113"/>
-        <pc:sldMkLst>
-          <pc:docMk/>
-          <pc:sldMk cId="1904084981" sldId="267"/>
-        </pc:sldMkLst>
-        <pc:spChg chg="del">
-          <ac:chgData name="Pooja Laveti" userId="a348b4b3ee6c70d5" providerId="LiveId" clId="{E137CBB1-5380-4A9B-9BEE-9C6B1151E3C5}" dt="2023-02-27T15:48:56.949" v="1399" actId="478"/>
-          <ac:spMkLst>
-            <pc:docMk/>
-            <pc:sldMk cId="1904084981" sldId="267"/>
-            <ac:spMk id="2" creationId="{6488AD8A-4DCB-D6A8-D003-4B5EF02DEF75}"/>
-          </ac:spMkLst>
-        </pc:spChg>
-        <pc:spChg chg="add del mod">
-          <ac:chgData name="Pooja Laveti" userId="a348b4b3ee6c70d5" providerId="LiveId" clId="{E137CBB1-5380-4A9B-9BEE-9C6B1151E3C5}" dt="2023-02-27T15:54:49.901" v="1455"/>
-          <ac:spMkLst>
-            <pc:docMk/>
-            <pc:sldMk cId="1904084981" sldId="267"/>
-            <ac:spMk id="3" creationId="{2483A97E-9307-AA02-63C0-6EFD8FFD1700}"/>
-          </ac:spMkLst>
-        </pc:spChg>
-        <pc:spChg chg="add del mod">
-          <ac:chgData name="Pooja Laveti" userId="a348b4b3ee6c70d5" providerId="LiveId" clId="{E137CBB1-5380-4A9B-9BEE-9C6B1151E3C5}" dt="2023-02-27T15:54:49.901" v="1455"/>
-          <ac:spMkLst>
-            <pc:docMk/>
-            <pc:sldMk cId="1904084981" sldId="267"/>
-            <ac:spMk id="4" creationId="{C8FCC93D-F8BC-1A8B-8454-A91C9018CAFF}"/>
-          </ac:spMkLst>
-        </pc:spChg>
-        <pc:spChg chg="add del mod">
-          <ac:chgData name="Pooja Laveti" userId="a348b4b3ee6c70d5" providerId="LiveId" clId="{E137CBB1-5380-4A9B-9BEE-9C6B1151E3C5}" dt="2023-02-27T15:54:48.862" v="1453"/>
-          <ac:spMkLst>
-            <pc:docMk/>
-            <pc:sldMk cId="1904084981" sldId="267"/>
-            <ac:spMk id="5" creationId="{7F8BD8CB-95C0-8FB8-BAB7-9FB56DE4055F}"/>
-          </ac:spMkLst>
-        </pc:spChg>
-        <pc:spChg chg="add del mod">
-          <ac:chgData name="Pooja Laveti" userId="a348b4b3ee6c70d5" providerId="LiveId" clId="{E137CBB1-5380-4A9B-9BEE-9C6B1151E3C5}" dt="2023-02-27T15:54:48.862" v="1453"/>
-          <ac:spMkLst>
-            <pc:docMk/>
-            <pc:sldMk cId="1904084981" sldId="267"/>
-            <ac:spMk id="6" creationId="{BFB4ED35-A66B-478B-FDEA-96D651AEDA91}"/>
-          </ac:spMkLst>
-        </pc:spChg>
-        <pc:spChg chg="add mod">
-          <ac:chgData name="Pooja Laveti" userId="a348b4b3ee6c70d5" providerId="LiveId" clId="{E137CBB1-5380-4A9B-9BEE-9C6B1151E3C5}" dt="2023-02-27T15:55:49.358" v="1466" actId="113"/>
-          <ac:spMkLst>
-            <pc:docMk/>
-            <pc:sldMk cId="1904084981" sldId="267"/>
-            <ac:spMk id="7" creationId="{1C5126DD-4BED-35A3-40D3-6F48DE61282E}"/>
-          </ac:spMkLst>
-        </pc:spChg>
-        <pc:spChg chg="add mod">
-          <ac:chgData name="Pooja Laveti" userId="a348b4b3ee6c70d5" providerId="LiveId" clId="{E137CBB1-5380-4A9B-9BEE-9C6B1151E3C5}" dt="2023-02-27T15:55:12.089" v="1464" actId="14100"/>
-          <ac:spMkLst>
-            <pc:docMk/>
-            <pc:sldMk cId="1904084981" sldId="267"/>
-            <ac:spMk id="8" creationId="{1E53BFF1-DF09-FDDF-C40D-F0C260DDD32B}"/>
-          </ac:spMkLst>
-        </pc:spChg>
-      </pc:sldChg>
-      <pc:sldChg chg="addSp modSp add mod">
-        <pc:chgData name="Pooja Laveti" userId="a348b4b3ee6c70d5" providerId="LiveId" clId="{E137CBB1-5380-4A9B-9BEE-9C6B1151E3C5}" dt="2023-02-27T15:56:36.738" v="1490" actId="14100"/>
-        <pc:sldMkLst>
-          <pc:docMk/>
-          <pc:sldMk cId="2829910102" sldId="268"/>
-        </pc:sldMkLst>
-        <pc:spChg chg="add mod">
-          <ac:chgData name="Pooja Laveti" userId="a348b4b3ee6c70d5" providerId="LiveId" clId="{E137CBB1-5380-4A9B-9BEE-9C6B1151E3C5}" dt="2023-02-27T15:56:36.738" v="1490" actId="14100"/>
-          <ac:spMkLst>
-            <pc:docMk/>
-            <pc:sldMk cId="2829910102" sldId="268"/>
-            <ac:spMk id="2" creationId="{7F653EBA-6762-153F-9C91-0437ABCA139D}"/>
-          </ac:spMkLst>
-        </pc:spChg>
-      </pc:sldChg>
-      <pc:sldChg chg="add del">
-        <pc:chgData name="Pooja Laveti" userId="a348b4b3ee6c70d5" providerId="LiveId" clId="{E137CBB1-5380-4A9B-9BEE-9C6B1151E3C5}" dt="2023-02-27T15:57:38.993" v="1504" actId="47"/>
-        <pc:sldMkLst>
-          <pc:docMk/>
-          <pc:sldMk cId="3768843154" sldId="269"/>
-        </pc:sldMkLst>
-      </pc:sldChg>
-      <pc:sldChg chg="add del">
-        <pc:chgData name="Pooja Laveti" userId="a348b4b3ee6c70d5" providerId="LiveId" clId="{E137CBB1-5380-4A9B-9BEE-9C6B1151E3C5}" dt="2023-02-27T15:57:39.283" v="1505" actId="47"/>
-        <pc:sldMkLst>
-          <pc:docMk/>
-          <pc:sldMk cId="4002636986" sldId="270"/>
-        </pc:sldMkLst>
-      </pc:sldChg>
-      <pc:sldChg chg="add del">
-        <pc:chgData name="Pooja Laveti" userId="a348b4b3ee6c70d5" providerId="LiveId" clId="{E137CBB1-5380-4A9B-9BEE-9C6B1151E3C5}" dt="2023-02-27T15:57:40.213" v="1506" actId="47"/>
-        <pc:sldMkLst>
-          <pc:docMk/>
-          <pc:sldMk cId="44952480" sldId="271"/>
-        </pc:sldMkLst>
-      </pc:sldChg>
-      <pc:sldChg chg="modSp add mod ord">
-        <pc:chgData name="Pooja Laveti" userId="a348b4b3ee6c70d5" providerId="LiveId" clId="{E137CBB1-5380-4A9B-9BEE-9C6B1151E3C5}" dt="2023-02-27T15:50:48.522" v="1419"/>
-        <pc:sldMkLst>
-          <pc:docMk/>
-          <pc:sldMk cId="2536477889" sldId="272"/>
-        </pc:sldMkLst>
-        <pc:spChg chg="mod">
-          <ac:chgData name="Pooja Laveti" userId="a348b4b3ee6c70d5" providerId="LiveId" clId="{E137CBB1-5380-4A9B-9BEE-9C6B1151E3C5}" dt="2023-02-27T15:50:27.286" v="1416" actId="27636"/>
-          <ac:spMkLst>
-            <pc:docMk/>
-            <pc:sldMk cId="2536477889" sldId="272"/>
-            <ac:spMk id="2" creationId="{E39D1231-18A6-C444-429F-68832F0DDEBB}"/>
-          </ac:spMkLst>
-        </pc:spChg>
-        <pc:spChg chg="mod">
-          <ac:chgData name="Pooja Laveti" userId="a348b4b3ee6c70d5" providerId="LiveId" clId="{E137CBB1-5380-4A9B-9BEE-9C6B1151E3C5}" dt="2023-02-27T15:50:27.291" v="1417" actId="27636"/>
-          <ac:spMkLst>
-            <pc:docMk/>
-            <pc:sldMk cId="2536477889" sldId="272"/>
-            <ac:spMk id="3" creationId="{AC61533B-1259-6BAD-488E-2125266193CD}"/>
-          </ac:spMkLst>
-        </pc:spChg>
-      </pc:sldChg>
-      <pc:sldChg chg="modSp add mod">
-        <pc:chgData name="Pooja Laveti" userId="a348b4b3ee6c70d5" providerId="LiveId" clId="{E137CBB1-5380-4A9B-9BEE-9C6B1151E3C5}" dt="2023-02-27T15:52:47.297" v="1430" actId="20577"/>
-        <pc:sldMkLst>
-          <pc:docMk/>
-          <pc:sldMk cId="3975530770" sldId="273"/>
-        </pc:sldMkLst>
-        <pc:spChg chg="mod">
-          <ac:chgData name="Pooja Laveti" userId="a348b4b3ee6c70d5" providerId="LiveId" clId="{E137CBB1-5380-4A9B-9BEE-9C6B1151E3C5}" dt="2023-02-27T15:52:31.588" v="1429" actId="255"/>
-          <ac:spMkLst>
-            <pc:docMk/>
-            <pc:sldMk cId="3975530770" sldId="273"/>
-            <ac:spMk id="2" creationId="{054EFDD6-BC5B-975E-53EC-68728D968841}"/>
-          </ac:spMkLst>
-        </pc:spChg>
-        <pc:spChg chg="mod">
-          <ac:chgData name="Pooja Laveti" userId="a348b4b3ee6c70d5" providerId="LiveId" clId="{E137CBB1-5380-4A9B-9BEE-9C6B1151E3C5}" dt="2023-02-27T15:51:02.364" v="1423" actId="27636"/>
-          <ac:spMkLst>
-            <pc:docMk/>
-            <pc:sldMk cId="3975530770" sldId="273"/>
-            <ac:spMk id="3" creationId="{9A95337E-F2A0-5F13-E31C-E8A83390A0B6}"/>
-          </ac:spMkLst>
-        </pc:spChg>
-        <pc:spChg chg="mod">
-          <ac:chgData name="Pooja Laveti" userId="a348b4b3ee6c70d5" providerId="LiveId" clId="{E137CBB1-5380-4A9B-9BEE-9C6B1151E3C5}" dt="2023-02-27T15:52:47.297" v="1430" actId="20577"/>
-          <ac:spMkLst>
-            <pc:docMk/>
-            <pc:sldMk cId="3975530770" sldId="273"/>
-            <ac:spMk id="7" creationId="{A10010FC-848E-5A0D-8416-14FFE7B9E9BA}"/>
-          </ac:spMkLst>
-        </pc:spChg>
-      </pc:sldChg>
-      <pc:sldChg chg="modSp add mod">
-        <pc:chgData name="Pooja Laveti" userId="a348b4b3ee6c70d5" providerId="LiveId" clId="{E137CBB1-5380-4A9B-9BEE-9C6B1151E3C5}" dt="2023-02-27T15:53:44.302" v="1441" actId="20577"/>
-        <pc:sldMkLst>
-          <pc:docMk/>
-          <pc:sldMk cId="941931040" sldId="274"/>
-        </pc:sldMkLst>
-        <pc:spChg chg="mod">
-          <ac:chgData name="Pooja Laveti" userId="a348b4b3ee6c70d5" providerId="LiveId" clId="{E137CBB1-5380-4A9B-9BEE-9C6B1151E3C5}" dt="2023-02-27T15:53:30.825" v="1439" actId="255"/>
-          <ac:spMkLst>
-            <pc:docMk/>
-            <pc:sldMk cId="941931040" sldId="274"/>
-            <ac:spMk id="2" creationId="{F9584C52-0E39-D57E-72D8-30C8482C0709}"/>
-          </ac:spMkLst>
-        </pc:spChg>
-        <pc:spChg chg="mod">
-          <ac:chgData name="Pooja Laveti" userId="a348b4b3ee6c70d5" providerId="LiveId" clId="{E137CBB1-5380-4A9B-9BEE-9C6B1151E3C5}" dt="2023-02-27T15:53:44.302" v="1441" actId="20577"/>
-          <ac:spMkLst>
-            <pc:docMk/>
-            <pc:sldMk cId="941931040" sldId="274"/>
-            <ac:spMk id="3" creationId="{6E75CA7C-3067-536D-3D0D-0E688EFC3334}"/>
-          </ac:spMkLst>
-        </pc:spChg>
-      </pc:sldChg>
-      <pc:sldMasterChg chg="del delSldLayout">
-        <pc:chgData name="Pooja Laveti" userId="a348b4b3ee6c70d5" providerId="LiveId" clId="{E137CBB1-5380-4A9B-9BEE-9C6B1151E3C5}" dt="2023-02-27T15:57:49.333" v="1512" actId="47"/>
-        <pc:sldMasterMkLst>
-          <pc:docMk/>
-          <pc:sldMasterMk cId="3247706471" sldId="2147483648"/>
-        </pc:sldMasterMkLst>
-        <pc:sldLayoutChg chg="del">
-          <pc:chgData name="Pooja Laveti" userId="a348b4b3ee6c70d5" providerId="LiveId" clId="{E137CBB1-5380-4A9B-9BEE-9C6B1151E3C5}" dt="2023-02-27T15:57:49.333" v="1512" actId="47"/>
-          <pc:sldLayoutMkLst>
-            <pc:docMk/>
-            <pc:sldMasterMk cId="3247706471" sldId="2147483648"/>
-            <pc:sldLayoutMk cId="2745140432" sldId="2147483649"/>
-          </pc:sldLayoutMkLst>
-        </pc:sldLayoutChg>
-        <pc:sldLayoutChg chg="del">
-          <pc:chgData name="Pooja Laveti" userId="a348b4b3ee6c70d5" providerId="LiveId" clId="{E137CBB1-5380-4A9B-9BEE-9C6B1151E3C5}" dt="2023-02-27T15:57:49.333" v="1512" actId="47"/>
-          <pc:sldLayoutMkLst>
-            <pc:docMk/>
-            <pc:sldMasterMk cId="3247706471" sldId="2147483648"/>
-            <pc:sldLayoutMk cId="1260679513" sldId="2147483650"/>
-          </pc:sldLayoutMkLst>
-        </pc:sldLayoutChg>
-        <pc:sldLayoutChg chg="del">
-          <pc:chgData name="Pooja Laveti" userId="a348b4b3ee6c70d5" providerId="LiveId" clId="{E137CBB1-5380-4A9B-9BEE-9C6B1151E3C5}" dt="2023-02-27T15:57:49.333" v="1512" actId="47"/>
-          <pc:sldLayoutMkLst>
-            <pc:docMk/>
-            <pc:sldMasterMk cId="3247706471" sldId="2147483648"/>
-            <pc:sldLayoutMk cId="2340082017" sldId="2147483651"/>
-          </pc:sldLayoutMkLst>
-        </pc:sldLayoutChg>
-        <pc:sldLayoutChg chg="del">
-          <pc:chgData name="Pooja Laveti" userId="a348b4b3ee6c70d5" providerId="LiveId" clId="{E137CBB1-5380-4A9B-9BEE-9C6B1151E3C5}" dt="2023-02-27T15:57:49.333" v="1512" actId="47"/>
-          <pc:sldLayoutMkLst>
-            <pc:docMk/>
-            <pc:sldMasterMk cId="3247706471" sldId="2147483648"/>
-            <pc:sldLayoutMk cId="3609412586" sldId="2147483652"/>
-          </pc:sldLayoutMkLst>
-        </pc:sldLayoutChg>
-        <pc:sldLayoutChg chg="del">
-          <pc:chgData name="Pooja Laveti" userId="a348b4b3ee6c70d5" providerId="LiveId" clId="{E137CBB1-5380-4A9B-9BEE-9C6B1151E3C5}" dt="2023-02-27T15:57:49.333" v="1512" actId="47"/>
-          <pc:sldLayoutMkLst>
-            <pc:docMk/>
-            <pc:sldMasterMk cId="3247706471" sldId="2147483648"/>
-            <pc:sldLayoutMk cId="1878590743" sldId="2147483653"/>
-          </pc:sldLayoutMkLst>
-        </pc:sldLayoutChg>
-        <pc:sldLayoutChg chg="del">
-          <pc:chgData name="Pooja Laveti" userId="a348b4b3ee6c70d5" providerId="LiveId" clId="{E137CBB1-5380-4A9B-9BEE-9C6B1151E3C5}" dt="2023-02-27T15:57:49.333" v="1512" actId="47"/>
-          <pc:sldLayoutMkLst>
-            <pc:docMk/>
-            <pc:sldMasterMk cId="3247706471" sldId="2147483648"/>
-            <pc:sldLayoutMk cId="360685511" sldId="2147483654"/>
-          </pc:sldLayoutMkLst>
-        </pc:sldLayoutChg>
-        <pc:sldLayoutChg chg="del">
-          <pc:chgData name="Pooja Laveti" userId="a348b4b3ee6c70d5" providerId="LiveId" clId="{E137CBB1-5380-4A9B-9BEE-9C6B1151E3C5}" dt="2023-02-27T15:57:49.333" v="1512" actId="47"/>
-          <pc:sldLayoutMkLst>
-            <pc:docMk/>
-            <pc:sldMasterMk cId="3247706471" sldId="2147483648"/>
-            <pc:sldLayoutMk cId="2510812874" sldId="2147483655"/>
-          </pc:sldLayoutMkLst>
-        </pc:sldLayoutChg>
-        <pc:sldLayoutChg chg="del">
-          <pc:chgData name="Pooja Laveti" userId="a348b4b3ee6c70d5" providerId="LiveId" clId="{E137CBB1-5380-4A9B-9BEE-9C6B1151E3C5}" dt="2023-02-27T15:57:49.333" v="1512" actId="47"/>
-          <pc:sldLayoutMkLst>
-            <pc:docMk/>
-            <pc:sldMasterMk cId="3247706471" sldId="2147483648"/>
-            <pc:sldLayoutMk cId="3706964076" sldId="2147483656"/>
-          </pc:sldLayoutMkLst>
-        </pc:sldLayoutChg>
-        <pc:sldLayoutChg chg="del">
-          <pc:chgData name="Pooja Laveti" userId="a348b4b3ee6c70d5" providerId="LiveId" clId="{E137CBB1-5380-4A9B-9BEE-9C6B1151E3C5}" dt="2023-02-27T15:57:49.333" v="1512" actId="47"/>
-          <pc:sldLayoutMkLst>
-            <pc:docMk/>
-            <pc:sldMasterMk cId="3247706471" sldId="2147483648"/>
-            <pc:sldLayoutMk cId="4284327815" sldId="2147483657"/>
-          </pc:sldLayoutMkLst>
-        </pc:sldLayoutChg>
-        <pc:sldLayoutChg chg="del">
-          <pc:chgData name="Pooja Laveti" userId="a348b4b3ee6c70d5" providerId="LiveId" clId="{E137CBB1-5380-4A9B-9BEE-9C6B1151E3C5}" dt="2023-02-27T15:57:49.333" v="1512" actId="47"/>
-          <pc:sldLayoutMkLst>
-            <pc:docMk/>
-            <pc:sldMasterMk cId="3247706471" sldId="2147483648"/>
-            <pc:sldLayoutMk cId="4128861704" sldId="2147483658"/>
-          </pc:sldLayoutMkLst>
-        </pc:sldLayoutChg>
-        <pc:sldLayoutChg chg="del">
-          <pc:chgData name="Pooja Laveti" userId="a348b4b3ee6c70d5" providerId="LiveId" clId="{E137CBB1-5380-4A9B-9BEE-9C6B1151E3C5}" dt="2023-02-27T15:57:49.333" v="1512" actId="47"/>
-          <pc:sldLayoutMkLst>
-            <pc:docMk/>
-            <pc:sldMasterMk cId="3247706471" sldId="2147483648"/>
-            <pc:sldLayoutMk cId="1281877557" sldId="2147483659"/>
-          </pc:sldLayoutMkLst>
-        </pc:sldLayoutChg>
-      </pc:sldMasterChg>
-    </pc:docChg>
-  </pc:docChgLst>
-</pc:chgInfo>
-</file>
-
 <file path=ppt/slideLayouts/slideLayout1.xml><?xml version="1.0" encoding="utf-8"?>
 <p:sldLayout xmlns:a="http://schemas.openxmlformats.org/drawingml/2006/main" xmlns:r="http://schemas.openxmlformats.org/officeDocument/2006/relationships" xmlns:p="http://schemas.openxmlformats.org/presentationml/2006/main" type="title" preserve="1">
   <p:cSld name="Title Slide">
@@ -908,7 +298,7 @@
           <a:p>
             <a:fld id="{7463C41C-A487-0C45-A261-16903102544D}" type="datetimeFigureOut">
               <a:rPr lang="en-US" smtClean="0"/>
-              <a:t>2/27/2023</a:t>
+              <a:t>2/27/23</a:t>
             </a:fld>
             <a:endParaRPr lang="en-US"/>
           </a:p>
@@ -1056,7 +446,7 @@
           <a:p>
             <a:fld id="{7463C41C-A487-0C45-A261-16903102544D}" type="datetimeFigureOut">
               <a:rPr lang="en-US" smtClean="0"/>
-              <a:t>2/27/2023</a:t>
+              <a:t>2/27/23</a:t>
             </a:fld>
             <a:endParaRPr lang="en-US"/>
           </a:p>
@@ -1281,7 +671,7 @@
           <a:p>
             <a:fld id="{7463C41C-A487-0C45-A261-16903102544D}" type="datetimeFigureOut">
               <a:rPr lang="en-US" smtClean="0"/>
-              <a:t>2/27/2023</a:t>
+              <a:t>2/27/23</a:t>
             </a:fld>
             <a:endParaRPr lang="en-US"/>
           </a:p>
@@ -1546,7 +936,7 @@
           <a:p>
             <a:fld id="{7463C41C-A487-0C45-A261-16903102544D}" type="datetimeFigureOut">
               <a:rPr lang="en-US" smtClean="0"/>
-              <a:t>2/27/2023</a:t>
+              <a:t>2/27/23</a:t>
             </a:fld>
             <a:endParaRPr lang="en-US"/>
           </a:p>
@@ -1945,7 +1335,7 @@
           <a:p>
             <a:fld id="{7463C41C-A487-0C45-A261-16903102544D}" type="datetimeFigureOut">
               <a:rPr lang="en-US" smtClean="0"/>
-              <a:t>2/27/2023</a:t>
+              <a:t>2/27/23</a:t>
             </a:fld>
             <a:endParaRPr lang="en-US"/>
           </a:p>
@@ -2042,7 +1432,7 @@
           <a:p>
             <a:fld id="{7463C41C-A487-0C45-A261-16903102544D}" type="datetimeFigureOut">
               <a:rPr lang="en-US" smtClean="0"/>
-              <a:t>2/27/2023</a:t>
+              <a:t>2/27/23</a:t>
             </a:fld>
             <a:endParaRPr lang="en-US"/>
           </a:p>
@@ -2117,7 +1507,7 @@
           <a:p>
             <a:fld id="{7463C41C-A487-0C45-A261-16903102544D}" type="datetimeFigureOut">
               <a:rPr lang="en-US" smtClean="0"/>
-              <a:t>2/27/2023</a:t>
+              <a:t>2/27/23</a:t>
             </a:fld>
             <a:endParaRPr lang="en-US"/>
           </a:p>
@@ -2372,7 +1762,7 @@
           <a:p>
             <a:fld id="{7463C41C-A487-0C45-A261-16903102544D}" type="datetimeFigureOut">
               <a:rPr lang="en-US" smtClean="0"/>
-              <a:t>2/27/2023</a:t>
+              <a:t>2/27/23</a:t>
             </a:fld>
             <a:endParaRPr lang="en-US"/>
           </a:p>
@@ -2754,7 +2144,7 @@
           <a:p>
             <a:fld id="{7463C41C-A487-0C45-A261-16903102544D}" type="datetimeFigureOut">
               <a:rPr lang="en-US" smtClean="0"/>
-              <a:t>2/27/2023</a:t>
+              <a:t>2/27/23</a:t>
             </a:fld>
             <a:endParaRPr lang="en-US"/>
           </a:p>
@@ -3248,7 +2638,7 @@
               <a:defRPr/>
             </a:pPr>
             <a:r>
-              <a:rPr kumimoji="0" lang="en-US" sz="6000" b="0" i="0" u="none" strike="noStrike" kern="1200" cap="none" spc="0" normalizeH="0" baseline="0" noProof="0">
+              <a:rPr kumimoji="0" lang="en-US" sz="6000" b="0" i="0" u="none" strike="noStrike" kern="1200" cap="none" spc="0" normalizeH="0" baseline="0" noProof="0" dirty="0">
                 <a:ln>
                   <a:noFill/>
                 </a:ln>
@@ -3258,26 +2648,11 @@
                 <a:effectLst/>
                 <a:uLnTx/>
                 <a:uFillTx/>
-                <a:latin typeface="Calibri Light" panose="020F0302020204030204"/>
-                <a:ea typeface="+mj-ea"/>
-                <a:cs typeface="+mj-cs"/>
+                <a:latin typeface="Times New Roman" panose="02020603050405020304" pitchFamily="18" charset="0"/>
+                <a:cs typeface="Times New Roman" panose="02020603050405020304" pitchFamily="18" charset="0"/>
               </a:rPr>
               <a:t>YouTube Video Analysis</a:t>
             </a:r>
-            <a:endParaRPr kumimoji="0" lang="en-US" sz="6000" b="0" i="0" u="none" strike="noStrike" kern="1200" cap="none" spc="0" normalizeH="0" baseline="0" noProof="0" dirty="0">
-              <a:ln>
-                <a:noFill/>
-              </a:ln>
-              <a:solidFill>
-                <a:sysClr val="windowText" lastClr="000000"/>
-              </a:solidFill>
-              <a:effectLst/>
-              <a:uLnTx/>
-              <a:uFillTx/>
-              <a:latin typeface="Calibri Light" panose="020F0302020204030204"/>
-              <a:ea typeface="+mj-ea"/>
-              <a:cs typeface="+mj-cs"/>
-            </a:endParaRPr>
           </a:p>
         </p:txBody>
       </p:sp>
@@ -3491,7 +2866,7 @@
               <a:defRPr/>
             </a:pPr>
             <a:r>
-              <a:rPr kumimoji="0" lang="en-US" sz="2400" b="1" i="0" u="none" strike="noStrike" kern="1200" cap="none" spc="0" normalizeH="0" baseline="0" noProof="0">
+              <a:rPr kumimoji="0" lang="en-US" sz="2400" b="1" i="0" u="none" strike="noStrike" kern="1200" cap="none" spc="0" normalizeH="0" baseline="0" noProof="0" dirty="0">
                 <a:ln>
                   <a:noFill/>
                 </a:ln>
@@ -3501,14 +2876,13 @@
                 <a:effectLst/>
                 <a:uLnTx/>
                 <a:uFillTx/>
-                <a:latin typeface="Calibri" panose="020F0502020204030204"/>
-                <a:ea typeface="+mn-ea"/>
-                <a:cs typeface="+mn-cs"/>
+                <a:latin typeface="Times New Roman" panose="02020603050405020304" pitchFamily="18" charset="0"/>
+                <a:cs typeface="Times New Roman" panose="02020603050405020304" pitchFamily="18" charset="0"/>
               </a:rPr>
               <a:t>Team members</a:t>
             </a:r>
             <a:r>
-              <a:rPr kumimoji="0" lang="en-US" sz="2400" b="0" i="0" u="none" strike="noStrike" kern="1200" cap="none" spc="0" normalizeH="0" baseline="0" noProof="0">
+              <a:rPr kumimoji="0" lang="en-US" sz="2400" b="0" i="0" u="none" strike="noStrike" kern="1200" cap="none" spc="0" normalizeH="0" baseline="0" noProof="0" dirty="0">
                 <a:ln>
                   <a:noFill/>
                 </a:ln>
@@ -3518,9 +2892,8 @@
                 <a:effectLst/>
                 <a:uLnTx/>
                 <a:uFillTx/>
-                <a:latin typeface="Calibri" panose="020F0502020204030204"/>
-                <a:ea typeface="+mn-ea"/>
-                <a:cs typeface="+mn-cs"/>
+                <a:latin typeface="Times New Roman" panose="02020603050405020304" pitchFamily="18" charset="0"/>
+                <a:cs typeface="Times New Roman" panose="02020603050405020304" pitchFamily="18" charset="0"/>
               </a:rPr>
               <a:t>:</a:t>
             </a:r>
@@ -3544,7 +2917,7 @@
               <a:defRPr/>
             </a:pPr>
             <a:r>
-              <a:rPr kumimoji="0" lang="en-US" sz="2400" b="0" i="0" u="none" strike="noStrike" kern="1200" cap="none" spc="0" normalizeH="0" baseline="0" noProof="0">
+              <a:rPr kumimoji="0" lang="en-US" sz="2400" b="0" i="0" u="none" strike="noStrike" kern="1200" cap="none" spc="0" normalizeH="0" baseline="0" noProof="0" dirty="0">
                 <a:ln>
                   <a:noFill/>
                 </a:ln>
@@ -3554,12 +2927,40 @@
                 <a:effectLst/>
                 <a:uLnTx/>
                 <a:uFillTx/>
-                <a:latin typeface="Calibri" panose="020F0502020204030204"/>
-                <a:ea typeface="+mn-ea"/>
-                <a:cs typeface="+mn-cs"/>
-              </a:rPr>
-              <a:t>Pooja Laveti</a:t>
-            </a:r>
+                <a:latin typeface="Times New Roman" panose="02020603050405020304" pitchFamily="18" charset="0"/>
+                <a:cs typeface="Times New Roman" panose="02020603050405020304" pitchFamily="18" charset="0"/>
+              </a:rPr>
+              <a:t>Pooja </a:t>
+            </a:r>
+            <a:r>
+              <a:rPr kumimoji="0" lang="en-US" sz="2400" b="0" i="0" u="none" strike="noStrike" kern="1200" cap="none" spc="0" normalizeH="0" baseline="0" noProof="0" dirty="0" err="1">
+                <a:ln>
+                  <a:noFill/>
+                </a:ln>
+                <a:solidFill>
+                  <a:sysClr val="windowText" lastClr="000000"/>
+                </a:solidFill>
+                <a:effectLst/>
+                <a:uLnTx/>
+                <a:uFillTx/>
+                <a:latin typeface="Times New Roman" panose="02020603050405020304" pitchFamily="18" charset="0"/>
+                <a:cs typeface="Times New Roman" panose="02020603050405020304" pitchFamily="18" charset="0"/>
+              </a:rPr>
+              <a:t>Laveti</a:t>
+            </a:r>
+            <a:endParaRPr kumimoji="0" lang="en-US" sz="2400" b="0" i="0" u="none" strike="noStrike" kern="1200" cap="none" spc="0" normalizeH="0" baseline="0" noProof="0" dirty="0">
+              <a:ln>
+                <a:noFill/>
+              </a:ln>
+              <a:solidFill>
+                <a:sysClr val="windowText" lastClr="000000"/>
+              </a:solidFill>
+              <a:effectLst/>
+              <a:uLnTx/>
+              <a:uFillTx/>
+              <a:latin typeface="Times New Roman" panose="02020603050405020304" pitchFamily="18" charset="0"/>
+              <a:cs typeface="Times New Roman" panose="02020603050405020304" pitchFamily="18" charset="0"/>
+            </a:endParaRPr>
           </a:p>
           <a:p>
             <a:pPr marL="0" marR="0" lvl="0" indent="0" algn="r" defTabSz="914400" rtl="0" eaLnBrk="1" fontAlgn="auto" latinLnBrk="0" hangingPunct="1">
@@ -3580,7 +2981,7 @@
               <a:defRPr/>
             </a:pPr>
             <a:r>
-              <a:rPr kumimoji="0" lang="en-US" sz="2400" b="0" i="0" u="none" strike="noStrike" kern="1200" cap="none" spc="0" normalizeH="0" baseline="0" noProof="0">
+              <a:rPr kumimoji="0" lang="en-US" sz="2400" b="0" i="0" u="none" strike="noStrike" kern="1200" cap="none" spc="0" normalizeH="0" baseline="0" noProof="0" dirty="0">
                 <a:ln>
                   <a:noFill/>
                 </a:ln>
@@ -3590,11 +2991,42 @@
                 <a:effectLst/>
                 <a:uLnTx/>
                 <a:uFillTx/>
-                <a:latin typeface="Calibri" panose="020F0502020204030204"/>
-                <a:ea typeface="+mn-ea"/>
-                <a:cs typeface="+mn-cs"/>
-              </a:rPr>
-              <a:t>Vamshi Krishna Timberiveni </a:t>
+                <a:latin typeface="Times New Roman" panose="02020603050405020304" pitchFamily="18" charset="0"/>
+                <a:cs typeface="Times New Roman" panose="02020603050405020304" pitchFamily="18" charset="0"/>
+              </a:rPr>
+              <a:t>Vamshi Krishna </a:t>
+            </a:r>
+            <a:r>
+              <a:rPr kumimoji="0" lang="en-US" sz="2400" b="0" i="0" u="none" strike="noStrike" kern="1200" cap="none" spc="0" normalizeH="0" baseline="0" noProof="0" dirty="0" err="1">
+                <a:ln>
+                  <a:noFill/>
+                </a:ln>
+                <a:solidFill>
+                  <a:sysClr val="windowText" lastClr="000000"/>
+                </a:solidFill>
+                <a:effectLst/>
+                <a:uLnTx/>
+                <a:uFillTx/>
+                <a:latin typeface="Times New Roman" panose="02020603050405020304" pitchFamily="18" charset="0"/>
+                <a:cs typeface="Times New Roman" panose="02020603050405020304" pitchFamily="18" charset="0"/>
+              </a:rPr>
+              <a:t>Timberiveni</a:t>
+            </a:r>
+            <a:r>
+              <a:rPr kumimoji="0" lang="en-US" sz="2400" b="0" i="0" u="none" strike="noStrike" kern="1200" cap="none" spc="0" normalizeH="0" baseline="0" noProof="0" dirty="0">
+                <a:ln>
+                  <a:noFill/>
+                </a:ln>
+                <a:solidFill>
+                  <a:sysClr val="windowText" lastClr="000000"/>
+                </a:solidFill>
+                <a:effectLst/>
+                <a:uLnTx/>
+                <a:uFillTx/>
+                <a:latin typeface="Times New Roman" panose="02020603050405020304" pitchFamily="18" charset="0"/>
+                <a:cs typeface="Times New Roman" panose="02020603050405020304" pitchFamily="18" charset="0"/>
+              </a:rPr>
+              <a:t> </a:t>
             </a:r>
           </a:p>
           <a:p>
@@ -3616,7 +3048,7 @@
               <a:defRPr/>
             </a:pPr>
             <a:r>
-              <a:rPr kumimoji="0" lang="en-US" sz="2400" b="0" i="0" u="none" strike="noStrike" kern="1200" cap="none" spc="0" normalizeH="0" baseline="0" noProof="0">
+              <a:rPr kumimoji="0" lang="en-US" sz="2400" b="0" i="0" u="none" strike="noStrike" kern="1200" cap="none" spc="0" normalizeH="0" baseline="0" noProof="0" dirty="0">
                 <a:ln>
                   <a:noFill/>
                 </a:ln>
@@ -3626,11 +3058,58 @@
                 <a:effectLst/>
                 <a:uLnTx/>
                 <a:uFillTx/>
-                <a:latin typeface="Calibri" panose="020F0502020204030204"/>
-                <a:ea typeface="+mn-ea"/>
-                <a:cs typeface="+mn-cs"/>
-              </a:rPr>
-              <a:t>Jael Kruthi Battana</a:t>
+                <a:latin typeface="Times New Roman" panose="02020603050405020304" pitchFamily="18" charset="0"/>
+                <a:cs typeface="Times New Roman" panose="02020603050405020304" pitchFamily="18" charset="0"/>
+              </a:rPr>
+              <a:t>Jael </a:t>
+            </a:r>
+            <a:r>
+              <a:rPr kumimoji="0" lang="en-US" sz="2400" b="0" i="0" u="none" strike="noStrike" kern="1200" cap="none" spc="0" normalizeH="0" baseline="0" noProof="0" dirty="0" err="1">
+                <a:ln>
+                  <a:noFill/>
+                </a:ln>
+                <a:solidFill>
+                  <a:sysClr val="windowText" lastClr="000000"/>
+                </a:solidFill>
+                <a:effectLst/>
+                <a:uLnTx/>
+                <a:uFillTx/>
+                <a:latin typeface="Times New Roman" panose="02020603050405020304" pitchFamily="18" charset="0"/>
+                <a:cs typeface="Times New Roman" panose="02020603050405020304" pitchFamily="18" charset="0"/>
+              </a:rPr>
+              <a:t>Kruthi</a:t>
+            </a:r>
+            <a:r>
+              <a:rPr kumimoji="0" lang="en-US" sz="2400" b="0" i="0" u="none" strike="noStrike" kern="1200" cap="none" spc="0" normalizeH="0" baseline="0" noProof="0" dirty="0">
+                <a:ln>
+                  <a:noFill/>
+                </a:ln>
+                <a:solidFill>
+                  <a:sysClr val="windowText" lastClr="000000"/>
+                </a:solidFill>
+                <a:effectLst/>
+                <a:uLnTx/>
+                <a:uFillTx/>
+                <a:latin typeface="Times New Roman" panose="02020603050405020304" pitchFamily="18" charset="0"/>
+                <a:cs typeface="Times New Roman" panose="02020603050405020304" pitchFamily="18" charset="0"/>
+              </a:rPr>
+              <a:t> </a:t>
+            </a:r>
+            <a:r>
+              <a:rPr kumimoji="0" lang="en-US" sz="2400" b="0" i="0" u="none" strike="noStrike" kern="1200" cap="none" spc="0" normalizeH="0" baseline="0" noProof="0" dirty="0" err="1">
+                <a:ln>
+                  <a:noFill/>
+                </a:ln>
+                <a:solidFill>
+                  <a:sysClr val="windowText" lastClr="000000"/>
+                </a:solidFill>
+                <a:effectLst/>
+                <a:uLnTx/>
+                <a:uFillTx/>
+                <a:latin typeface="Times New Roman" panose="02020603050405020304" pitchFamily="18" charset="0"/>
+                <a:cs typeface="Times New Roman" panose="02020603050405020304" pitchFamily="18" charset="0"/>
+              </a:rPr>
+              <a:t>Battana</a:t>
             </a:r>
             <a:endParaRPr kumimoji="0" lang="en-US" sz="2400" b="0" i="0" u="none" strike="noStrike" kern="1200" cap="none" spc="0" normalizeH="0" baseline="0" noProof="0" dirty="0">
               <a:ln>
@@ -3642,9 +3121,8 @@
               <a:effectLst/>
               <a:uLnTx/>
               <a:uFillTx/>
-              <a:latin typeface="Calibri" panose="020F0502020204030204"/>
-              <a:ea typeface="+mn-ea"/>
-              <a:cs typeface="+mn-cs"/>
+              <a:latin typeface="Times New Roman" panose="02020603050405020304" pitchFamily="18" charset="0"/>
+              <a:cs typeface="Times New Roman" panose="02020603050405020304" pitchFamily="18" charset="0"/>
             </a:endParaRPr>
           </a:p>
         </p:txBody>
@@ -3744,7 +3222,7 @@
               <a:defRPr/>
             </a:pPr>
             <a:r>
-              <a:rPr kumimoji="0" lang="en-US" sz="4400" b="0" i="0" u="none" strike="noStrike" kern="1200" cap="none" spc="0" normalizeH="0" baseline="0" noProof="0" dirty="0">
+              <a:rPr kumimoji="0" lang="en-US" sz="4000" b="0" i="0" u="none" strike="noStrike" kern="1200" cap="none" spc="0" normalizeH="0" baseline="0" noProof="0" dirty="0">
                 <a:ln>
                   <a:noFill/>
                 </a:ln>
@@ -3754,11 +3232,10 @@
                 <a:effectLst/>
                 <a:uLnTx/>
                 <a:uFillTx/>
-                <a:latin typeface="Calibri Light" panose="020F0302020204030204"/>
-                <a:ea typeface="+mj-ea"/>
-                <a:cs typeface="+mj-cs"/>
-              </a:rPr>
-              <a:t>INTRODUCTION</a:t>
+                <a:latin typeface="Times New Roman" panose="02020603050405020304" pitchFamily="18" charset="0"/>
+                <a:cs typeface="Times New Roman" panose="02020603050405020304" pitchFamily="18" charset="0"/>
+              </a:rPr>
+              <a:t>Introduction</a:t>
             </a:r>
           </a:p>
         </p:txBody>
@@ -3955,7 +3432,7 @@
             </a:lvl9pPr>
           </a:lstStyle>
           <a:p>
-            <a:pPr marL="228600" marR="0" lvl="0" indent="-228600" algn="l" defTabSz="914400" rtl="0" eaLnBrk="1" fontAlgn="auto" latinLnBrk="0" hangingPunct="1">
+            <a:pPr marL="228600" marR="0" lvl="0" indent="-228600" algn="just" defTabSz="914400" rtl="0" eaLnBrk="1" fontAlgn="auto" latinLnBrk="0" hangingPunct="1">
               <a:lnSpc>
                 <a:spcPct val="90000"/>
               </a:lnSpc>
@@ -3973,7 +3450,7 @@
               <a:defRPr/>
             </a:pPr>
             <a:r>
-              <a:rPr kumimoji="0" lang="en-US" sz="2800" b="0" i="0" u="none" strike="noStrike" kern="1200" cap="none" spc="0" normalizeH="0" baseline="0" noProof="0" dirty="0">
+              <a:rPr kumimoji="0" lang="en-US" sz="2400" b="0" i="0" u="none" strike="noStrike" kern="1200" cap="none" spc="0" normalizeH="0" baseline="0" noProof="0" dirty="0">
                 <a:ln>
                   <a:noFill/>
                 </a:ln>
@@ -3983,15 +3460,14 @@
                 <a:effectLst/>
                 <a:uLnTx/>
                 <a:uFillTx/>
-                <a:latin typeface="Calibri" panose="020F0502020204030204"/>
-                <a:ea typeface="+mn-ea"/>
-                <a:cs typeface="+mn-cs"/>
+                <a:latin typeface="Times New Roman" panose="02020603050405020304" pitchFamily="18" charset="0"/>
+                <a:cs typeface="Times New Roman" panose="02020603050405020304" pitchFamily="18" charset="0"/>
               </a:rPr>
               <a:t>YouTube is an online platform where users can watch, share, like, comment on, and subscribe to videos created by content creators. The number of views, likes, and the age of the video are used to determine which videos are included in YouTube's trending video category.</a:t>
             </a:r>
           </a:p>
           <a:p>
-            <a:pPr marL="228600" marR="0" lvl="0" indent="-228600" algn="l" defTabSz="914400" rtl="0" eaLnBrk="1" fontAlgn="auto" latinLnBrk="0" hangingPunct="1">
+            <a:pPr marL="228600" marR="0" lvl="0" indent="-228600" algn="just" defTabSz="914400" rtl="0" eaLnBrk="1" fontAlgn="auto" latinLnBrk="0" hangingPunct="1">
               <a:lnSpc>
                 <a:spcPct val="90000"/>
               </a:lnSpc>
@@ -4009,7 +3485,7 @@
               <a:defRPr/>
             </a:pPr>
             <a:r>
-              <a:rPr kumimoji="0" lang="en-US" sz="2800" b="0" i="0" u="none" strike="noStrike" kern="1200" cap="none" spc="0" normalizeH="0" baseline="0" noProof="0" dirty="0">
+              <a:rPr kumimoji="0" lang="en-US" sz="2400" b="0" i="0" u="none" strike="noStrike" kern="1200" cap="none" spc="0" normalizeH="0" baseline="0" noProof="0" dirty="0">
                 <a:ln>
                   <a:noFill/>
                 </a:ln>
@@ -4019,15 +3495,14 @@
                 <a:effectLst/>
                 <a:uLnTx/>
                 <a:uFillTx/>
-                <a:latin typeface="Source Serif Pro" panose="02040603050405020204" pitchFamily="18" charset="0"/>
-                <a:ea typeface="+mn-ea"/>
-                <a:cs typeface="+mn-cs"/>
+                <a:latin typeface="Times New Roman" panose="02020603050405020304" pitchFamily="18" charset="0"/>
+                <a:cs typeface="Times New Roman" panose="02020603050405020304" pitchFamily="18" charset="0"/>
               </a:rPr>
               <a:t>The main challenge for content creators, in this case, is analyzing the factors that influence popular YouTube videos.</a:t>
             </a:r>
           </a:p>
           <a:p>
-            <a:pPr marL="228600" marR="0" lvl="0" indent="-228600" algn="l" defTabSz="914400" rtl="0" eaLnBrk="1" fontAlgn="auto" latinLnBrk="0" hangingPunct="1">
+            <a:pPr marL="228600" marR="0" lvl="0" indent="-228600" algn="just" defTabSz="914400" rtl="0" eaLnBrk="1" fontAlgn="auto" latinLnBrk="0" hangingPunct="1">
               <a:lnSpc>
                 <a:spcPct val="90000"/>
               </a:lnSpc>
@@ -4045,7 +3520,7 @@
               <a:defRPr/>
             </a:pPr>
             <a:r>
-              <a:rPr kumimoji="0" lang="en-US" sz="2800" b="0" i="0" u="none" strike="noStrike" kern="1200" cap="none" spc="0" normalizeH="0" baseline="0" noProof="0" dirty="0">
+              <a:rPr kumimoji="0" lang="en-US" sz="2400" b="0" i="0" u="none" strike="noStrike" kern="1200" cap="none" spc="0" normalizeH="0" baseline="0" noProof="0" dirty="0">
                 <a:ln>
                   <a:noFill/>
                 </a:ln>
@@ -4055,13 +3530,38 @@
                 <a:effectLst/>
                 <a:uLnTx/>
                 <a:uFillTx/>
-                <a:latin typeface="Source Serif Pro" panose="02040603050405020204" pitchFamily="18" charset="0"/>
-                <a:ea typeface="+mn-ea"/>
-                <a:cs typeface="+mn-cs"/>
-              </a:rPr>
-              <a:t>So the project is chosen to assist content creators in maximizing their video creativity by following the necessary recommendations.</a:t>
-            </a:r>
-            <a:endParaRPr kumimoji="0" lang="en-US" sz="2800" b="0" i="0" u="none" strike="noStrike" kern="1200" cap="none" spc="0" normalizeH="0" baseline="0" noProof="0" dirty="0">
+                <a:latin typeface="Times New Roman" panose="02020603050405020304" pitchFamily="18" charset="0"/>
+                <a:cs typeface="Times New Roman" panose="02020603050405020304" pitchFamily="18" charset="0"/>
+              </a:rPr>
+              <a:t>So</a:t>
+            </a:r>
+            <a:r>
+              <a:rPr lang="en-US" sz="2400" dirty="0">
+                <a:solidFill>
+                  <a:srgbClr val="07061D"/>
+                </a:solidFill>
+                <a:latin typeface="Times New Roman" panose="02020603050405020304" pitchFamily="18" charset="0"/>
+                <a:cs typeface="Times New Roman" panose="02020603050405020304" pitchFamily="18" charset="0"/>
+              </a:rPr>
+              <a:t>, </a:t>
+            </a:r>
+            <a:r>
+              <a:rPr kumimoji="0" lang="en-US" sz="2400" b="0" i="0" u="none" strike="noStrike" kern="1200" cap="none" spc="0" normalizeH="0" baseline="0" noProof="0" dirty="0">
+                <a:ln>
+                  <a:noFill/>
+                </a:ln>
+                <a:solidFill>
+                  <a:srgbClr val="07061D"/>
+                </a:solidFill>
+                <a:effectLst/>
+                <a:uLnTx/>
+                <a:uFillTx/>
+                <a:latin typeface="Times New Roman" panose="02020603050405020304" pitchFamily="18" charset="0"/>
+                <a:cs typeface="Times New Roman" panose="02020603050405020304" pitchFamily="18" charset="0"/>
+              </a:rPr>
+              <a:t>the project is chosen to assist content creators in maximizing their video creativity by following the necessary recommendations.</a:t>
+            </a:r>
+            <a:endParaRPr kumimoji="0" lang="en-US" sz="2400" b="0" i="0" u="none" strike="noStrike" kern="1200" cap="none" spc="0" normalizeH="0" baseline="0" noProof="0" dirty="0">
               <a:ln>
                 <a:noFill/>
               </a:ln>
@@ -4071,9 +3571,8 @@
               <a:effectLst/>
               <a:uLnTx/>
               <a:uFillTx/>
-              <a:latin typeface="Calibri" panose="020F0502020204030204"/>
-              <a:ea typeface="+mn-ea"/>
-              <a:cs typeface="+mn-cs"/>
+              <a:latin typeface="Times New Roman" panose="02020603050405020304" pitchFamily="18" charset="0"/>
+              <a:cs typeface="Times New Roman" panose="02020603050405020304" pitchFamily="18" charset="0"/>
             </a:endParaRPr>
           </a:p>
         </p:txBody>
@@ -4127,12 +3626,16 @@
         <p:spPr/>
         <p:txBody>
           <a:bodyPr>
-            <a:normAutofit fontScale="90000"/>
+            <a:normAutofit/>
           </a:bodyPr>
           <a:lstStyle/>
           <a:p>
-            <a:r>
-              <a:rPr lang="en-US" dirty="0"/>
+            <a:pPr algn="l"/>
+            <a:r>
+              <a:rPr lang="en-US" sz="4000" dirty="0">
+                <a:latin typeface="Times New Roman" panose="02020603050405020304" pitchFamily="18" charset="0"/>
+                <a:cs typeface="Times New Roman" panose="02020603050405020304" pitchFamily="18" charset="0"/>
+              </a:rPr>
               <a:t>Research Questions</a:t>
             </a:r>
           </a:p>
@@ -4157,56 +3660,67 @@
         <p:spPr/>
         <p:txBody>
           <a:bodyPr>
-            <a:normAutofit fontScale="92500" lnSpcReduction="20000"/>
+            <a:normAutofit/>
           </a:bodyPr>
           <a:lstStyle/>
           <a:p>
-            <a:r>
-              <a:rPr lang="en-US" b="0" i="0" dirty="0">
+            <a:pPr algn="just"/>
+            <a:r>
+              <a:rPr lang="en-US" sz="2400" b="0" i="0" dirty="0">
                 <a:solidFill>
                   <a:srgbClr val="07061D"/>
                 </a:solidFill>
                 <a:effectLst/>
-                <a:latin typeface="Source Serif Pro" panose="02040603050405020204" pitchFamily="18" charset="0"/>
+                <a:latin typeface="Times New Roman" panose="02020603050405020304" pitchFamily="18" charset="0"/>
+                <a:cs typeface="Times New Roman" panose="02020603050405020304" pitchFamily="18" charset="0"/>
               </a:rPr>
               <a:t>What makes a video trend for a longer time?</a:t>
             </a:r>
           </a:p>
           <a:p>
-            <a:r>
-              <a:rPr lang="en-US" dirty="0">
+            <a:pPr algn="just"/>
+            <a:r>
+              <a:rPr lang="en-US" sz="2400" dirty="0">
                 <a:solidFill>
                   <a:srgbClr val="07061D"/>
                 </a:solidFill>
-                <a:latin typeface="Source Serif Pro" panose="02040603050405020204" pitchFamily="18" charset="0"/>
+                <a:latin typeface="Times New Roman" panose="02020603050405020304" pitchFamily="18" charset="0"/>
+                <a:cs typeface="Times New Roman" panose="02020603050405020304" pitchFamily="18" charset="0"/>
               </a:rPr>
               <a:t>What is the average time it takes for a video to trend across different categories?</a:t>
             </a:r>
           </a:p>
           <a:p>
-            <a:r>
-              <a:rPr lang="en-US" dirty="0">
+            <a:pPr algn="just"/>
+            <a:r>
+              <a:rPr lang="en-US" sz="2400" dirty="0">
                 <a:solidFill>
                   <a:srgbClr val="07061D"/>
                 </a:solidFill>
-                <a:latin typeface="Source Serif Pro" panose="02040603050405020204" pitchFamily="18" charset="0"/>
+                <a:latin typeface="Times New Roman" panose="02020603050405020304" pitchFamily="18" charset="0"/>
+                <a:cs typeface="Times New Roman" panose="02020603050405020304" pitchFamily="18" charset="0"/>
               </a:rPr>
               <a:t>What are the most used</a:t>
             </a:r>
             <a:r>
-              <a:rPr lang="en-US" b="0" i="0" dirty="0">
+              <a:rPr lang="en-US" sz="2400" b="0" i="0" dirty="0">
                 <a:solidFill>
                   <a:srgbClr val="07061D"/>
                 </a:solidFill>
                 <a:effectLst/>
-                <a:latin typeface="Source Serif Pro" panose="02040603050405020204" pitchFamily="18" charset="0"/>
+                <a:latin typeface="Times New Roman" panose="02020603050405020304" pitchFamily="18" charset="0"/>
+                <a:cs typeface="Times New Roman" panose="02020603050405020304" pitchFamily="18" charset="0"/>
               </a:rPr>
               <a:t> tags, optimal title length, and optimal day to post for the videos that trend?</a:t>
             </a:r>
           </a:p>
           <a:p>
-            <a:r>
-              <a:rPr lang="en-US" dirty="0"/>
+            <a:pPr algn="just"/>
+            <a:r>
+              <a:rPr lang="en-US" sz="2400" dirty="0">
+                <a:latin typeface="Times New Roman" panose="02020603050405020304" pitchFamily="18" charset="0"/>
+                <a:cs typeface="Times New Roman" panose="02020603050405020304" pitchFamily="18" charset="0"/>
+              </a:rPr>
               <a:t>Is toxicity on YouTube dominating positivity?</a:t>
             </a:r>
           </a:p>
@@ -4260,7 +3774,7 @@
         </p:nvSpPr>
         <p:spPr>
           <a:xfrm>
-            <a:off x="838200" y="1789043"/>
+            <a:off x="838200" y="1640453"/>
             <a:ext cx="10452652" cy="734237"/>
           </a:xfrm>
         </p:spPr>
@@ -4272,21 +3786,32 @@
           <a:p>
             <a:pPr algn="l"/>
             <a:r>
-              <a:rPr lang="en-US" sz="4400" dirty="0"/>
+              <a:rPr lang="en-US" sz="2700" b="1" dirty="0">
+                <a:latin typeface="Times New Roman" panose="02020603050405020304" pitchFamily="18" charset="0"/>
+                <a:cs typeface="Times New Roman" panose="02020603050405020304" pitchFamily="18" charset="0"/>
+              </a:rPr>
               <a:t>Research Paper – 1</a:t>
             </a:r>
             <a:br>
-              <a:rPr lang="en-US" dirty="0"/>
+              <a:rPr lang="en-US" sz="2700" b="1" dirty="0">
+                <a:latin typeface="Times New Roman" panose="02020603050405020304" pitchFamily="18" charset="0"/>
+                <a:cs typeface="Times New Roman" panose="02020603050405020304" pitchFamily="18" charset="0"/>
+              </a:rPr>
             </a:br>
             <a:r>
-              <a:rPr lang="en-US" sz="3100" i="1" dirty="0" err="1"/>
+              <a:rPr lang="en-US" sz="2700" i="1" dirty="0" err="1">
+                <a:latin typeface="Times New Roman" panose="02020603050405020304" pitchFamily="18" charset="0"/>
+                <a:cs typeface="Times New Roman" panose="02020603050405020304" pitchFamily="18" charset="0"/>
+              </a:rPr>
               <a:t>Youtube</a:t>
             </a:r>
             <a:r>
-              <a:rPr lang="en-US" sz="3100" i="1" dirty="0"/>
+              <a:rPr lang="en-US" sz="2700" i="1" dirty="0">
+                <a:latin typeface="Times New Roman" panose="02020603050405020304" pitchFamily="18" charset="0"/>
+                <a:cs typeface="Times New Roman" panose="02020603050405020304" pitchFamily="18" charset="0"/>
+              </a:rPr>
               <a:t> Trending Video analysis by Dublin School</a:t>
             </a:r>
-            <a:endParaRPr lang="en-US" i="1" dirty="0"/>
           </a:p>
         </p:txBody>
       </p:sp>
@@ -4308,77 +3833,98 @@
         </p:nvSpPr>
         <p:spPr>
           <a:xfrm>
-            <a:off x="838200" y="2766349"/>
+            <a:off x="838200" y="2663479"/>
             <a:ext cx="10515600" cy="3410614"/>
           </a:xfrm>
         </p:spPr>
         <p:txBody>
           <a:bodyPr>
-            <a:normAutofit fontScale="62500" lnSpcReduction="20000"/>
+            <a:normAutofit/>
           </a:bodyPr>
           <a:lstStyle/>
           <a:p>
-            <a:pPr marL="0" indent="0">
+            <a:pPr marL="0" indent="0" algn="just">
               <a:buNone/>
             </a:pPr>
             <a:r>
-              <a:rPr lang="en-US" dirty="0"/>
+              <a:rPr lang="en-US" sz="2400" dirty="0">
+                <a:latin typeface="Times New Roman" panose="02020603050405020304" pitchFamily="18" charset="0"/>
+                <a:cs typeface="Times New Roman" panose="02020603050405020304" pitchFamily="18" charset="0"/>
+              </a:rPr>
               <a:t>What is the state of the research paper?</a:t>
             </a:r>
           </a:p>
           <a:p>
-            <a:pPr>
+            <a:pPr algn="just">
               <a:buFontTx/>
               <a:buChar char="-"/>
             </a:pPr>
             <a:r>
-              <a:rPr lang="en-US" dirty="0"/>
+              <a:rPr lang="en-US" sz="2400" dirty="0">
+                <a:latin typeface="Times New Roman" panose="02020603050405020304" pitchFamily="18" charset="0"/>
+                <a:cs typeface="Times New Roman" panose="02020603050405020304" pitchFamily="18" charset="0"/>
+              </a:rPr>
               <a:t>Predicting the number of days the video will take to get on the trending list</a:t>
             </a:r>
           </a:p>
           <a:p>
-            <a:pPr>
+            <a:pPr algn="just">
               <a:buFontTx/>
               <a:buChar char="-"/>
             </a:pPr>
             <a:r>
-              <a:rPr lang="en-US" dirty="0"/>
+              <a:rPr lang="en-US" sz="2400" dirty="0">
+                <a:latin typeface="Times New Roman" panose="02020603050405020304" pitchFamily="18" charset="0"/>
+                <a:cs typeface="Times New Roman" panose="02020603050405020304" pitchFamily="18" charset="0"/>
+              </a:rPr>
               <a:t>Predicting the number of days the video will trend on the trending list</a:t>
             </a:r>
           </a:p>
           <a:p>
-            <a:pPr>
+            <a:pPr algn="just">
               <a:buFontTx/>
               <a:buChar char="-"/>
             </a:pPr>
-            <a:endParaRPr lang="en-US" dirty="0"/>
-          </a:p>
-          <a:p>
-            <a:pPr marL="0" indent="0">
+            <a:endParaRPr lang="en-US" sz="2400" dirty="0">
+              <a:latin typeface="Times New Roman" panose="02020603050405020304" pitchFamily="18" charset="0"/>
+              <a:cs typeface="Times New Roman" panose="02020603050405020304" pitchFamily="18" charset="0"/>
+            </a:endParaRPr>
+          </a:p>
+          <a:p>
+            <a:pPr marL="0" indent="0" algn="just">
               <a:buNone/>
             </a:pPr>
             <a:r>
-              <a:rPr lang="en-US" dirty="0"/>
+              <a:rPr lang="en-US" sz="2400" dirty="0">
+                <a:latin typeface="Times New Roman" panose="02020603050405020304" pitchFamily="18" charset="0"/>
+                <a:cs typeface="Times New Roman" panose="02020603050405020304" pitchFamily="18" charset="0"/>
+              </a:rPr>
               <a:t>What is missing?</a:t>
             </a:r>
           </a:p>
           <a:p>
-            <a:pPr>
+            <a:pPr algn="just">
               <a:buFontTx/>
               <a:buChar char="-"/>
             </a:pPr>
             <a:r>
-              <a:rPr lang="en-US" dirty="0"/>
+              <a:rPr lang="en-US" sz="2400" dirty="0">
+                <a:latin typeface="Times New Roman" panose="02020603050405020304" pitchFamily="18" charset="0"/>
+                <a:cs typeface="Times New Roman" panose="02020603050405020304" pitchFamily="18" charset="0"/>
+              </a:rPr>
               <a:t>Making use of Video pictures in the model prediction</a:t>
             </a:r>
           </a:p>
           <a:p>
-            <a:pPr>
+            <a:pPr algn="just">
               <a:buFontTx/>
               <a:buChar char="-"/>
             </a:pPr>
             <a:r>
-              <a:rPr lang="en-US" dirty="0"/>
+              <a:rPr lang="en-US" sz="2400" dirty="0">
+                <a:latin typeface="Times New Roman" panose="02020603050405020304" pitchFamily="18" charset="0"/>
+                <a:cs typeface="Times New Roman" panose="02020603050405020304" pitchFamily="18" charset="0"/>
+              </a:rPr>
               <a:t>Making use of comments</a:t>
             </a:r>
           </a:p>
@@ -4398,8 +3944,8 @@
         </p:nvSpPr>
         <p:spPr>
           <a:xfrm>
-            <a:off x="838200" y="714977"/>
-            <a:ext cx="8699339" cy="830997"/>
+            <a:off x="758190" y="893514"/>
+            <a:ext cx="8699339" cy="707886"/>
           </a:xfrm>
           <a:prstGeom prst="rect">
             <a:avLst/>
@@ -4413,8 +3959,11 @@
           <a:lstStyle/>
           <a:p>
             <a:r>
-              <a:rPr lang="en-US" sz="4800" dirty="0"/>
-              <a:t>OVERVIEW</a:t>
+              <a:rPr lang="en-US" sz="4000" dirty="0">
+                <a:latin typeface="Times New Roman" panose="02020603050405020304" pitchFamily="18" charset="0"/>
+                <a:cs typeface="Times New Roman" panose="02020603050405020304" pitchFamily="18" charset="0"/>
+              </a:rPr>
+              <a:t>Overview</a:t>
             </a:r>
           </a:p>
         </p:txBody>
@@ -4467,26 +4016,35 @@
         </p:nvSpPr>
         <p:spPr>
           <a:xfrm>
-            <a:off x="838200" y="1025718"/>
-            <a:ext cx="10515600" cy="884889"/>
+            <a:off x="542925" y="1117158"/>
+            <a:ext cx="11106150" cy="884889"/>
           </a:xfrm>
         </p:spPr>
         <p:txBody>
           <a:bodyPr>
-            <a:normAutofit fontScale="90000"/>
+            <a:noAutofit/>
           </a:bodyPr>
           <a:lstStyle/>
           <a:p>
             <a:pPr algn="l"/>
             <a:r>
-              <a:rPr lang="en-US" sz="4400" dirty="0"/>
+              <a:rPr lang="en-US" sz="2400" b="1" dirty="0">
+                <a:latin typeface="Times New Roman" panose="02020603050405020304" pitchFamily="18" charset="0"/>
+                <a:cs typeface="Times New Roman" panose="02020603050405020304" pitchFamily="18" charset="0"/>
+              </a:rPr>
               <a:t>Research Paper - 2</a:t>
             </a:r>
             <a:br>
-              <a:rPr lang="en-US" dirty="0"/>
+              <a:rPr lang="en-US" sz="2400" b="1" dirty="0">
+                <a:latin typeface="Times New Roman" panose="02020603050405020304" pitchFamily="18" charset="0"/>
+                <a:cs typeface="Times New Roman" panose="02020603050405020304" pitchFamily="18" charset="0"/>
+              </a:rPr>
             </a:br>
             <a:r>
-              <a:rPr lang="en-US" sz="3100" i="1" dirty="0"/>
+              <a:rPr lang="en-US" sz="2400" i="1" dirty="0">
+                <a:latin typeface="Times New Roman" panose="02020603050405020304" pitchFamily="18" charset="0"/>
+                <a:cs typeface="Times New Roman" panose="02020603050405020304" pitchFamily="18" charset="0"/>
+              </a:rPr>
               <a:t>Identifying Latent Toxic Features on YouTube Using Non-negative Matrix Factorization</a:t>
             </a:r>
           </a:p>
@@ -4510,70 +4068,94 @@
         </p:nvSpPr>
         <p:spPr>
           <a:xfrm>
-            <a:off x="838200" y="2233913"/>
+            <a:off x="542925" y="2301499"/>
             <a:ext cx="10515600" cy="3943049"/>
           </a:xfrm>
         </p:spPr>
         <p:txBody>
           <a:bodyPr>
-            <a:normAutofit fontScale="92500" lnSpcReduction="20000"/>
+            <a:normAutofit/>
           </a:bodyPr>
           <a:lstStyle/>
           <a:p>
-            <a:pPr marL="0" indent="0">
+            <a:pPr marL="0" indent="0" algn="just">
               <a:buNone/>
             </a:pPr>
             <a:r>
-              <a:rPr lang="en-US" dirty="0"/>
-              <a:t>What did they do?</a:t>
-            </a:r>
-          </a:p>
-          <a:p>
-            <a:pPr>
+              <a:rPr lang="en-US" sz="2400" dirty="0">
+                <a:latin typeface="Times New Roman" panose="02020603050405020304" pitchFamily="18" charset="0"/>
+                <a:cs typeface="Times New Roman" panose="02020603050405020304" pitchFamily="18" charset="0"/>
+              </a:rPr>
+              <a:t>What has been done:</a:t>
+            </a:r>
+          </a:p>
+          <a:p>
+            <a:pPr algn="just">
               <a:buFontTx/>
               <a:buChar char="-"/>
             </a:pPr>
             <a:r>
-              <a:rPr lang="en-US" dirty="0"/>
+              <a:rPr lang="en-US" sz="2400" dirty="0">
+                <a:latin typeface="Times New Roman" panose="02020603050405020304" pitchFamily="18" charset="0"/>
+                <a:cs typeface="Times New Roman" panose="02020603050405020304" pitchFamily="18" charset="0"/>
+              </a:rPr>
               <a:t>Used the Non-negative Matrix Factorization based</a:t>
             </a:r>
             <a:r>
-              <a:rPr lang="en-US" b="0" i="0" dirty="0">
+              <a:rPr lang="en-US" sz="2400" b="0" i="0" dirty="0">
                 <a:solidFill>
                   <a:srgbClr val="07061D"/>
                 </a:solidFill>
                 <a:effectLst/>
+                <a:latin typeface="Times New Roman" panose="02020603050405020304" pitchFamily="18" charset="0"/>
+                <a:cs typeface="Times New Roman" panose="02020603050405020304" pitchFamily="18" charset="0"/>
               </a:rPr>
               <a:t> approach in the comments section to predict toxicity scores and assess toxicity on social media networks.</a:t>
             </a:r>
           </a:p>
           <a:p>
-            <a:pPr marL="0" indent="0">
+            <a:pPr marL="0" indent="0" algn="just">
               <a:buNone/>
             </a:pPr>
-            <a:r>
-              <a:rPr lang="en-US" dirty="0"/>
+            <a:endParaRPr lang="en-US" sz="2400" dirty="0">
+              <a:latin typeface="Times New Roman" panose="02020603050405020304" pitchFamily="18" charset="0"/>
+              <a:cs typeface="Times New Roman" panose="02020603050405020304" pitchFamily="18" charset="0"/>
+            </a:endParaRPr>
+          </a:p>
+          <a:p>
+            <a:pPr marL="0" indent="0" algn="just">
+              <a:buNone/>
+            </a:pPr>
+            <a:r>
+              <a:rPr lang="en-US" sz="2400" dirty="0">
+                <a:latin typeface="Times New Roman" panose="02020603050405020304" pitchFamily="18" charset="0"/>
+                <a:cs typeface="Times New Roman" panose="02020603050405020304" pitchFamily="18" charset="0"/>
+              </a:rPr>
               <a:t>What didn’t they do?</a:t>
             </a:r>
           </a:p>
           <a:p>
-            <a:pPr>
+            <a:pPr algn="just">
               <a:buFontTx/>
               <a:buChar char="-"/>
             </a:pPr>
             <a:r>
-              <a:rPr lang="en-US" dirty="0">
+              <a:rPr lang="en-US" sz="2400" dirty="0">
                 <a:solidFill>
                   <a:srgbClr val="07061D"/>
                 </a:solidFill>
+                <a:latin typeface="Times New Roman" panose="02020603050405020304" pitchFamily="18" charset="0"/>
+                <a:cs typeface="Times New Roman" panose="02020603050405020304" pitchFamily="18" charset="0"/>
               </a:rPr>
               <a:t>Did not assess positive comments.</a:t>
             </a:r>
-            <a:endParaRPr lang="en-US" b="0" i="0" dirty="0">
+            <a:endParaRPr lang="en-US" sz="2400" b="0" i="0" dirty="0">
               <a:solidFill>
                 <a:srgbClr val="07061D"/>
               </a:solidFill>
               <a:effectLst/>
+              <a:latin typeface="Times New Roman" panose="02020603050405020304" pitchFamily="18" charset="0"/>
+              <a:cs typeface="Times New Roman" panose="02020603050405020304" pitchFamily="18" charset="0"/>
             </a:endParaRPr>
           </a:p>
           <a:p>
@@ -4648,8 +4230,8 @@
         </p:nvSpPr>
         <p:spPr>
           <a:xfrm>
-            <a:off x="607612" y="961473"/>
-            <a:ext cx="10515600" cy="1325563"/>
+            <a:off x="607612" y="732873"/>
+            <a:ext cx="10515600" cy="1015917"/>
           </a:xfrm>
           <a:prstGeom prst="rect">
             <a:avLst/>
@@ -4678,16 +4260,213 @@
           <a:p>
             <a:pPr algn="l"/>
             <a:r>
-              <a:rPr lang="en-US" sz="4300" dirty="0"/>
+              <a:rPr lang="en-US" sz="2400" b="1" dirty="0">
+                <a:latin typeface="Times New Roman" panose="02020603050405020304" pitchFamily="18" charset="0"/>
+                <a:cs typeface="Times New Roman" panose="02020603050405020304" pitchFamily="18" charset="0"/>
+              </a:rPr>
               <a:t>Research Paper -3 </a:t>
             </a:r>
             <a:br>
-              <a:rPr lang="en-US" dirty="0"/>
+              <a:rPr lang="en-US" sz="2400" dirty="0">
+                <a:latin typeface="Times New Roman" panose="02020603050405020304" pitchFamily="18" charset="0"/>
+                <a:cs typeface="Times New Roman" panose="02020603050405020304" pitchFamily="18" charset="0"/>
+              </a:rPr>
             </a:br>
             <a:r>
-              <a:rPr lang="en-US" sz="3200" dirty="0"/>
+              <a:rPr lang="en-US" sz="2400" i="1" dirty="0">
+                <a:latin typeface="Times New Roman" panose="02020603050405020304" pitchFamily="18" charset="0"/>
+                <a:cs typeface="Times New Roman" panose="02020603050405020304" pitchFamily="18" charset="0"/>
+              </a:rPr>
               <a:t>Trending YouTube Video Analysis</a:t>
             </a:r>
+          </a:p>
+        </p:txBody>
+      </p:sp>
+      <p:sp>
+        <p:nvSpPr>
+          <p:cNvPr id="8" name="TextBox 7">
+            <a:extLst>
+              <a:ext uri="{FF2B5EF4-FFF2-40B4-BE49-F238E27FC236}">
+                <a16:creationId xmlns:a16="http://schemas.microsoft.com/office/drawing/2014/main" id="{EA19B9A7-CCC4-9448-4E19-B79CD222DFA6}"/>
+              </a:ext>
+            </a:extLst>
+          </p:cNvPr>
+          <p:cNvSpPr txBox="1"/>
+          <p:nvPr/>
+        </p:nvSpPr>
+        <p:spPr>
+          <a:xfrm>
+            <a:off x="675281" y="1748790"/>
+            <a:ext cx="10380262" cy="5078313"/>
+          </a:xfrm>
+          <a:prstGeom prst="rect">
+            <a:avLst/>
+          </a:prstGeom>
+          <a:noFill/>
+        </p:spPr>
+        <p:txBody>
+          <a:bodyPr wrap="square" rtlCol="0">
+            <a:spAutoFit/>
+          </a:bodyPr>
+          <a:lstStyle/>
+          <a:p>
+            <a:pPr algn="just"/>
+            <a:r>
+              <a:rPr lang="en-US" sz="2400" dirty="0">
+                <a:latin typeface="Times New Roman" panose="02020603050405020304" pitchFamily="18" charset="0"/>
+                <a:cs typeface="Times New Roman" panose="02020603050405020304" pitchFamily="18" charset="0"/>
+              </a:rPr>
+              <a:t>What has been done:</a:t>
+            </a:r>
+          </a:p>
+          <a:p>
+            <a:pPr algn="just"/>
+            <a:endParaRPr lang="en-US" sz="2400" dirty="0">
+              <a:latin typeface="Times New Roman" panose="02020603050405020304" pitchFamily="18" charset="0"/>
+              <a:cs typeface="Times New Roman" panose="02020603050405020304" pitchFamily="18" charset="0"/>
+            </a:endParaRPr>
+          </a:p>
+          <a:p>
+            <a:pPr algn="just"/>
+            <a:r>
+              <a:rPr lang="en-US" sz="2400" dirty="0">
+                <a:latin typeface="Times New Roman" panose="02020603050405020304" pitchFamily="18" charset="0"/>
+                <a:cs typeface="Times New Roman" panose="02020603050405020304" pitchFamily="18" charset="0"/>
+              </a:rPr>
+              <a:t>- C</a:t>
+            </a:r>
+            <a:r>
+              <a:rPr lang="en-US" sz="2400" dirty="0">
+                <a:effectLst/>
+                <a:latin typeface="Times New Roman" panose="02020603050405020304" pitchFamily="18" charset="0"/>
+                <a:cs typeface="Times New Roman" panose="02020603050405020304" pitchFamily="18" charset="0"/>
+              </a:rPr>
+              <a:t>haracteristics that determined a video to be trending across countries like:</a:t>
+            </a:r>
+          </a:p>
+          <a:p>
+            <a:pPr marL="342900" indent="-342900" algn="just">
+              <a:buFont typeface="Arial" panose="020B0604020202020204" pitchFamily="34" charset="0"/>
+              <a:buChar char="•"/>
+            </a:pPr>
+            <a:r>
+              <a:rPr lang="en-US" sz="2400" dirty="0">
+                <a:latin typeface="Times New Roman" panose="02020603050405020304" pitchFamily="18" charset="0"/>
+                <a:cs typeface="Times New Roman" panose="02020603050405020304" pitchFamily="18" charset="0"/>
+              </a:rPr>
+              <a:t>C</a:t>
+            </a:r>
+            <a:r>
+              <a:rPr lang="en-US" sz="2400" dirty="0">
+                <a:effectLst/>
+                <a:latin typeface="Times New Roman" panose="02020603050405020304" pitchFamily="18" charset="0"/>
+                <a:cs typeface="Times New Roman" panose="02020603050405020304" pitchFamily="18" charset="0"/>
+              </a:rPr>
+              <a:t>orrelation between likes and views</a:t>
+            </a:r>
+          </a:p>
+          <a:p>
+            <a:pPr marL="342900" indent="-342900" algn="just">
+              <a:buFont typeface="Arial" panose="020B0604020202020204" pitchFamily="34" charset="0"/>
+              <a:buChar char="•"/>
+            </a:pPr>
+            <a:r>
+              <a:rPr lang="en-US" sz="2400" dirty="0">
+                <a:effectLst/>
+                <a:latin typeface="Times New Roman" panose="02020603050405020304" pitchFamily="18" charset="0"/>
+                <a:cs typeface="Times New Roman" panose="02020603050405020304" pitchFamily="18" charset="0"/>
+              </a:rPr>
+              <a:t>Compare average hours taken to trend across different categories</a:t>
+            </a:r>
+          </a:p>
+          <a:p>
+            <a:pPr marL="342900" indent="-342900" algn="just">
+              <a:buFont typeface="Arial" panose="020B0604020202020204" pitchFamily="34" charset="0"/>
+              <a:buChar char="•"/>
+            </a:pPr>
+            <a:r>
+              <a:rPr lang="en-US" sz="2400" dirty="0">
+                <a:effectLst/>
+                <a:latin typeface="Times New Roman" panose="02020603050405020304" pitchFamily="18" charset="0"/>
+                <a:cs typeface="Times New Roman" panose="02020603050405020304" pitchFamily="18" charset="0"/>
+              </a:rPr>
+              <a:t>Identify most popular tags across the countries</a:t>
+            </a:r>
+          </a:p>
+          <a:p>
+            <a:pPr marL="342900" indent="-342900" algn="just">
+              <a:buFont typeface="Arial" panose="020B0604020202020204" pitchFamily="34" charset="0"/>
+              <a:buChar char="•"/>
+            </a:pPr>
+            <a:r>
+              <a:rPr lang="en-US" sz="2400" dirty="0">
+                <a:effectLst/>
+                <a:latin typeface="Times New Roman" panose="02020603050405020304" pitchFamily="18" charset="0"/>
+                <a:cs typeface="Times New Roman" panose="02020603050405020304" pitchFamily="18" charset="0"/>
+              </a:rPr>
+              <a:t>Analysis of the title length’s range for a video to trend </a:t>
+            </a:r>
+          </a:p>
+          <a:p>
+            <a:pPr marL="342900" indent="-342900" algn="just">
+              <a:buFont typeface="Arial" panose="020B0604020202020204" pitchFamily="34" charset="0"/>
+              <a:buChar char="•"/>
+            </a:pPr>
+            <a:r>
+              <a:rPr lang="en-US" sz="2400" dirty="0">
+                <a:effectLst/>
+                <a:latin typeface="Times New Roman" panose="02020603050405020304" pitchFamily="18" charset="0"/>
+                <a:cs typeface="Times New Roman" panose="02020603050405020304" pitchFamily="18" charset="0"/>
+              </a:rPr>
+              <a:t>Identify the pattern over days of the week which gives information about the optimal day to post the videos</a:t>
+            </a:r>
+            <a:r>
+              <a:rPr lang="en-US" sz="2400" dirty="0">
+                <a:latin typeface="Times New Roman" panose="02020603050405020304" pitchFamily="18" charset="0"/>
+                <a:cs typeface="Times New Roman" panose="02020603050405020304" pitchFamily="18" charset="0"/>
+              </a:rPr>
+              <a:t>.</a:t>
+            </a:r>
+          </a:p>
+          <a:p>
+            <a:pPr algn="just"/>
+            <a:endParaRPr lang="en-US" sz="2400" dirty="0">
+              <a:latin typeface="Times New Roman" panose="02020603050405020304" pitchFamily="18" charset="0"/>
+              <a:cs typeface="Times New Roman" panose="02020603050405020304" pitchFamily="18" charset="0"/>
+            </a:endParaRPr>
+          </a:p>
+          <a:p>
+            <a:pPr algn="just"/>
+            <a:r>
+              <a:rPr lang="en-US" sz="2400" dirty="0">
+                <a:effectLst/>
+                <a:latin typeface="Times New Roman" panose="02020603050405020304" pitchFamily="18" charset="0"/>
+                <a:cs typeface="Times New Roman" panose="02020603050405020304" pitchFamily="18" charset="0"/>
+              </a:rPr>
+              <a:t>What is missing:</a:t>
+            </a:r>
+          </a:p>
+          <a:p>
+            <a:pPr marL="342900" indent="-342900" algn="just">
+              <a:buFont typeface="Arial" panose="020B0604020202020204" pitchFamily="34" charset="0"/>
+              <a:buChar char="•"/>
+            </a:pPr>
+            <a:r>
+              <a:rPr lang="en-US" sz="2400" dirty="0">
+                <a:effectLst/>
+                <a:latin typeface="Times New Roman" panose="02020603050405020304" pitchFamily="18" charset="0"/>
+                <a:cs typeface="Times New Roman" panose="02020603050405020304" pitchFamily="18" charset="0"/>
+              </a:rPr>
+              <a:t>Analysis on how comments affect a video to be trending or not</a:t>
+            </a:r>
+          </a:p>
+          <a:p>
+            <a:endParaRPr lang="en-US" dirty="0">
+              <a:effectLst/>
+            </a:endParaRPr>
+          </a:p>
+          <a:p>
+            <a:endParaRPr lang="en-US" dirty="0"/>
           </a:p>
         </p:txBody>
       </p:sp>
@@ -4786,7 +4565,7 @@
               <a:defRPr/>
             </a:pPr>
             <a:r>
-              <a:rPr kumimoji="0" lang="en-US" sz="4400" b="1" i="0" u="none" strike="noStrike" kern="1200" cap="none" spc="0" normalizeH="0" baseline="0" noProof="0" dirty="0">
+              <a:rPr kumimoji="0" lang="en-US" sz="4000" i="0" u="none" strike="noStrike" kern="1200" cap="none" spc="0" normalizeH="0" baseline="0" noProof="0" dirty="0">
                 <a:ln>
                   <a:noFill/>
                 </a:ln>
@@ -4796,11 +4575,10 @@
                 <a:effectLst/>
                 <a:uLnTx/>
                 <a:uFillTx/>
-                <a:latin typeface="Calibri Light" panose="020F0302020204030204"/>
-                <a:ea typeface="+mj-ea"/>
-                <a:cs typeface="+mj-cs"/>
-              </a:rPr>
-              <a:t>DATASET</a:t>
+                <a:latin typeface="Times New Roman" panose="02020603050405020304" pitchFamily="18" charset="0"/>
+                <a:cs typeface="Times New Roman" panose="02020603050405020304" pitchFamily="18" charset="0"/>
+              </a:rPr>
+              <a:t>Dataset</a:t>
             </a:r>
           </a:p>
         </p:txBody>
@@ -4996,6 +4774,55 @@
               </a:defRPr>
             </a:lvl9pPr>
           </a:lstStyle>
+          <a:p>
+            <a:pPr marL="228600" marR="0" lvl="0" indent="-228600" algn="just" defTabSz="914400" rtl="0" eaLnBrk="1" fontAlgn="auto" latinLnBrk="0" hangingPunct="1">
+              <a:lnSpc>
+                <a:spcPct val="90000"/>
+              </a:lnSpc>
+              <a:spcBef>
+                <a:spcPts val="1000"/>
+              </a:spcBef>
+              <a:spcAft>
+                <a:spcPts val="0"/>
+              </a:spcAft>
+              <a:buClrTx/>
+              <a:buSzTx/>
+              <a:buFont typeface="Arial" panose="020B0604020202020204" pitchFamily="34" charset="0"/>
+              <a:buChar char="•"/>
+              <a:tabLst/>
+              <a:defRPr/>
+            </a:pPr>
+            <a:r>
+              <a:rPr kumimoji="0" lang="en-US" sz="2800" b="0" i="0" u="none" strike="noStrike" kern="1200" cap="none" spc="0" normalizeH="0" baseline="0" noProof="0" dirty="0">
+                <a:ln>
+                  <a:noFill/>
+                </a:ln>
+                <a:solidFill>
+                  <a:sysClr val="windowText" lastClr="000000"/>
+                </a:solidFill>
+                <a:effectLst/>
+                <a:uLnTx/>
+                <a:uFillTx/>
+                <a:latin typeface="Times New Roman" panose="02020603050405020304" pitchFamily="18" charset="0"/>
+                <a:cs typeface="Times New Roman" panose="02020603050405020304" pitchFamily="18" charset="0"/>
+              </a:rPr>
+              <a:t>Dataset source and link: Kaggle Website</a:t>
+            </a:r>
+            <a:endParaRPr kumimoji="0" lang="en-US" sz="2800" b="0" i="0" u="none" strike="noStrike" kern="1200" cap="none" spc="0" normalizeH="0" baseline="0" noProof="0" dirty="0">
+              <a:ln>
+                <a:noFill/>
+              </a:ln>
+              <a:solidFill>
+                <a:sysClr val="windowText" lastClr="000000"/>
+              </a:solidFill>
+              <a:effectLst/>
+              <a:uLnTx/>
+              <a:uFillTx/>
+              <a:latin typeface="Times New Roman" panose="02020603050405020304" pitchFamily="18" charset="0"/>
+              <a:cs typeface="Times New Roman" panose="02020603050405020304" pitchFamily="18" charset="0"/>
+              <a:hlinkClick r:id="rId2"/>
+            </a:endParaRPr>
+          </a:p>
           <a:p>
             <a:pPr marL="228600" marR="0" lvl="0" indent="-228600" algn="l" defTabSz="914400" rtl="0" eaLnBrk="1" fontAlgn="auto" latinLnBrk="0" hangingPunct="1">
               <a:lnSpc>
@@ -5015,7 +4842,7 @@
               <a:defRPr/>
             </a:pPr>
             <a:r>
-              <a:rPr kumimoji="0" lang="en-US" sz="2800" b="0" i="0" u="none" strike="noStrike" kern="1200" cap="none" spc="0" normalizeH="0" baseline="0" noProof="0">
+              <a:rPr kumimoji="0" lang="en-US" sz="2800" b="0" i="0" u="none" strike="noStrike" kern="1200" cap="none" spc="0" normalizeH="0" baseline="0" noProof="0" dirty="0">
                 <a:ln>
                   <a:noFill/>
                 </a:ln>
@@ -5028,10 +4855,11 @@
                 <a:latin typeface="Calibri" panose="020F0502020204030204"/>
                 <a:ea typeface="+mn-ea"/>
                 <a:cs typeface="+mn-cs"/>
-              </a:rPr>
-              <a:t>Dataset source and link: Kaggle Website</a:t>
-            </a:r>
-            <a:endParaRPr kumimoji="0" lang="en-US" sz="2800" b="0" i="0" u="none" strike="noStrike" kern="1200" cap="none" spc="0" normalizeH="0" baseline="0" noProof="0">
+                <a:hlinkClick r:id="rId2"/>
+              </a:rPr>
+              <a:t>https://www.kaggle.com/datasets/rsrishav/youtube-trending-video-dataset</a:t>
+            </a:r>
+            <a:endParaRPr kumimoji="0" lang="en-US" sz="2800" b="0" i="0" u="none" strike="noStrike" kern="1200" cap="none" spc="0" normalizeH="0" baseline="0" noProof="0" dirty="0">
               <a:ln>
                 <a:noFill/>
               </a:ln>
@@ -5044,11 +4872,10 @@
               <a:latin typeface="Calibri" panose="020F0502020204030204"/>
               <a:ea typeface="+mn-ea"/>
               <a:cs typeface="+mn-cs"/>
-              <a:hlinkClick r:id="rId2"/>
             </a:endParaRPr>
           </a:p>
           <a:p>
-            <a:pPr marL="228600" marR="0" lvl="0" indent="-228600" algn="l" defTabSz="914400" rtl="0" eaLnBrk="1" fontAlgn="auto" latinLnBrk="0" hangingPunct="1">
+            <a:pPr marL="228600" marR="0" lvl="0" indent="-228600" algn="just" defTabSz="914400" rtl="0" eaLnBrk="1" fontAlgn="auto" latinLnBrk="0" hangingPunct="1">
               <a:lnSpc>
                 <a:spcPct val="90000"/>
               </a:lnSpc>
@@ -5066,7 +4893,7 @@
               <a:defRPr/>
             </a:pPr>
             <a:r>
-              <a:rPr kumimoji="0" lang="en-US" sz="2800" b="0" i="0" u="none" strike="noStrike" kern="1200" cap="none" spc="0" normalizeH="0" baseline="0" noProof="0">
+              <a:rPr kumimoji="0" lang="en-US" sz="2800" b="0" i="0" u="none" strike="noStrike" kern="1200" cap="none" spc="0" normalizeH="0" baseline="0" noProof="0" dirty="0">
                 <a:ln>
                   <a:noFill/>
                 </a:ln>
@@ -5076,30 +4903,14 @@
                 <a:effectLst/>
                 <a:uLnTx/>
                 <a:uFillTx/>
-                <a:latin typeface="Calibri" panose="020F0502020204030204"/>
-                <a:ea typeface="+mn-ea"/>
-                <a:cs typeface="+mn-cs"/>
-                <a:hlinkClick r:id="rId2"/>
-              </a:rPr>
-              <a:t>https://www.kaggle.com/datasets/rsrishav/youtube-trending-video-dataset</a:t>
-            </a:r>
-            <a:endParaRPr kumimoji="0" lang="en-US" sz="2800" b="0" i="0" u="none" strike="noStrike" kern="1200" cap="none" spc="0" normalizeH="0" baseline="0" noProof="0">
-              <a:ln>
-                <a:noFill/>
-              </a:ln>
-              <a:solidFill>
-                <a:sysClr val="windowText" lastClr="000000"/>
-              </a:solidFill>
-              <a:effectLst/>
-              <a:uLnTx/>
-              <a:uFillTx/>
-              <a:latin typeface="Calibri" panose="020F0502020204030204"/>
-              <a:ea typeface="+mn-ea"/>
-              <a:cs typeface="+mn-cs"/>
-            </a:endParaRPr>
-          </a:p>
-          <a:p>
-            <a:pPr marL="228600" marR="0" lvl="0" indent="-228600" algn="l" defTabSz="914400" rtl="0" eaLnBrk="1" fontAlgn="auto" latinLnBrk="0" hangingPunct="1">
+                <a:latin typeface="Times New Roman" panose="02020603050405020304" pitchFamily="18" charset="0"/>
+                <a:cs typeface="Times New Roman" panose="02020603050405020304" pitchFamily="18" charset="0"/>
+              </a:rPr>
+              <a:t>Data includes the video title, channel title, publish time, tags, views, likes and dislikes, description, and comment count.</a:t>
+            </a:r>
+          </a:p>
+          <a:p>
+            <a:pPr marL="228600" marR="0" lvl="0" indent="-228600" algn="just" defTabSz="914400" rtl="0" eaLnBrk="1" fontAlgn="auto" latinLnBrk="0" hangingPunct="1">
               <a:lnSpc>
                 <a:spcPct val="90000"/>
               </a:lnSpc>
@@ -5117,7 +4928,7 @@
               <a:defRPr/>
             </a:pPr>
             <a:r>
-              <a:rPr kumimoji="0" lang="en-US" sz="2800" b="0" i="0" u="none" strike="noStrike" kern="1200" cap="none" spc="0" normalizeH="0" baseline="0" noProof="0">
+              <a:rPr kumimoji="0" lang="en-US" sz="2800" b="0" i="0" u="none" strike="noStrike" kern="1200" cap="none" spc="0" normalizeH="0" baseline="0" noProof="0" dirty="0">
                 <a:ln>
                   <a:noFill/>
                 </a:ln>
@@ -5127,15 +4938,14 @@
                 <a:effectLst/>
                 <a:uLnTx/>
                 <a:uFillTx/>
-                <a:latin typeface="Calibri" panose="020F0502020204030204"/>
-                <a:ea typeface="+mn-ea"/>
-                <a:cs typeface="+mn-cs"/>
-              </a:rPr>
-              <a:t>Data includes the video title, channel title, publish time, tags, views, likes and dislikes, description, and comment count.</a:t>
-            </a:r>
-          </a:p>
-          <a:p>
-            <a:pPr marL="228600" marR="0" lvl="0" indent="-228600" algn="l" defTabSz="914400" rtl="0" eaLnBrk="1" fontAlgn="auto" latinLnBrk="0" hangingPunct="1">
+                <a:latin typeface="Times New Roman" panose="02020603050405020304" pitchFamily="18" charset="0"/>
+                <a:cs typeface="Times New Roman" panose="02020603050405020304" pitchFamily="18" charset="0"/>
+              </a:rPr>
+              <a:t>This dataset is updated in daily format and we will be using the updated dataset to analyze the most trending video for the day, week, month, or year.</a:t>
+            </a:r>
+          </a:p>
+          <a:p>
+            <a:pPr marL="228600" marR="0" lvl="0" indent="-228600" algn="just" defTabSz="914400" rtl="0" eaLnBrk="1" fontAlgn="auto" latinLnBrk="0" hangingPunct="1">
               <a:lnSpc>
                 <a:spcPct val="90000"/>
               </a:lnSpc>
@@ -5153,7 +4963,7 @@
               <a:defRPr/>
             </a:pPr>
             <a:r>
-              <a:rPr kumimoji="0" lang="en-US" sz="2800" b="0" i="0" u="none" strike="noStrike" kern="1200" cap="none" spc="0" normalizeH="0" baseline="0" noProof="0">
+              <a:rPr kumimoji="0" lang="en-US" sz="2800" b="0" i="0" u="none" strike="noStrike" kern="1200" cap="none" spc="0" normalizeH="0" baseline="0" noProof="0" dirty="0">
                 <a:ln>
                   <a:noFill/>
                 </a:ln>
@@ -5163,62 +4973,11 @@
                 <a:effectLst/>
                 <a:uLnTx/>
                 <a:uFillTx/>
-                <a:latin typeface="Calibri" panose="020F0502020204030204"/>
-                <a:ea typeface="+mn-ea"/>
-                <a:cs typeface="+mn-cs"/>
-              </a:rPr>
-              <a:t>This dataset is updated in daily format and we will be using the updated dataset to analyze the most trending video for the day, week, month, or year.</a:t>
-            </a:r>
-          </a:p>
-          <a:p>
-            <a:pPr marL="228600" marR="0" lvl="0" indent="-228600" algn="l" defTabSz="914400" rtl="0" eaLnBrk="1" fontAlgn="auto" latinLnBrk="0" hangingPunct="1">
-              <a:lnSpc>
-                <a:spcPct val="90000"/>
-              </a:lnSpc>
-              <a:spcBef>
-                <a:spcPts val="1000"/>
-              </a:spcBef>
-              <a:spcAft>
-                <a:spcPts val="0"/>
-              </a:spcAft>
-              <a:buClrTx/>
-              <a:buSzTx/>
-              <a:buFont typeface="Arial" panose="020B0604020202020204" pitchFamily="34" charset="0"/>
-              <a:buChar char="•"/>
-              <a:tabLst/>
-              <a:defRPr/>
-            </a:pPr>
-            <a:r>
-              <a:rPr kumimoji="0" lang="en-US" sz="2800" b="0" i="0" u="none" strike="noStrike" kern="1200" cap="none" spc="0" normalizeH="0" baseline="0" noProof="0">
-                <a:ln>
-                  <a:noFill/>
-                </a:ln>
-                <a:solidFill>
-                  <a:sysClr val="windowText" lastClr="000000"/>
-                </a:solidFill>
-                <a:effectLst/>
-                <a:uLnTx/>
-                <a:uFillTx/>
-                <a:latin typeface="Calibri" panose="020F0502020204030204"/>
-                <a:ea typeface="+mn-ea"/>
-                <a:cs typeface="+mn-cs"/>
+                <a:latin typeface="Times New Roman" panose="02020603050405020304" pitchFamily="18" charset="0"/>
+                <a:cs typeface="Times New Roman" panose="02020603050405020304" pitchFamily="18" charset="0"/>
               </a:rPr>
               <a:t>As the dataset is updated daily, the exact number of rows we will use may vary, but we will use nearly 200,000 lakh rows.</a:t>
             </a:r>
-            <a:endParaRPr kumimoji="0" lang="en-US" sz="2800" b="0" i="0" u="none" strike="noStrike" kern="1200" cap="none" spc="0" normalizeH="0" baseline="0" noProof="0" dirty="0">
-              <a:ln>
-                <a:noFill/>
-              </a:ln>
-              <a:solidFill>
-                <a:sysClr val="windowText" lastClr="000000"/>
-              </a:solidFill>
-              <a:effectLst/>
-              <a:uLnTx/>
-              <a:uFillTx/>
-              <a:latin typeface="Calibri" panose="020F0502020204030204"/>
-              <a:ea typeface="+mn-ea"/>
-              <a:cs typeface="+mn-cs"/>
-            </a:endParaRPr>
           </a:p>
         </p:txBody>
       </p:sp>
@@ -5266,8 +5025,8 @@
         </p:nvSpPr>
         <p:spPr>
           <a:xfrm>
-            <a:off x="4333461" y="3260035"/>
-            <a:ext cx="3729162" cy="830997"/>
+            <a:off x="782541" y="1674673"/>
+            <a:ext cx="10626918" cy="3508653"/>
           </a:xfrm>
           <a:prstGeom prst="rect">
             <a:avLst/>
@@ -5281,8 +5040,316 @@
           <a:lstStyle/>
           <a:p>
             <a:r>
-              <a:rPr lang="en-US" sz="4800" b="1" dirty="0"/>
-              <a:t>Thank you!!</a:t>
+              <a:rPr lang="en-US" dirty="0">
+                <a:latin typeface="Times New Roman" panose="02020603050405020304" pitchFamily="18" charset="0"/>
+                <a:cs typeface="Times New Roman" panose="02020603050405020304" pitchFamily="18" charset="0"/>
+              </a:rPr>
+              <a:t>[1] </a:t>
+            </a:r>
+            <a:r>
+              <a:rPr lang="en-US" sz="1800" dirty="0" err="1">
+                <a:latin typeface="Times New Roman" panose="02020603050405020304" pitchFamily="18" charset="0"/>
+                <a:cs typeface="Times New Roman" panose="02020603050405020304" pitchFamily="18" charset="0"/>
+              </a:rPr>
+              <a:t>Youtube</a:t>
+            </a:r>
+            <a:r>
+              <a:rPr lang="en-US" sz="1800" dirty="0">
+                <a:latin typeface="Times New Roman" panose="02020603050405020304" pitchFamily="18" charset="0"/>
+                <a:cs typeface="Times New Roman" panose="02020603050405020304" pitchFamily="18" charset="0"/>
+              </a:rPr>
+              <a:t> Trending Video analysis by Dublin School, </a:t>
+            </a:r>
+            <a:r>
+              <a:rPr lang="en-US" b="0" dirty="0" err="1">
+                <a:solidFill>
+                  <a:srgbClr val="333333"/>
+                </a:solidFill>
+                <a:effectLst/>
+                <a:latin typeface="Times New Roman" panose="02020603050405020304" pitchFamily="18" charset="0"/>
+                <a:cs typeface="Times New Roman" panose="02020603050405020304" pitchFamily="18" charset="0"/>
+              </a:rPr>
+              <a:t>Niture</a:t>
+            </a:r>
+            <a:r>
+              <a:rPr lang="en-US" b="0" dirty="0">
+                <a:solidFill>
+                  <a:srgbClr val="333333"/>
+                </a:solidFill>
+                <a:effectLst/>
+                <a:latin typeface="Times New Roman" panose="02020603050405020304" pitchFamily="18" charset="0"/>
+                <a:cs typeface="Times New Roman" panose="02020603050405020304" pitchFamily="18" charset="0"/>
+              </a:rPr>
+              <a:t>, Aakash Ashok, January 11th, 2021</a:t>
+            </a:r>
+            <a:endParaRPr lang="en-US" sz="1800" dirty="0">
+              <a:latin typeface="Times New Roman" panose="02020603050405020304" pitchFamily="18" charset="0"/>
+              <a:cs typeface="Times New Roman" panose="02020603050405020304" pitchFamily="18" charset="0"/>
+            </a:endParaRPr>
+          </a:p>
+          <a:p>
+            <a:r>
+              <a:rPr lang="en-US" dirty="0">
+                <a:latin typeface="Times New Roman" panose="02020603050405020304" pitchFamily="18" charset="0"/>
+                <a:cs typeface="Times New Roman" panose="02020603050405020304" pitchFamily="18" charset="0"/>
+                <a:hlinkClick r:id="rId2"/>
+              </a:rPr>
+              <a:t>https://esource.dbs.ie/handle/10788/4260</a:t>
+            </a:r>
+            <a:endParaRPr lang="en-US" dirty="0">
+              <a:latin typeface="Times New Roman" panose="02020603050405020304" pitchFamily="18" charset="0"/>
+              <a:cs typeface="Times New Roman" panose="02020603050405020304" pitchFamily="18" charset="0"/>
+            </a:endParaRPr>
+          </a:p>
+          <a:p>
+            <a:endParaRPr lang="en-US" dirty="0">
+              <a:latin typeface="Times New Roman" panose="02020603050405020304" pitchFamily="18" charset="0"/>
+              <a:cs typeface="Times New Roman" panose="02020603050405020304" pitchFamily="18" charset="0"/>
+            </a:endParaRPr>
+          </a:p>
+          <a:p>
+            <a:pPr algn="l"/>
+            <a:r>
+              <a:rPr lang="en-US" dirty="0">
+                <a:latin typeface="Times New Roman" panose="02020603050405020304" pitchFamily="18" charset="0"/>
+                <a:cs typeface="Times New Roman" panose="02020603050405020304" pitchFamily="18" charset="0"/>
+              </a:rPr>
+              <a:t>[2]</a:t>
+            </a:r>
+            <a:r>
+              <a:rPr lang="en-US" b="0" i="0" dirty="0">
+                <a:solidFill>
+                  <a:srgbClr val="111111"/>
+                </a:solidFill>
+                <a:effectLst/>
+                <a:latin typeface="Times New Roman" panose="02020603050405020304" pitchFamily="18" charset="0"/>
+                <a:cs typeface="Times New Roman" panose="02020603050405020304" pitchFamily="18" charset="0"/>
+              </a:rPr>
+              <a:t> Identifying Latent Toxic Features on YouTube Using Non-negative Matrix Factorization, </a:t>
+            </a:r>
+            <a:r>
+              <a:rPr lang="en-US" b="0" i="0" dirty="0">
+                <a:solidFill>
+                  <a:srgbClr val="000000"/>
+                </a:solidFill>
+                <a:effectLst/>
+                <a:latin typeface="Times New Roman" panose="02020603050405020304" pitchFamily="18" charset="0"/>
+                <a:cs typeface="Times New Roman" panose="02020603050405020304" pitchFamily="18" charset="0"/>
+              </a:rPr>
+              <a:t>Adewale </a:t>
+            </a:r>
+            <a:r>
+              <a:rPr lang="en-US" b="0" i="0" dirty="0" err="1">
+                <a:solidFill>
+                  <a:srgbClr val="000000"/>
+                </a:solidFill>
+                <a:effectLst/>
+                <a:latin typeface="Times New Roman" panose="02020603050405020304" pitchFamily="18" charset="0"/>
+                <a:cs typeface="Times New Roman" panose="02020603050405020304" pitchFamily="18" charset="0"/>
+              </a:rPr>
+              <a:t>Obadimu</a:t>
+            </a:r>
+            <a:r>
+              <a:rPr lang="en-US" dirty="0">
+                <a:solidFill>
+                  <a:srgbClr val="000000"/>
+                </a:solidFill>
+                <a:latin typeface="Times New Roman" panose="02020603050405020304" pitchFamily="18" charset="0"/>
+                <a:cs typeface="Times New Roman" panose="02020603050405020304" pitchFamily="18" charset="0"/>
+              </a:rPr>
+              <a:t>, </a:t>
+            </a:r>
+            <a:r>
+              <a:rPr lang="en-US" b="0" i="0" dirty="0">
+                <a:solidFill>
+                  <a:srgbClr val="000000"/>
+                </a:solidFill>
+                <a:effectLst/>
+                <a:latin typeface="Times New Roman" panose="02020603050405020304" pitchFamily="18" charset="0"/>
+                <a:cs typeface="Times New Roman" panose="02020603050405020304" pitchFamily="18" charset="0"/>
+              </a:rPr>
+              <a:t>Esther Mead, Nitin Agarwal, October 2021</a:t>
+            </a:r>
+          </a:p>
+          <a:p>
+            <a:r>
+              <a:rPr lang="en-US" dirty="0">
+                <a:latin typeface="Times New Roman" panose="02020603050405020304" pitchFamily="18" charset="0"/>
+                <a:cs typeface="Times New Roman" panose="02020603050405020304" pitchFamily="18" charset="0"/>
+                <a:hlinkClick r:id="rId3"/>
+              </a:rPr>
+              <a:t>https://www.researchgate.net/publication/336568016_Identifying_Latent_Toxic_Features_on_YouTube_Using_Non-negative_Matrix_Factorization</a:t>
+            </a:r>
+            <a:endParaRPr lang="en-US" dirty="0">
+              <a:latin typeface="Times New Roman" panose="02020603050405020304" pitchFamily="18" charset="0"/>
+              <a:cs typeface="Times New Roman" panose="02020603050405020304" pitchFamily="18" charset="0"/>
+            </a:endParaRPr>
+          </a:p>
+          <a:p>
+            <a:endParaRPr lang="en-US" dirty="0">
+              <a:latin typeface="Times New Roman" panose="02020603050405020304" pitchFamily="18" charset="0"/>
+              <a:cs typeface="Times New Roman" panose="02020603050405020304" pitchFamily="18" charset="0"/>
+            </a:endParaRPr>
+          </a:p>
+          <a:p>
+            <a:r>
+              <a:rPr lang="en-US" dirty="0">
+                <a:latin typeface="Times New Roman" panose="02020603050405020304" pitchFamily="18" charset="0"/>
+                <a:cs typeface="Times New Roman" panose="02020603050405020304" pitchFamily="18" charset="0"/>
+              </a:rPr>
+              <a:t>[3] </a:t>
+            </a:r>
+            <a:r>
+              <a:rPr lang="en-US" dirty="0">
+                <a:effectLst/>
+                <a:latin typeface="Times New Roman" panose="02020603050405020304" pitchFamily="18" charset="0"/>
+                <a:cs typeface="Times New Roman" panose="02020603050405020304" pitchFamily="18" charset="0"/>
+              </a:rPr>
+              <a:t>Trending YouTube Video Analysis, MD </a:t>
+            </a:r>
+            <a:r>
+              <a:rPr lang="en-US" dirty="0" err="1">
+                <a:effectLst/>
+                <a:latin typeface="Times New Roman" panose="02020603050405020304" pitchFamily="18" charset="0"/>
+                <a:cs typeface="Times New Roman" panose="02020603050405020304" pitchFamily="18" charset="0"/>
+              </a:rPr>
+              <a:t>Sakibur</a:t>
+            </a:r>
+            <a:r>
+              <a:rPr lang="en-US" dirty="0">
+                <a:effectLst/>
+                <a:latin typeface="Times New Roman" panose="02020603050405020304" pitchFamily="18" charset="0"/>
+                <a:cs typeface="Times New Roman" panose="02020603050405020304" pitchFamily="18" charset="0"/>
+              </a:rPr>
+              <a:t> Hasan, </a:t>
+            </a:r>
+            <a:r>
+              <a:rPr lang="en-US" dirty="0" err="1">
+                <a:effectLst/>
+                <a:latin typeface="Times New Roman" panose="02020603050405020304" pitchFamily="18" charset="0"/>
+                <a:cs typeface="Times New Roman" panose="02020603050405020304" pitchFamily="18" charset="0"/>
+              </a:rPr>
+              <a:t>Bishal</a:t>
+            </a:r>
+            <a:r>
+              <a:rPr lang="en-US" dirty="0">
+                <a:effectLst/>
+                <a:latin typeface="Times New Roman" panose="02020603050405020304" pitchFamily="18" charset="0"/>
+                <a:cs typeface="Times New Roman" panose="02020603050405020304" pitchFamily="18" charset="0"/>
+              </a:rPr>
+              <a:t> </a:t>
+            </a:r>
+            <a:r>
+              <a:rPr lang="en-US" dirty="0" err="1">
+                <a:effectLst/>
+                <a:latin typeface="Times New Roman" panose="02020603050405020304" pitchFamily="18" charset="0"/>
+                <a:cs typeface="Times New Roman" panose="02020603050405020304" pitchFamily="18" charset="0"/>
+              </a:rPr>
+              <a:t>Sarker</a:t>
+            </a:r>
+            <a:r>
+              <a:rPr lang="en-US" dirty="0">
+                <a:latin typeface="Times New Roman" panose="02020603050405020304" pitchFamily="18" charset="0"/>
+                <a:cs typeface="Times New Roman" panose="02020603050405020304" pitchFamily="18" charset="0"/>
+              </a:rPr>
+              <a:t>, </a:t>
+            </a:r>
+            <a:r>
+              <a:rPr lang="en-US" dirty="0">
+                <a:effectLst/>
+                <a:latin typeface="Times New Roman" panose="02020603050405020304" pitchFamily="18" charset="0"/>
+                <a:cs typeface="Times New Roman" panose="02020603050405020304" pitchFamily="18" charset="0"/>
+              </a:rPr>
+              <a:t>Diksha Shrestha, Roshan Shrestha, </a:t>
+            </a:r>
+            <a:r>
+              <a:rPr lang="en-US" dirty="0" err="1">
+                <a:effectLst/>
+                <a:latin typeface="Times New Roman" panose="02020603050405020304" pitchFamily="18" charset="0"/>
+                <a:cs typeface="Times New Roman" panose="02020603050405020304" pitchFamily="18" charset="0"/>
+              </a:rPr>
+              <a:t>Sajal</a:t>
+            </a:r>
+            <a:r>
+              <a:rPr lang="en-US" dirty="0">
+                <a:effectLst/>
+                <a:latin typeface="Times New Roman" panose="02020603050405020304" pitchFamily="18" charset="0"/>
+                <a:cs typeface="Times New Roman" panose="02020603050405020304" pitchFamily="18" charset="0"/>
+              </a:rPr>
+              <a:t> N. Shrestha, </a:t>
+            </a:r>
+            <a:r>
+              <a:rPr lang="en-US" dirty="0">
+                <a:solidFill>
+                  <a:srgbClr val="494949"/>
+                </a:solidFill>
+                <a:effectLst/>
+                <a:latin typeface="Times New Roman" panose="02020603050405020304" pitchFamily="18" charset="0"/>
+                <a:cs typeface="Times New Roman" panose="02020603050405020304" pitchFamily="18" charset="0"/>
+              </a:rPr>
+              <a:t>February 7th, 2023</a:t>
+            </a:r>
+            <a:endParaRPr lang="en-US" dirty="0">
+              <a:latin typeface="Times New Roman" panose="02020603050405020304" pitchFamily="18" charset="0"/>
+              <a:cs typeface="Times New Roman" panose="02020603050405020304" pitchFamily="18" charset="0"/>
+            </a:endParaRPr>
+          </a:p>
+          <a:p>
+            <a:r>
+              <a:rPr lang="en-US" dirty="0">
+                <a:latin typeface="Times New Roman" panose="02020603050405020304" pitchFamily="18" charset="0"/>
+                <a:cs typeface="Times New Roman" panose="02020603050405020304" pitchFamily="18" charset="0"/>
+                <a:hlinkClick r:id="rId4"/>
+              </a:rPr>
+              <a:t>https://www.researchsquare.com/article/rs-2548456/v1</a:t>
+            </a:r>
+            <a:endParaRPr lang="en-US" dirty="0">
+              <a:latin typeface="Times New Roman" panose="02020603050405020304" pitchFamily="18" charset="0"/>
+              <a:cs typeface="Times New Roman" panose="02020603050405020304" pitchFamily="18" charset="0"/>
+            </a:endParaRPr>
+          </a:p>
+          <a:p>
+            <a:endParaRPr lang="en-US" sz="2400" dirty="0">
+              <a:latin typeface="Times New Roman" panose="02020603050405020304" pitchFamily="18" charset="0"/>
+              <a:cs typeface="Times New Roman" panose="02020603050405020304" pitchFamily="18" charset="0"/>
+            </a:endParaRPr>
+          </a:p>
+        </p:txBody>
+      </p:sp>
+      <p:sp>
+        <p:nvSpPr>
+          <p:cNvPr id="3" name="TextBox 2">
+            <a:extLst>
+              <a:ext uri="{FF2B5EF4-FFF2-40B4-BE49-F238E27FC236}">
+                <a16:creationId xmlns:a16="http://schemas.microsoft.com/office/drawing/2014/main" id="{422D0454-3E73-281E-E8EA-5CCE560643A2}"/>
+              </a:ext>
+            </a:extLst>
+          </p:cNvPr>
+          <p:cNvSpPr txBox="1"/>
+          <p:nvPr/>
+        </p:nvSpPr>
+        <p:spPr>
+          <a:xfrm>
+            <a:off x="782541" y="840685"/>
+            <a:ext cx="3729162" cy="707886"/>
+          </a:xfrm>
+          <a:prstGeom prst="rect">
+            <a:avLst/>
+          </a:prstGeom>
+          <a:noFill/>
+        </p:spPr>
+        <p:txBody>
+          <a:bodyPr wrap="square" rtlCol="0">
+            <a:spAutoFit/>
+          </a:bodyPr>
+          <a:lstStyle/>
+          <a:p>
+            <a:r>
+              <a:rPr lang="en-US" sz="4000" dirty="0">
+                <a:latin typeface="Times New Roman" panose="02020603050405020304" pitchFamily="18" charset="0"/>
+                <a:cs typeface="Times New Roman" panose="02020603050405020304" pitchFamily="18" charset="0"/>
+              </a:rPr>
+              <a:t>References</a:t>
             </a:r>
           </a:p>
         </p:txBody>

--- a/Phase1.pptx
+++ b/Phase1.pptx
@@ -13,6 +13,7 @@
     <p:sldId id="266" r:id="rId7"/>
     <p:sldId id="267" r:id="rId8"/>
     <p:sldId id="268" r:id="rId9"/>
+    <p:sldId id="275" r:id="rId10"/>
   </p:sldIdLst>
   <p:sldSz cx="12192000" cy="6858000"/>
   <p:notesSz cx="6858000" cy="9144000"/>
@@ -298,7 +299,7 @@
           <a:p>
             <a:fld id="{7463C41C-A487-0C45-A261-16903102544D}" type="datetimeFigureOut">
               <a:rPr lang="en-US" smtClean="0"/>
-              <a:t>2/27/23</a:t>
+              <a:t>2/27/2023</a:t>
             </a:fld>
             <a:endParaRPr lang="en-US"/>
           </a:p>
@@ -446,7 +447,7 @@
           <a:p>
             <a:fld id="{7463C41C-A487-0C45-A261-16903102544D}" type="datetimeFigureOut">
               <a:rPr lang="en-US" smtClean="0"/>
-              <a:t>2/27/23</a:t>
+              <a:t>2/27/2023</a:t>
             </a:fld>
             <a:endParaRPr lang="en-US"/>
           </a:p>
@@ -671,7 +672,7 @@
           <a:p>
             <a:fld id="{7463C41C-A487-0C45-A261-16903102544D}" type="datetimeFigureOut">
               <a:rPr lang="en-US" smtClean="0"/>
-              <a:t>2/27/23</a:t>
+              <a:t>2/27/2023</a:t>
             </a:fld>
             <a:endParaRPr lang="en-US"/>
           </a:p>
@@ -936,7 +937,7 @@
           <a:p>
             <a:fld id="{7463C41C-A487-0C45-A261-16903102544D}" type="datetimeFigureOut">
               <a:rPr lang="en-US" smtClean="0"/>
-              <a:t>2/27/23</a:t>
+              <a:t>2/27/2023</a:t>
             </a:fld>
             <a:endParaRPr lang="en-US"/>
           </a:p>
@@ -1335,7 +1336,7 @@
           <a:p>
             <a:fld id="{7463C41C-A487-0C45-A261-16903102544D}" type="datetimeFigureOut">
               <a:rPr lang="en-US" smtClean="0"/>
-              <a:t>2/27/23</a:t>
+              <a:t>2/27/2023</a:t>
             </a:fld>
             <a:endParaRPr lang="en-US"/>
           </a:p>
@@ -1432,7 +1433,7 @@
           <a:p>
             <a:fld id="{7463C41C-A487-0C45-A261-16903102544D}" type="datetimeFigureOut">
               <a:rPr lang="en-US" smtClean="0"/>
-              <a:t>2/27/23</a:t>
+              <a:t>2/27/2023</a:t>
             </a:fld>
             <a:endParaRPr lang="en-US"/>
           </a:p>
@@ -1507,7 +1508,7 @@
           <a:p>
             <a:fld id="{7463C41C-A487-0C45-A261-16903102544D}" type="datetimeFigureOut">
               <a:rPr lang="en-US" smtClean="0"/>
-              <a:t>2/27/23</a:t>
+              <a:t>2/27/2023</a:t>
             </a:fld>
             <a:endParaRPr lang="en-US"/>
           </a:p>
@@ -1762,7 +1763,7 @@
           <a:p>
             <a:fld id="{7463C41C-A487-0C45-A261-16903102544D}" type="datetimeFigureOut">
               <a:rPr lang="en-US" smtClean="0"/>
-              <a:t>2/27/23</a:t>
+              <a:t>2/27/2023</a:t>
             </a:fld>
             <a:endParaRPr lang="en-US"/>
           </a:p>
@@ -2144,7 +2145,7 @@
           <a:p>
             <a:fld id="{7463C41C-A487-0C45-A261-16903102544D}" type="datetimeFigureOut">
               <a:rPr lang="en-US" smtClean="0"/>
-              <a:t>2/27/23</a:t>
+              <a:t>2/27/2023</a:t>
             </a:fld>
             <a:endParaRPr lang="en-US"/>
           </a:p>
@@ -5367,6 +5368,95 @@
 </p:sld>
 </file>
 
+<file path=ppt/slides/slide9.xml><?xml version="1.0" encoding="utf-8"?>
+<p:sld xmlns:a="http://schemas.openxmlformats.org/drawingml/2006/main" xmlns:r="http://schemas.openxmlformats.org/officeDocument/2006/relationships" xmlns:p="http://schemas.openxmlformats.org/presentationml/2006/main">
+  <p:cSld>
+    <p:spTree>
+      <p:nvGrpSpPr>
+        <p:cNvPr id="1" name=""/>
+        <p:cNvGrpSpPr/>
+        <p:nvPr/>
+      </p:nvGrpSpPr>
+      <p:grpSpPr>
+        <a:xfrm>
+          <a:off x="0" y="0"/>
+          <a:ext cx="0" cy="0"/>
+          <a:chOff x="0" y="0"/>
+          <a:chExt cx="0" cy="0"/>
+        </a:xfrm>
+      </p:grpSpPr>
+      <p:sp>
+        <p:nvSpPr>
+          <p:cNvPr id="2" name="Title 1">
+            <a:extLst>
+              <a:ext uri="{FF2B5EF4-FFF2-40B4-BE49-F238E27FC236}">
+                <a16:creationId xmlns:a16="http://schemas.microsoft.com/office/drawing/2014/main" id="{26DBAFCE-2C4E-7AD7-A19A-1ABAAF463B8F}"/>
+              </a:ext>
+            </a:extLst>
+          </p:cNvPr>
+          <p:cNvSpPr>
+            <a:spLocks noGrp="1"/>
+          </p:cNvSpPr>
+          <p:nvPr>
+            <p:ph type="ctrTitle"/>
+          </p:nvPr>
+        </p:nvSpPr>
+        <p:spPr/>
+        <p:txBody>
+          <a:bodyPr>
+            <a:normAutofit fontScale="90000"/>
+          </a:bodyPr>
+          <a:lstStyle/>
+          <a:p>
+            <a:r>
+              <a:rPr lang="en-US" dirty="0" err="1"/>
+              <a:t>Balasdklfjasdfjkas</a:t>
+            </a:r>
+            <a:br>
+              <a:rPr lang="en-US"/>
+            </a:br>
+            <a:endParaRPr lang="en-US"/>
+          </a:p>
+        </p:txBody>
+      </p:sp>
+      <p:sp>
+        <p:nvSpPr>
+          <p:cNvPr id="3" name="Subtitle 2">
+            <a:extLst>
+              <a:ext uri="{FF2B5EF4-FFF2-40B4-BE49-F238E27FC236}">
+                <a16:creationId xmlns:a16="http://schemas.microsoft.com/office/drawing/2014/main" id="{582751DD-5A55-199A-4CBD-FAFF983A473A}"/>
+              </a:ext>
+            </a:extLst>
+          </p:cNvPr>
+          <p:cNvSpPr>
+            <a:spLocks noGrp="1"/>
+          </p:cNvSpPr>
+          <p:nvPr>
+            <p:ph type="subTitle" idx="1"/>
+          </p:nvPr>
+        </p:nvSpPr>
+        <p:spPr/>
+        <p:txBody>
+          <a:bodyPr/>
+          <a:lstStyle/>
+          <a:p>
+            <a:endParaRPr lang="en-US"/>
+          </a:p>
+        </p:txBody>
+      </p:sp>
+    </p:spTree>
+    <p:extLst>
+      <p:ext uri="{BB962C8B-B14F-4D97-AF65-F5344CB8AC3E}">
+        <p14:creationId xmlns:p14="http://schemas.microsoft.com/office/powerpoint/2010/main" val="1889972795"/>
+      </p:ext>
+    </p:extLst>
+  </p:cSld>
+  <p:clrMapOvr>
+    <a:masterClrMapping/>
+  </p:clrMapOvr>
+</p:sld>
+</file>
+
 <file path=ppt/theme/theme1.xml><?xml version="1.0" encoding="utf-8"?>
 <a:theme xmlns:a="http://schemas.openxmlformats.org/drawingml/2006/main" name="UMBC Template">
   <a:themeElements>
